--- a/SystemDesignDocs/FiguresForDesign/Figures.pptx
+++ b/SystemDesignDocs/FiguresForDesign/Figures.pptx
@@ -6,9 +6,8 @@
   </p:sldMasterIdLst>
   <p:sldIdLst>
     <p:sldId id="259" r:id="rId2"/>
-    <p:sldId id="258" r:id="rId3"/>
-    <p:sldId id="260" r:id="rId4"/>
-    <p:sldId id="257" r:id="rId5"/>
+    <p:sldId id="260" r:id="rId3"/>
+    <p:sldId id="257" r:id="rId4"/>
   </p:sldIdLst>
   <p:sldSz cx="6858000" cy="12192000"/>
   <p:notesSz cx="6858000" cy="9144000"/>
@@ -115,6 +114,18 @@
 </p:presentation>
 </file>
 
+<file path=ppt/commentAuthors.xml><?xml version="1.0" encoding="utf-8"?>
+<p:cmAuthorLst xmlns:a="http://schemas.openxmlformats.org/drawingml/2006/main" xmlns:r="http://schemas.openxmlformats.org/officeDocument/2006/relationships" xmlns:p="http://schemas.openxmlformats.org/presentationml/2006/main">
+  <p:cmAuthor id="1" name="Yang Huifan" initials="YH" lastIdx="1" clrIdx="0">
+    <p:extLst>
+      <p:ext uri="{19B8F6BF-5375-455C-9EA6-DF929625EA0E}">
+        <p15:presenceInfo xmlns:p15="http://schemas.microsoft.com/office/powerpoint/2012/main" userId="769c027170282345" providerId="Windows Live"/>
+      </p:ext>
+    </p:extLst>
+  </p:cmAuthor>
+</p:cmAuthorLst>
+</file>
+
 <file path=ppt/slideLayouts/slideLayout1.xml><?xml version="1.0" encoding="utf-8"?>
 <p:sldLayout xmlns:a="http://schemas.openxmlformats.org/drawingml/2006/main" xmlns:r="http://schemas.openxmlformats.org/officeDocument/2006/relationships" xmlns:p="http://schemas.openxmlformats.org/presentationml/2006/main" type="title" preserve="1">
   <p:cSld name="Title Slide">
@@ -246,7 +257,7 @@
           <a:p>
             <a:fld id="{BCF065E9-F0BD-4CBA-8514-7C9F3F1A00B0}" type="datetimeFigureOut">
               <a:rPr lang="en-US" smtClean="0"/>
-              <a:t>5/1/2022</a:t>
+              <a:t>5/2/2022</a:t>
             </a:fld>
             <a:endParaRPr lang="en-US"/>
           </a:p>
@@ -416,7 +427,7 @@
           <a:p>
             <a:fld id="{BCF065E9-F0BD-4CBA-8514-7C9F3F1A00B0}" type="datetimeFigureOut">
               <a:rPr lang="en-US" smtClean="0"/>
-              <a:t>5/1/2022</a:t>
+              <a:t>5/2/2022</a:t>
             </a:fld>
             <a:endParaRPr lang="en-US"/>
           </a:p>
@@ -596,7 +607,7 @@
           <a:p>
             <a:fld id="{BCF065E9-F0BD-4CBA-8514-7C9F3F1A00B0}" type="datetimeFigureOut">
               <a:rPr lang="en-US" smtClean="0"/>
-              <a:t>5/1/2022</a:t>
+              <a:t>5/2/2022</a:t>
             </a:fld>
             <a:endParaRPr lang="en-US"/>
           </a:p>
@@ -766,7 +777,7 @@
           <a:p>
             <a:fld id="{BCF065E9-F0BD-4CBA-8514-7C9F3F1A00B0}" type="datetimeFigureOut">
               <a:rPr lang="en-US" smtClean="0"/>
-              <a:t>5/1/2022</a:t>
+              <a:t>5/2/2022</a:t>
             </a:fld>
             <a:endParaRPr lang="en-US"/>
           </a:p>
@@ -1010,7 +1021,7 @@
           <a:p>
             <a:fld id="{BCF065E9-F0BD-4CBA-8514-7C9F3F1A00B0}" type="datetimeFigureOut">
               <a:rPr lang="en-US" smtClean="0"/>
-              <a:t>5/1/2022</a:t>
+              <a:t>5/2/2022</a:t>
             </a:fld>
             <a:endParaRPr lang="en-US"/>
           </a:p>
@@ -1242,7 +1253,7 @@
           <a:p>
             <a:fld id="{BCF065E9-F0BD-4CBA-8514-7C9F3F1A00B0}" type="datetimeFigureOut">
               <a:rPr lang="en-US" smtClean="0"/>
-              <a:t>5/1/2022</a:t>
+              <a:t>5/2/2022</a:t>
             </a:fld>
             <a:endParaRPr lang="en-US"/>
           </a:p>
@@ -1609,7 +1620,7 @@
           <a:p>
             <a:fld id="{BCF065E9-F0BD-4CBA-8514-7C9F3F1A00B0}" type="datetimeFigureOut">
               <a:rPr lang="en-US" smtClean="0"/>
-              <a:t>5/1/2022</a:t>
+              <a:t>5/2/2022</a:t>
             </a:fld>
             <a:endParaRPr lang="en-US"/>
           </a:p>
@@ -1727,7 +1738,7 @@
           <a:p>
             <a:fld id="{BCF065E9-F0BD-4CBA-8514-7C9F3F1A00B0}" type="datetimeFigureOut">
               <a:rPr lang="en-US" smtClean="0"/>
-              <a:t>5/1/2022</a:t>
+              <a:t>5/2/2022</a:t>
             </a:fld>
             <a:endParaRPr lang="en-US"/>
           </a:p>
@@ -1822,7 +1833,7 @@
           <a:p>
             <a:fld id="{BCF065E9-F0BD-4CBA-8514-7C9F3F1A00B0}" type="datetimeFigureOut">
               <a:rPr lang="en-US" smtClean="0"/>
-              <a:t>5/1/2022</a:t>
+              <a:t>5/2/2022</a:t>
             </a:fld>
             <a:endParaRPr lang="en-US"/>
           </a:p>
@@ -2099,7 +2110,7 @@
           <a:p>
             <a:fld id="{BCF065E9-F0BD-4CBA-8514-7C9F3F1A00B0}" type="datetimeFigureOut">
               <a:rPr lang="en-US" smtClean="0"/>
-              <a:t>5/1/2022</a:t>
+              <a:t>5/2/2022</a:t>
             </a:fld>
             <a:endParaRPr lang="en-US"/>
           </a:p>
@@ -2356,7 +2367,7 @@
           <a:p>
             <a:fld id="{BCF065E9-F0BD-4CBA-8514-7C9F3F1A00B0}" type="datetimeFigureOut">
               <a:rPr lang="en-US" smtClean="0"/>
-              <a:t>5/1/2022</a:t>
+              <a:t>5/2/2022</a:t>
             </a:fld>
             <a:endParaRPr lang="en-US"/>
           </a:p>
@@ -2569,7 +2580,7 @@
           <a:p>
             <a:fld id="{BCF065E9-F0BD-4CBA-8514-7C9F3F1A00B0}" type="datetimeFigureOut">
               <a:rPr lang="en-US" smtClean="0"/>
-              <a:t>5/1/2022</a:t>
+              <a:t>5/2/2022</a:t>
             </a:fld>
             <a:endParaRPr lang="en-US"/>
           </a:p>
@@ -2988,7 +2999,7 @@
         </p:nvSpPr>
         <p:spPr>
           <a:xfrm>
-            <a:off x="357980" y="478465"/>
+            <a:off x="456861" y="55448"/>
             <a:ext cx="2161682" cy="369332"/>
           </a:xfrm>
           <a:prstGeom prst="rect">
@@ -3031,14 +3042,17 @@
         </p:nvSpPr>
         <p:spPr>
           <a:xfrm>
-            <a:off x="1080461" y="9023244"/>
-            <a:ext cx="5289859" cy="3036676"/>
+            <a:off x="1188720" y="8094472"/>
+            <a:ext cx="5181600" cy="3829304"/>
           </a:xfrm>
           <a:prstGeom prst="rect">
             <a:avLst/>
           </a:prstGeom>
           <a:noFill/>
           <a:ln>
+            <a:solidFill>
+              <a:schemeClr val="tx1"/>
+            </a:solidFill>
             <a:prstDash val="solid"/>
           </a:ln>
         </p:spPr>
@@ -3081,7 +3095,7 @@
         </p:nvSpPr>
         <p:spPr>
           <a:xfrm>
-            <a:off x="193188" y="10193604"/>
+            <a:off x="217548" y="9789347"/>
             <a:ext cx="799687" cy="584775"/>
           </a:xfrm>
           <a:prstGeom prst="rect">
@@ -3125,7 +3139,7 @@
         </p:nvSpPr>
         <p:spPr>
           <a:xfrm>
-            <a:off x="1970476" y="11626378"/>
+            <a:off x="1970476" y="10647970"/>
             <a:ext cx="800219" cy="215444"/>
           </a:xfrm>
           <a:prstGeom prst="rect">
@@ -3153,10 +3167,18 @@
           <a:lstStyle/>
           <a:p>
             <a:r>
-              <a:rPr lang="zh-CN" altLang="en-US" sz="800" dirty="0"/>
+              <a:rPr lang="zh-CN" altLang="en-US" sz="800" dirty="0">
+                <a:solidFill>
+                  <a:schemeClr val="tx1"/>
+                </a:solidFill>
+              </a:rPr>
               <a:t>非结构化数据</a:t>
             </a:r>
-            <a:endParaRPr lang="en-US" sz="800" dirty="0"/>
+            <a:endParaRPr lang="en-US" sz="800" dirty="0">
+              <a:solidFill>
+                <a:schemeClr val="tx1"/>
+              </a:solidFill>
+            </a:endParaRPr>
           </a:p>
         </p:txBody>
       </p:sp>
@@ -3174,12 +3196,15 @@
         </p:nvSpPr>
         <p:spPr>
           <a:xfrm>
-            <a:off x="3725390" y="11626378"/>
+            <a:off x="3725390" y="10647970"/>
             <a:ext cx="800219" cy="215444"/>
           </a:xfrm>
           <a:prstGeom prst="rect">
             <a:avLst/>
           </a:prstGeom>
+          <a:solidFill>
+            <a:srgbClr val="FFC000"/>
+          </a:solidFill>
         </p:spPr>
         <p:style>
           <a:lnRef idx="3">
@@ -3202,10 +3227,18 @@
           <a:lstStyle/>
           <a:p>
             <a:r>
-              <a:rPr lang="zh-CN" altLang="en-US" sz="800" dirty="0"/>
+              <a:rPr lang="zh-CN" altLang="en-US" sz="800" dirty="0">
+                <a:solidFill>
+                  <a:schemeClr val="tx1"/>
+                </a:solidFill>
+              </a:rPr>
               <a:t>半结构化数据</a:t>
             </a:r>
-            <a:endParaRPr lang="en-US" sz="800" dirty="0"/>
+            <a:endParaRPr lang="en-US" sz="800" dirty="0">
+              <a:solidFill>
+                <a:schemeClr val="tx1"/>
+              </a:solidFill>
+            </a:endParaRPr>
           </a:p>
         </p:txBody>
       </p:sp>
@@ -3223,12 +3256,15 @@
         </p:nvSpPr>
         <p:spPr>
           <a:xfrm>
-            <a:off x="5169707" y="11626378"/>
+            <a:off x="5169707" y="10647970"/>
             <a:ext cx="697627" cy="215444"/>
           </a:xfrm>
           <a:prstGeom prst="rect">
             <a:avLst/>
           </a:prstGeom>
+          <a:solidFill>
+            <a:schemeClr val="accent6"/>
+          </a:solidFill>
         </p:spPr>
         <p:style>
           <a:lnRef idx="3">
@@ -3272,11 +3308,13 @@
         </p:nvSpPr>
         <p:spPr>
           <a:xfrm>
-            <a:off x="1257897" y="9220200"/>
-            <a:ext cx="2232064" cy="2357120"/>
+            <a:off x="1356359" y="8267192"/>
+            <a:ext cx="2032001" cy="2331720"/>
           </a:xfrm>
           <a:prstGeom prst="roundRect">
-            <a:avLst/>
+            <a:avLst>
+              <a:gd name="adj" fmla="val 5060"/>
+            </a:avLst>
           </a:prstGeom>
           <a:solidFill>
             <a:schemeClr val="accent1">
@@ -3324,7 +3362,7 @@
         </p:nvSpPr>
         <p:spPr>
           <a:xfrm>
-            <a:off x="1985567" y="11292864"/>
+            <a:off x="1985567" y="10314456"/>
             <a:ext cx="767158" cy="230832"/>
           </a:xfrm>
           <a:prstGeom prst="rect">
@@ -3369,7 +3407,7 @@
         </p:blipFill>
         <p:spPr>
           <a:xfrm>
-            <a:off x="1599315" y="9424859"/>
+            <a:off x="1599315" y="8446451"/>
             <a:ext cx="753685" cy="339841"/>
           </a:xfrm>
           <a:prstGeom prst="rect">
@@ -3391,7 +3429,7 @@
         </p:nvSpPr>
         <p:spPr>
           <a:xfrm>
-            <a:off x="1681922" y="9760820"/>
+            <a:off x="1681922" y="8782412"/>
             <a:ext cx="609747" cy="215444"/>
           </a:xfrm>
           <a:prstGeom prst="rect">
@@ -3436,7 +3474,7 @@
         </p:nvSpPr>
         <p:spPr>
           <a:xfrm>
-            <a:off x="2538341" y="9766481"/>
+            <a:off x="2538341" y="8788073"/>
             <a:ext cx="609747" cy="215444"/>
           </a:xfrm>
           <a:prstGeom prst="rect">
@@ -3489,7 +3527,7 @@
         </p:blipFill>
         <p:spPr>
           <a:xfrm>
-            <a:off x="2469104" y="9395045"/>
+            <a:off x="2469104" y="8416637"/>
             <a:ext cx="663117" cy="399468"/>
           </a:xfrm>
           <a:prstGeom prst="rect">
@@ -3511,7 +3549,7 @@
         </p:nvSpPr>
         <p:spPr>
           <a:xfrm>
-            <a:off x="2764615" y="10740501"/>
+            <a:off x="2764615" y="9762093"/>
             <a:ext cx="766945" cy="338554"/>
           </a:xfrm>
           <a:prstGeom prst="rect">
@@ -3586,7 +3624,7 @@
         </p:blipFill>
         <p:spPr bwMode="auto">
           <a:xfrm>
-            <a:off x="1480126" y="10590555"/>
+            <a:off x="1480126" y="9612147"/>
             <a:ext cx="1420665" cy="638447"/>
           </a:xfrm>
           <a:prstGeom prst="rect">
@@ -3633,7 +3671,7 @@
         </p:blipFill>
         <p:spPr bwMode="auto">
           <a:xfrm>
-            <a:off x="2070636" y="9992256"/>
+            <a:off x="2070636" y="9013848"/>
             <a:ext cx="633592" cy="355717"/>
           </a:xfrm>
           <a:prstGeom prst="rect">
@@ -3665,7 +3703,7 @@
         </p:nvSpPr>
         <p:spPr>
           <a:xfrm>
-            <a:off x="2082558" y="10322295"/>
+            <a:off x="2082558" y="9343887"/>
             <a:ext cx="609747" cy="215444"/>
           </a:xfrm>
           <a:prstGeom prst="rect">
@@ -3696,6 +3734,4102 @@
           </a:p>
         </p:txBody>
       </p:sp>
+      <p:sp>
+        <p:nvSpPr>
+          <p:cNvPr id="21" name="Rectangle: Rounded Corners 20">
+            <a:extLst>
+              <a:ext uri="{FF2B5EF4-FFF2-40B4-BE49-F238E27FC236}">
+                <a16:creationId xmlns:a16="http://schemas.microsoft.com/office/drawing/2014/main" id="{7100FC91-0D60-4EEB-9582-6CE07B62F399}"/>
+              </a:ext>
+            </a:extLst>
+          </p:cNvPr>
+          <p:cNvSpPr/>
+          <p:nvPr/>
+        </p:nvSpPr>
+        <p:spPr>
+          <a:xfrm>
+            <a:off x="3450389" y="8267192"/>
+            <a:ext cx="1319732" cy="2331720"/>
+          </a:xfrm>
+          <a:prstGeom prst="roundRect">
+            <a:avLst>
+              <a:gd name="adj" fmla="val 5060"/>
+            </a:avLst>
+          </a:prstGeom>
+          <a:solidFill>
+            <a:srgbClr val="FFC000">
+              <a:alpha val="50000"/>
+            </a:srgbClr>
+          </a:solidFill>
+          <a:ln>
+            <a:noFill/>
+          </a:ln>
+        </p:spPr>
+        <p:style>
+          <a:lnRef idx="0">
+            <a:scrgbClr r="0" g="0" b="0"/>
+          </a:lnRef>
+          <a:fillRef idx="0">
+            <a:scrgbClr r="0" g="0" b="0"/>
+          </a:fillRef>
+          <a:effectRef idx="0">
+            <a:scrgbClr r="0" g="0" b="0"/>
+          </a:effectRef>
+          <a:fontRef idx="minor">
+            <a:schemeClr val="lt1"/>
+          </a:fontRef>
+        </p:style>
+        <p:txBody>
+          <a:bodyPr rtlCol="0" anchor="ctr"/>
+          <a:lstStyle/>
+          <a:p>
+            <a:pPr algn="ctr"/>
+            <a:endParaRPr lang="en-US"/>
+          </a:p>
+        </p:txBody>
+      </p:sp>
+      <p:pic>
+        <p:nvPicPr>
+          <p:cNvPr id="1026" name="Picture 2" descr="Xml File Document Icon, Document Icons, File Icons, Xml Icons PNG and  Vector with Transparent Background for Free Download">
+            <a:extLst>
+              <a:ext uri="{FF2B5EF4-FFF2-40B4-BE49-F238E27FC236}">
+                <a16:creationId xmlns:a16="http://schemas.microsoft.com/office/drawing/2014/main" id="{2892D202-6E0C-42B6-8C58-B657D6D52855}"/>
+              </a:ext>
+            </a:extLst>
+          </p:cNvPr>
+          <p:cNvPicPr>
+            <a:picLocks noChangeAspect="1" noChangeArrowheads="1"/>
+          </p:cNvPicPr>
+          <p:nvPr/>
+        </p:nvPicPr>
+        <p:blipFill>
+          <a:blip r:embed="rId6">
+            <a:extLst>
+              <a:ext uri="{28A0092B-C50C-407E-A947-70E740481C1C}">
+                <a14:useLocalDpi xmlns:a14="http://schemas.microsoft.com/office/drawing/2010/main" val="0"/>
+              </a:ext>
+            </a:extLst>
+          </a:blip>
+          <a:srcRect/>
+          <a:stretch>
+            <a:fillRect/>
+          </a:stretch>
+        </p:blipFill>
+        <p:spPr bwMode="auto">
+          <a:xfrm>
+            <a:off x="3715273" y="9261211"/>
+            <a:ext cx="387364" cy="387364"/>
+          </a:xfrm>
+          <a:prstGeom prst="rect">
+            <a:avLst/>
+          </a:prstGeom>
+          <a:noFill/>
+          <a:extLst>
+            <a:ext uri="{909E8E84-426E-40DD-AFC4-6F175D3DCCD1}">
+              <a14:hiddenFill xmlns:a14="http://schemas.microsoft.com/office/drawing/2010/main">
+                <a:solidFill>
+                  <a:srgbClr val="FFFFFF"/>
+                </a:solidFill>
+              </a14:hiddenFill>
+            </a:ext>
+          </a:extLst>
+        </p:spPr>
+      </p:pic>
+      <p:pic>
+        <p:nvPicPr>
+          <p:cNvPr id="1028" name="Picture 4" descr="Toric + JSON | Data Integration">
+            <a:extLst>
+              <a:ext uri="{FF2B5EF4-FFF2-40B4-BE49-F238E27FC236}">
+                <a16:creationId xmlns:a16="http://schemas.microsoft.com/office/drawing/2014/main" id="{1A77670B-7980-4E20-9711-D04F30E3FD64}"/>
+              </a:ext>
+            </a:extLst>
+          </p:cNvPr>
+          <p:cNvPicPr>
+            <a:picLocks noChangeAspect="1" noChangeArrowheads="1"/>
+          </p:cNvPicPr>
+          <p:nvPr/>
+        </p:nvPicPr>
+        <p:blipFill>
+          <a:blip r:embed="rId7">
+            <a:extLst>
+              <a:ext uri="{28A0092B-C50C-407E-A947-70E740481C1C}">
+                <a14:useLocalDpi xmlns:a14="http://schemas.microsoft.com/office/drawing/2010/main" val="0"/>
+              </a:ext>
+            </a:extLst>
+          </a:blip>
+          <a:srcRect/>
+          <a:stretch>
+            <a:fillRect/>
+          </a:stretch>
+        </p:blipFill>
+        <p:spPr bwMode="auto">
+          <a:xfrm>
+            <a:off x="3725390" y="9878741"/>
+            <a:ext cx="371853" cy="371853"/>
+          </a:xfrm>
+          <a:prstGeom prst="rect">
+            <a:avLst/>
+          </a:prstGeom>
+          <a:noFill/>
+          <a:extLst>
+            <a:ext uri="{909E8E84-426E-40DD-AFC4-6F175D3DCCD1}">
+              <a14:hiddenFill xmlns:a14="http://schemas.microsoft.com/office/drawing/2010/main">
+                <a:solidFill>
+                  <a:srgbClr val="FFFFFF"/>
+                </a:solidFill>
+              </a14:hiddenFill>
+            </a:ext>
+          </a:extLst>
+        </p:spPr>
+      </p:pic>
+      <p:sp>
+        <p:nvSpPr>
+          <p:cNvPr id="22" name="TextBox 21">
+            <a:extLst>
+              <a:ext uri="{FF2B5EF4-FFF2-40B4-BE49-F238E27FC236}">
+                <a16:creationId xmlns:a16="http://schemas.microsoft.com/office/drawing/2014/main" id="{F4016AB4-3852-42E0-B811-BB9947535CA6}"/>
+              </a:ext>
+            </a:extLst>
+          </p:cNvPr>
+          <p:cNvSpPr txBox="1"/>
+          <p:nvPr/>
+        </p:nvSpPr>
+        <p:spPr>
+          <a:xfrm>
+            <a:off x="4017235" y="9377579"/>
+            <a:ext cx="609747" cy="215444"/>
+          </a:xfrm>
+          <a:prstGeom prst="rect">
+            <a:avLst/>
+          </a:prstGeom>
+          <a:noFill/>
+        </p:spPr>
+        <p:txBody>
+          <a:bodyPr wrap="square" rtlCol="0">
+            <a:spAutoFit/>
+          </a:bodyPr>
+          <a:lstStyle/>
+          <a:p>
+            <a:pPr algn="ctr"/>
+            <a:r>
+              <a:rPr lang="en-US" sz="800" b="1" dirty="0">
+                <a:solidFill>
+                  <a:schemeClr val="accent4">
+                    <a:lumMod val="50000"/>
+                  </a:schemeClr>
+                </a:solidFill>
+              </a:rPr>
+              <a:t>XML</a:t>
+            </a:r>
+          </a:p>
+        </p:txBody>
+      </p:sp>
+      <p:pic>
+        <p:nvPicPr>
+          <p:cNvPr id="25" name="Picture 24" descr="知识图谱的数据类型示例 | 半结构化数据">
+            <a:extLst>
+              <a:ext uri="{FF2B5EF4-FFF2-40B4-BE49-F238E27FC236}">
+                <a16:creationId xmlns:a16="http://schemas.microsoft.com/office/drawing/2014/main" id="{B14FFB7D-8DD6-4615-84D9-78B7C27BE6B4}"/>
+              </a:ext>
+            </a:extLst>
+          </p:cNvPr>
+          <p:cNvPicPr>
+            <a:picLocks noChangeAspect="1"/>
+          </p:cNvPicPr>
+          <p:nvPr/>
+        </p:nvPicPr>
+        <p:blipFill rotWithShape="1">
+          <a:blip r:embed="rId8" cstate="print">
+            <a:extLst>
+              <a:ext uri="{28A0092B-C50C-407E-A947-70E740481C1C}">
+                <a14:useLocalDpi xmlns:a14="http://schemas.microsoft.com/office/drawing/2010/main" val="0"/>
+              </a:ext>
+            </a:extLst>
+          </a:blip>
+          <a:srcRect l="6116" t="22213" r="5822" b="20220"/>
+          <a:stretch/>
+        </p:blipFill>
+        <p:spPr bwMode="auto">
+          <a:xfrm>
+            <a:off x="3503923" y="8448696"/>
+            <a:ext cx="1212669" cy="419450"/>
+          </a:xfrm>
+          <a:prstGeom prst="rect">
+            <a:avLst/>
+          </a:prstGeom>
+          <a:noFill/>
+          <a:ln>
+            <a:noFill/>
+          </a:ln>
+        </p:spPr>
+      </p:pic>
+      <p:sp>
+        <p:nvSpPr>
+          <p:cNvPr id="26" name="TextBox 25">
+            <a:extLst>
+              <a:ext uri="{FF2B5EF4-FFF2-40B4-BE49-F238E27FC236}">
+                <a16:creationId xmlns:a16="http://schemas.microsoft.com/office/drawing/2014/main" id="{580D429C-551E-40A4-BB49-133B1AC37CA5}"/>
+              </a:ext>
+            </a:extLst>
+          </p:cNvPr>
+          <p:cNvSpPr txBox="1"/>
+          <p:nvPr/>
+        </p:nvSpPr>
+        <p:spPr>
+          <a:xfrm>
+            <a:off x="4058824" y="9951957"/>
+            <a:ext cx="609747" cy="215444"/>
+          </a:xfrm>
+          <a:prstGeom prst="rect">
+            <a:avLst/>
+          </a:prstGeom>
+          <a:noFill/>
+        </p:spPr>
+        <p:txBody>
+          <a:bodyPr wrap="square" rtlCol="0">
+            <a:spAutoFit/>
+          </a:bodyPr>
+          <a:lstStyle/>
+          <a:p>
+            <a:pPr algn="ctr"/>
+            <a:r>
+              <a:rPr lang="en-US" sz="800" b="1" dirty="0">
+                <a:solidFill>
+                  <a:schemeClr val="accent4">
+                    <a:lumMod val="50000"/>
+                  </a:schemeClr>
+                </a:solidFill>
+              </a:rPr>
+              <a:t>JSON</a:t>
+            </a:r>
+          </a:p>
+        </p:txBody>
+      </p:sp>
+      <p:sp>
+        <p:nvSpPr>
+          <p:cNvPr id="27" name="TextBox 26">
+            <a:extLst>
+              <a:ext uri="{FF2B5EF4-FFF2-40B4-BE49-F238E27FC236}">
+                <a16:creationId xmlns:a16="http://schemas.microsoft.com/office/drawing/2014/main" id="{4917BBB6-B04E-4849-999A-CAEE780B6398}"/>
+              </a:ext>
+            </a:extLst>
+          </p:cNvPr>
+          <p:cNvSpPr txBox="1"/>
+          <p:nvPr/>
+        </p:nvSpPr>
+        <p:spPr>
+          <a:xfrm>
+            <a:off x="3820625" y="8886709"/>
+            <a:ext cx="609747" cy="215444"/>
+          </a:xfrm>
+          <a:prstGeom prst="rect">
+            <a:avLst/>
+          </a:prstGeom>
+          <a:noFill/>
+        </p:spPr>
+        <p:txBody>
+          <a:bodyPr wrap="square" rtlCol="0">
+            <a:spAutoFit/>
+          </a:bodyPr>
+          <a:lstStyle/>
+          <a:p>
+            <a:pPr algn="ctr"/>
+            <a:r>
+              <a:rPr lang="zh-CN" altLang="en-US" sz="800" b="1" dirty="0">
+                <a:solidFill>
+                  <a:schemeClr val="accent4">
+                    <a:lumMod val="50000"/>
+                  </a:schemeClr>
+                </a:solidFill>
+              </a:rPr>
+              <a:t>百科</a:t>
+            </a:r>
+            <a:endParaRPr lang="en-US" sz="800" b="1" dirty="0">
+              <a:solidFill>
+                <a:schemeClr val="accent4">
+                  <a:lumMod val="50000"/>
+                </a:schemeClr>
+              </a:solidFill>
+            </a:endParaRPr>
+          </a:p>
+        </p:txBody>
+      </p:sp>
+      <p:sp>
+        <p:nvSpPr>
+          <p:cNvPr id="28" name="Rectangle: Rounded Corners 27">
+            <a:extLst>
+              <a:ext uri="{FF2B5EF4-FFF2-40B4-BE49-F238E27FC236}">
+                <a16:creationId xmlns:a16="http://schemas.microsoft.com/office/drawing/2014/main" id="{7F01CE8A-C11A-498F-B706-F731BB788E4F}"/>
+              </a:ext>
+            </a:extLst>
+          </p:cNvPr>
+          <p:cNvSpPr/>
+          <p:nvPr/>
+        </p:nvSpPr>
+        <p:spPr>
+          <a:xfrm>
+            <a:off x="4841775" y="8267192"/>
+            <a:ext cx="1319732" cy="2331720"/>
+          </a:xfrm>
+          <a:prstGeom prst="roundRect">
+            <a:avLst>
+              <a:gd name="adj" fmla="val 5060"/>
+            </a:avLst>
+          </a:prstGeom>
+          <a:solidFill>
+            <a:schemeClr val="accent6">
+              <a:alpha val="50000"/>
+            </a:schemeClr>
+          </a:solidFill>
+          <a:ln>
+            <a:noFill/>
+          </a:ln>
+        </p:spPr>
+        <p:style>
+          <a:lnRef idx="0">
+            <a:scrgbClr r="0" g="0" b="0"/>
+          </a:lnRef>
+          <a:fillRef idx="0">
+            <a:scrgbClr r="0" g="0" b="0"/>
+          </a:fillRef>
+          <a:effectRef idx="0">
+            <a:scrgbClr r="0" g="0" b="0"/>
+          </a:effectRef>
+          <a:fontRef idx="minor">
+            <a:schemeClr val="lt1"/>
+          </a:fontRef>
+        </p:style>
+        <p:txBody>
+          <a:bodyPr rtlCol="0" anchor="ctr"/>
+          <a:lstStyle/>
+          <a:p>
+            <a:pPr algn="ctr"/>
+            <a:endParaRPr lang="en-US"/>
+          </a:p>
+        </p:txBody>
+      </p:sp>
+      <p:pic>
+        <p:nvPicPr>
+          <p:cNvPr id="1030" name="Picture 6" descr="关系型数据库工作原理| Hello World">
+            <a:extLst>
+              <a:ext uri="{FF2B5EF4-FFF2-40B4-BE49-F238E27FC236}">
+                <a16:creationId xmlns:a16="http://schemas.microsoft.com/office/drawing/2014/main" id="{26F32F53-6F58-4442-9527-DB3ECD7F88C5}"/>
+              </a:ext>
+            </a:extLst>
+          </p:cNvPr>
+          <p:cNvPicPr>
+            <a:picLocks noChangeAspect="1" noChangeArrowheads="1"/>
+          </p:cNvPicPr>
+          <p:nvPr/>
+        </p:nvPicPr>
+        <p:blipFill>
+          <a:blip r:embed="rId9">
+            <a:extLst>
+              <a:ext uri="{28A0092B-C50C-407E-A947-70E740481C1C}">
+                <a14:useLocalDpi xmlns:a14="http://schemas.microsoft.com/office/drawing/2010/main" val="0"/>
+              </a:ext>
+            </a:extLst>
+          </a:blip>
+          <a:srcRect/>
+          <a:stretch>
+            <a:fillRect/>
+          </a:stretch>
+        </p:blipFill>
+        <p:spPr bwMode="auto">
+          <a:xfrm>
+            <a:off x="5216294" y="8410463"/>
+            <a:ext cx="570693" cy="608738"/>
+          </a:xfrm>
+          <a:prstGeom prst="rect">
+            <a:avLst/>
+          </a:prstGeom>
+          <a:noFill/>
+          <a:extLst>
+            <a:ext uri="{909E8E84-426E-40DD-AFC4-6F175D3DCCD1}">
+              <a14:hiddenFill xmlns:a14="http://schemas.microsoft.com/office/drawing/2010/main">
+                <a:solidFill>
+                  <a:srgbClr val="FFFFFF"/>
+                </a:solidFill>
+              </a14:hiddenFill>
+            </a:ext>
+          </a:extLst>
+        </p:spPr>
+      </p:pic>
+      <p:sp>
+        <p:nvSpPr>
+          <p:cNvPr id="29" name="TextBox 28">
+            <a:extLst>
+              <a:ext uri="{FF2B5EF4-FFF2-40B4-BE49-F238E27FC236}">
+                <a16:creationId xmlns:a16="http://schemas.microsoft.com/office/drawing/2014/main" id="{C7A59DCD-8325-46A3-A3D2-7DF8960BB30E}"/>
+              </a:ext>
+            </a:extLst>
+          </p:cNvPr>
+          <p:cNvSpPr txBox="1"/>
+          <p:nvPr/>
+        </p:nvSpPr>
+        <p:spPr>
+          <a:xfrm>
+            <a:off x="5088957" y="9045767"/>
+            <a:ext cx="859125" cy="215444"/>
+          </a:xfrm>
+          <a:prstGeom prst="rect">
+            <a:avLst/>
+          </a:prstGeom>
+          <a:noFill/>
+        </p:spPr>
+        <p:txBody>
+          <a:bodyPr wrap="square" rtlCol="0">
+            <a:spAutoFit/>
+          </a:bodyPr>
+          <a:lstStyle/>
+          <a:p>
+            <a:pPr algn="ctr"/>
+            <a:r>
+              <a:rPr lang="zh-CN" altLang="en-US" sz="800" b="1" dirty="0">
+                <a:solidFill>
+                  <a:schemeClr val="accent6">
+                    <a:lumMod val="50000"/>
+                  </a:schemeClr>
+                </a:solidFill>
+              </a:rPr>
+              <a:t>关系型数据库</a:t>
+            </a:r>
+            <a:endParaRPr lang="en-US" sz="800" b="1" dirty="0">
+              <a:solidFill>
+                <a:schemeClr val="accent6">
+                  <a:lumMod val="50000"/>
+                </a:schemeClr>
+              </a:solidFill>
+            </a:endParaRPr>
+          </a:p>
+        </p:txBody>
+      </p:sp>
+      <p:sp>
+        <p:nvSpPr>
+          <p:cNvPr id="30" name="TextBox 29">
+            <a:extLst>
+              <a:ext uri="{FF2B5EF4-FFF2-40B4-BE49-F238E27FC236}">
+                <a16:creationId xmlns:a16="http://schemas.microsoft.com/office/drawing/2014/main" id="{6C32D3FC-24DC-46AD-B5EC-922AA5BCAB8B}"/>
+              </a:ext>
+            </a:extLst>
+          </p:cNvPr>
+          <p:cNvSpPr txBox="1"/>
+          <p:nvPr/>
+        </p:nvSpPr>
+        <p:spPr>
+          <a:xfrm>
+            <a:off x="5088957" y="10272418"/>
+            <a:ext cx="859125" cy="215444"/>
+          </a:xfrm>
+          <a:prstGeom prst="rect">
+            <a:avLst/>
+          </a:prstGeom>
+          <a:noFill/>
+        </p:spPr>
+        <p:txBody>
+          <a:bodyPr wrap="square" rtlCol="0">
+            <a:spAutoFit/>
+          </a:bodyPr>
+          <a:lstStyle/>
+          <a:p>
+            <a:pPr algn="ctr"/>
+            <a:r>
+              <a:rPr lang="zh-CN" altLang="en-US" sz="800" b="1" dirty="0">
+                <a:solidFill>
+                  <a:schemeClr val="accent6">
+                    <a:lumMod val="50000"/>
+                  </a:schemeClr>
+                </a:solidFill>
+              </a:rPr>
+              <a:t>外部知识库</a:t>
+            </a:r>
+            <a:endParaRPr lang="en-US" sz="800" b="1" dirty="0">
+              <a:solidFill>
+                <a:schemeClr val="accent6">
+                  <a:lumMod val="50000"/>
+                </a:schemeClr>
+              </a:solidFill>
+            </a:endParaRPr>
+          </a:p>
+        </p:txBody>
+      </p:sp>
+      <p:pic>
+        <p:nvPicPr>
+          <p:cNvPr id="1032" name="Picture 8" descr="Experimentations with Wikidata/Wikibase - Hanging Together">
+            <a:extLst>
+              <a:ext uri="{FF2B5EF4-FFF2-40B4-BE49-F238E27FC236}">
+                <a16:creationId xmlns:a16="http://schemas.microsoft.com/office/drawing/2014/main" id="{8330B451-B607-4DD4-AAFF-111329486118}"/>
+              </a:ext>
+            </a:extLst>
+          </p:cNvPr>
+          <p:cNvPicPr>
+            <a:picLocks noChangeAspect="1" noChangeArrowheads="1"/>
+          </p:cNvPicPr>
+          <p:nvPr/>
+        </p:nvPicPr>
+        <p:blipFill>
+          <a:blip r:embed="rId10">
+            <a:extLst>
+              <a:ext uri="{28A0092B-C50C-407E-A947-70E740481C1C}">
+                <a14:useLocalDpi xmlns:a14="http://schemas.microsoft.com/office/drawing/2010/main" val="0"/>
+              </a:ext>
+            </a:extLst>
+          </a:blip>
+          <a:srcRect/>
+          <a:stretch>
+            <a:fillRect/>
+          </a:stretch>
+        </p:blipFill>
+        <p:spPr bwMode="auto">
+          <a:xfrm>
+            <a:off x="5178608" y="9413603"/>
+            <a:ext cx="646063" cy="255661"/>
+          </a:xfrm>
+          <a:prstGeom prst="rect">
+            <a:avLst/>
+          </a:prstGeom>
+          <a:noFill/>
+          <a:extLst>
+            <a:ext uri="{909E8E84-426E-40DD-AFC4-6F175D3DCCD1}">
+              <a14:hiddenFill xmlns:a14="http://schemas.microsoft.com/office/drawing/2010/main">
+                <a:solidFill>
+                  <a:srgbClr val="FFFFFF"/>
+                </a:solidFill>
+              </a14:hiddenFill>
+            </a:ext>
+          </a:extLst>
+        </p:spPr>
+      </p:pic>
+      <p:pic>
+        <p:nvPicPr>
+          <p:cNvPr id="1034" name="Picture 10" descr="Freebase - Wikidata">
+            <a:extLst>
+              <a:ext uri="{FF2B5EF4-FFF2-40B4-BE49-F238E27FC236}">
+                <a16:creationId xmlns:a16="http://schemas.microsoft.com/office/drawing/2014/main" id="{F6F3E471-9601-481E-8645-1A8A1DDE1D22}"/>
+              </a:ext>
+            </a:extLst>
+          </p:cNvPr>
+          <p:cNvPicPr>
+            <a:picLocks noChangeAspect="1" noChangeArrowheads="1"/>
+          </p:cNvPicPr>
+          <p:nvPr/>
+        </p:nvPicPr>
+        <p:blipFill>
+          <a:blip r:embed="rId11">
+            <a:extLst>
+              <a:ext uri="{28A0092B-C50C-407E-A947-70E740481C1C}">
+                <a14:useLocalDpi xmlns:a14="http://schemas.microsoft.com/office/drawing/2010/main" val="0"/>
+              </a:ext>
+            </a:extLst>
+          </a:blip>
+          <a:srcRect/>
+          <a:stretch>
+            <a:fillRect/>
+          </a:stretch>
+        </p:blipFill>
+        <p:spPr bwMode="auto">
+          <a:xfrm>
+            <a:off x="5241068" y="9738481"/>
+            <a:ext cx="554901" cy="101732"/>
+          </a:xfrm>
+          <a:prstGeom prst="rect">
+            <a:avLst/>
+          </a:prstGeom>
+          <a:noFill/>
+          <a:extLst>
+            <a:ext uri="{909E8E84-426E-40DD-AFC4-6F175D3DCCD1}">
+              <a14:hiddenFill xmlns:a14="http://schemas.microsoft.com/office/drawing/2010/main">
+                <a:solidFill>
+                  <a:srgbClr val="FFFFFF"/>
+                </a:solidFill>
+              </a14:hiddenFill>
+            </a:ext>
+          </a:extLst>
+        </p:spPr>
+      </p:pic>
+      <p:pic>
+        <p:nvPicPr>
+          <p:cNvPr id="1036" name="Picture 12" descr="DBpedia - Wikipedia">
+            <a:extLst>
+              <a:ext uri="{FF2B5EF4-FFF2-40B4-BE49-F238E27FC236}">
+                <a16:creationId xmlns:a16="http://schemas.microsoft.com/office/drawing/2014/main" id="{C295FB82-DEE2-4830-A017-38A6F9B07F52}"/>
+              </a:ext>
+            </a:extLst>
+          </p:cNvPr>
+          <p:cNvPicPr>
+            <a:picLocks noChangeAspect="1" noChangeArrowheads="1"/>
+          </p:cNvPicPr>
+          <p:nvPr/>
+        </p:nvPicPr>
+        <p:blipFill>
+          <a:blip r:embed="rId12">
+            <a:extLst>
+              <a:ext uri="{28A0092B-C50C-407E-A947-70E740481C1C}">
+                <a14:useLocalDpi xmlns:a14="http://schemas.microsoft.com/office/drawing/2010/main" val="0"/>
+              </a:ext>
+            </a:extLst>
+          </a:blip>
+          <a:srcRect/>
+          <a:stretch>
+            <a:fillRect/>
+          </a:stretch>
+        </p:blipFill>
+        <p:spPr bwMode="auto">
+          <a:xfrm>
+            <a:off x="5116767" y="9940498"/>
+            <a:ext cx="357980" cy="244122"/>
+          </a:xfrm>
+          <a:prstGeom prst="rect">
+            <a:avLst/>
+          </a:prstGeom>
+          <a:noFill/>
+          <a:extLst>
+            <a:ext uri="{909E8E84-426E-40DD-AFC4-6F175D3DCCD1}">
+              <a14:hiddenFill xmlns:a14="http://schemas.microsoft.com/office/drawing/2010/main">
+                <a:solidFill>
+                  <a:srgbClr val="FFFFFF"/>
+                </a:solidFill>
+              </a14:hiddenFill>
+            </a:ext>
+          </a:extLst>
+        </p:spPr>
+      </p:pic>
+      <p:pic>
+        <p:nvPicPr>
+          <p:cNvPr id="1038" name="Picture 14" descr="Richpedia - Home | Facebook">
+            <a:extLst>
+              <a:ext uri="{FF2B5EF4-FFF2-40B4-BE49-F238E27FC236}">
+                <a16:creationId xmlns:a16="http://schemas.microsoft.com/office/drawing/2014/main" id="{28269C28-AC91-415D-A519-1F8D22F03A69}"/>
+              </a:ext>
+            </a:extLst>
+          </p:cNvPr>
+          <p:cNvPicPr>
+            <a:picLocks noChangeAspect="1" noChangeArrowheads="1"/>
+          </p:cNvPicPr>
+          <p:nvPr/>
+        </p:nvPicPr>
+        <p:blipFill>
+          <a:blip r:embed="rId13">
+            <a:extLst>
+              <a:ext uri="{28A0092B-C50C-407E-A947-70E740481C1C}">
+                <a14:useLocalDpi xmlns:a14="http://schemas.microsoft.com/office/drawing/2010/main" val="0"/>
+              </a:ext>
+            </a:extLst>
+          </a:blip>
+          <a:srcRect/>
+          <a:stretch>
+            <a:fillRect/>
+          </a:stretch>
+        </p:blipFill>
+        <p:spPr bwMode="auto">
+          <a:xfrm>
+            <a:off x="5598947" y="9909430"/>
+            <a:ext cx="334867" cy="334867"/>
+          </a:xfrm>
+          <a:prstGeom prst="rect">
+            <a:avLst/>
+          </a:prstGeom>
+          <a:noFill/>
+          <a:extLst>
+            <a:ext uri="{909E8E84-426E-40DD-AFC4-6F175D3DCCD1}">
+              <a14:hiddenFill xmlns:a14="http://schemas.microsoft.com/office/drawing/2010/main">
+                <a:solidFill>
+                  <a:srgbClr val="FFFFFF"/>
+                </a:solidFill>
+              </a14:hiddenFill>
+            </a:ext>
+          </a:extLst>
+        </p:spPr>
+      </p:pic>
+      <p:sp>
+        <p:nvSpPr>
+          <p:cNvPr id="33" name="Rectangle 32">
+            <a:extLst>
+              <a:ext uri="{FF2B5EF4-FFF2-40B4-BE49-F238E27FC236}">
+                <a16:creationId xmlns:a16="http://schemas.microsoft.com/office/drawing/2014/main" id="{B1ED10D0-06E3-48BA-B1B4-57523C7682D1}"/>
+              </a:ext>
+            </a:extLst>
+          </p:cNvPr>
+          <p:cNvSpPr/>
+          <p:nvPr/>
+        </p:nvSpPr>
+        <p:spPr>
+          <a:xfrm>
+            <a:off x="1188720" y="2649070"/>
+            <a:ext cx="5181600" cy="5338054"/>
+          </a:xfrm>
+          <a:prstGeom prst="rect">
+            <a:avLst/>
+          </a:prstGeom>
+          <a:noFill/>
+          <a:ln>
+            <a:solidFill>
+              <a:schemeClr val="tx1"/>
+            </a:solidFill>
+            <a:prstDash val="solid"/>
+          </a:ln>
+        </p:spPr>
+        <p:style>
+          <a:lnRef idx="2">
+            <a:schemeClr val="accent1">
+              <a:shade val="50000"/>
+            </a:schemeClr>
+          </a:lnRef>
+          <a:fillRef idx="1">
+            <a:schemeClr val="accent1"/>
+          </a:fillRef>
+          <a:effectRef idx="0">
+            <a:schemeClr val="accent1"/>
+          </a:effectRef>
+          <a:fontRef idx="minor">
+            <a:schemeClr val="lt1"/>
+          </a:fontRef>
+        </p:style>
+        <p:txBody>
+          <a:bodyPr rtlCol="0" anchor="ctr"/>
+          <a:lstStyle/>
+          <a:p>
+            <a:pPr algn="ctr"/>
+            <a:endParaRPr lang="en-US"/>
+          </a:p>
+        </p:txBody>
+      </p:sp>
+      <p:sp>
+        <p:nvSpPr>
+          <p:cNvPr id="34" name="TextBox 33">
+            <a:extLst>
+              <a:ext uri="{FF2B5EF4-FFF2-40B4-BE49-F238E27FC236}">
+                <a16:creationId xmlns:a16="http://schemas.microsoft.com/office/drawing/2014/main" id="{6755139B-2000-48FD-A065-CB7640B31EF3}"/>
+              </a:ext>
+            </a:extLst>
+          </p:cNvPr>
+          <p:cNvSpPr txBox="1"/>
+          <p:nvPr/>
+        </p:nvSpPr>
+        <p:spPr>
+          <a:xfrm>
+            <a:off x="79843" y="4532554"/>
+            <a:ext cx="1137920" cy="1077218"/>
+          </a:xfrm>
+          <a:prstGeom prst="rect">
+            <a:avLst/>
+          </a:prstGeom>
+          <a:noFill/>
+        </p:spPr>
+        <p:txBody>
+          <a:bodyPr wrap="square" rtlCol="0">
+            <a:spAutoFit/>
+          </a:bodyPr>
+          <a:lstStyle/>
+          <a:p>
+            <a:pPr algn="ctr"/>
+            <a:r>
+              <a:rPr lang="zh-CN" altLang="en-US" sz="1600" dirty="0"/>
+              <a:t>多模态</a:t>
+            </a:r>
+            <a:br>
+              <a:rPr lang="en-US" altLang="zh-CN" sz="1600" dirty="0"/>
+            </a:br>
+            <a:r>
+              <a:rPr lang="zh-CN" altLang="en-US" sz="1600" dirty="0"/>
+              <a:t>知识图谱</a:t>
+            </a:r>
+            <a:br>
+              <a:rPr lang="en-US" altLang="zh-CN" sz="1600" dirty="0"/>
+            </a:br>
+            <a:r>
+              <a:rPr lang="zh-CN" altLang="en-US" sz="1600" dirty="0"/>
+              <a:t>构建与</a:t>
+            </a:r>
+            <a:br>
+              <a:rPr lang="en-US" altLang="zh-CN" sz="1600" dirty="0"/>
+            </a:br>
+            <a:r>
+              <a:rPr lang="zh-CN" altLang="en-US" sz="1600" dirty="0"/>
+              <a:t>更新层</a:t>
+            </a:r>
+            <a:endParaRPr lang="en-US" sz="1600" dirty="0"/>
+          </a:p>
+        </p:txBody>
+      </p:sp>
+      <p:sp>
+        <p:nvSpPr>
+          <p:cNvPr id="35" name="TextBox 34">
+            <a:extLst>
+              <a:ext uri="{FF2B5EF4-FFF2-40B4-BE49-F238E27FC236}">
+                <a16:creationId xmlns:a16="http://schemas.microsoft.com/office/drawing/2014/main" id="{B8DC25D9-43D8-4183-8D9F-CF65347B667C}"/>
+              </a:ext>
+            </a:extLst>
+          </p:cNvPr>
+          <p:cNvSpPr txBox="1"/>
+          <p:nvPr/>
+        </p:nvSpPr>
+        <p:spPr>
+          <a:xfrm>
+            <a:off x="1030064" y="6640592"/>
+            <a:ext cx="799687" cy="461665"/>
+          </a:xfrm>
+          <a:prstGeom prst="rect">
+            <a:avLst/>
+          </a:prstGeom>
+          <a:noFill/>
+        </p:spPr>
+        <p:txBody>
+          <a:bodyPr wrap="square" rtlCol="0">
+            <a:spAutoFit/>
+          </a:bodyPr>
+          <a:lstStyle/>
+          <a:p>
+            <a:pPr algn="ctr"/>
+            <a:r>
+              <a:rPr lang="zh-CN" altLang="en-US" sz="1200" dirty="0">
+                <a:solidFill>
+                  <a:srgbClr val="7030A0"/>
+                </a:solidFill>
+              </a:rPr>
+              <a:t>信息</a:t>
+            </a:r>
+            <a:br>
+              <a:rPr lang="en-US" altLang="zh-CN" sz="1200" dirty="0">
+                <a:solidFill>
+                  <a:srgbClr val="7030A0"/>
+                </a:solidFill>
+              </a:rPr>
+            </a:br>
+            <a:r>
+              <a:rPr lang="zh-CN" altLang="en-US" sz="1200" dirty="0">
+                <a:solidFill>
+                  <a:srgbClr val="7030A0"/>
+                </a:solidFill>
+              </a:rPr>
+              <a:t>抽取</a:t>
+            </a:r>
+            <a:endParaRPr lang="en-US" sz="1200" dirty="0">
+              <a:solidFill>
+                <a:srgbClr val="7030A0"/>
+              </a:solidFill>
+            </a:endParaRPr>
+          </a:p>
+        </p:txBody>
+      </p:sp>
+      <p:sp>
+        <p:nvSpPr>
+          <p:cNvPr id="36" name="Rectangle 35">
+            <a:extLst>
+              <a:ext uri="{FF2B5EF4-FFF2-40B4-BE49-F238E27FC236}">
+                <a16:creationId xmlns:a16="http://schemas.microsoft.com/office/drawing/2014/main" id="{3C74CC2A-F570-4BA6-B720-E0B7B73D2919}"/>
+              </a:ext>
+            </a:extLst>
+          </p:cNvPr>
+          <p:cNvSpPr/>
+          <p:nvPr/>
+        </p:nvSpPr>
+        <p:spPr>
+          <a:xfrm>
+            <a:off x="1681922" y="5950712"/>
+            <a:ext cx="4551238" cy="1906922"/>
+          </a:xfrm>
+          <a:prstGeom prst="rect">
+            <a:avLst/>
+          </a:prstGeom>
+          <a:noFill/>
+          <a:ln>
+            <a:solidFill>
+              <a:schemeClr val="tx1"/>
+            </a:solidFill>
+            <a:prstDash val="dash"/>
+          </a:ln>
+        </p:spPr>
+        <p:style>
+          <a:lnRef idx="2">
+            <a:schemeClr val="accent1">
+              <a:shade val="50000"/>
+            </a:schemeClr>
+          </a:lnRef>
+          <a:fillRef idx="1">
+            <a:schemeClr val="accent1"/>
+          </a:fillRef>
+          <a:effectRef idx="0">
+            <a:schemeClr val="accent1"/>
+          </a:effectRef>
+          <a:fontRef idx="minor">
+            <a:schemeClr val="lt1"/>
+          </a:fontRef>
+        </p:style>
+        <p:txBody>
+          <a:bodyPr rtlCol="0" anchor="ctr"/>
+          <a:lstStyle/>
+          <a:p>
+            <a:pPr algn="ctr"/>
+            <a:endParaRPr lang="en-US"/>
+          </a:p>
+        </p:txBody>
+      </p:sp>
+      <p:cxnSp>
+        <p:nvCxnSpPr>
+          <p:cNvPr id="6" name="Connector: Elbow 5">
+            <a:extLst>
+              <a:ext uri="{FF2B5EF4-FFF2-40B4-BE49-F238E27FC236}">
+                <a16:creationId xmlns:a16="http://schemas.microsoft.com/office/drawing/2014/main" id="{C95B30B4-08BD-411B-A053-0F0C3F5CCCA2}"/>
+              </a:ext>
+            </a:extLst>
+          </p:cNvPr>
+          <p:cNvCxnSpPr>
+            <a:cxnSpLocks/>
+            <a:stCxn id="13" idx="0"/>
+            <a:endCxn id="48" idx="2"/>
+          </p:cNvCxnSpPr>
+          <p:nvPr/>
+        </p:nvCxnSpPr>
+        <p:spPr>
+          <a:xfrm rot="5400000" flipH="1" flipV="1">
+            <a:off x="2578734" y="6895884"/>
+            <a:ext cx="1164935" cy="1577682"/>
+          </a:xfrm>
+          <a:prstGeom prst="bentConnector3">
+            <a:avLst>
+              <a:gd name="adj1" fmla="val 7264"/>
+            </a:avLst>
+          </a:prstGeom>
+          <a:ln w="12700">
+            <a:solidFill>
+              <a:srgbClr val="FF0000"/>
+            </a:solidFill>
+            <a:tailEnd type="triangle"/>
+          </a:ln>
+        </p:spPr>
+        <p:style>
+          <a:lnRef idx="1">
+            <a:schemeClr val="accent1"/>
+          </a:lnRef>
+          <a:fillRef idx="0">
+            <a:schemeClr val="accent1"/>
+          </a:fillRef>
+          <a:effectRef idx="0">
+            <a:schemeClr val="accent1"/>
+          </a:effectRef>
+          <a:fontRef idx="minor">
+            <a:schemeClr val="tx1"/>
+          </a:fontRef>
+        </p:style>
+      </p:cxnSp>
+      <p:cxnSp>
+        <p:nvCxnSpPr>
+          <p:cNvPr id="42" name="Connector: Elbow 41">
+            <a:extLst>
+              <a:ext uri="{FF2B5EF4-FFF2-40B4-BE49-F238E27FC236}">
+                <a16:creationId xmlns:a16="http://schemas.microsoft.com/office/drawing/2014/main" id="{783004D2-C284-4855-935D-4930838BADF7}"/>
+              </a:ext>
+            </a:extLst>
+          </p:cNvPr>
+          <p:cNvCxnSpPr>
+            <a:cxnSpLocks/>
+            <a:stCxn id="21" idx="0"/>
+            <a:endCxn id="48" idx="2"/>
+          </p:cNvCxnSpPr>
+          <p:nvPr/>
+        </p:nvCxnSpPr>
+        <p:spPr>
+          <a:xfrm rot="16200000" flipV="1">
+            <a:off x="3447682" y="7604618"/>
+            <a:ext cx="1164935" cy="160213"/>
+          </a:xfrm>
+          <a:prstGeom prst="bentConnector3">
+            <a:avLst>
+              <a:gd name="adj1" fmla="val 7265"/>
+            </a:avLst>
+          </a:prstGeom>
+          <a:ln w="12700">
+            <a:solidFill>
+              <a:srgbClr val="FF0000"/>
+            </a:solidFill>
+            <a:tailEnd type="triangle"/>
+          </a:ln>
+        </p:spPr>
+        <p:style>
+          <a:lnRef idx="1">
+            <a:schemeClr val="accent1"/>
+          </a:lnRef>
+          <a:fillRef idx="0">
+            <a:schemeClr val="accent1"/>
+          </a:fillRef>
+          <a:effectRef idx="0">
+            <a:schemeClr val="accent1"/>
+          </a:effectRef>
+          <a:fontRef idx="minor">
+            <a:schemeClr val="tx1"/>
+          </a:fontRef>
+        </p:style>
+      </p:cxnSp>
+      <p:sp>
+        <p:nvSpPr>
+          <p:cNvPr id="47" name="Rectangle: Rounded Corners 46">
+            <a:extLst>
+              <a:ext uri="{FF2B5EF4-FFF2-40B4-BE49-F238E27FC236}">
+                <a16:creationId xmlns:a16="http://schemas.microsoft.com/office/drawing/2014/main" id="{8871FC1F-A6CC-4EED-A6F3-1DB956D836F8}"/>
+              </a:ext>
+            </a:extLst>
+          </p:cNvPr>
+          <p:cNvSpPr/>
+          <p:nvPr/>
+        </p:nvSpPr>
+        <p:spPr>
+          <a:xfrm>
+            <a:off x="1955584" y="6082373"/>
+            <a:ext cx="1016880" cy="467329"/>
+          </a:xfrm>
+          <a:prstGeom prst="roundRect">
+            <a:avLst/>
+          </a:prstGeom>
+          <a:ln>
+            <a:headEnd type="none" w="med" len="med"/>
+            <a:tailEnd type="none" w="med" len="med"/>
+          </a:ln>
+        </p:spPr>
+        <p:style>
+          <a:lnRef idx="1">
+            <a:schemeClr val="accent5"/>
+          </a:lnRef>
+          <a:fillRef idx="2">
+            <a:schemeClr val="accent5"/>
+          </a:fillRef>
+          <a:effectRef idx="1">
+            <a:schemeClr val="accent5"/>
+          </a:effectRef>
+          <a:fontRef idx="minor">
+            <a:schemeClr val="dk1"/>
+          </a:fontRef>
+        </p:style>
+        <p:txBody>
+          <a:bodyPr rtlCol="0" anchor="ctr"/>
+          <a:lstStyle/>
+          <a:p>
+            <a:pPr algn="ctr"/>
+            <a:r>
+              <a:rPr lang="zh-CN" altLang="en-US" sz="1000" b="1" dirty="0">
+                <a:solidFill>
+                  <a:schemeClr val="accent1"/>
+                </a:solidFill>
+              </a:rPr>
+              <a:t>文本</a:t>
+            </a:r>
+            <a:r>
+              <a:rPr lang="en-US" altLang="zh-CN" sz="1000" b="1" dirty="0">
+                <a:solidFill>
+                  <a:schemeClr val="accent1"/>
+                </a:solidFill>
+              </a:rPr>
+              <a:t>/</a:t>
+            </a:r>
+            <a:r>
+              <a:rPr lang="zh-CN" altLang="en-US" sz="1000" b="1" dirty="0">
+                <a:solidFill>
+                  <a:schemeClr val="accent1"/>
+                </a:solidFill>
+              </a:rPr>
+              <a:t>视觉</a:t>
+            </a:r>
+            <a:r>
+              <a:rPr lang="zh-CN" altLang="en-US" sz="1000" b="1" dirty="0">
+                <a:solidFill>
+                  <a:schemeClr val="tx1"/>
+                </a:solidFill>
+              </a:rPr>
+              <a:t> </a:t>
+            </a:r>
+            <a:br>
+              <a:rPr lang="en-US" altLang="zh-CN" sz="1000" b="1" dirty="0">
+                <a:solidFill>
+                  <a:schemeClr val="tx1"/>
+                </a:solidFill>
+              </a:rPr>
+            </a:br>
+            <a:r>
+              <a:rPr lang="zh-CN" altLang="en-US" sz="1000" b="1" dirty="0">
+                <a:solidFill>
+                  <a:schemeClr val="tx1"/>
+                </a:solidFill>
+              </a:rPr>
+              <a:t>关系抽取</a:t>
+            </a:r>
+            <a:endParaRPr lang="en-US" sz="1000" b="1" dirty="0">
+              <a:solidFill>
+                <a:schemeClr val="tx1"/>
+              </a:solidFill>
+            </a:endParaRPr>
+          </a:p>
+        </p:txBody>
+      </p:sp>
+      <p:sp>
+        <p:nvSpPr>
+          <p:cNvPr id="48" name="Rectangle: Rounded Corners 47">
+            <a:extLst>
+              <a:ext uri="{FF2B5EF4-FFF2-40B4-BE49-F238E27FC236}">
+                <a16:creationId xmlns:a16="http://schemas.microsoft.com/office/drawing/2014/main" id="{E988115F-0694-4E31-9D68-14D6F43E6F9C}"/>
+              </a:ext>
+            </a:extLst>
+          </p:cNvPr>
+          <p:cNvSpPr/>
+          <p:nvPr/>
+        </p:nvSpPr>
+        <p:spPr>
+          <a:xfrm>
+            <a:off x="3064937" y="6826680"/>
+            <a:ext cx="1770210" cy="275577"/>
+          </a:xfrm>
+          <a:prstGeom prst="roundRect">
+            <a:avLst/>
+          </a:prstGeom>
+          <a:ln>
+            <a:headEnd type="none" w="med" len="med"/>
+            <a:tailEnd type="none" w="med" len="med"/>
+          </a:ln>
+        </p:spPr>
+        <p:style>
+          <a:lnRef idx="1">
+            <a:schemeClr val="accent6"/>
+          </a:lnRef>
+          <a:fillRef idx="2">
+            <a:schemeClr val="accent6"/>
+          </a:fillRef>
+          <a:effectRef idx="1">
+            <a:schemeClr val="accent6"/>
+          </a:effectRef>
+          <a:fontRef idx="minor">
+            <a:schemeClr val="dk1"/>
+          </a:fontRef>
+        </p:style>
+        <p:txBody>
+          <a:bodyPr rtlCol="0" anchor="ctr"/>
+          <a:lstStyle/>
+          <a:p>
+            <a:pPr algn="ctr"/>
+            <a:r>
+              <a:rPr lang="zh-CN" altLang="en-US" sz="1000" b="1" dirty="0">
+                <a:solidFill>
+                  <a:schemeClr val="accent6">
+                    <a:lumMod val="50000"/>
+                  </a:schemeClr>
+                </a:solidFill>
+              </a:rPr>
+              <a:t>文本</a:t>
+            </a:r>
+            <a:r>
+              <a:rPr lang="en-US" altLang="zh-CN" sz="1000" b="1" dirty="0">
+                <a:solidFill>
+                  <a:schemeClr val="accent6">
+                    <a:lumMod val="50000"/>
+                  </a:schemeClr>
+                </a:solidFill>
+              </a:rPr>
+              <a:t>/</a:t>
+            </a:r>
+            <a:r>
+              <a:rPr lang="zh-CN" altLang="en-US" sz="1000" b="1" dirty="0">
+                <a:solidFill>
+                  <a:schemeClr val="accent6">
+                    <a:lumMod val="50000"/>
+                  </a:schemeClr>
+                </a:solidFill>
+              </a:rPr>
+              <a:t>视觉 </a:t>
+            </a:r>
+            <a:r>
+              <a:rPr lang="zh-CN" altLang="en-US" sz="1000" b="1" dirty="0">
+                <a:solidFill>
+                  <a:schemeClr val="tx1"/>
+                </a:solidFill>
+              </a:rPr>
+              <a:t>实体抽取</a:t>
+            </a:r>
+            <a:endParaRPr lang="en-US" sz="1000" b="1" dirty="0">
+              <a:solidFill>
+                <a:schemeClr val="tx1"/>
+              </a:solidFill>
+            </a:endParaRPr>
+          </a:p>
+        </p:txBody>
+      </p:sp>
+      <p:sp>
+        <p:nvSpPr>
+          <p:cNvPr id="49" name="Rectangle: Rounded Corners 48">
+            <a:extLst>
+              <a:ext uri="{FF2B5EF4-FFF2-40B4-BE49-F238E27FC236}">
+                <a16:creationId xmlns:a16="http://schemas.microsoft.com/office/drawing/2014/main" id="{BA2B2354-32C0-4653-A99A-8B1B9BB3BBC2}"/>
+              </a:ext>
+            </a:extLst>
+          </p:cNvPr>
+          <p:cNvSpPr/>
+          <p:nvPr/>
+        </p:nvSpPr>
+        <p:spPr>
+          <a:xfrm>
+            <a:off x="2158004" y="7219292"/>
+            <a:ext cx="1641836" cy="521777"/>
+          </a:xfrm>
+          <a:prstGeom prst="roundRect">
+            <a:avLst/>
+          </a:prstGeom>
+          <a:ln>
+            <a:headEnd type="none" w="med" len="med"/>
+            <a:tailEnd type="none" w="med" len="med"/>
+          </a:ln>
+        </p:spPr>
+        <p:style>
+          <a:lnRef idx="1">
+            <a:schemeClr val="accent3"/>
+          </a:lnRef>
+          <a:fillRef idx="2">
+            <a:schemeClr val="accent3"/>
+          </a:fillRef>
+          <a:effectRef idx="1">
+            <a:schemeClr val="accent3"/>
+          </a:effectRef>
+          <a:fontRef idx="minor">
+            <a:schemeClr val="dk1"/>
+          </a:fontRef>
+        </p:style>
+        <p:txBody>
+          <a:bodyPr rtlCol="0" anchor="ctr"/>
+          <a:lstStyle/>
+          <a:p>
+            <a:r>
+              <a:rPr lang="zh-CN" altLang="en-US" sz="700" dirty="0">
+                <a:solidFill>
+                  <a:schemeClr val="accent6">
+                    <a:lumMod val="50000"/>
+                  </a:schemeClr>
+                </a:solidFill>
+              </a:rPr>
+              <a:t>音频</a:t>
+            </a:r>
+            <a:r>
+              <a:rPr lang="zh-CN" altLang="en-US" sz="700" dirty="0">
+                <a:solidFill>
+                  <a:schemeClr val="tx1"/>
+                </a:solidFill>
+              </a:rPr>
+              <a:t>包含文本和声音的两方面特征：</a:t>
+            </a:r>
+            <a:endParaRPr lang="en-US" altLang="zh-CN" sz="700" dirty="0">
+              <a:solidFill>
+                <a:schemeClr val="tx1"/>
+              </a:solidFill>
+            </a:endParaRPr>
+          </a:p>
+          <a:p>
+            <a:pPr marL="171450" indent="-171450">
+              <a:buFontTx/>
+              <a:buChar char="-"/>
+            </a:pPr>
+            <a:r>
+              <a:rPr lang="zh-CN" altLang="en-US" sz="700" dirty="0">
+                <a:solidFill>
+                  <a:schemeClr val="tx1"/>
+                </a:solidFill>
+              </a:rPr>
+              <a:t>获得文本特征：</a:t>
+            </a:r>
+            <a:r>
+              <a:rPr lang="zh-CN" altLang="en-US" sz="700" dirty="0">
+                <a:solidFill>
+                  <a:schemeClr val="accent6">
+                    <a:lumMod val="50000"/>
+                  </a:schemeClr>
+                </a:solidFill>
+              </a:rPr>
+              <a:t>音频</a:t>
+            </a:r>
+            <a:r>
+              <a:rPr lang="en-US" altLang="zh-CN" sz="700" dirty="0">
+                <a:solidFill>
+                  <a:schemeClr val="accent6">
+                    <a:lumMod val="50000"/>
+                  </a:schemeClr>
+                </a:solidFill>
+              </a:rPr>
+              <a:t>-&gt;</a:t>
+            </a:r>
+            <a:r>
+              <a:rPr lang="zh-CN" altLang="en-US" sz="700" dirty="0">
+                <a:solidFill>
+                  <a:schemeClr val="accent6">
+                    <a:lumMod val="50000"/>
+                  </a:schemeClr>
+                </a:solidFill>
+              </a:rPr>
+              <a:t>文本转换</a:t>
+            </a:r>
+            <a:endParaRPr lang="en-US" altLang="zh-CN" sz="700" dirty="0">
+              <a:solidFill>
+                <a:schemeClr val="accent6">
+                  <a:lumMod val="50000"/>
+                </a:schemeClr>
+              </a:solidFill>
+            </a:endParaRPr>
+          </a:p>
+          <a:p>
+            <a:pPr marL="171450" indent="-171450">
+              <a:buFontTx/>
+              <a:buChar char="-"/>
+            </a:pPr>
+            <a:r>
+              <a:rPr lang="zh-CN" altLang="en-US" sz="700" dirty="0">
+                <a:solidFill>
+                  <a:schemeClr val="tx1"/>
+                </a:solidFill>
+              </a:rPr>
+              <a:t>获得声音特征：</a:t>
+            </a:r>
+            <a:r>
+              <a:rPr lang="zh-CN" altLang="en-US" sz="700" dirty="0">
+                <a:solidFill>
+                  <a:schemeClr val="accent6">
+                    <a:lumMod val="50000"/>
+                  </a:schemeClr>
+                </a:solidFill>
+              </a:rPr>
+              <a:t>音频属性抽取</a:t>
+            </a:r>
+            <a:endParaRPr lang="en-US" sz="700" dirty="0">
+              <a:solidFill>
+                <a:schemeClr val="accent6">
+                  <a:lumMod val="50000"/>
+                </a:schemeClr>
+              </a:solidFill>
+            </a:endParaRPr>
+          </a:p>
+        </p:txBody>
+      </p:sp>
+      <p:sp>
+        <p:nvSpPr>
+          <p:cNvPr id="56" name="Rectangle: Rounded Corners 55">
+            <a:extLst>
+              <a:ext uri="{FF2B5EF4-FFF2-40B4-BE49-F238E27FC236}">
+                <a16:creationId xmlns:a16="http://schemas.microsoft.com/office/drawing/2014/main" id="{36A5EDB2-23A1-4B9B-A327-32B02D2041F2}"/>
+              </a:ext>
+            </a:extLst>
+          </p:cNvPr>
+          <p:cNvSpPr/>
+          <p:nvPr/>
+        </p:nvSpPr>
+        <p:spPr>
+          <a:xfrm>
+            <a:off x="3303676" y="6094803"/>
+            <a:ext cx="1282571" cy="454827"/>
+          </a:xfrm>
+          <a:prstGeom prst="roundRect">
+            <a:avLst/>
+          </a:prstGeom>
+          <a:ln>
+            <a:headEnd type="none" w="med" len="med"/>
+            <a:tailEnd type="none" w="med" len="med"/>
+          </a:ln>
+        </p:spPr>
+        <p:style>
+          <a:lnRef idx="1">
+            <a:schemeClr val="accent2"/>
+          </a:lnRef>
+          <a:fillRef idx="2">
+            <a:schemeClr val="accent2"/>
+          </a:fillRef>
+          <a:effectRef idx="1">
+            <a:schemeClr val="accent2"/>
+          </a:effectRef>
+          <a:fontRef idx="minor">
+            <a:schemeClr val="dk1"/>
+          </a:fontRef>
+        </p:style>
+        <p:txBody>
+          <a:bodyPr rtlCol="0" anchor="ctr"/>
+          <a:lstStyle/>
+          <a:p>
+            <a:pPr algn="ctr"/>
+            <a:r>
+              <a:rPr lang="zh-CN" altLang="en-US" sz="1000" b="1" dirty="0">
+                <a:solidFill>
+                  <a:schemeClr val="accent2">
+                    <a:lumMod val="50000"/>
+                  </a:schemeClr>
+                </a:solidFill>
+              </a:rPr>
+              <a:t>文本</a:t>
+            </a:r>
+            <a:r>
+              <a:rPr lang="en-US" altLang="zh-CN" sz="1000" b="1" dirty="0">
+                <a:solidFill>
+                  <a:schemeClr val="accent2">
+                    <a:lumMod val="50000"/>
+                  </a:schemeClr>
+                </a:solidFill>
+              </a:rPr>
+              <a:t>/</a:t>
+            </a:r>
+            <a:r>
+              <a:rPr lang="zh-CN" altLang="en-US" sz="1000" b="1" dirty="0">
+                <a:solidFill>
+                  <a:schemeClr val="accent2">
+                    <a:lumMod val="50000"/>
+                  </a:schemeClr>
+                </a:solidFill>
+              </a:rPr>
+              <a:t>视觉</a:t>
+            </a:r>
+            <a:r>
+              <a:rPr lang="en-US" altLang="zh-CN" sz="1000" b="1" dirty="0">
+                <a:solidFill>
+                  <a:schemeClr val="accent2">
+                    <a:lumMod val="50000"/>
+                  </a:schemeClr>
+                </a:solidFill>
+              </a:rPr>
+              <a:t>/</a:t>
+            </a:r>
+            <a:r>
+              <a:rPr lang="zh-CN" altLang="en-US" sz="1000" b="1" dirty="0">
+                <a:solidFill>
+                  <a:schemeClr val="accent2">
+                    <a:lumMod val="50000"/>
+                  </a:schemeClr>
+                </a:solidFill>
+              </a:rPr>
+              <a:t>音频</a:t>
+            </a:r>
+            <a:br>
+              <a:rPr lang="en-US" altLang="zh-CN" sz="1000" b="1" dirty="0">
+                <a:solidFill>
+                  <a:schemeClr val="accent2">
+                    <a:lumMod val="50000"/>
+                  </a:schemeClr>
+                </a:solidFill>
+              </a:rPr>
+            </a:br>
+            <a:r>
+              <a:rPr lang="zh-CN" altLang="en-US" sz="1000" b="1" dirty="0">
+                <a:solidFill>
+                  <a:schemeClr val="accent2">
+                    <a:lumMod val="50000"/>
+                  </a:schemeClr>
+                </a:solidFill>
+              </a:rPr>
+              <a:t> </a:t>
+            </a:r>
+            <a:r>
+              <a:rPr lang="zh-CN" altLang="en-US" sz="1000" b="1" dirty="0">
+                <a:solidFill>
+                  <a:schemeClr val="tx1"/>
+                </a:solidFill>
+              </a:rPr>
+              <a:t>属性抽取</a:t>
+            </a:r>
+            <a:endParaRPr lang="en-US" sz="1000" b="1" dirty="0">
+              <a:solidFill>
+                <a:schemeClr val="tx1"/>
+              </a:solidFill>
+            </a:endParaRPr>
+          </a:p>
+        </p:txBody>
+      </p:sp>
+      <p:sp>
+        <p:nvSpPr>
+          <p:cNvPr id="57" name="Rectangle: Rounded Corners 56">
+            <a:extLst>
+              <a:ext uri="{FF2B5EF4-FFF2-40B4-BE49-F238E27FC236}">
+                <a16:creationId xmlns:a16="http://schemas.microsoft.com/office/drawing/2014/main" id="{8D016723-4BF0-4AA5-98FB-332434171373}"/>
+              </a:ext>
+            </a:extLst>
+          </p:cNvPr>
+          <p:cNvSpPr/>
+          <p:nvPr/>
+        </p:nvSpPr>
+        <p:spPr>
+          <a:xfrm>
+            <a:off x="4919652" y="6082301"/>
+            <a:ext cx="1016880" cy="467329"/>
+          </a:xfrm>
+          <a:prstGeom prst="roundRect">
+            <a:avLst/>
+          </a:prstGeom>
+          <a:ln>
+            <a:headEnd type="none" w="med" len="med"/>
+            <a:tailEnd type="none" w="med" len="med"/>
+          </a:ln>
+        </p:spPr>
+        <p:style>
+          <a:lnRef idx="1">
+            <a:schemeClr val="accent4"/>
+          </a:lnRef>
+          <a:fillRef idx="2">
+            <a:schemeClr val="accent4"/>
+          </a:fillRef>
+          <a:effectRef idx="1">
+            <a:schemeClr val="accent4"/>
+          </a:effectRef>
+          <a:fontRef idx="minor">
+            <a:schemeClr val="dk1"/>
+          </a:fontRef>
+        </p:style>
+        <p:txBody>
+          <a:bodyPr rtlCol="0" anchor="ctr"/>
+          <a:lstStyle/>
+          <a:p>
+            <a:pPr algn="ctr"/>
+            <a:r>
+              <a:rPr lang="zh-CN" altLang="en-US" sz="1000" b="1" dirty="0">
+                <a:solidFill>
+                  <a:schemeClr val="accent4">
+                    <a:lumMod val="50000"/>
+                  </a:schemeClr>
+                </a:solidFill>
+              </a:rPr>
+              <a:t>文本</a:t>
+            </a:r>
+            <a:r>
+              <a:rPr lang="en-US" altLang="zh-CN" sz="1000" b="1" dirty="0">
+                <a:solidFill>
+                  <a:schemeClr val="accent4">
+                    <a:lumMod val="50000"/>
+                  </a:schemeClr>
+                </a:solidFill>
+              </a:rPr>
+              <a:t>/</a:t>
+            </a:r>
+            <a:r>
+              <a:rPr lang="zh-CN" altLang="en-US" sz="1000" b="1" dirty="0">
+                <a:solidFill>
+                  <a:schemeClr val="accent4">
+                    <a:lumMod val="50000"/>
+                  </a:schemeClr>
+                </a:solidFill>
+              </a:rPr>
+              <a:t>视觉</a:t>
+            </a:r>
+            <a:r>
+              <a:rPr lang="zh-CN" altLang="en-US" sz="1000" b="1" dirty="0">
+                <a:solidFill>
+                  <a:schemeClr val="tx1"/>
+                </a:solidFill>
+              </a:rPr>
+              <a:t> </a:t>
+            </a:r>
+            <a:br>
+              <a:rPr lang="en-US" altLang="zh-CN" sz="1000" b="1" dirty="0">
+                <a:solidFill>
+                  <a:schemeClr val="tx1"/>
+                </a:solidFill>
+              </a:rPr>
+            </a:br>
+            <a:r>
+              <a:rPr lang="zh-CN" altLang="en-US" sz="1000" b="1" dirty="0">
+                <a:solidFill>
+                  <a:schemeClr val="tx1"/>
+                </a:solidFill>
+              </a:rPr>
+              <a:t>事件抽取</a:t>
+            </a:r>
+            <a:endParaRPr lang="en-US" sz="1000" b="1" dirty="0">
+              <a:solidFill>
+                <a:schemeClr val="tx1"/>
+              </a:solidFill>
+            </a:endParaRPr>
+          </a:p>
+        </p:txBody>
+      </p:sp>
+      <p:cxnSp>
+        <p:nvCxnSpPr>
+          <p:cNvPr id="58" name="Connector: Elbow 57">
+            <a:extLst>
+              <a:ext uri="{FF2B5EF4-FFF2-40B4-BE49-F238E27FC236}">
+                <a16:creationId xmlns:a16="http://schemas.microsoft.com/office/drawing/2014/main" id="{15BFB315-9FDF-4D94-B01E-0ED9BAD88DB1}"/>
+              </a:ext>
+            </a:extLst>
+          </p:cNvPr>
+          <p:cNvCxnSpPr>
+            <a:cxnSpLocks/>
+            <a:stCxn id="48" idx="0"/>
+            <a:endCxn id="47" idx="2"/>
+          </p:cNvCxnSpPr>
+          <p:nvPr/>
+        </p:nvCxnSpPr>
+        <p:spPr>
+          <a:xfrm rot="16200000" flipV="1">
+            <a:off x="3068544" y="5945182"/>
+            <a:ext cx="276978" cy="1486018"/>
+          </a:xfrm>
+          <a:prstGeom prst="bentConnector3">
+            <a:avLst>
+              <a:gd name="adj1" fmla="val 42664"/>
+            </a:avLst>
+          </a:prstGeom>
+          <a:ln w="12700">
+            <a:solidFill>
+              <a:srgbClr val="FF0000"/>
+            </a:solidFill>
+            <a:tailEnd type="triangle"/>
+          </a:ln>
+        </p:spPr>
+        <p:style>
+          <a:lnRef idx="1">
+            <a:schemeClr val="accent1"/>
+          </a:lnRef>
+          <a:fillRef idx="0">
+            <a:schemeClr val="accent1"/>
+          </a:fillRef>
+          <a:effectRef idx="0">
+            <a:schemeClr val="accent1"/>
+          </a:effectRef>
+          <a:fontRef idx="minor">
+            <a:schemeClr val="tx1"/>
+          </a:fontRef>
+        </p:style>
+      </p:cxnSp>
+      <p:cxnSp>
+        <p:nvCxnSpPr>
+          <p:cNvPr id="62" name="Connector: Elbow 61">
+            <a:extLst>
+              <a:ext uri="{FF2B5EF4-FFF2-40B4-BE49-F238E27FC236}">
+                <a16:creationId xmlns:a16="http://schemas.microsoft.com/office/drawing/2014/main" id="{24D8286A-EE69-4595-BB3D-9AB002EA6E5C}"/>
+              </a:ext>
+            </a:extLst>
+          </p:cNvPr>
+          <p:cNvCxnSpPr>
+            <a:cxnSpLocks/>
+            <a:stCxn id="48" idx="0"/>
+            <a:endCxn id="56" idx="2"/>
+          </p:cNvCxnSpPr>
+          <p:nvPr/>
+        </p:nvCxnSpPr>
+        <p:spPr>
+          <a:xfrm rot="16200000" flipV="1">
+            <a:off x="3808977" y="6685615"/>
+            <a:ext cx="277050" cy="5080"/>
+          </a:xfrm>
+          <a:prstGeom prst="bentConnector3">
+            <a:avLst>
+              <a:gd name="adj1" fmla="val 50000"/>
+            </a:avLst>
+          </a:prstGeom>
+          <a:ln w="12700">
+            <a:solidFill>
+              <a:srgbClr val="FF0000"/>
+            </a:solidFill>
+            <a:tailEnd type="triangle"/>
+          </a:ln>
+        </p:spPr>
+        <p:style>
+          <a:lnRef idx="1">
+            <a:schemeClr val="accent1"/>
+          </a:lnRef>
+          <a:fillRef idx="0">
+            <a:schemeClr val="accent1"/>
+          </a:fillRef>
+          <a:effectRef idx="0">
+            <a:schemeClr val="accent1"/>
+          </a:effectRef>
+          <a:fontRef idx="minor">
+            <a:schemeClr val="tx1"/>
+          </a:fontRef>
+        </p:style>
+      </p:cxnSp>
+      <p:cxnSp>
+        <p:nvCxnSpPr>
+          <p:cNvPr id="66" name="Connector: Elbow 65">
+            <a:extLst>
+              <a:ext uri="{FF2B5EF4-FFF2-40B4-BE49-F238E27FC236}">
+                <a16:creationId xmlns:a16="http://schemas.microsoft.com/office/drawing/2014/main" id="{CE04F96F-D147-447B-B49B-88EB647C6F9C}"/>
+              </a:ext>
+            </a:extLst>
+          </p:cNvPr>
+          <p:cNvCxnSpPr>
+            <a:cxnSpLocks/>
+            <a:stCxn id="48" idx="0"/>
+            <a:endCxn id="57" idx="2"/>
+          </p:cNvCxnSpPr>
+          <p:nvPr/>
+        </p:nvCxnSpPr>
+        <p:spPr>
+          <a:xfrm rot="5400000" flipH="1" flipV="1">
+            <a:off x="4550542" y="5949130"/>
+            <a:ext cx="277050" cy="1478050"/>
+          </a:xfrm>
+          <a:prstGeom prst="bentConnector3">
+            <a:avLst>
+              <a:gd name="adj1" fmla="val 42666"/>
+            </a:avLst>
+          </a:prstGeom>
+          <a:ln w="12700">
+            <a:solidFill>
+              <a:srgbClr val="FF0000"/>
+            </a:solidFill>
+            <a:tailEnd type="triangle"/>
+          </a:ln>
+        </p:spPr>
+        <p:style>
+          <a:lnRef idx="1">
+            <a:schemeClr val="accent1"/>
+          </a:lnRef>
+          <a:fillRef idx="0">
+            <a:schemeClr val="accent1"/>
+          </a:fillRef>
+          <a:effectRef idx="0">
+            <a:schemeClr val="accent1"/>
+          </a:effectRef>
+          <a:fontRef idx="minor">
+            <a:schemeClr val="tx1"/>
+          </a:fontRef>
+        </p:style>
+      </p:cxnSp>
+      <p:sp>
+        <p:nvSpPr>
+          <p:cNvPr id="72" name="TextBox 71">
+            <a:extLst>
+              <a:ext uri="{FF2B5EF4-FFF2-40B4-BE49-F238E27FC236}">
+                <a16:creationId xmlns:a16="http://schemas.microsoft.com/office/drawing/2014/main" id="{5FC29E0C-C3F4-450A-AA43-DB38F3CF69C5}"/>
+              </a:ext>
+            </a:extLst>
+          </p:cNvPr>
+          <p:cNvSpPr txBox="1"/>
+          <p:nvPr/>
+        </p:nvSpPr>
+        <p:spPr>
+          <a:xfrm>
+            <a:off x="1036454" y="4842724"/>
+            <a:ext cx="799687" cy="461665"/>
+          </a:xfrm>
+          <a:prstGeom prst="rect">
+            <a:avLst/>
+          </a:prstGeom>
+          <a:noFill/>
+        </p:spPr>
+        <p:txBody>
+          <a:bodyPr wrap="square" rtlCol="0">
+            <a:spAutoFit/>
+          </a:bodyPr>
+          <a:lstStyle/>
+          <a:p>
+            <a:pPr algn="ctr"/>
+            <a:r>
+              <a:rPr lang="zh-CN" altLang="en-US" sz="1200" dirty="0">
+                <a:solidFill>
+                  <a:srgbClr val="7030A0"/>
+                </a:solidFill>
+              </a:rPr>
+              <a:t>知识</a:t>
+            </a:r>
+            <a:br>
+              <a:rPr lang="en-US" altLang="zh-CN" sz="1200" dirty="0">
+                <a:solidFill>
+                  <a:srgbClr val="7030A0"/>
+                </a:solidFill>
+              </a:rPr>
+            </a:br>
+            <a:r>
+              <a:rPr lang="zh-CN" altLang="en-US" sz="1200" dirty="0">
+                <a:solidFill>
+                  <a:srgbClr val="7030A0"/>
+                </a:solidFill>
+              </a:rPr>
+              <a:t>融合</a:t>
+            </a:r>
+            <a:endParaRPr lang="en-US" sz="1200" dirty="0">
+              <a:solidFill>
+                <a:srgbClr val="7030A0"/>
+              </a:solidFill>
+            </a:endParaRPr>
+          </a:p>
+        </p:txBody>
+      </p:sp>
+      <p:sp>
+        <p:nvSpPr>
+          <p:cNvPr id="73" name="Rectangle 72">
+            <a:extLst>
+              <a:ext uri="{FF2B5EF4-FFF2-40B4-BE49-F238E27FC236}">
+                <a16:creationId xmlns:a16="http://schemas.microsoft.com/office/drawing/2014/main" id="{5650EF01-A0B9-4CD0-87E1-7AB8A8B4972B}"/>
+              </a:ext>
+            </a:extLst>
+          </p:cNvPr>
+          <p:cNvSpPr/>
+          <p:nvPr/>
+        </p:nvSpPr>
+        <p:spPr>
+          <a:xfrm>
+            <a:off x="1672713" y="4331318"/>
+            <a:ext cx="4551238" cy="1512045"/>
+          </a:xfrm>
+          <a:prstGeom prst="rect">
+            <a:avLst/>
+          </a:prstGeom>
+          <a:noFill/>
+          <a:ln>
+            <a:solidFill>
+              <a:schemeClr val="tx1"/>
+            </a:solidFill>
+            <a:prstDash val="dash"/>
+          </a:ln>
+        </p:spPr>
+        <p:style>
+          <a:lnRef idx="2">
+            <a:schemeClr val="accent1">
+              <a:shade val="50000"/>
+            </a:schemeClr>
+          </a:lnRef>
+          <a:fillRef idx="1">
+            <a:schemeClr val="accent1"/>
+          </a:fillRef>
+          <a:effectRef idx="0">
+            <a:schemeClr val="accent1"/>
+          </a:effectRef>
+          <a:fontRef idx="minor">
+            <a:schemeClr val="lt1"/>
+          </a:fontRef>
+        </p:style>
+        <p:txBody>
+          <a:bodyPr rtlCol="0" anchor="ctr"/>
+          <a:lstStyle/>
+          <a:p>
+            <a:pPr algn="ctr"/>
+            <a:endParaRPr lang="en-US"/>
+          </a:p>
+        </p:txBody>
+      </p:sp>
+      <p:sp>
+        <p:nvSpPr>
+          <p:cNvPr id="74" name="Rectangle: Rounded Corners 73">
+            <a:extLst>
+              <a:ext uri="{FF2B5EF4-FFF2-40B4-BE49-F238E27FC236}">
+                <a16:creationId xmlns:a16="http://schemas.microsoft.com/office/drawing/2014/main" id="{3F7F9B9D-8C83-45F2-8FE3-B8FA11B5987F}"/>
+              </a:ext>
+            </a:extLst>
+          </p:cNvPr>
+          <p:cNvSpPr/>
+          <p:nvPr/>
+        </p:nvSpPr>
+        <p:spPr>
+          <a:xfrm>
+            <a:off x="3063063" y="5310174"/>
+            <a:ext cx="799687" cy="302748"/>
+          </a:xfrm>
+          <a:prstGeom prst="roundRect">
+            <a:avLst/>
+          </a:prstGeom>
+          <a:ln>
+            <a:headEnd type="none" w="med" len="med"/>
+            <a:tailEnd type="none" w="med" len="med"/>
+          </a:ln>
+        </p:spPr>
+        <p:style>
+          <a:lnRef idx="1">
+            <a:schemeClr val="accent6"/>
+          </a:lnRef>
+          <a:fillRef idx="2">
+            <a:schemeClr val="accent6"/>
+          </a:fillRef>
+          <a:effectRef idx="1">
+            <a:schemeClr val="accent6"/>
+          </a:effectRef>
+          <a:fontRef idx="minor">
+            <a:schemeClr val="dk1"/>
+          </a:fontRef>
+        </p:style>
+        <p:txBody>
+          <a:bodyPr rtlCol="0" anchor="ctr"/>
+          <a:lstStyle/>
+          <a:p>
+            <a:pPr algn="ctr"/>
+            <a:r>
+              <a:rPr lang="zh-CN" altLang="en-US" sz="1000" b="1" dirty="0">
+                <a:solidFill>
+                  <a:schemeClr val="tx1"/>
+                </a:solidFill>
+              </a:rPr>
+              <a:t>共指消解</a:t>
+            </a:r>
+            <a:endParaRPr lang="en-US" sz="1000" b="1" dirty="0">
+              <a:solidFill>
+                <a:schemeClr val="tx1"/>
+              </a:solidFill>
+            </a:endParaRPr>
+          </a:p>
+        </p:txBody>
+      </p:sp>
+      <p:sp>
+        <p:nvSpPr>
+          <p:cNvPr id="75" name="Rectangle: Rounded Corners 74">
+            <a:extLst>
+              <a:ext uri="{FF2B5EF4-FFF2-40B4-BE49-F238E27FC236}">
+                <a16:creationId xmlns:a16="http://schemas.microsoft.com/office/drawing/2014/main" id="{F3E0014D-B98A-46FA-A939-C49AE49A3F2C}"/>
+              </a:ext>
+            </a:extLst>
+          </p:cNvPr>
+          <p:cNvSpPr/>
+          <p:nvPr/>
+        </p:nvSpPr>
+        <p:spPr>
+          <a:xfrm>
+            <a:off x="4035460" y="5310174"/>
+            <a:ext cx="799687" cy="302748"/>
+          </a:xfrm>
+          <a:prstGeom prst="roundRect">
+            <a:avLst/>
+          </a:prstGeom>
+          <a:ln>
+            <a:headEnd type="none" w="med" len="med"/>
+            <a:tailEnd type="none" w="med" len="med"/>
+          </a:ln>
+        </p:spPr>
+        <p:style>
+          <a:lnRef idx="1">
+            <a:schemeClr val="accent6"/>
+          </a:lnRef>
+          <a:fillRef idx="2">
+            <a:schemeClr val="accent6"/>
+          </a:fillRef>
+          <a:effectRef idx="1">
+            <a:schemeClr val="accent6"/>
+          </a:effectRef>
+          <a:fontRef idx="minor">
+            <a:schemeClr val="dk1"/>
+          </a:fontRef>
+        </p:style>
+        <p:txBody>
+          <a:bodyPr rtlCol="0" anchor="ctr"/>
+          <a:lstStyle/>
+          <a:p>
+            <a:pPr algn="ctr"/>
+            <a:r>
+              <a:rPr lang="zh-CN" altLang="en-US" sz="1000" b="1" dirty="0">
+                <a:solidFill>
+                  <a:schemeClr val="tx1"/>
+                </a:solidFill>
+              </a:rPr>
+              <a:t>实体消歧</a:t>
+            </a:r>
+            <a:endParaRPr lang="en-US" sz="1000" b="1" dirty="0">
+              <a:solidFill>
+                <a:schemeClr val="tx1"/>
+              </a:solidFill>
+            </a:endParaRPr>
+          </a:p>
+        </p:txBody>
+      </p:sp>
+      <p:sp>
+        <p:nvSpPr>
+          <p:cNvPr id="76" name="Rectangle 75">
+            <a:extLst>
+              <a:ext uri="{FF2B5EF4-FFF2-40B4-BE49-F238E27FC236}">
+                <a16:creationId xmlns:a16="http://schemas.microsoft.com/office/drawing/2014/main" id="{7B878E69-39CC-42FF-BD21-D6212B9D59B7}"/>
+              </a:ext>
+            </a:extLst>
+          </p:cNvPr>
+          <p:cNvSpPr/>
+          <p:nvPr/>
+        </p:nvSpPr>
+        <p:spPr>
+          <a:xfrm>
+            <a:off x="2917636" y="5200856"/>
+            <a:ext cx="2078215" cy="509766"/>
+          </a:xfrm>
+          <a:prstGeom prst="rect">
+            <a:avLst/>
+          </a:prstGeom>
+          <a:noFill/>
+          <a:ln>
+            <a:solidFill>
+              <a:schemeClr val="accent6"/>
+            </a:solidFill>
+            <a:prstDash val="sysDot"/>
+          </a:ln>
+        </p:spPr>
+        <p:style>
+          <a:lnRef idx="2">
+            <a:schemeClr val="accent1">
+              <a:shade val="50000"/>
+            </a:schemeClr>
+          </a:lnRef>
+          <a:fillRef idx="1">
+            <a:schemeClr val="accent1"/>
+          </a:fillRef>
+          <a:effectRef idx="0">
+            <a:schemeClr val="accent1"/>
+          </a:effectRef>
+          <a:fontRef idx="minor">
+            <a:schemeClr val="lt1"/>
+          </a:fontRef>
+        </p:style>
+        <p:txBody>
+          <a:bodyPr rtlCol="0" anchor="ctr"/>
+          <a:lstStyle/>
+          <a:p>
+            <a:pPr algn="ctr"/>
+            <a:endParaRPr lang="en-US"/>
+          </a:p>
+        </p:txBody>
+      </p:sp>
+      <p:cxnSp>
+        <p:nvCxnSpPr>
+          <p:cNvPr id="77" name="Connector: Elbow 76">
+            <a:extLst>
+              <a:ext uri="{FF2B5EF4-FFF2-40B4-BE49-F238E27FC236}">
+                <a16:creationId xmlns:a16="http://schemas.microsoft.com/office/drawing/2014/main" id="{60B1698C-4CD4-4A3A-97C4-C53AA8F256C4}"/>
+              </a:ext>
+            </a:extLst>
+          </p:cNvPr>
+          <p:cNvCxnSpPr>
+            <a:cxnSpLocks/>
+            <a:stCxn id="36" idx="0"/>
+            <a:endCxn id="76" idx="2"/>
+          </p:cNvCxnSpPr>
+          <p:nvPr/>
+        </p:nvCxnSpPr>
+        <p:spPr>
+          <a:xfrm rot="16200000" flipV="1">
+            <a:off x="3837098" y="5830268"/>
+            <a:ext cx="240090" cy="797"/>
+          </a:xfrm>
+          <a:prstGeom prst="bentConnector3">
+            <a:avLst>
+              <a:gd name="adj1" fmla="val 50000"/>
+            </a:avLst>
+          </a:prstGeom>
+          <a:ln w="12700">
+            <a:solidFill>
+              <a:srgbClr val="FF0000"/>
+            </a:solidFill>
+            <a:tailEnd type="triangle"/>
+          </a:ln>
+        </p:spPr>
+        <p:style>
+          <a:lnRef idx="1">
+            <a:schemeClr val="accent1"/>
+          </a:lnRef>
+          <a:fillRef idx="0">
+            <a:schemeClr val="accent1"/>
+          </a:fillRef>
+          <a:effectRef idx="0">
+            <a:schemeClr val="accent1"/>
+          </a:effectRef>
+          <a:fontRef idx="minor">
+            <a:schemeClr val="tx1"/>
+          </a:fontRef>
+        </p:style>
+      </p:cxnSp>
+      <p:sp>
+        <p:nvSpPr>
+          <p:cNvPr id="80" name="TextBox 79">
+            <a:extLst>
+              <a:ext uri="{FF2B5EF4-FFF2-40B4-BE49-F238E27FC236}">
+                <a16:creationId xmlns:a16="http://schemas.microsoft.com/office/drawing/2014/main" id="{4B6173F9-1507-44B3-8532-0D9AEE7FA30E}"/>
+              </a:ext>
+            </a:extLst>
+          </p:cNvPr>
+          <p:cNvSpPr txBox="1"/>
+          <p:nvPr/>
+        </p:nvSpPr>
+        <p:spPr>
+          <a:xfrm>
+            <a:off x="2760495" y="4947285"/>
+            <a:ext cx="799687" cy="246221"/>
+          </a:xfrm>
+          <a:prstGeom prst="rect">
+            <a:avLst/>
+          </a:prstGeom>
+          <a:noFill/>
+        </p:spPr>
+        <p:txBody>
+          <a:bodyPr wrap="square" rtlCol="0">
+            <a:spAutoFit/>
+          </a:bodyPr>
+          <a:lstStyle/>
+          <a:p>
+            <a:pPr algn="ctr"/>
+            <a:r>
+              <a:rPr lang="zh-CN" altLang="en-US" sz="1000" b="1" dirty="0">
+                <a:solidFill>
+                  <a:schemeClr val="accent6">
+                    <a:lumMod val="50000"/>
+                  </a:schemeClr>
+                </a:solidFill>
+              </a:rPr>
+              <a:t>实体链接</a:t>
+            </a:r>
+            <a:endParaRPr lang="en-US" sz="1000" b="1" dirty="0">
+              <a:solidFill>
+                <a:schemeClr val="accent6">
+                  <a:lumMod val="50000"/>
+                </a:schemeClr>
+              </a:solidFill>
+            </a:endParaRPr>
+          </a:p>
+        </p:txBody>
+      </p:sp>
+      <p:sp>
+        <p:nvSpPr>
+          <p:cNvPr id="81" name="Rectangle: Rounded Corners 80">
+            <a:extLst>
+              <a:ext uri="{FF2B5EF4-FFF2-40B4-BE49-F238E27FC236}">
+                <a16:creationId xmlns:a16="http://schemas.microsoft.com/office/drawing/2014/main" id="{0680DED7-E511-420C-8EB5-86A5EAF4089C}"/>
+              </a:ext>
+            </a:extLst>
+          </p:cNvPr>
+          <p:cNvSpPr/>
+          <p:nvPr/>
+        </p:nvSpPr>
+        <p:spPr>
+          <a:xfrm>
+            <a:off x="3491980" y="4519838"/>
+            <a:ext cx="926281" cy="287953"/>
+          </a:xfrm>
+          <a:prstGeom prst="roundRect">
+            <a:avLst/>
+          </a:prstGeom>
+          <a:ln>
+            <a:headEnd type="none" w="med" len="med"/>
+            <a:tailEnd type="none" w="med" len="med"/>
+          </a:ln>
+        </p:spPr>
+        <p:style>
+          <a:lnRef idx="1">
+            <a:schemeClr val="accent1"/>
+          </a:lnRef>
+          <a:fillRef idx="2">
+            <a:schemeClr val="accent1"/>
+          </a:fillRef>
+          <a:effectRef idx="1">
+            <a:schemeClr val="accent1"/>
+          </a:effectRef>
+          <a:fontRef idx="minor">
+            <a:schemeClr val="dk1"/>
+          </a:fontRef>
+        </p:style>
+        <p:txBody>
+          <a:bodyPr rtlCol="0" anchor="ctr"/>
+          <a:lstStyle/>
+          <a:p>
+            <a:pPr algn="ctr"/>
+            <a:r>
+              <a:rPr lang="zh-CN" altLang="en-US" sz="1000" b="1" dirty="0">
+                <a:solidFill>
+                  <a:schemeClr val="tx1"/>
+                </a:solidFill>
+              </a:rPr>
+              <a:t>知识合并</a:t>
+            </a:r>
+            <a:endParaRPr lang="en-US" sz="1000" b="1" dirty="0">
+              <a:solidFill>
+                <a:schemeClr val="tx1"/>
+              </a:solidFill>
+            </a:endParaRPr>
+          </a:p>
+        </p:txBody>
+      </p:sp>
+      <p:cxnSp>
+        <p:nvCxnSpPr>
+          <p:cNvPr id="82" name="Connector: Elbow 81">
+            <a:extLst>
+              <a:ext uri="{FF2B5EF4-FFF2-40B4-BE49-F238E27FC236}">
+                <a16:creationId xmlns:a16="http://schemas.microsoft.com/office/drawing/2014/main" id="{C9642EAA-67BB-44E6-8F8C-185BF380F433}"/>
+              </a:ext>
+            </a:extLst>
+          </p:cNvPr>
+          <p:cNvCxnSpPr>
+            <a:cxnSpLocks/>
+            <a:endCxn id="81" idx="3"/>
+          </p:cNvCxnSpPr>
+          <p:nvPr/>
+        </p:nvCxnSpPr>
+        <p:spPr>
+          <a:xfrm rot="16200000" flipV="1">
+            <a:off x="3434892" y="5647185"/>
+            <a:ext cx="3625823" cy="1659084"/>
+          </a:xfrm>
+          <a:prstGeom prst="bentConnector2">
+            <a:avLst/>
+          </a:prstGeom>
+          <a:ln w="12700">
+            <a:solidFill>
+              <a:srgbClr val="FF0000"/>
+            </a:solidFill>
+            <a:tailEnd type="triangle"/>
+          </a:ln>
+        </p:spPr>
+        <p:style>
+          <a:lnRef idx="1">
+            <a:schemeClr val="accent1"/>
+          </a:lnRef>
+          <a:fillRef idx="0">
+            <a:schemeClr val="accent1"/>
+          </a:fillRef>
+          <a:effectRef idx="0">
+            <a:schemeClr val="accent1"/>
+          </a:effectRef>
+          <a:fontRef idx="minor">
+            <a:schemeClr val="tx1"/>
+          </a:fontRef>
+        </p:style>
+      </p:cxnSp>
+      <p:cxnSp>
+        <p:nvCxnSpPr>
+          <p:cNvPr id="95" name="Connector: Elbow 94">
+            <a:extLst>
+              <a:ext uri="{FF2B5EF4-FFF2-40B4-BE49-F238E27FC236}">
+                <a16:creationId xmlns:a16="http://schemas.microsoft.com/office/drawing/2014/main" id="{BFFFD379-C3D0-42A6-B89A-819D231D2D0D}"/>
+              </a:ext>
+            </a:extLst>
+          </p:cNvPr>
+          <p:cNvCxnSpPr>
+            <a:cxnSpLocks/>
+            <a:stCxn id="81" idx="2"/>
+            <a:endCxn id="76" idx="0"/>
+          </p:cNvCxnSpPr>
+          <p:nvPr/>
+        </p:nvCxnSpPr>
+        <p:spPr>
+          <a:xfrm rot="16200000" flipH="1">
+            <a:off x="3759400" y="5003511"/>
+            <a:ext cx="393065" cy="1623"/>
+          </a:xfrm>
+          <a:prstGeom prst="bentConnector3">
+            <a:avLst>
+              <a:gd name="adj1" fmla="val 50000"/>
+            </a:avLst>
+          </a:prstGeom>
+          <a:ln w="12700">
+            <a:solidFill>
+              <a:srgbClr val="FF0000"/>
+            </a:solidFill>
+            <a:tailEnd type="triangle"/>
+          </a:ln>
+        </p:spPr>
+        <p:style>
+          <a:lnRef idx="1">
+            <a:schemeClr val="accent1"/>
+          </a:lnRef>
+          <a:fillRef idx="0">
+            <a:schemeClr val="accent1"/>
+          </a:fillRef>
+          <a:effectRef idx="0">
+            <a:schemeClr val="accent1"/>
+          </a:effectRef>
+          <a:fontRef idx="minor">
+            <a:schemeClr val="tx1"/>
+          </a:fontRef>
+        </p:style>
+      </p:cxnSp>
+      <p:sp>
+        <p:nvSpPr>
+          <p:cNvPr id="98" name="Flowchart: Magnetic Disk 97">
+            <a:extLst>
+              <a:ext uri="{FF2B5EF4-FFF2-40B4-BE49-F238E27FC236}">
+                <a16:creationId xmlns:a16="http://schemas.microsoft.com/office/drawing/2014/main" id="{27D9A06F-7E20-4251-9CFD-6947F34A483A}"/>
+              </a:ext>
+            </a:extLst>
+          </p:cNvPr>
+          <p:cNvSpPr/>
+          <p:nvPr/>
+        </p:nvSpPr>
+        <p:spPr>
+          <a:xfrm>
+            <a:off x="2193523" y="4469038"/>
+            <a:ext cx="850040" cy="393066"/>
+          </a:xfrm>
+          <a:prstGeom prst="flowChartMagneticDisk">
+            <a:avLst/>
+          </a:prstGeom>
+        </p:spPr>
+        <p:style>
+          <a:lnRef idx="1">
+            <a:schemeClr val="accent4"/>
+          </a:lnRef>
+          <a:fillRef idx="2">
+            <a:schemeClr val="accent4"/>
+          </a:fillRef>
+          <a:effectRef idx="1">
+            <a:schemeClr val="accent4"/>
+          </a:effectRef>
+          <a:fontRef idx="minor">
+            <a:schemeClr val="dk1"/>
+          </a:fontRef>
+        </p:style>
+        <p:txBody>
+          <a:bodyPr rtlCol="0" anchor="ctr"/>
+          <a:lstStyle/>
+          <a:p>
+            <a:pPr algn="ctr"/>
+            <a:r>
+              <a:rPr lang="zh-CN" altLang="en-US" sz="800" b="1" i="1" dirty="0"/>
+              <a:t>第三方</a:t>
+            </a:r>
+            <a:br>
+              <a:rPr lang="en-US" altLang="zh-CN" sz="800" b="1" i="1" dirty="0"/>
+            </a:br>
+            <a:r>
+              <a:rPr lang="zh-CN" altLang="en-US" sz="800" b="1" i="1" dirty="0"/>
+              <a:t>知识图谱</a:t>
+            </a:r>
+            <a:endParaRPr lang="en-US" sz="800" b="1" i="1" dirty="0"/>
+          </a:p>
+        </p:txBody>
+      </p:sp>
+      <p:cxnSp>
+        <p:nvCxnSpPr>
+          <p:cNvPr id="99" name="Connector: Elbow 98">
+            <a:extLst>
+              <a:ext uri="{FF2B5EF4-FFF2-40B4-BE49-F238E27FC236}">
+                <a16:creationId xmlns:a16="http://schemas.microsoft.com/office/drawing/2014/main" id="{133E2216-AFBC-4DAB-9DE0-1DF2E933AF2F}"/>
+              </a:ext>
+            </a:extLst>
+          </p:cNvPr>
+          <p:cNvCxnSpPr>
+            <a:cxnSpLocks/>
+            <a:stCxn id="98" idx="4"/>
+            <a:endCxn id="81" idx="1"/>
+          </p:cNvCxnSpPr>
+          <p:nvPr/>
+        </p:nvCxnSpPr>
+        <p:spPr>
+          <a:xfrm flipV="1">
+            <a:off x="3043563" y="4663815"/>
+            <a:ext cx="448417" cy="1756"/>
+          </a:xfrm>
+          <a:prstGeom prst="bentConnector3">
+            <a:avLst>
+              <a:gd name="adj1" fmla="val 50000"/>
+            </a:avLst>
+          </a:prstGeom>
+          <a:ln w="12700">
+            <a:solidFill>
+              <a:srgbClr val="FF0000"/>
+            </a:solidFill>
+            <a:tailEnd type="triangle"/>
+          </a:ln>
+        </p:spPr>
+        <p:style>
+          <a:lnRef idx="1">
+            <a:schemeClr val="accent1"/>
+          </a:lnRef>
+          <a:fillRef idx="0">
+            <a:schemeClr val="accent1"/>
+          </a:fillRef>
+          <a:effectRef idx="0">
+            <a:schemeClr val="accent1"/>
+          </a:effectRef>
+          <a:fontRef idx="minor">
+            <a:schemeClr val="tx1"/>
+          </a:fontRef>
+        </p:style>
+      </p:cxnSp>
+      <p:sp>
+        <p:nvSpPr>
+          <p:cNvPr id="103" name="Rectangle 102">
+            <a:extLst>
+              <a:ext uri="{FF2B5EF4-FFF2-40B4-BE49-F238E27FC236}">
+                <a16:creationId xmlns:a16="http://schemas.microsoft.com/office/drawing/2014/main" id="{0783FF76-6D0A-437C-9CA7-7BF5A4ED8217}"/>
+              </a:ext>
+            </a:extLst>
+          </p:cNvPr>
+          <p:cNvSpPr/>
+          <p:nvPr/>
+        </p:nvSpPr>
+        <p:spPr>
+          <a:xfrm>
+            <a:off x="1669342" y="3457831"/>
+            <a:ext cx="4551238" cy="764168"/>
+          </a:xfrm>
+          <a:prstGeom prst="rect">
+            <a:avLst/>
+          </a:prstGeom>
+          <a:noFill/>
+          <a:ln>
+            <a:solidFill>
+              <a:schemeClr val="tx1"/>
+            </a:solidFill>
+            <a:prstDash val="dash"/>
+          </a:ln>
+        </p:spPr>
+        <p:style>
+          <a:lnRef idx="2">
+            <a:schemeClr val="accent1">
+              <a:shade val="50000"/>
+            </a:schemeClr>
+          </a:lnRef>
+          <a:fillRef idx="1">
+            <a:schemeClr val="accent1"/>
+          </a:fillRef>
+          <a:effectRef idx="0">
+            <a:schemeClr val="accent1"/>
+          </a:effectRef>
+          <a:fontRef idx="minor">
+            <a:schemeClr val="lt1"/>
+          </a:fontRef>
+        </p:style>
+        <p:txBody>
+          <a:bodyPr rtlCol="0" anchor="ctr"/>
+          <a:lstStyle/>
+          <a:p>
+            <a:pPr algn="ctr"/>
+            <a:endParaRPr lang="en-US"/>
+          </a:p>
+        </p:txBody>
+      </p:sp>
+      <p:sp>
+        <p:nvSpPr>
+          <p:cNvPr id="104" name="TextBox 103">
+            <a:extLst>
+              <a:ext uri="{FF2B5EF4-FFF2-40B4-BE49-F238E27FC236}">
+                <a16:creationId xmlns:a16="http://schemas.microsoft.com/office/drawing/2014/main" id="{F5D033BA-8D25-4414-A0F5-62320DFB9F9C}"/>
+              </a:ext>
+            </a:extLst>
+          </p:cNvPr>
+          <p:cNvSpPr txBox="1"/>
+          <p:nvPr/>
+        </p:nvSpPr>
+        <p:spPr>
+          <a:xfrm>
+            <a:off x="1036454" y="3609082"/>
+            <a:ext cx="799687" cy="461665"/>
+          </a:xfrm>
+          <a:prstGeom prst="rect">
+            <a:avLst/>
+          </a:prstGeom>
+          <a:noFill/>
+        </p:spPr>
+        <p:txBody>
+          <a:bodyPr wrap="square" rtlCol="0">
+            <a:spAutoFit/>
+          </a:bodyPr>
+          <a:lstStyle/>
+          <a:p>
+            <a:pPr algn="ctr"/>
+            <a:r>
+              <a:rPr lang="zh-CN" altLang="en-US" sz="1200" dirty="0">
+                <a:solidFill>
+                  <a:srgbClr val="7030A0"/>
+                </a:solidFill>
+              </a:rPr>
+              <a:t>知识</a:t>
+            </a:r>
+            <a:br>
+              <a:rPr lang="en-US" altLang="zh-CN" sz="1200" dirty="0">
+                <a:solidFill>
+                  <a:srgbClr val="7030A0"/>
+                </a:solidFill>
+              </a:rPr>
+            </a:br>
+            <a:r>
+              <a:rPr lang="zh-CN" altLang="en-US" sz="1200" dirty="0">
+                <a:solidFill>
+                  <a:srgbClr val="7030A0"/>
+                </a:solidFill>
+              </a:rPr>
+              <a:t>加工</a:t>
+            </a:r>
+            <a:endParaRPr lang="en-US" sz="1200" dirty="0">
+              <a:solidFill>
+                <a:srgbClr val="7030A0"/>
+              </a:solidFill>
+            </a:endParaRPr>
+          </a:p>
+        </p:txBody>
+      </p:sp>
+      <p:cxnSp>
+        <p:nvCxnSpPr>
+          <p:cNvPr id="105" name="Connector: Elbow 104">
+            <a:extLst>
+              <a:ext uri="{FF2B5EF4-FFF2-40B4-BE49-F238E27FC236}">
+                <a16:creationId xmlns:a16="http://schemas.microsoft.com/office/drawing/2014/main" id="{E247DE23-0AD7-4FE1-ABD7-B2DAB2733ED1}"/>
+              </a:ext>
+            </a:extLst>
+          </p:cNvPr>
+          <p:cNvCxnSpPr>
+            <a:cxnSpLocks/>
+            <a:stCxn id="76" idx="1"/>
+            <a:endCxn id="109" idx="1"/>
+          </p:cNvCxnSpPr>
+          <p:nvPr/>
+        </p:nvCxnSpPr>
+        <p:spPr>
+          <a:xfrm rot="10800000">
+            <a:off x="2201386" y="3790345"/>
+            <a:ext cx="716251" cy="1665395"/>
+          </a:xfrm>
+          <a:prstGeom prst="bentConnector3">
+            <a:avLst>
+              <a:gd name="adj1" fmla="val 131916"/>
+            </a:avLst>
+          </a:prstGeom>
+          <a:ln w="12700">
+            <a:solidFill>
+              <a:srgbClr val="FF0000"/>
+            </a:solidFill>
+            <a:tailEnd type="triangle"/>
+          </a:ln>
+        </p:spPr>
+        <p:style>
+          <a:lnRef idx="1">
+            <a:schemeClr val="accent1"/>
+          </a:lnRef>
+          <a:fillRef idx="0">
+            <a:schemeClr val="accent1"/>
+          </a:fillRef>
+          <a:effectRef idx="0">
+            <a:schemeClr val="accent1"/>
+          </a:effectRef>
+          <a:fontRef idx="minor">
+            <a:schemeClr val="tx1"/>
+          </a:fontRef>
+        </p:style>
+      </p:cxnSp>
+      <p:sp>
+        <p:nvSpPr>
+          <p:cNvPr id="108" name="Rectangle: Rounded Corners 107">
+            <a:extLst>
+              <a:ext uri="{FF2B5EF4-FFF2-40B4-BE49-F238E27FC236}">
+                <a16:creationId xmlns:a16="http://schemas.microsoft.com/office/drawing/2014/main" id="{7D9B6B57-E32E-4DE2-B5BC-7AC8233F556F}"/>
+              </a:ext>
+            </a:extLst>
+          </p:cNvPr>
+          <p:cNvSpPr/>
+          <p:nvPr/>
+        </p:nvSpPr>
+        <p:spPr>
+          <a:xfrm>
+            <a:off x="3491980" y="3645220"/>
+            <a:ext cx="926281" cy="287953"/>
+          </a:xfrm>
+          <a:prstGeom prst="roundRect">
+            <a:avLst/>
+          </a:prstGeom>
+          <a:ln>
+            <a:headEnd type="none" w="med" len="med"/>
+            <a:tailEnd type="none" w="med" len="med"/>
+          </a:ln>
+        </p:spPr>
+        <p:style>
+          <a:lnRef idx="1">
+            <a:schemeClr val="accent2"/>
+          </a:lnRef>
+          <a:fillRef idx="2">
+            <a:schemeClr val="accent2"/>
+          </a:fillRef>
+          <a:effectRef idx="1">
+            <a:schemeClr val="accent2"/>
+          </a:effectRef>
+          <a:fontRef idx="minor">
+            <a:schemeClr val="dk1"/>
+          </a:fontRef>
+        </p:style>
+        <p:txBody>
+          <a:bodyPr rtlCol="0" anchor="ctr"/>
+          <a:lstStyle/>
+          <a:p>
+            <a:pPr algn="ctr"/>
+            <a:r>
+              <a:rPr lang="zh-CN" altLang="en-US" sz="1000" b="1" dirty="0">
+                <a:solidFill>
+                  <a:schemeClr val="tx1"/>
+                </a:solidFill>
+              </a:rPr>
+              <a:t>质量评估</a:t>
+            </a:r>
+            <a:endParaRPr lang="en-US" sz="1000" b="1" dirty="0">
+              <a:solidFill>
+                <a:schemeClr val="tx1"/>
+              </a:solidFill>
+            </a:endParaRPr>
+          </a:p>
+        </p:txBody>
+      </p:sp>
+      <p:sp>
+        <p:nvSpPr>
+          <p:cNvPr id="109" name="Rectangle: Rounded Corners 108">
+            <a:extLst>
+              <a:ext uri="{FF2B5EF4-FFF2-40B4-BE49-F238E27FC236}">
+                <a16:creationId xmlns:a16="http://schemas.microsoft.com/office/drawing/2014/main" id="{B584225A-9C8C-4B12-9656-C8497CD9A3D6}"/>
+              </a:ext>
+            </a:extLst>
+          </p:cNvPr>
+          <p:cNvSpPr/>
+          <p:nvPr/>
+        </p:nvSpPr>
+        <p:spPr>
+          <a:xfrm>
+            <a:off x="2201385" y="3646367"/>
+            <a:ext cx="926281" cy="287953"/>
+          </a:xfrm>
+          <a:prstGeom prst="roundRect">
+            <a:avLst/>
+          </a:prstGeom>
+          <a:ln>
+            <a:headEnd type="none" w="med" len="med"/>
+            <a:tailEnd type="none" w="med" len="med"/>
+          </a:ln>
+        </p:spPr>
+        <p:style>
+          <a:lnRef idx="1">
+            <a:schemeClr val="accent6"/>
+          </a:lnRef>
+          <a:fillRef idx="2">
+            <a:schemeClr val="accent6"/>
+          </a:fillRef>
+          <a:effectRef idx="1">
+            <a:schemeClr val="accent6"/>
+          </a:effectRef>
+          <a:fontRef idx="minor">
+            <a:schemeClr val="dk1"/>
+          </a:fontRef>
+        </p:style>
+        <p:txBody>
+          <a:bodyPr rtlCol="0" anchor="ctr"/>
+          <a:lstStyle/>
+          <a:p>
+            <a:pPr algn="ctr"/>
+            <a:r>
+              <a:rPr lang="zh-CN" altLang="en-US" sz="1000" b="1" dirty="0">
+                <a:solidFill>
+                  <a:schemeClr val="tx1"/>
+                </a:solidFill>
+              </a:rPr>
+              <a:t>本体抽取</a:t>
+            </a:r>
+            <a:endParaRPr lang="en-US" sz="1000" b="1" dirty="0">
+              <a:solidFill>
+                <a:schemeClr val="tx1"/>
+              </a:solidFill>
+            </a:endParaRPr>
+          </a:p>
+        </p:txBody>
+      </p:sp>
+      <p:cxnSp>
+        <p:nvCxnSpPr>
+          <p:cNvPr id="113" name="Connector: Elbow 112">
+            <a:extLst>
+              <a:ext uri="{FF2B5EF4-FFF2-40B4-BE49-F238E27FC236}">
+                <a16:creationId xmlns:a16="http://schemas.microsoft.com/office/drawing/2014/main" id="{CABAF7B1-5565-4200-8372-7D3AF97B362F}"/>
+              </a:ext>
+            </a:extLst>
+          </p:cNvPr>
+          <p:cNvCxnSpPr>
+            <a:cxnSpLocks/>
+            <a:stCxn id="76" idx="1"/>
+            <a:endCxn id="108" idx="2"/>
+          </p:cNvCxnSpPr>
+          <p:nvPr/>
+        </p:nvCxnSpPr>
+        <p:spPr>
+          <a:xfrm rot="10800000" flipH="1">
+            <a:off x="2917635" y="3933173"/>
+            <a:ext cx="1037485" cy="1522566"/>
+          </a:xfrm>
+          <a:prstGeom prst="bentConnector4">
+            <a:avLst>
+              <a:gd name="adj1" fmla="val -91074"/>
+              <a:gd name="adj2" fmla="val 88732"/>
+            </a:avLst>
+          </a:prstGeom>
+          <a:ln w="12700">
+            <a:solidFill>
+              <a:srgbClr val="FF0000"/>
+            </a:solidFill>
+            <a:tailEnd type="triangle"/>
+          </a:ln>
+        </p:spPr>
+        <p:style>
+          <a:lnRef idx="1">
+            <a:schemeClr val="accent1"/>
+          </a:lnRef>
+          <a:fillRef idx="0">
+            <a:schemeClr val="accent1"/>
+          </a:fillRef>
+          <a:effectRef idx="0">
+            <a:schemeClr val="accent1"/>
+          </a:effectRef>
+          <a:fontRef idx="minor">
+            <a:schemeClr val="tx1"/>
+          </a:fontRef>
+        </p:style>
+      </p:cxnSp>
+      <p:cxnSp>
+        <p:nvCxnSpPr>
+          <p:cNvPr id="119" name="Connector: Elbow 118">
+            <a:extLst>
+              <a:ext uri="{FF2B5EF4-FFF2-40B4-BE49-F238E27FC236}">
+                <a16:creationId xmlns:a16="http://schemas.microsoft.com/office/drawing/2014/main" id="{0FA3798E-BECD-4009-B008-F56C2C789B3D}"/>
+              </a:ext>
+            </a:extLst>
+          </p:cNvPr>
+          <p:cNvCxnSpPr>
+            <a:cxnSpLocks/>
+            <a:stCxn id="109" idx="3"/>
+            <a:endCxn id="108" idx="1"/>
+          </p:cNvCxnSpPr>
+          <p:nvPr/>
+        </p:nvCxnSpPr>
+        <p:spPr>
+          <a:xfrm flipV="1">
+            <a:off x="3127666" y="3789197"/>
+            <a:ext cx="364314" cy="1147"/>
+          </a:xfrm>
+          <a:prstGeom prst="bentConnector3">
+            <a:avLst>
+              <a:gd name="adj1" fmla="val 50000"/>
+            </a:avLst>
+          </a:prstGeom>
+          <a:ln w="12700">
+            <a:solidFill>
+              <a:srgbClr val="FF0000"/>
+            </a:solidFill>
+            <a:tailEnd type="triangle"/>
+          </a:ln>
+        </p:spPr>
+        <p:style>
+          <a:lnRef idx="1">
+            <a:schemeClr val="accent1"/>
+          </a:lnRef>
+          <a:fillRef idx="0">
+            <a:schemeClr val="accent1"/>
+          </a:fillRef>
+          <a:effectRef idx="0">
+            <a:schemeClr val="accent1"/>
+          </a:effectRef>
+          <a:fontRef idx="minor">
+            <a:schemeClr val="tx1"/>
+          </a:fontRef>
+        </p:style>
+      </p:cxnSp>
+      <p:sp>
+        <p:nvSpPr>
+          <p:cNvPr id="124" name="Rectangle: Rounded Corners 123">
+            <a:extLst>
+              <a:ext uri="{FF2B5EF4-FFF2-40B4-BE49-F238E27FC236}">
+                <a16:creationId xmlns:a16="http://schemas.microsoft.com/office/drawing/2014/main" id="{2F15E72B-EB40-48B1-A92B-26CB43221264}"/>
+              </a:ext>
+            </a:extLst>
+          </p:cNvPr>
+          <p:cNvSpPr/>
+          <p:nvPr/>
+        </p:nvSpPr>
+        <p:spPr>
+          <a:xfrm>
+            <a:off x="4788948" y="3646602"/>
+            <a:ext cx="926281" cy="287953"/>
+          </a:xfrm>
+          <a:prstGeom prst="roundRect">
+            <a:avLst/>
+          </a:prstGeom>
+          <a:ln>
+            <a:headEnd type="none" w="med" len="med"/>
+            <a:tailEnd type="none" w="med" len="med"/>
+          </a:ln>
+        </p:spPr>
+        <p:style>
+          <a:lnRef idx="1">
+            <a:schemeClr val="accent4"/>
+          </a:lnRef>
+          <a:fillRef idx="2">
+            <a:schemeClr val="accent4"/>
+          </a:fillRef>
+          <a:effectRef idx="1">
+            <a:schemeClr val="accent4"/>
+          </a:effectRef>
+          <a:fontRef idx="minor">
+            <a:schemeClr val="dk1"/>
+          </a:fontRef>
+        </p:style>
+        <p:txBody>
+          <a:bodyPr rtlCol="0" anchor="ctr"/>
+          <a:lstStyle/>
+          <a:p>
+            <a:pPr algn="ctr"/>
+            <a:r>
+              <a:rPr lang="zh-CN" altLang="en-US" sz="1000" b="1" dirty="0">
+                <a:solidFill>
+                  <a:schemeClr val="tx1"/>
+                </a:solidFill>
+              </a:rPr>
+              <a:t>知识推理</a:t>
+            </a:r>
+            <a:endParaRPr lang="en-US" sz="1000" b="1" dirty="0">
+              <a:solidFill>
+                <a:schemeClr val="tx1"/>
+              </a:solidFill>
+            </a:endParaRPr>
+          </a:p>
+        </p:txBody>
+      </p:sp>
+      <p:cxnSp>
+        <p:nvCxnSpPr>
+          <p:cNvPr id="125" name="Connector: Elbow 124">
+            <a:extLst>
+              <a:ext uri="{FF2B5EF4-FFF2-40B4-BE49-F238E27FC236}">
+                <a16:creationId xmlns:a16="http://schemas.microsoft.com/office/drawing/2014/main" id="{2CE8C31B-D9C3-4B68-85F4-CC8E0AA9D424}"/>
+              </a:ext>
+            </a:extLst>
+          </p:cNvPr>
+          <p:cNvCxnSpPr>
+            <a:cxnSpLocks/>
+            <a:stCxn id="124" idx="1"/>
+            <a:endCxn id="108" idx="3"/>
+          </p:cNvCxnSpPr>
+          <p:nvPr/>
+        </p:nvCxnSpPr>
+        <p:spPr>
+          <a:xfrm rot="10800000">
+            <a:off x="4418262" y="3789197"/>
+            <a:ext cx="370687" cy="1382"/>
+          </a:xfrm>
+          <a:prstGeom prst="bentConnector3">
+            <a:avLst>
+              <a:gd name="adj1" fmla="val 50000"/>
+            </a:avLst>
+          </a:prstGeom>
+          <a:ln w="12700">
+            <a:solidFill>
+              <a:srgbClr val="FF0000"/>
+            </a:solidFill>
+            <a:tailEnd type="triangle"/>
+          </a:ln>
+        </p:spPr>
+        <p:style>
+          <a:lnRef idx="1">
+            <a:schemeClr val="accent1"/>
+          </a:lnRef>
+          <a:fillRef idx="0">
+            <a:schemeClr val="accent1"/>
+          </a:fillRef>
+          <a:effectRef idx="0">
+            <a:schemeClr val="accent1"/>
+          </a:effectRef>
+          <a:fontRef idx="minor">
+            <a:schemeClr val="tx1"/>
+          </a:fontRef>
+        </p:style>
+      </p:cxnSp>
+      <p:cxnSp>
+        <p:nvCxnSpPr>
+          <p:cNvPr id="130" name="Connector: Elbow 129">
+            <a:extLst>
+              <a:ext uri="{FF2B5EF4-FFF2-40B4-BE49-F238E27FC236}">
+                <a16:creationId xmlns:a16="http://schemas.microsoft.com/office/drawing/2014/main" id="{E78ADFFF-8041-4A7E-9B0C-B42996B9F2BC}"/>
+              </a:ext>
+            </a:extLst>
+          </p:cNvPr>
+          <p:cNvCxnSpPr>
+            <a:cxnSpLocks/>
+            <a:stCxn id="108" idx="0"/>
+            <a:endCxn id="135" idx="3"/>
+          </p:cNvCxnSpPr>
+          <p:nvPr/>
+        </p:nvCxnSpPr>
+        <p:spPr>
+          <a:xfrm rot="16200000" flipV="1">
+            <a:off x="3766698" y="3456796"/>
+            <a:ext cx="375253" cy="1595"/>
+          </a:xfrm>
+          <a:prstGeom prst="bentConnector3">
+            <a:avLst>
+              <a:gd name="adj1" fmla="val 50000"/>
+            </a:avLst>
+          </a:prstGeom>
+          <a:ln w="12700">
+            <a:solidFill>
+              <a:srgbClr val="FF0000"/>
+            </a:solidFill>
+            <a:tailEnd type="triangle"/>
+          </a:ln>
+        </p:spPr>
+        <p:style>
+          <a:lnRef idx="1">
+            <a:schemeClr val="accent1"/>
+          </a:lnRef>
+          <a:fillRef idx="0">
+            <a:schemeClr val="accent1"/>
+          </a:fillRef>
+          <a:effectRef idx="0">
+            <a:schemeClr val="accent1"/>
+          </a:effectRef>
+          <a:fontRef idx="minor">
+            <a:schemeClr val="tx1"/>
+          </a:fontRef>
+        </p:style>
+      </p:cxnSp>
+      <p:sp>
+        <p:nvSpPr>
+          <p:cNvPr id="135" name="Flowchart: Magnetic Disk 134">
+            <a:extLst>
+              <a:ext uri="{FF2B5EF4-FFF2-40B4-BE49-F238E27FC236}">
+                <a16:creationId xmlns:a16="http://schemas.microsoft.com/office/drawing/2014/main" id="{946A59E7-1CEE-4F34-B7F7-BF172BEC7E74}"/>
+              </a:ext>
+            </a:extLst>
+          </p:cNvPr>
+          <p:cNvSpPr/>
+          <p:nvPr/>
+        </p:nvSpPr>
+        <p:spPr>
+          <a:xfrm>
+            <a:off x="3439160" y="2779874"/>
+            <a:ext cx="1028732" cy="490093"/>
+          </a:xfrm>
+          <a:prstGeom prst="flowChartMagneticDisk">
+            <a:avLst/>
+          </a:prstGeom>
+        </p:spPr>
+        <p:style>
+          <a:lnRef idx="1">
+            <a:schemeClr val="accent5"/>
+          </a:lnRef>
+          <a:fillRef idx="2">
+            <a:schemeClr val="accent5"/>
+          </a:fillRef>
+          <a:effectRef idx="1">
+            <a:schemeClr val="accent5"/>
+          </a:effectRef>
+          <a:fontRef idx="minor">
+            <a:schemeClr val="dk1"/>
+          </a:fontRef>
+        </p:style>
+        <p:txBody>
+          <a:bodyPr rtlCol="0" anchor="ctr"/>
+          <a:lstStyle/>
+          <a:p>
+            <a:pPr algn="ctr"/>
+            <a:r>
+              <a:rPr lang="zh-CN" altLang="en-US" sz="1050" b="1" i="1" dirty="0"/>
+              <a:t>多模态</a:t>
+            </a:r>
+            <a:br>
+              <a:rPr lang="en-US" altLang="zh-CN" sz="1050" b="1" i="1" dirty="0"/>
+            </a:br>
+            <a:r>
+              <a:rPr lang="zh-CN" altLang="en-US" sz="1050" b="1" i="1" dirty="0"/>
+              <a:t>知识图谱</a:t>
+            </a:r>
+            <a:endParaRPr lang="en-US" sz="1050" b="1" i="1" dirty="0"/>
+          </a:p>
+        </p:txBody>
+      </p:sp>
+      <p:cxnSp>
+        <p:nvCxnSpPr>
+          <p:cNvPr id="137" name="Connector: Elbow 136">
+            <a:extLst>
+              <a:ext uri="{FF2B5EF4-FFF2-40B4-BE49-F238E27FC236}">
+                <a16:creationId xmlns:a16="http://schemas.microsoft.com/office/drawing/2014/main" id="{A91F112B-69E1-404A-8B85-0BDE44EB0727}"/>
+              </a:ext>
+            </a:extLst>
+          </p:cNvPr>
+          <p:cNvCxnSpPr>
+            <a:cxnSpLocks/>
+            <a:stCxn id="135" idx="4"/>
+            <a:endCxn id="124" idx="0"/>
+          </p:cNvCxnSpPr>
+          <p:nvPr/>
+        </p:nvCxnSpPr>
+        <p:spPr>
+          <a:xfrm>
+            <a:off x="4467892" y="3024921"/>
+            <a:ext cx="784197" cy="621681"/>
+          </a:xfrm>
+          <a:prstGeom prst="bentConnector2">
+            <a:avLst/>
+          </a:prstGeom>
+          <a:ln w="12700">
+            <a:solidFill>
+              <a:srgbClr val="FF0000"/>
+            </a:solidFill>
+            <a:tailEnd type="triangle"/>
+          </a:ln>
+        </p:spPr>
+        <p:style>
+          <a:lnRef idx="1">
+            <a:schemeClr val="accent1"/>
+          </a:lnRef>
+          <a:fillRef idx="0">
+            <a:schemeClr val="accent1"/>
+          </a:fillRef>
+          <a:effectRef idx="0">
+            <a:schemeClr val="accent1"/>
+          </a:effectRef>
+          <a:fontRef idx="minor">
+            <a:schemeClr val="tx1"/>
+          </a:fontRef>
+        </p:style>
+      </p:cxnSp>
+      <p:sp>
+        <p:nvSpPr>
+          <p:cNvPr id="144" name="TextBox 143">
+            <a:extLst>
+              <a:ext uri="{FF2B5EF4-FFF2-40B4-BE49-F238E27FC236}">
+                <a16:creationId xmlns:a16="http://schemas.microsoft.com/office/drawing/2014/main" id="{164D2F63-B4C4-403F-B996-E10EDA715582}"/>
+              </a:ext>
+            </a:extLst>
+          </p:cNvPr>
+          <p:cNvSpPr txBox="1"/>
+          <p:nvPr/>
+        </p:nvSpPr>
+        <p:spPr>
+          <a:xfrm>
+            <a:off x="233337" y="1627365"/>
+            <a:ext cx="819256" cy="584775"/>
+          </a:xfrm>
+          <a:prstGeom prst="rect">
+            <a:avLst/>
+          </a:prstGeom>
+          <a:noFill/>
+        </p:spPr>
+        <p:txBody>
+          <a:bodyPr wrap="square" rtlCol="0">
+            <a:spAutoFit/>
+          </a:bodyPr>
+          <a:lstStyle/>
+          <a:p>
+            <a:pPr algn="ctr"/>
+            <a:r>
+              <a:rPr lang="zh-CN" altLang="en-US" sz="1600" dirty="0"/>
+              <a:t>知识库</a:t>
+            </a:r>
+            <a:br>
+              <a:rPr lang="en-US" altLang="zh-CN" sz="1600" dirty="0"/>
+            </a:br>
+            <a:r>
+              <a:rPr lang="zh-CN" altLang="en-US" sz="1600" dirty="0"/>
+              <a:t>存储层</a:t>
+            </a:r>
+            <a:endParaRPr lang="en-US" sz="1600" dirty="0"/>
+          </a:p>
+        </p:txBody>
+      </p:sp>
+      <p:sp>
+        <p:nvSpPr>
+          <p:cNvPr id="145" name="Rectangle 144">
+            <a:extLst>
+              <a:ext uri="{FF2B5EF4-FFF2-40B4-BE49-F238E27FC236}">
+                <a16:creationId xmlns:a16="http://schemas.microsoft.com/office/drawing/2014/main" id="{AC3AB1D1-67B1-4252-BDD7-BBBBCD615621}"/>
+              </a:ext>
+            </a:extLst>
+          </p:cNvPr>
+          <p:cNvSpPr/>
+          <p:nvPr/>
+        </p:nvSpPr>
+        <p:spPr>
+          <a:xfrm>
+            <a:off x="1183197" y="1285459"/>
+            <a:ext cx="5181600" cy="1268589"/>
+          </a:xfrm>
+          <a:prstGeom prst="rect">
+            <a:avLst/>
+          </a:prstGeom>
+          <a:noFill/>
+          <a:ln>
+            <a:solidFill>
+              <a:schemeClr val="tx1"/>
+            </a:solidFill>
+            <a:prstDash val="solid"/>
+          </a:ln>
+        </p:spPr>
+        <p:style>
+          <a:lnRef idx="2">
+            <a:schemeClr val="accent1">
+              <a:shade val="50000"/>
+            </a:schemeClr>
+          </a:lnRef>
+          <a:fillRef idx="1">
+            <a:schemeClr val="accent1"/>
+          </a:fillRef>
+          <a:effectRef idx="0">
+            <a:schemeClr val="accent1"/>
+          </a:effectRef>
+          <a:fontRef idx="minor">
+            <a:schemeClr val="lt1"/>
+          </a:fontRef>
+        </p:style>
+        <p:txBody>
+          <a:bodyPr rtlCol="0" anchor="ctr"/>
+          <a:lstStyle/>
+          <a:p>
+            <a:pPr algn="ctr"/>
+            <a:endParaRPr lang="en-US"/>
+          </a:p>
+        </p:txBody>
+      </p:sp>
+      <p:sp>
+        <p:nvSpPr>
+          <p:cNvPr id="146" name="Rectangle: Rounded Corners 145">
+            <a:extLst>
+              <a:ext uri="{FF2B5EF4-FFF2-40B4-BE49-F238E27FC236}">
+                <a16:creationId xmlns:a16="http://schemas.microsoft.com/office/drawing/2014/main" id="{E2030300-A620-440F-859E-6D8BBC579A74}"/>
+              </a:ext>
+            </a:extLst>
+          </p:cNvPr>
+          <p:cNvSpPr/>
+          <p:nvPr/>
+        </p:nvSpPr>
+        <p:spPr>
+          <a:xfrm>
+            <a:off x="4992618" y="1985770"/>
+            <a:ext cx="818211" cy="246453"/>
+          </a:xfrm>
+          <a:prstGeom prst="roundRect">
+            <a:avLst/>
+          </a:prstGeom>
+          <a:ln>
+            <a:headEnd type="none" w="med" len="med"/>
+            <a:tailEnd type="none" w="med" len="med"/>
+          </a:ln>
+        </p:spPr>
+        <p:style>
+          <a:lnRef idx="1">
+            <a:schemeClr val="accent5"/>
+          </a:lnRef>
+          <a:fillRef idx="2">
+            <a:schemeClr val="accent5"/>
+          </a:fillRef>
+          <a:effectRef idx="1">
+            <a:schemeClr val="accent5"/>
+          </a:effectRef>
+          <a:fontRef idx="minor">
+            <a:schemeClr val="dk1"/>
+          </a:fontRef>
+        </p:style>
+        <p:txBody>
+          <a:bodyPr rtlCol="0" anchor="ctr"/>
+          <a:lstStyle/>
+          <a:p>
+            <a:pPr algn="ctr"/>
+            <a:r>
+              <a:rPr lang="zh-CN" altLang="en-US" sz="1000" b="1" dirty="0">
+                <a:solidFill>
+                  <a:schemeClr val="tx1"/>
+                </a:solidFill>
+              </a:rPr>
+              <a:t>元数据</a:t>
+            </a:r>
+            <a:endParaRPr lang="en-US" sz="1000" b="1" dirty="0">
+              <a:solidFill>
+                <a:schemeClr val="tx1"/>
+              </a:solidFill>
+            </a:endParaRPr>
+          </a:p>
+        </p:txBody>
+      </p:sp>
+      <p:sp>
+        <p:nvSpPr>
+          <p:cNvPr id="147" name="Rectangle: Rounded Corners 146">
+            <a:extLst>
+              <a:ext uri="{FF2B5EF4-FFF2-40B4-BE49-F238E27FC236}">
+                <a16:creationId xmlns:a16="http://schemas.microsoft.com/office/drawing/2014/main" id="{C91BF776-B887-4C1B-9B0A-12304D035051}"/>
+              </a:ext>
+            </a:extLst>
+          </p:cNvPr>
+          <p:cNvSpPr/>
+          <p:nvPr/>
+        </p:nvSpPr>
+        <p:spPr>
+          <a:xfrm>
+            <a:off x="1963292" y="2108243"/>
+            <a:ext cx="819256" cy="246453"/>
+          </a:xfrm>
+          <a:prstGeom prst="roundRect">
+            <a:avLst/>
+          </a:prstGeom>
+          <a:ln>
+            <a:headEnd type="none" w="med" len="med"/>
+            <a:tailEnd type="none" w="med" len="med"/>
+          </a:ln>
+        </p:spPr>
+        <p:style>
+          <a:lnRef idx="1">
+            <a:schemeClr val="accent5"/>
+          </a:lnRef>
+          <a:fillRef idx="2">
+            <a:schemeClr val="accent5"/>
+          </a:fillRef>
+          <a:effectRef idx="1">
+            <a:schemeClr val="accent5"/>
+          </a:effectRef>
+          <a:fontRef idx="minor">
+            <a:schemeClr val="dk1"/>
+          </a:fontRef>
+        </p:style>
+        <p:txBody>
+          <a:bodyPr rtlCol="0" anchor="ctr"/>
+          <a:lstStyle/>
+          <a:p>
+            <a:pPr algn="ctr"/>
+            <a:r>
+              <a:rPr lang="zh-CN" altLang="en-US" sz="1000" b="1" dirty="0">
+                <a:solidFill>
+                  <a:schemeClr val="tx1"/>
+                </a:solidFill>
+              </a:rPr>
+              <a:t>索引</a:t>
+            </a:r>
+            <a:endParaRPr lang="en-US" sz="1000" b="1" dirty="0">
+              <a:solidFill>
+                <a:schemeClr val="tx1"/>
+              </a:solidFill>
+            </a:endParaRPr>
+          </a:p>
+        </p:txBody>
+      </p:sp>
+      <p:sp>
+        <p:nvSpPr>
+          <p:cNvPr id="148" name="Rectangle: Rounded Corners 147">
+            <a:extLst>
+              <a:ext uri="{FF2B5EF4-FFF2-40B4-BE49-F238E27FC236}">
+                <a16:creationId xmlns:a16="http://schemas.microsoft.com/office/drawing/2014/main" id="{60A9ECCE-CDA9-48B9-B66B-18DF9F6D7119}"/>
+              </a:ext>
+            </a:extLst>
+          </p:cNvPr>
+          <p:cNvSpPr/>
+          <p:nvPr/>
+        </p:nvSpPr>
+        <p:spPr>
+          <a:xfrm>
+            <a:off x="1963292" y="1778570"/>
+            <a:ext cx="819256" cy="246453"/>
+          </a:xfrm>
+          <a:prstGeom prst="roundRect">
+            <a:avLst/>
+          </a:prstGeom>
+          <a:ln>
+            <a:headEnd type="none" w="med" len="med"/>
+            <a:tailEnd type="none" w="med" len="med"/>
+          </a:ln>
+        </p:spPr>
+        <p:style>
+          <a:lnRef idx="1">
+            <a:schemeClr val="accent5"/>
+          </a:lnRef>
+          <a:fillRef idx="2">
+            <a:schemeClr val="accent5"/>
+          </a:fillRef>
+          <a:effectRef idx="1">
+            <a:schemeClr val="accent5"/>
+          </a:effectRef>
+          <a:fontRef idx="minor">
+            <a:schemeClr val="dk1"/>
+          </a:fontRef>
+        </p:style>
+        <p:txBody>
+          <a:bodyPr rtlCol="0" anchor="ctr"/>
+          <a:lstStyle/>
+          <a:p>
+            <a:pPr algn="ctr"/>
+            <a:r>
+              <a:rPr lang="zh-CN" altLang="en-US" sz="1000" b="1" dirty="0">
+                <a:solidFill>
+                  <a:schemeClr val="tx1"/>
+                </a:solidFill>
+              </a:rPr>
+              <a:t>存储</a:t>
+            </a:r>
+            <a:endParaRPr lang="en-US" sz="1000" b="1" dirty="0">
+              <a:solidFill>
+                <a:schemeClr val="tx1"/>
+              </a:solidFill>
+            </a:endParaRPr>
+          </a:p>
+        </p:txBody>
+      </p:sp>
+      <p:sp>
+        <p:nvSpPr>
+          <p:cNvPr id="149" name="Rectangle: Rounded Corners 148">
+            <a:extLst>
+              <a:ext uri="{FF2B5EF4-FFF2-40B4-BE49-F238E27FC236}">
+                <a16:creationId xmlns:a16="http://schemas.microsoft.com/office/drawing/2014/main" id="{4648EB36-F36F-4EAC-B7E9-1F9B2EFAB428}"/>
+              </a:ext>
+            </a:extLst>
+          </p:cNvPr>
+          <p:cNvSpPr/>
+          <p:nvPr/>
+        </p:nvSpPr>
+        <p:spPr>
+          <a:xfrm>
+            <a:off x="3377031" y="1421046"/>
+            <a:ext cx="1139131" cy="246453"/>
+          </a:xfrm>
+          <a:prstGeom prst="roundRect">
+            <a:avLst/>
+          </a:prstGeom>
+          <a:ln>
+            <a:headEnd type="none" w="med" len="med"/>
+            <a:tailEnd type="none" w="med" len="med"/>
+          </a:ln>
+        </p:spPr>
+        <p:style>
+          <a:lnRef idx="1">
+            <a:schemeClr val="accent5"/>
+          </a:lnRef>
+          <a:fillRef idx="2">
+            <a:schemeClr val="accent5"/>
+          </a:fillRef>
+          <a:effectRef idx="1">
+            <a:schemeClr val="accent5"/>
+          </a:effectRef>
+          <a:fontRef idx="minor">
+            <a:schemeClr val="dk1"/>
+          </a:fontRef>
+        </p:style>
+        <p:txBody>
+          <a:bodyPr rtlCol="0" anchor="ctr"/>
+          <a:lstStyle/>
+          <a:p>
+            <a:pPr algn="ctr"/>
+            <a:r>
+              <a:rPr lang="zh-CN" altLang="en-US" sz="1000" b="1" dirty="0">
+                <a:solidFill>
+                  <a:schemeClr val="tx1"/>
+                </a:solidFill>
+              </a:rPr>
+              <a:t>存取界面</a:t>
+            </a:r>
+            <a:endParaRPr lang="en-US" sz="1000" b="1" dirty="0">
+              <a:solidFill>
+                <a:schemeClr val="tx1"/>
+              </a:solidFill>
+            </a:endParaRPr>
+          </a:p>
+        </p:txBody>
+      </p:sp>
+      <p:cxnSp>
+        <p:nvCxnSpPr>
+          <p:cNvPr id="150" name="Straight Arrow Connector 149">
+            <a:extLst>
+              <a:ext uri="{FF2B5EF4-FFF2-40B4-BE49-F238E27FC236}">
+                <a16:creationId xmlns:a16="http://schemas.microsoft.com/office/drawing/2014/main" id="{86AB71DF-4BF7-4AAB-99E4-95744A70D91C}"/>
+              </a:ext>
+            </a:extLst>
+          </p:cNvPr>
+          <p:cNvCxnSpPr>
+            <a:cxnSpLocks/>
+          </p:cNvCxnSpPr>
+          <p:nvPr/>
+        </p:nvCxnSpPr>
+        <p:spPr>
+          <a:xfrm flipH="1" flipV="1">
+            <a:off x="3946597" y="1693612"/>
+            <a:ext cx="110" cy="223431"/>
+          </a:xfrm>
+          <a:prstGeom prst="straightConnector1">
+            <a:avLst/>
+          </a:prstGeom>
+          <a:ln w="12700">
+            <a:solidFill>
+              <a:srgbClr val="FF0000"/>
+            </a:solidFill>
+            <a:tailEnd type="triangle"/>
+          </a:ln>
+        </p:spPr>
+        <p:style>
+          <a:lnRef idx="1">
+            <a:schemeClr val="accent1"/>
+          </a:lnRef>
+          <a:fillRef idx="0">
+            <a:schemeClr val="accent1"/>
+          </a:fillRef>
+          <a:effectRef idx="0">
+            <a:schemeClr val="accent1"/>
+          </a:effectRef>
+          <a:fontRef idx="minor">
+            <a:schemeClr val="tx1"/>
+          </a:fontRef>
+        </p:style>
+      </p:cxnSp>
+      <p:cxnSp>
+        <p:nvCxnSpPr>
+          <p:cNvPr id="151" name="Straight Arrow Connector 150">
+            <a:extLst>
+              <a:ext uri="{FF2B5EF4-FFF2-40B4-BE49-F238E27FC236}">
+                <a16:creationId xmlns:a16="http://schemas.microsoft.com/office/drawing/2014/main" id="{74A25F3A-1AC1-4394-8B7A-AC2DD8ECF07C}"/>
+              </a:ext>
+            </a:extLst>
+          </p:cNvPr>
+          <p:cNvCxnSpPr>
+            <a:cxnSpLocks/>
+          </p:cNvCxnSpPr>
+          <p:nvPr/>
+        </p:nvCxnSpPr>
+        <p:spPr>
+          <a:xfrm>
+            <a:off x="2955274" y="2110083"/>
+            <a:ext cx="228512" cy="0"/>
+          </a:xfrm>
+          <a:prstGeom prst="straightConnector1">
+            <a:avLst/>
+          </a:prstGeom>
+          <a:ln w="12700">
+            <a:solidFill>
+              <a:srgbClr val="FF0000"/>
+            </a:solidFill>
+            <a:tailEnd type="triangle"/>
+          </a:ln>
+        </p:spPr>
+        <p:style>
+          <a:lnRef idx="1">
+            <a:schemeClr val="accent1"/>
+          </a:lnRef>
+          <a:fillRef idx="0">
+            <a:schemeClr val="accent1"/>
+          </a:fillRef>
+          <a:effectRef idx="0">
+            <a:schemeClr val="accent1"/>
+          </a:effectRef>
+          <a:fontRef idx="minor">
+            <a:schemeClr val="tx1"/>
+          </a:fontRef>
+        </p:style>
+      </p:cxnSp>
+      <p:cxnSp>
+        <p:nvCxnSpPr>
+          <p:cNvPr id="152" name="Straight Arrow Connector 151">
+            <a:extLst>
+              <a:ext uri="{FF2B5EF4-FFF2-40B4-BE49-F238E27FC236}">
+                <a16:creationId xmlns:a16="http://schemas.microsoft.com/office/drawing/2014/main" id="{188DC119-B9A3-4BA1-83BA-6F078D8A541B}"/>
+              </a:ext>
+            </a:extLst>
+          </p:cNvPr>
+          <p:cNvCxnSpPr>
+            <a:cxnSpLocks/>
+          </p:cNvCxnSpPr>
+          <p:nvPr/>
+        </p:nvCxnSpPr>
+        <p:spPr>
+          <a:xfrm flipH="1">
+            <a:off x="4626608" y="2108243"/>
+            <a:ext cx="247443" cy="2161"/>
+          </a:xfrm>
+          <a:prstGeom prst="straightConnector1">
+            <a:avLst/>
+          </a:prstGeom>
+          <a:ln w="12700">
+            <a:solidFill>
+              <a:srgbClr val="FF0000"/>
+            </a:solidFill>
+            <a:tailEnd type="triangle"/>
+          </a:ln>
+        </p:spPr>
+        <p:style>
+          <a:lnRef idx="1">
+            <a:schemeClr val="accent1"/>
+          </a:lnRef>
+          <a:fillRef idx="0">
+            <a:schemeClr val="accent1"/>
+          </a:fillRef>
+          <a:effectRef idx="0">
+            <a:schemeClr val="accent1"/>
+          </a:effectRef>
+          <a:fontRef idx="minor">
+            <a:schemeClr val="tx1"/>
+          </a:fontRef>
+        </p:style>
+      </p:cxnSp>
+      <p:cxnSp>
+        <p:nvCxnSpPr>
+          <p:cNvPr id="153" name="Straight Arrow Connector 152">
+            <a:extLst>
+              <a:ext uri="{FF2B5EF4-FFF2-40B4-BE49-F238E27FC236}">
+                <a16:creationId xmlns:a16="http://schemas.microsoft.com/office/drawing/2014/main" id="{720CA74D-8620-445D-A645-08216FAFCB25}"/>
+              </a:ext>
+            </a:extLst>
+          </p:cNvPr>
+          <p:cNvCxnSpPr>
+            <a:cxnSpLocks/>
+          </p:cNvCxnSpPr>
+          <p:nvPr/>
+        </p:nvCxnSpPr>
+        <p:spPr>
+          <a:xfrm flipV="1">
+            <a:off x="3944228" y="1117207"/>
+            <a:ext cx="0" cy="303839"/>
+          </a:xfrm>
+          <a:prstGeom prst="straightConnector1">
+            <a:avLst/>
+          </a:prstGeom>
+          <a:ln w="12700">
+            <a:solidFill>
+              <a:srgbClr val="FF0000"/>
+            </a:solidFill>
+            <a:tailEnd type="triangle"/>
+          </a:ln>
+        </p:spPr>
+        <p:style>
+          <a:lnRef idx="1">
+            <a:schemeClr val="accent1"/>
+          </a:lnRef>
+          <a:fillRef idx="0">
+            <a:schemeClr val="accent1"/>
+          </a:fillRef>
+          <a:effectRef idx="0">
+            <a:schemeClr val="accent1"/>
+          </a:effectRef>
+          <a:fontRef idx="minor">
+            <a:schemeClr val="tx1"/>
+          </a:fontRef>
+        </p:style>
+      </p:cxnSp>
+      <p:sp>
+        <p:nvSpPr>
+          <p:cNvPr id="154" name="TextBox 153">
+            <a:extLst>
+              <a:ext uri="{FF2B5EF4-FFF2-40B4-BE49-F238E27FC236}">
+                <a16:creationId xmlns:a16="http://schemas.microsoft.com/office/drawing/2014/main" id="{A7AD86B2-6BA0-4A1F-A2F5-148FA4AA5B2A}"/>
+              </a:ext>
+            </a:extLst>
+          </p:cNvPr>
+          <p:cNvSpPr txBox="1"/>
+          <p:nvPr/>
+        </p:nvSpPr>
+        <p:spPr>
+          <a:xfrm>
+            <a:off x="233337" y="572267"/>
+            <a:ext cx="819256" cy="584775"/>
+          </a:xfrm>
+          <a:prstGeom prst="rect">
+            <a:avLst/>
+          </a:prstGeom>
+          <a:noFill/>
+        </p:spPr>
+        <p:txBody>
+          <a:bodyPr wrap="square" rtlCol="0">
+            <a:spAutoFit/>
+          </a:bodyPr>
+          <a:lstStyle/>
+          <a:p>
+            <a:pPr algn="ctr"/>
+            <a:r>
+              <a:rPr lang="zh-CN" altLang="en-US" sz="1600" dirty="0"/>
+              <a:t>应用</a:t>
+            </a:r>
+            <a:br>
+              <a:rPr lang="en-US" altLang="zh-CN" sz="1600" dirty="0"/>
+            </a:br>
+            <a:r>
+              <a:rPr lang="zh-CN" altLang="en-US" sz="1600" dirty="0"/>
+              <a:t>服务层</a:t>
+            </a:r>
+            <a:endParaRPr lang="en-US" sz="1600" dirty="0"/>
+          </a:p>
+        </p:txBody>
+      </p:sp>
+      <p:sp>
+        <p:nvSpPr>
+          <p:cNvPr id="155" name="Rectangle 154">
+            <a:extLst>
+              <a:ext uri="{FF2B5EF4-FFF2-40B4-BE49-F238E27FC236}">
+                <a16:creationId xmlns:a16="http://schemas.microsoft.com/office/drawing/2014/main" id="{D7FC1E19-ECEA-4B86-85A4-A96CA82C583B}"/>
+              </a:ext>
+            </a:extLst>
+          </p:cNvPr>
+          <p:cNvSpPr/>
+          <p:nvPr/>
+        </p:nvSpPr>
+        <p:spPr>
+          <a:xfrm>
+            <a:off x="1183196" y="593441"/>
+            <a:ext cx="5181600" cy="516604"/>
+          </a:xfrm>
+          <a:prstGeom prst="rect">
+            <a:avLst/>
+          </a:prstGeom>
+          <a:noFill/>
+          <a:ln>
+            <a:solidFill>
+              <a:schemeClr val="tx1"/>
+            </a:solidFill>
+            <a:prstDash val="solid"/>
+          </a:ln>
+        </p:spPr>
+        <p:style>
+          <a:lnRef idx="2">
+            <a:schemeClr val="accent1">
+              <a:shade val="50000"/>
+            </a:schemeClr>
+          </a:lnRef>
+          <a:fillRef idx="1">
+            <a:schemeClr val="accent1"/>
+          </a:fillRef>
+          <a:effectRef idx="0">
+            <a:schemeClr val="accent1"/>
+          </a:effectRef>
+          <a:fontRef idx="minor">
+            <a:schemeClr val="lt1"/>
+          </a:fontRef>
+        </p:style>
+        <p:txBody>
+          <a:bodyPr rtlCol="0" anchor="ctr"/>
+          <a:lstStyle/>
+          <a:p>
+            <a:pPr algn="ctr"/>
+            <a:endParaRPr lang="en-US"/>
+          </a:p>
+        </p:txBody>
+      </p:sp>
+      <p:sp>
+        <p:nvSpPr>
+          <p:cNvPr id="156" name="TextBox 155">
+            <a:extLst>
+              <a:ext uri="{FF2B5EF4-FFF2-40B4-BE49-F238E27FC236}">
+                <a16:creationId xmlns:a16="http://schemas.microsoft.com/office/drawing/2014/main" id="{957C34E0-51D2-4666-A3D4-81AEE864BAFF}"/>
+              </a:ext>
+            </a:extLst>
+          </p:cNvPr>
+          <p:cNvSpPr txBox="1"/>
+          <p:nvPr/>
+        </p:nvSpPr>
+        <p:spPr>
+          <a:xfrm>
+            <a:off x="3408482" y="1914869"/>
+            <a:ext cx="1082348" cy="307777"/>
+          </a:xfrm>
+          <a:prstGeom prst="rect">
+            <a:avLst/>
+          </a:prstGeom>
+          <a:noFill/>
+        </p:spPr>
+        <p:txBody>
+          <a:bodyPr wrap="none" rtlCol="0">
+            <a:spAutoFit/>
+          </a:bodyPr>
+          <a:lstStyle/>
+          <a:p>
+            <a:r>
+              <a:rPr lang="zh-CN" altLang="en-US" sz="1400" dirty="0">
+                <a:solidFill>
+                  <a:schemeClr val="tx1">
+                    <a:lumMod val="50000"/>
+                    <a:lumOff val="50000"/>
+                  </a:schemeClr>
+                </a:solidFill>
+              </a:rPr>
+              <a:t>一些数据库</a:t>
+            </a:r>
+            <a:endParaRPr lang="en-US" sz="1400" dirty="0">
+              <a:solidFill>
+                <a:schemeClr val="tx1">
+                  <a:lumMod val="50000"/>
+                  <a:lumOff val="50000"/>
+                </a:schemeClr>
+              </a:solidFill>
+            </a:endParaRPr>
+          </a:p>
+        </p:txBody>
+      </p:sp>
+      <p:sp>
+        <p:nvSpPr>
+          <p:cNvPr id="157" name="TextBox 156">
+            <a:extLst>
+              <a:ext uri="{FF2B5EF4-FFF2-40B4-BE49-F238E27FC236}">
+                <a16:creationId xmlns:a16="http://schemas.microsoft.com/office/drawing/2014/main" id="{924F3881-9991-4AAE-8286-BD98D933F738}"/>
+              </a:ext>
+            </a:extLst>
+          </p:cNvPr>
+          <p:cNvSpPr txBox="1"/>
+          <p:nvPr/>
+        </p:nvSpPr>
+        <p:spPr>
+          <a:xfrm>
+            <a:off x="3156203" y="710767"/>
+            <a:ext cx="1383712" cy="307777"/>
+          </a:xfrm>
+          <a:prstGeom prst="rect">
+            <a:avLst/>
+          </a:prstGeom>
+          <a:noFill/>
+        </p:spPr>
+        <p:txBody>
+          <a:bodyPr wrap="none" rtlCol="0">
+            <a:spAutoFit/>
+          </a:bodyPr>
+          <a:lstStyle/>
+          <a:p>
+            <a:r>
+              <a:rPr lang="zh-CN" altLang="en-US" sz="1400" dirty="0">
+                <a:solidFill>
+                  <a:schemeClr val="tx1">
+                    <a:lumMod val="50000"/>
+                    <a:lumOff val="50000"/>
+                  </a:schemeClr>
+                </a:solidFill>
+              </a:rPr>
+              <a:t>所有功能</a:t>
+            </a:r>
+            <a:r>
+              <a:rPr lang="en-US" altLang="zh-CN" sz="1400" dirty="0">
+                <a:solidFill>
+                  <a:schemeClr val="tx1">
+                    <a:lumMod val="50000"/>
+                    <a:lumOff val="50000"/>
+                  </a:schemeClr>
+                </a:solidFill>
+              </a:rPr>
+              <a:t>/</a:t>
+            </a:r>
+            <a:r>
+              <a:rPr lang="zh-CN" altLang="en-US" sz="1400" dirty="0">
+                <a:solidFill>
+                  <a:schemeClr val="tx1">
+                    <a:lumMod val="50000"/>
+                    <a:lumOff val="50000"/>
+                  </a:schemeClr>
+                </a:solidFill>
+              </a:rPr>
+              <a:t>服务</a:t>
+            </a:r>
+            <a:endParaRPr lang="en-US" sz="1400" dirty="0">
+              <a:solidFill>
+                <a:schemeClr val="tx1">
+                  <a:lumMod val="50000"/>
+                  <a:lumOff val="50000"/>
+                </a:schemeClr>
+              </a:solidFill>
+            </a:endParaRPr>
+          </a:p>
+        </p:txBody>
+      </p:sp>
+      <p:cxnSp>
+        <p:nvCxnSpPr>
+          <p:cNvPr id="158" name="Connector: Elbow 157">
+            <a:extLst>
+              <a:ext uri="{FF2B5EF4-FFF2-40B4-BE49-F238E27FC236}">
+                <a16:creationId xmlns:a16="http://schemas.microsoft.com/office/drawing/2014/main" id="{C78FF786-A794-4DE8-A2D5-0054611E0A11}"/>
+              </a:ext>
+            </a:extLst>
+          </p:cNvPr>
+          <p:cNvCxnSpPr>
+            <a:cxnSpLocks/>
+            <a:stCxn id="135" idx="1"/>
+            <a:endCxn id="156" idx="2"/>
+          </p:cNvCxnSpPr>
+          <p:nvPr/>
+        </p:nvCxnSpPr>
+        <p:spPr>
+          <a:xfrm rot="16200000" flipV="1">
+            <a:off x="3672977" y="2499325"/>
+            <a:ext cx="557228" cy="3870"/>
+          </a:xfrm>
+          <a:prstGeom prst="bentConnector3">
+            <a:avLst>
+              <a:gd name="adj1" fmla="val 50000"/>
+            </a:avLst>
+          </a:prstGeom>
+          <a:ln w="12700">
+            <a:solidFill>
+              <a:srgbClr val="FF0000"/>
+            </a:solidFill>
+            <a:tailEnd type="triangle"/>
+          </a:ln>
+        </p:spPr>
+        <p:style>
+          <a:lnRef idx="1">
+            <a:schemeClr val="accent1"/>
+          </a:lnRef>
+          <a:fillRef idx="0">
+            <a:schemeClr val="accent1"/>
+          </a:fillRef>
+          <a:effectRef idx="0">
+            <a:schemeClr val="accent1"/>
+          </a:effectRef>
+          <a:fontRef idx="minor">
+            <a:schemeClr val="tx1"/>
+          </a:fontRef>
+        </p:style>
+      </p:cxnSp>
+      <p:sp>
+        <p:nvSpPr>
+          <p:cNvPr id="162" name="Rectangle 161">
+            <a:extLst>
+              <a:ext uri="{FF2B5EF4-FFF2-40B4-BE49-F238E27FC236}">
+                <a16:creationId xmlns:a16="http://schemas.microsoft.com/office/drawing/2014/main" id="{EF634278-7822-417A-B7A6-04A64F6A69BA}"/>
+              </a:ext>
+            </a:extLst>
+          </p:cNvPr>
+          <p:cNvSpPr/>
+          <p:nvPr/>
+        </p:nvSpPr>
+        <p:spPr>
+          <a:xfrm>
+            <a:off x="1356359" y="11074793"/>
+            <a:ext cx="4805147" cy="523766"/>
+          </a:xfrm>
+          <a:prstGeom prst="rect">
+            <a:avLst/>
+          </a:prstGeom>
+          <a:noFill/>
+          <a:ln>
+            <a:solidFill>
+              <a:schemeClr val="accent2"/>
+            </a:solidFill>
+            <a:prstDash val="lgDashDot"/>
+          </a:ln>
+        </p:spPr>
+        <p:style>
+          <a:lnRef idx="2">
+            <a:schemeClr val="accent1">
+              <a:shade val="50000"/>
+            </a:schemeClr>
+          </a:lnRef>
+          <a:fillRef idx="1">
+            <a:schemeClr val="accent1"/>
+          </a:fillRef>
+          <a:effectRef idx="0">
+            <a:schemeClr val="accent1"/>
+          </a:effectRef>
+          <a:fontRef idx="minor">
+            <a:schemeClr val="lt1"/>
+          </a:fontRef>
+        </p:style>
+        <p:txBody>
+          <a:bodyPr rtlCol="0" anchor="ctr"/>
+          <a:lstStyle/>
+          <a:p>
+            <a:pPr algn="ctr"/>
+            <a:endParaRPr lang="en-US"/>
+          </a:p>
+        </p:txBody>
+      </p:sp>
+      <p:sp>
+        <p:nvSpPr>
+          <p:cNvPr id="163" name="TextBox 162">
+            <a:extLst>
+              <a:ext uri="{FF2B5EF4-FFF2-40B4-BE49-F238E27FC236}">
+                <a16:creationId xmlns:a16="http://schemas.microsoft.com/office/drawing/2014/main" id="{E5831844-9AFD-410E-8D3C-97EC29EDAE1E}"/>
+              </a:ext>
+            </a:extLst>
+          </p:cNvPr>
+          <p:cNvSpPr txBox="1"/>
+          <p:nvPr/>
+        </p:nvSpPr>
+        <p:spPr>
+          <a:xfrm>
+            <a:off x="3531947" y="11661140"/>
+            <a:ext cx="453970" cy="200055"/>
+          </a:xfrm>
+          <a:prstGeom prst="rect">
+            <a:avLst/>
+          </a:prstGeom>
+          <a:solidFill>
+            <a:schemeClr val="accent2"/>
+          </a:solidFill>
+        </p:spPr>
+        <p:style>
+          <a:lnRef idx="3">
+            <a:schemeClr val="lt1"/>
+          </a:lnRef>
+          <a:fillRef idx="1">
+            <a:schemeClr val="accent1"/>
+          </a:fillRef>
+          <a:effectRef idx="1">
+            <a:schemeClr val="accent1"/>
+          </a:effectRef>
+          <a:fontRef idx="minor">
+            <a:schemeClr val="lt1"/>
+          </a:fontRef>
+        </p:style>
+        <p:txBody>
+          <a:bodyPr wrap="none" rtlCol="0">
+            <a:spAutoFit/>
+          </a:bodyPr>
+          <a:lstStyle/>
+          <a:p>
+            <a:r>
+              <a:rPr lang="zh-CN" altLang="en-US" sz="700" dirty="0"/>
+              <a:t>数据源</a:t>
+            </a:r>
+            <a:endParaRPr lang="en-US" sz="700" dirty="0"/>
+          </a:p>
+        </p:txBody>
+      </p:sp>
+      <p:cxnSp>
+        <p:nvCxnSpPr>
+          <p:cNvPr id="164" name="Connector: Curved 163">
+            <a:extLst>
+              <a:ext uri="{FF2B5EF4-FFF2-40B4-BE49-F238E27FC236}">
+                <a16:creationId xmlns:a16="http://schemas.microsoft.com/office/drawing/2014/main" id="{A3FBB7C5-8653-4150-AFA3-2A1F99B1A149}"/>
+              </a:ext>
+            </a:extLst>
+          </p:cNvPr>
+          <p:cNvCxnSpPr>
+            <a:cxnSpLocks/>
+            <a:endCxn id="8" idx="2"/>
+          </p:cNvCxnSpPr>
+          <p:nvPr/>
+        </p:nvCxnSpPr>
+        <p:spPr>
+          <a:xfrm rot="16200000" flipV="1">
+            <a:off x="2359360" y="10874641"/>
+            <a:ext cx="211379" cy="188925"/>
+          </a:xfrm>
+          <a:prstGeom prst="curvedConnector3">
+            <a:avLst>
+              <a:gd name="adj1" fmla="val 50000"/>
+            </a:avLst>
+          </a:prstGeom>
+          <a:ln w="12700">
+            <a:solidFill>
+              <a:schemeClr val="accent2"/>
+            </a:solidFill>
+            <a:prstDash val="sysDash"/>
+            <a:tailEnd type="triangle"/>
+          </a:ln>
+        </p:spPr>
+        <p:style>
+          <a:lnRef idx="1">
+            <a:schemeClr val="accent1"/>
+          </a:lnRef>
+          <a:fillRef idx="0">
+            <a:schemeClr val="accent1"/>
+          </a:fillRef>
+          <a:effectRef idx="0">
+            <a:schemeClr val="accent1"/>
+          </a:effectRef>
+          <a:fontRef idx="minor">
+            <a:schemeClr val="tx1"/>
+          </a:fontRef>
+        </p:style>
+      </p:cxnSp>
+      <p:sp>
+        <p:nvSpPr>
+          <p:cNvPr id="166" name="TextBox 165">
+            <a:extLst>
+              <a:ext uri="{FF2B5EF4-FFF2-40B4-BE49-F238E27FC236}">
+                <a16:creationId xmlns:a16="http://schemas.microsoft.com/office/drawing/2014/main" id="{86109975-7BEA-4A30-B350-C4A208D1C20E}"/>
+              </a:ext>
+            </a:extLst>
+          </p:cNvPr>
+          <p:cNvSpPr txBox="1"/>
+          <p:nvPr/>
+        </p:nvSpPr>
+        <p:spPr>
+          <a:xfrm>
+            <a:off x="3062426" y="11198419"/>
+            <a:ext cx="1252266" cy="307777"/>
+          </a:xfrm>
+          <a:prstGeom prst="rect">
+            <a:avLst/>
+          </a:prstGeom>
+          <a:noFill/>
+        </p:spPr>
+        <p:txBody>
+          <a:bodyPr wrap="none" rtlCol="0">
+            <a:spAutoFit/>
+          </a:bodyPr>
+          <a:lstStyle/>
+          <a:p>
+            <a:r>
+              <a:rPr lang="zh-CN" altLang="en-US" sz="1400" dirty="0">
+                <a:solidFill>
+                  <a:schemeClr val="tx1">
+                    <a:lumMod val="50000"/>
+                    <a:lumOff val="50000"/>
+                  </a:schemeClr>
+                </a:solidFill>
+              </a:rPr>
+              <a:t>所有数据来源</a:t>
+            </a:r>
+            <a:endParaRPr lang="en-US" sz="1400" dirty="0">
+              <a:solidFill>
+                <a:schemeClr val="tx1">
+                  <a:lumMod val="50000"/>
+                  <a:lumOff val="50000"/>
+                </a:schemeClr>
+              </a:solidFill>
+            </a:endParaRPr>
+          </a:p>
+        </p:txBody>
+      </p:sp>
+      <p:cxnSp>
+        <p:nvCxnSpPr>
+          <p:cNvPr id="174" name="Connector: Curved 173">
+            <a:extLst>
+              <a:ext uri="{FF2B5EF4-FFF2-40B4-BE49-F238E27FC236}">
+                <a16:creationId xmlns:a16="http://schemas.microsoft.com/office/drawing/2014/main" id="{2AEA8FAD-AE80-4607-932A-9ECB2233B5DC}"/>
+              </a:ext>
+            </a:extLst>
+          </p:cNvPr>
+          <p:cNvCxnSpPr>
+            <a:cxnSpLocks/>
+          </p:cNvCxnSpPr>
+          <p:nvPr/>
+        </p:nvCxnSpPr>
+        <p:spPr>
+          <a:xfrm rot="16200000" flipV="1">
+            <a:off x="4053050" y="10873928"/>
+            <a:ext cx="211379" cy="188925"/>
+          </a:xfrm>
+          <a:prstGeom prst="curvedConnector3">
+            <a:avLst>
+              <a:gd name="adj1" fmla="val 50000"/>
+            </a:avLst>
+          </a:prstGeom>
+          <a:ln w="12700">
+            <a:solidFill>
+              <a:schemeClr val="accent2"/>
+            </a:solidFill>
+            <a:prstDash val="sysDash"/>
+            <a:tailEnd type="triangle"/>
+          </a:ln>
+        </p:spPr>
+        <p:style>
+          <a:lnRef idx="1">
+            <a:schemeClr val="accent1"/>
+          </a:lnRef>
+          <a:fillRef idx="0">
+            <a:schemeClr val="accent1"/>
+          </a:fillRef>
+          <a:effectRef idx="0">
+            <a:schemeClr val="accent1"/>
+          </a:effectRef>
+          <a:fontRef idx="minor">
+            <a:schemeClr val="tx1"/>
+          </a:fontRef>
+        </p:style>
+      </p:cxnSp>
+      <p:cxnSp>
+        <p:nvCxnSpPr>
+          <p:cNvPr id="175" name="Connector: Curved 174">
+            <a:extLst>
+              <a:ext uri="{FF2B5EF4-FFF2-40B4-BE49-F238E27FC236}">
+                <a16:creationId xmlns:a16="http://schemas.microsoft.com/office/drawing/2014/main" id="{5EB34ADF-475C-4CDC-A0BF-DE0D4D6C0414}"/>
+              </a:ext>
+            </a:extLst>
+          </p:cNvPr>
+          <p:cNvCxnSpPr>
+            <a:cxnSpLocks/>
+          </p:cNvCxnSpPr>
+          <p:nvPr/>
+        </p:nvCxnSpPr>
+        <p:spPr>
+          <a:xfrm rot="16200000" flipV="1">
+            <a:off x="5494033" y="10876299"/>
+            <a:ext cx="211379" cy="188925"/>
+          </a:xfrm>
+          <a:prstGeom prst="curvedConnector3">
+            <a:avLst>
+              <a:gd name="adj1" fmla="val 50000"/>
+            </a:avLst>
+          </a:prstGeom>
+          <a:ln w="12700">
+            <a:solidFill>
+              <a:schemeClr val="accent2"/>
+            </a:solidFill>
+            <a:prstDash val="sysDash"/>
+            <a:tailEnd type="triangle"/>
+          </a:ln>
+        </p:spPr>
+        <p:style>
+          <a:lnRef idx="1">
+            <a:schemeClr val="accent1"/>
+          </a:lnRef>
+          <a:fillRef idx="0">
+            <a:schemeClr val="accent1"/>
+          </a:fillRef>
+          <a:effectRef idx="0">
+            <a:schemeClr val="accent1"/>
+          </a:effectRef>
+          <a:fontRef idx="minor">
+            <a:schemeClr val="tx1"/>
+          </a:fontRef>
+        </p:style>
+      </p:cxnSp>
     </p:spTree>
     <p:extLst>
       <p:ext uri="{BB962C8B-B14F-4D97-AF65-F5344CB8AC3E}">
@@ -3850,3612 +7984,6 @@
         </p:nvSpPr>
         <p:spPr>
           <a:xfrm>
-            <a:off x="1958453" y="10638430"/>
-            <a:ext cx="4096975" cy="1016273"/>
-          </a:xfrm>
-          <a:prstGeom prst="rect">
-            <a:avLst/>
-          </a:prstGeom>
-          <a:noFill/>
-          <a:ln>
-            <a:prstDash val="lgDashDot"/>
-          </a:ln>
-        </p:spPr>
-        <p:style>
-          <a:lnRef idx="2">
-            <a:schemeClr val="accent1">
-              <a:shade val="50000"/>
-            </a:schemeClr>
-          </a:lnRef>
-          <a:fillRef idx="1">
-            <a:schemeClr val="accent1"/>
-          </a:fillRef>
-          <a:effectRef idx="0">
-            <a:schemeClr val="accent1"/>
-          </a:effectRef>
-          <a:fontRef idx="minor">
-            <a:schemeClr val="lt1"/>
-          </a:fontRef>
-        </p:style>
-        <p:txBody>
-          <a:bodyPr rtlCol="0" anchor="ctr"/>
-          <a:lstStyle/>
-          <a:p>
-            <a:pPr algn="ctr"/>
-            <a:endParaRPr lang="en-US"/>
-          </a:p>
-        </p:txBody>
-      </p:sp>
-      <p:sp>
-        <p:nvSpPr>
-          <p:cNvPr id="10" name="TextBox 9">
-            <a:extLst>
-              <a:ext uri="{FF2B5EF4-FFF2-40B4-BE49-F238E27FC236}">
-                <a16:creationId xmlns:a16="http://schemas.microsoft.com/office/drawing/2014/main" id="{6917434B-B8AA-4B22-BD69-06364258C977}"/>
-              </a:ext>
-            </a:extLst>
-          </p:cNvPr>
-          <p:cNvSpPr txBox="1"/>
-          <p:nvPr/>
-        </p:nvSpPr>
-        <p:spPr>
-          <a:xfrm>
-            <a:off x="3800126" y="11721419"/>
-            <a:ext cx="453970" cy="200055"/>
-          </a:xfrm>
-          <a:prstGeom prst="rect">
-            <a:avLst/>
-          </a:prstGeom>
-        </p:spPr>
-        <p:style>
-          <a:lnRef idx="3">
-            <a:schemeClr val="lt1"/>
-          </a:lnRef>
-          <a:fillRef idx="1">
-            <a:schemeClr val="accent1"/>
-          </a:fillRef>
-          <a:effectRef idx="1">
-            <a:schemeClr val="accent1"/>
-          </a:effectRef>
-          <a:fontRef idx="minor">
-            <a:schemeClr val="lt1"/>
-          </a:fontRef>
-        </p:style>
-        <p:txBody>
-          <a:bodyPr wrap="none" rtlCol="0">
-            <a:spAutoFit/>
-          </a:bodyPr>
-          <a:lstStyle/>
-          <a:p>
-            <a:r>
-              <a:rPr lang="zh-CN" altLang="en-US" sz="700" dirty="0"/>
-              <a:t>数据源</a:t>
-            </a:r>
-            <a:endParaRPr lang="en-US" sz="700" dirty="0"/>
-          </a:p>
-        </p:txBody>
-      </p:sp>
-      <p:sp>
-        <p:nvSpPr>
-          <p:cNvPr id="38" name="Rectangle: Rounded Corners 37">
-            <a:extLst>
-              <a:ext uri="{FF2B5EF4-FFF2-40B4-BE49-F238E27FC236}">
-                <a16:creationId xmlns:a16="http://schemas.microsoft.com/office/drawing/2014/main" id="{7C7A7C75-B7FA-46FB-8384-19116EF1B631}"/>
-              </a:ext>
-            </a:extLst>
-          </p:cNvPr>
-          <p:cNvSpPr/>
-          <p:nvPr/>
-        </p:nvSpPr>
-        <p:spPr>
-          <a:xfrm>
-            <a:off x="1257896" y="9220200"/>
-            <a:ext cx="4919991" cy="1151459"/>
-          </a:xfrm>
-          <a:prstGeom prst="roundRect">
-            <a:avLst/>
-          </a:prstGeom>
-          <a:solidFill>
-            <a:schemeClr val="accent1">
-              <a:alpha val="50000"/>
-            </a:schemeClr>
-          </a:solidFill>
-          <a:ln>
-            <a:noFill/>
-          </a:ln>
-        </p:spPr>
-        <p:style>
-          <a:lnRef idx="0">
-            <a:scrgbClr r="0" g="0" b="0"/>
-          </a:lnRef>
-          <a:fillRef idx="0">
-            <a:scrgbClr r="0" g="0" b="0"/>
-          </a:fillRef>
-          <a:effectRef idx="0">
-            <a:scrgbClr r="0" g="0" b="0"/>
-          </a:effectRef>
-          <a:fontRef idx="minor">
-            <a:schemeClr val="lt1"/>
-          </a:fontRef>
-        </p:style>
-        <p:txBody>
-          <a:bodyPr rtlCol="0" anchor="ctr"/>
-          <a:lstStyle/>
-          <a:p>
-            <a:pPr algn="ctr"/>
-            <a:endParaRPr lang="en-US"/>
-          </a:p>
-        </p:txBody>
-      </p:sp>
-      <p:sp>
-        <p:nvSpPr>
-          <p:cNvPr id="39" name="TextBox 38">
-            <a:extLst>
-              <a:ext uri="{FF2B5EF4-FFF2-40B4-BE49-F238E27FC236}">
-                <a16:creationId xmlns:a16="http://schemas.microsoft.com/office/drawing/2014/main" id="{F73FD278-A638-4C99-B8A7-5A3B676BB10D}"/>
-              </a:ext>
-            </a:extLst>
-          </p:cNvPr>
-          <p:cNvSpPr txBox="1"/>
-          <p:nvPr/>
-        </p:nvSpPr>
-        <p:spPr>
-          <a:xfrm>
-            <a:off x="1203318" y="9597292"/>
-            <a:ext cx="609747" cy="369332"/>
-          </a:xfrm>
-          <a:prstGeom prst="rect">
-            <a:avLst/>
-          </a:prstGeom>
-          <a:noFill/>
-        </p:spPr>
-        <p:txBody>
-          <a:bodyPr wrap="square" rtlCol="0">
-            <a:spAutoFit/>
-          </a:bodyPr>
-          <a:lstStyle/>
-          <a:p>
-            <a:pPr algn="ctr"/>
-            <a:r>
-              <a:rPr lang="zh-CN" altLang="en-US" sz="900" b="1" dirty="0"/>
-              <a:t>多模态数据</a:t>
-            </a:r>
-            <a:endParaRPr lang="en-US" sz="900" b="1" dirty="0"/>
-          </a:p>
-        </p:txBody>
-      </p:sp>
-      <p:pic>
-        <p:nvPicPr>
-          <p:cNvPr id="41" name="Picture 40">
-            <a:extLst>
-              <a:ext uri="{FF2B5EF4-FFF2-40B4-BE49-F238E27FC236}">
-                <a16:creationId xmlns:a16="http://schemas.microsoft.com/office/drawing/2014/main" id="{A5627483-4486-42A2-A869-5A613CB13DD7}"/>
-              </a:ext>
-            </a:extLst>
-          </p:cNvPr>
-          <p:cNvPicPr>
-            <a:picLocks noChangeAspect="1"/>
-          </p:cNvPicPr>
-          <p:nvPr/>
-        </p:nvPicPr>
-        <p:blipFill>
-          <a:blip r:embed="rId3"/>
-          <a:stretch>
-            <a:fillRect/>
-          </a:stretch>
-        </p:blipFill>
-        <p:spPr>
-          <a:xfrm>
-            <a:off x="1853315" y="9556939"/>
-            <a:ext cx="753685" cy="339841"/>
-          </a:xfrm>
-          <a:prstGeom prst="rect">
-            <a:avLst/>
-          </a:prstGeom>
-        </p:spPr>
-      </p:pic>
-      <p:sp>
-        <p:nvSpPr>
-          <p:cNvPr id="42" name="TextBox 41">
-            <a:extLst>
-              <a:ext uri="{FF2B5EF4-FFF2-40B4-BE49-F238E27FC236}">
-                <a16:creationId xmlns:a16="http://schemas.microsoft.com/office/drawing/2014/main" id="{A01BDF66-7BFB-40FD-AF98-24C51C7823C7}"/>
-              </a:ext>
-            </a:extLst>
-          </p:cNvPr>
-          <p:cNvSpPr txBox="1"/>
-          <p:nvPr/>
-        </p:nvSpPr>
-        <p:spPr>
-          <a:xfrm>
-            <a:off x="1935922" y="9938620"/>
-            <a:ext cx="609747" cy="215444"/>
-          </a:xfrm>
-          <a:prstGeom prst="rect">
-            <a:avLst/>
-          </a:prstGeom>
-          <a:noFill/>
-        </p:spPr>
-        <p:txBody>
-          <a:bodyPr wrap="square" rtlCol="0">
-            <a:spAutoFit/>
-          </a:bodyPr>
-          <a:lstStyle/>
-          <a:p>
-            <a:pPr algn="ctr"/>
-            <a:r>
-              <a:rPr lang="zh-CN" altLang="en-US" sz="800" b="1" dirty="0"/>
-              <a:t>图片</a:t>
-            </a:r>
-            <a:endParaRPr lang="en-US" sz="800" b="1" dirty="0"/>
-          </a:p>
-        </p:txBody>
-      </p:sp>
-      <p:sp>
-        <p:nvSpPr>
-          <p:cNvPr id="45" name="TextBox 44">
-            <a:extLst>
-              <a:ext uri="{FF2B5EF4-FFF2-40B4-BE49-F238E27FC236}">
-                <a16:creationId xmlns:a16="http://schemas.microsoft.com/office/drawing/2014/main" id="{4427DC3D-F40C-4380-9B53-C97C1E1CBB5B}"/>
-              </a:ext>
-            </a:extLst>
-          </p:cNvPr>
-          <p:cNvSpPr txBox="1"/>
-          <p:nvPr/>
-        </p:nvSpPr>
-        <p:spPr>
-          <a:xfrm>
-            <a:off x="2792341" y="9944281"/>
-            <a:ext cx="609747" cy="215444"/>
-          </a:xfrm>
-          <a:prstGeom prst="rect">
-            <a:avLst/>
-          </a:prstGeom>
-          <a:noFill/>
-        </p:spPr>
-        <p:txBody>
-          <a:bodyPr wrap="square" rtlCol="0">
-            <a:spAutoFit/>
-          </a:bodyPr>
-          <a:lstStyle/>
-          <a:p>
-            <a:pPr algn="ctr"/>
-            <a:r>
-              <a:rPr lang="zh-CN" altLang="en-US" sz="800" b="1" dirty="0"/>
-              <a:t>视频</a:t>
-            </a:r>
-            <a:endParaRPr lang="en-US" sz="800" b="1" dirty="0"/>
-          </a:p>
-        </p:txBody>
-      </p:sp>
-      <p:pic>
-        <p:nvPicPr>
-          <p:cNvPr id="47" name="Picture 46">
-            <a:extLst>
-              <a:ext uri="{FF2B5EF4-FFF2-40B4-BE49-F238E27FC236}">
-                <a16:creationId xmlns:a16="http://schemas.microsoft.com/office/drawing/2014/main" id="{6510AA41-108C-4765-85C6-78BB6F32D5FD}"/>
-              </a:ext>
-            </a:extLst>
-          </p:cNvPr>
-          <p:cNvPicPr>
-            <a:picLocks noChangeAspect="1"/>
-          </p:cNvPicPr>
-          <p:nvPr/>
-        </p:nvPicPr>
-        <p:blipFill>
-          <a:blip r:embed="rId4"/>
-          <a:stretch>
-            <a:fillRect/>
-          </a:stretch>
-        </p:blipFill>
-        <p:spPr>
-          <a:xfrm>
-            <a:off x="2723104" y="9527125"/>
-            <a:ext cx="663117" cy="399468"/>
-          </a:xfrm>
-          <a:prstGeom prst="rect">
-            <a:avLst/>
-          </a:prstGeom>
-        </p:spPr>
-      </p:pic>
-      <p:sp>
-        <p:nvSpPr>
-          <p:cNvPr id="48" name="TextBox 47">
-            <a:extLst>
-              <a:ext uri="{FF2B5EF4-FFF2-40B4-BE49-F238E27FC236}">
-                <a16:creationId xmlns:a16="http://schemas.microsoft.com/office/drawing/2014/main" id="{A7B34568-F999-4AA9-8863-AD2C1E7FCB97}"/>
-              </a:ext>
-            </a:extLst>
-          </p:cNvPr>
-          <p:cNvSpPr txBox="1"/>
-          <p:nvPr/>
-        </p:nvSpPr>
-        <p:spPr>
-          <a:xfrm>
-            <a:off x="4885877" y="10049499"/>
-            <a:ext cx="766945" cy="215444"/>
-          </a:xfrm>
-          <a:prstGeom prst="rect">
-            <a:avLst/>
-          </a:prstGeom>
-          <a:noFill/>
-        </p:spPr>
-        <p:txBody>
-          <a:bodyPr wrap="square" rtlCol="0">
-            <a:spAutoFit/>
-          </a:bodyPr>
-          <a:lstStyle/>
-          <a:p>
-            <a:pPr algn="ctr"/>
-            <a:r>
-              <a:rPr lang="zh-CN" altLang="en-US" sz="800" b="1" dirty="0"/>
-              <a:t>多语言文本</a:t>
-            </a:r>
-            <a:endParaRPr lang="en-US" sz="800" b="1" dirty="0"/>
-          </a:p>
-        </p:txBody>
-      </p:sp>
-      <p:pic>
-        <p:nvPicPr>
-          <p:cNvPr id="1026" name="Picture 2" descr="Building multilingual websites">
-            <a:extLst>
-              <a:ext uri="{FF2B5EF4-FFF2-40B4-BE49-F238E27FC236}">
-                <a16:creationId xmlns:a16="http://schemas.microsoft.com/office/drawing/2014/main" id="{80BB425A-A932-4FE4-8D43-5AED984A5729}"/>
-              </a:ext>
-            </a:extLst>
-          </p:cNvPr>
-          <p:cNvPicPr>
-            <a:picLocks noChangeAspect="1" noChangeArrowheads="1"/>
-          </p:cNvPicPr>
-          <p:nvPr/>
-        </p:nvPicPr>
-        <p:blipFill>
-          <a:blip r:embed="rId5">
-            <a:extLst>
-              <a:ext uri="{28A0092B-C50C-407E-A947-70E740481C1C}">
-                <a14:useLocalDpi xmlns:a14="http://schemas.microsoft.com/office/drawing/2010/main" val="0"/>
-              </a:ext>
-            </a:extLst>
-          </a:blip>
-          <a:srcRect/>
-          <a:stretch>
-            <a:fillRect/>
-          </a:stretch>
-        </p:blipFill>
-        <p:spPr bwMode="auto">
-          <a:xfrm>
-            <a:off x="4534196" y="9435134"/>
-            <a:ext cx="1420665" cy="638447"/>
-          </a:xfrm>
-          <a:prstGeom prst="rect">
-            <a:avLst/>
-          </a:prstGeom>
-          <a:noFill/>
-          <a:extLst>
-            <a:ext uri="{909E8E84-426E-40DD-AFC4-6F175D3DCCD1}">
-              <a14:hiddenFill xmlns:a14="http://schemas.microsoft.com/office/drawing/2010/main">
-                <a:solidFill>
-                  <a:srgbClr val="FFFFFF"/>
-                </a:solidFill>
-              </a14:hiddenFill>
-            </a:ext>
-          </a:extLst>
-        </p:spPr>
-      </p:pic>
-      <p:cxnSp>
-        <p:nvCxnSpPr>
-          <p:cNvPr id="50" name="Connector: Curved 49">
-            <a:extLst>
-              <a:ext uri="{FF2B5EF4-FFF2-40B4-BE49-F238E27FC236}">
-                <a16:creationId xmlns:a16="http://schemas.microsoft.com/office/drawing/2014/main" id="{1BDED91E-2C3E-4318-AF5D-1EA8490602D7}"/>
-              </a:ext>
-            </a:extLst>
-          </p:cNvPr>
-          <p:cNvCxnSpPr>
-            <a:cxnSpLocks/>
-          </p:cNvCxnSpPr>
-          <p:nvPr/>
-        </p:nvCxnSpPr>
-        <p:spPr>
-          <a:xfrm rot="16200000" flipV="1">
-            <a:off x="2845759" y="10386974"/>
-            <a:ext cx="224644" cy="198036"/>
-          </a:xfrm>
-          <a:prstGeom prst="curvedConnector3">
-            <a:avLst>
-              <a:gd name="adj1" fmla="val 34171"/>
-            </a:avLst>
-          </a:prstGeom>
-          <a:ln w="12700">
-            <a:prstDash val="sysDash"/>
-            <a:tailEnd type="triangle"/>
-          </a:ln>
-        </p:spPr>
-        <p:style>
-          <a:lnRef idx="1">
-            <a:schemeClr val="accent1"/>
-          </a:lnRef>
-          <a:fillRef idx="0">
-            <a:schemeClr val="accent1"/>
-          </a:fillRef>
-          <a:effectRef idx="0">
-            <a:schemeClr val="accent1"/>
-          </a:effectRef>
-          <a:fontRef idx="minor">
-            <a:schemeClr val="tx1"/>
-          </a:fontRef>
-        </p:style>
-      </p:cxnSp>
-      <p:cxnSp>
-        <p:nvCxnSpPr>
-          <p:cNvPr id="56" name="Connector: Curved 55">
-            <a:extLst>
-              <a:ext uri="{FF2B5EF4-FFF2-40B4-BE49-F238E27FC236}">
-                <a16:creationId xmlns:a16="http://schemas.microsoft.com/office/drawing/2014/main" id="{E491DA1A-8825-42F1-96BF-E36ED19125C8}"/>
-              </a:ext>
-            </a:extLst>
-          </p:cNvPr>
-          <p:cNvCxnSpPr>
-            <a:cxnSpLocks/>
-          </p:cNvCxnSpPr>
-          <p:nvPr/>
-        </p:nvCxnSpPr>
-        <p:spPr>
-          <a:xfrm rot="16200000" flipV="1">
-            <a:off x="4934809" y="10386974"/>
-            <a:ext cx="224644" cy="198036"/>
-          </a:xfrm>
-          <a:prstGeom prst="curvedConnector3">
-            <a:avLst>
-              <a:gd name="adj1" fmla="val 34171"/>
-            </a:avLst>
-          </a:prstGeom>
-          <a:ln w="12700">
-            <a:prstDash val="sysDash"/>
-            <a:tailEnd type="triangle"/>
-          </a:ln>
-        </p:spPr>
-        <p:style>
-          <a:lnRef idx="1">
-            <a:schemeClr val="accent1"/>
-          </a:lnRef>
-          <a:fillRef idx="0">
-            <a:schemeClr val="accent1"/>
-          </a:fillRef>
-          <a:effectRef idx="0">
-            <a:schemeClr val="accent1"/>
-          </a:effectRef>
-          <a:fontRef idx="minor">
-            <a:schemeClr val="tx1"/>
-          </a:fontRef>
-        </p:style>
-      </p:cxnSp>
-      <p:sp>
-        <p:nvSpPr>
-          <p:cNvPr id="57" name="Rectangle 56">
-            <a:extLst>
-              <a:ext uri="{FF2B5EF4-FFF2-40B4-BE49-F238E27FC236}">
-                <a16:creationId xmlns:a16="http://schemas.microsoft.com/office/drawing/2014/main" id="{DB166E6C-D07E-4601-9CD3-B0CF14A84CCE}"/>
-              </a:ext>
-            </a:extLst>
-          </p:cNvPr>
-          <p:cNvSpPr/>
-          <p:nvPr/>
-        </p:nvSpPr>
-        <p:spPr>
-          <a:xfrm>
-            <a:off x="1080461" y="9023244"/>
-            <a:ext cx="5289859" cy="3036676"/>
-          </a:xfrm>
-          <a:prstGeom prst="rect">
-            <a:avLst/>
-          </a:prstGeom>
-          <a:noFill/>
-          <a:ln>
-            <a:prstDash val="solid"/>
-          </a:ln>
-        </p:spPr>
-        <p:style>
-          <a:lnRef idx="2">
-            <a:schemeClr val="accent1">
-              <a:shade val="50000"/>
-            </a:schemeClr>
-          </a:lnRef>
-          <a:fillRef idx="1">
-            <a:schemeClr val="accent1"/>
-          </a:fillRef>
-          <a:effectRef idx="0">
-            <a:schemeClr val="accent1"/>
-          </a:effectRef>
-          <a:fontRef idx="minor">
-            <a:schemeClr val="lt1"/>
-          </a:fontRef>
-        </p:style>
-        <p:txBody>
-          <a:bodyPr rtlCol="0" anchor="ctr"/>
-          <a:lstStyle/>
-          <a:p>
-            <a:pPr algn="ctr"/>
-            <a:endParaRPr lang="en-US"/>
-          </a:p>
-        </p:txBody>
-      </p:sp>
-      <p:sp>
-        <p:nvSpPr>
-          <p:cNvPr id="58" name="TextBox 57">
-            <a:extLst>
-              <a:ext uri="{FF2B5EF4-FFF2-40B4-BE49-F238E27FC236}">
-                <a16:creationId xmlns:a16="http://schemas.microsoft.com/office/drawing/2014/main" id="{4A97803B-9B13-453A-978F-216CB3AB4382}"/>
-              </a:ext>
-            </a:extLst>
-          </p:cNvPr>
-          <p:cNvSpPr txBox="1"/>
-          <p:nvPr/>
-        </p:nvSpPr>
-        <p:spPr>
-          <a:xfrm>
-            <a:off x="7920" y="6521853"/>
-            <a:ext cx="1080461" cy="1077218"/>
-          </a:xfrm>
-          <a:prstGeom prst="rect">
-            <a:avLst/>
-          </a:prstGeom>
-          <a:noFill/>
-        </p:spPr>
-        <p:txBody>
-          <a:bodyPr wrap="square" rtlCol="0">
-            <a:spAutoFit/>
-          </a:bodyPr>
-          <a:lstStyle/>
-          <a:p>
-            <a:pPr algn="ctr"/>
-            <a:r>
-              <a:rPr lang="zh-CN" altLang="en-US" sz="1600" dirty="0"/>
-              <a:t>多模态</a:t>
-            </a:r>
-            <a:br>
-              <a:rPr lang="en-US" altLang="zh-CN" sz="1600" dirty="0"/>
-            </a:br>
-            <a:r>
-              <a:rPr lang="zh-CN" altLang="en-US" sz="1600" dirty="0"/>
-              <a:t>知识图谱构建与</a:t>
-            </a:r>
-            <a:br>
-              <a:rPr lang="en-US" altLang="zh-CN" sz="1600" dirty="0"/>
-            </a:br>
-            <a:r>
-              <a:rPr lang="zh-CN" altLang="en-US" sz="1600" dirty="0"/>
-              <a:t>更新层</a:t>
-            </a:r>
-            <a:endParaRPr lang="en-US" sz="1600" dirty="0"/>
-          </a:p>
-        </p:txBody>
-      </p:sp>
-      <p:sp>
-        <p:nvSpPr>
-          <p:cNvPr id="59" name="Rectangle 58">
-            <a:extLst>
-              <a:ext uri="{FF2B5EF4-FFF2-40B4-BE49-F238E27FC236}">
-                <a16:creationId xmlns:a16="http://schemas.microsoft.com/office/drawing/2014/main" id="{FD3D8DA0-BBF9-4979-9BAE-07031C68D90F}"/>
-              </a:ext>
-            </a:extLst>
-          </p:cNvPr>
-          <p:cNvSpPr/>
-          <p:nvPr/>
-        </p:nvSpPr>
-        <p:spPr>
-          <a:xfrm>
-            <a:off x="1743835" y="9380821"/>
-            <a:ext cx="1750054" cy="862309"/>
-          </a:xfrm>
-          <a:prstGeom prst="rect">
-            <a:avLst/>
-          </a:prstGeom>
-          <a:noFill/>
-          <a:ln>
-            <a:solidFill>
-              <a:schemeClr val="accent2"/>
-            </a:solidFill>
-            <a:prstDash val="solid"/>
-          </a:ln>
-        </p:spPr>
-        <p:style>
-          <a:lnRef idx="2">
-            <a:schemeClr val="accent1">
-              <a:shade val="50000"/>
-            </a:schemeClr>
-          </a:lnRef>
-          <a:fillRef idx="1">
-            <a:schemeClr val="accent1"/>
-          </a:fillRef>
-          <a:effectRef idx="0">
-            <a:schemeClr val="accent1"/>
-          </a:effectRef>
-          <a:fontRef idx="minor">
-            <a:schemeClr val="lt1"/>
-          </a:fontRef>
-        </p:style>
-        <p:txBody>
-          <a:bodyPr rtlCol="0" anchor="ctr"/>
-          <a:lstStyle/>
-          <a:p>
-            <a:pPr algn="ctr"/>
-            <a:endParaRPr lang="en-US"/>
-          </a:p>
-        </p:txBody>
-      </p:sp>
-      <p:sp>
-        <p:nvSpPr>
-          <p:cNvPr id="60" name="Rectangle 59">
-            <a:extLst>
-              <a:ext uri="{FF2B5EF4-FFF2-40B4-BE49-F238E27FC236}">
-                <a16:creationId xmlns:a16="http://schemas.microsoft.com/office/drawing/2014/main" id="{8F4EA0A0-EA72-4995-997E-CE2E52F5C7F9}"/>
-              </a:ext>
-            </a:extLst>
-          </p:cNvPr>
-          <p:cNvSpPr/>
-          <p:nvPr/>
-        </p:nvSpPr>
-        <p:spPr>
-          <a:xfrm>
-            <a:off x="4450594" y="9332111"/>
-            <a:ext cx="1604835" cy="911019"/>
-          </a:xfrm>
-          <a:prstGeom prst="rect">
-            <a:avLst/>
-          </a:prstGeom>
-          <a:noFill/>
-          <a:ln>
-            <a:solidFill>
-              <a:schemeClr val="accent2"/>
-            </a:solidFill>
-            <a:prstDash val="solid"/>
-          </a:ln>
-        </p:spPr>
-        <p:style>
-          <a:lnRef idx="2">
-            <a:schemeClr val="accent1">
-              <a:shade val="50000"/>
-            </a:schemeClr>
-          </a:lnRef>
-          <a:fillRef idx="1">
-            <a:schemeClr val="accent1"/>
-          </a:fillRef>
-          <a:effectRef idx="0">
-            <a:schemeClr val="accent1"/>
-          </a:effectRef>
-          <a:fontRef idx="minor">
-            <a:schemeClr val="lt1"/>
-          </a:fontRef>
-        </p:style>
-        <p:txBody>
-          <a:bodyPr rtlCol="0" anchor="ctr"/>
-          <a:lstStyle/>
-          <a:p>
-            <a:pPr algn="ctr"/>
-            <a:endParaRPr lang="en-US"/>
-          </a:p>
-        </p:txBody>
-      </p:sp>
-      <p:cxnSp>
-        <p:nvCxnSpPr>
-          <p:cNvPr id="1025" name="Straight Arrow Connector 1024">
-            <a:extLst>
-              <a:ext uri="{FF2B5EF4-FFF2-40B4-BE49-F238E27FC236}">
-                <a16:creationId xmlns:a16="http://schemas.microsoft.com/office/drawing/2014/main" id="{2347D683-F144-485D-8C02-851995C46259}"/>
-              </a:ext>
-            </a:extLst>
-          </p:cNvPr>
-          <p:cNvCxnSpPr>
-            <a:cxnSpLocks/>
-          </p:cNvCxnSpPr>
-          <p:nvPr/>
-        </p:nvCxnSpPr>
-        <p:spPr>
-          <a:xfrm flipV="1">
-            <a:off x="2261914" y="8705091"/>
-            <a:ext cx="0" cy="683861"/>
-          </a:xfrm>
-          <a:prstGeom prst="straightConnector1">
-            <a:avLst/>
-          </a:prstGeom>
-          <a:ln w="12700">
-            <a:solidFill>
-              <a:schemeClr val="accent2"/>
-            </a:solidFill>
-            <a:tailEnd type="triangle"/>
-          </a:ln>
-        </p:spPr>
-        <p:style>
-          <a:lnRef idx="1">
-            <a:schemeClr val="accent1"/>
-          </a:lnRef>
-          <a:fillRef idx="0">
-            <a:schemeClr val="accent1"/>
-          </a:fillRef>
-          <a:effectRef idx="0">
-            <a:schemeClr val="accent1"/>
-          </a:effectRef>
-          <a:fontRef idx="minor">
-            <a:schemeClr val="tx1"/>
-          </a:fontRef>
-        </p:style>
-      </p:cxnSp>
-      <p:cxnSp>
-        <p:nvCxnSpPr>
-          <p:cNvPr id="69" name="Straight Arrow Connector 68">
-            <a:extLst>
-              <a:ext uri="{FF2B5EF4-FFF2-40B4-BE49-F238E27FC236}">
-                <a16:creationId xmlns:a16="http://schemas.microsoft.com/office/drawing/2014/main" id="{44EB49B9-B20F-4F1F-BC03-4E68C8B1C21B}"/>
-              </a:ext>
-            </a:extLst>
-          </p:cNvPr>
-          <p:cNvCxnSpPr>
-            <a:cxnSpLocks/>
-          </p:cNvCxnSpPr>
-          <p:nvPr/>
-        </p:nvCxnSpPr>
-        <p:spPr>
-          <a:xfrm flipV="1">
-            <a:off x="5307917" y="8696960"/>
-            <a:ext cx="0" cy="635151"/>
-          </a:xfrm>
-          <a:prstGeom prst="straightConnector1">
-            <a:avLst/>
-          </a:prstGeom>
-          <a:ln w="12700">
-            <a:solidFill>
-              <a:schemeClr val="accent2"/>
-            </a:solidFill>
-            <a:tailEnd type="triangle"/>
-          </a:ln>
-        </p:spPr>
-        <p:style>
-          <a:lnRef idx="1">
-            <a:schemeClr val="accent1"/>
-          </a:lnRef>
-          <a:fillRef idx="0">
-            <a:schemeClr val="accent1"/>
-          </a:fillRef>
-          <a:effectRef idx="0">
-            <a:schemeClr val="accent1"/>
-          </a:effectRef>
-          <a:fontRef idx="minor">
-            <a:schemeClr val="tx1"/>
-          </a:fontRef>
-        </p:style>
-      </p:cxnSp>
-      <p:sp>
-        <p:nvSpPr>
-          <p:cNvPr id="71" name="Rectangle: Rounded Corners 70">
-            <a:extLst>
-              <a:ext uri="{FF2B5EF4-FFF2-40B4-BE49-F238E27FC236}">
-                <a16:creationId xmlns:a16="http://schemas.microsoft.com/office/drawing/2014/main" id="{F2DA36D7-8EFF-4E0A-B06F-58B78D06A1F6}"/>
-              </a:ext>
-            </a:extLst>
-          </p:cNvPr>
-          <p:cNvSpPr/>
-          <p:nvPr/>
-        </p:nvSpPr>
-        <p:spPr>
-          <a:xfrm>
-            <a:off x="4534196" y="8425880"/>
-            <a:ext cx="1507444" cy="275577"/>
-          </a:xfrm>
-          <a:prstGeom prst="roundRect">
-            <a:avLst/>
-          </a:prstGeom>
-          <a:ln>
-            <a:headEnd type="none" w="med" len="med"/>
-            <a:tailEnd type="none" w="med" len="med"/>
-          </a:ln>
-        </p:spPr>
-        <p:style>
-          <a:lnRef idx="1">
-            <a:schemeClr val="accent5"/>
-          </a:lnRef>
-          <a:fillRef idx="2">
-            <a:schemeClr val="accent5"/>
-          </a:fillRef>
-          <a:effectRef idx="1">
-            <a:schemeClr val="accent5"/>
-          </a:effectRef>
-          <a:fontRef idx="minor">
-            <a:schemeClr val="dk1"/>
-          </a:fontRef>
-        </p:style>
-        <p:txBody>
-          <a:bodyPr rtlCol="0" anchor="ctr"/>
-          <a:lstStyle/>
-          <a:p>
-            <a:pPr algn="ctr"/>
-            <a:r>
-              <a:rPr lang="zh-CN" altLang="en-US" sz="1000" b="1" dirty="0">
-                <a:solidFill>
-                  <a:schemeClr val="tx1"/>
-                </a:solidFill>
-              </a:rPr>
-              <a:t>文本实体抽取</a:t>
-            </a:r>
-            <a:endParaRPr lang="en-US" sz="1000" b="1" dirty="0">
-              <a:solidFill>
-                <a:schemeClr val="tx1"/>
-              </a:solidFill>
-            </a:endParaRPr>
-          </a:p>
-        </p:txBody>
-      </p:sp>
-      <p:sp>
-        <p:nvSpPr>
-          <p:cNvPr id="72" name="Rectangle 71">
-            <a:extLst>
-              <a:ext uri="{FF2B5EF4-FFF2-40B4-BE49-F238E27FC236}">
-                <a16:creationId xmlns:a16="http://schemas.microsoft.com/office/drawing/2014/main" id="{2D3CCD47-63B6-4804-8AC1-B1508E71E36C}"/>
-              </a:ext>
-            </a:extLst>
-          </p:cNvPr>
-          <p:cNvSpPr/>
-          <p:nvPr/>
-        </p:nvSpPr>
-        <p:spPr>
-          <a:xfrm>
-            <a:off x="1080461" y="5100320"/>
-            <a:ext cx="5289859" cy="3808045"/>
-          </a:xfrm>
-          <a:prstGeom prst="rect">
-            <a:avLst/>
-          </a:prstGeom>
-          <a:noFill/>
-          <a:ln>
-            <a:prstDash val="solid"/>
-          </a:ln>
-        </p:spPr>
-        <p:style>
-          <a:lnRef idx="2">
-            <a:schemeClr val="accent1">
-              <a:shade val="50000"/>
-            </a:schemeClr>
-          </a:lnRef>
-          <a:fillRef idx="1">
-            <a:schemeClr val="accent1"/>
-          </a:fillRef>
-          <a:effectRef idx="0">
-            <a:schemeClr val="accent1"/>
-          </a:effectRef>
-          <a:fontRef idx="minor">
-            <a:schemeClr val="lt1"/>
-          </a:fontRef>
-        </p:style>
-        <p:txBody>
-          <a:bodyPr rtlCol="0" anchor="ctr"/>
-          <a:lstStyle/>
-          <a:p>
-            <a:pPr algn="ctr"/>
-            <a:endParaRPr lang="en-US"/>
-          </a:p>
-        </p:txBody>
-      </p:sp>
-      <p:sp>
-        <p:nvSpPr>
-          <p:cNvPr id="73" name="Rectangle: Rounded Corners 72">
-            <a:extLst>
-              <a:ext uri="{FF2B5EF4-FFF2-40B4-BE49-F238E27FC236}">
-                <a16:creationId xmlns:a16="http://schemas.microsoft.com/office/drawing/2014/main" id="{CB613177-F646-447D-A7F7-AACE50C142DC}"/>
-              </a:ext>
-            </a:extLst>
-          </p:cNvPr>
-          <p:cNvSpPr/>
-          <p:nvPr/>
-        </p:nvSpPr>
-        <p:spPr>
-          <a:xfrm>
-            <a:off x="4534196" y="7927920"/>
-            <a:ext cx="1507444" cy="275577"/>
-          </a:xfrm>
-          <a:prstGeom prst="roundRect">
-            <a:avLst/>
-          </a:prstGeom>
-          <a:ln>
-            <a:headEnd type="none" w="med" len="med"/>
-            <a:tailEnd type="none" w="med" len="med"/>
-          </a:ln>
-        </p:spPr>
-        <p:style>
-          <a:lnRef idx="1">
-            <a:schemeClr val="accent5"/>
-          </a:lnRef>
-          <a:fillRef idx="2">
-            <a:schemeClr val="accent5"/>
-          </a:fillRef>
-          <a:effectRef idx="1">
-            <a:schemeClr val="accent5"/>
-          </a:effectRef>
-          <a:fontRef idx="minor">
-            <a:schemeClr val="dk1"/>
-          </a:fontRef>
-        </p:style>
-        <p:txBody>
-          <a:bodyPr rtlCol="0" anchor="ctr"/>
-          <a:lstStyle/>
-          <a:p>
-            <a:pPr algn="ctr"/>
-            <a:r>
-              <a:rPr lang="zh-CN" altLang="en-US" sz="1000" b="1" dirty="0">
-                <a:solidFill>
-                  <a:schemeClr val="tx1"/>
-                </a:solidFill>
-              </a:rPr>
-              <a:t>文本实体链接和消歧</a:t>
-            </a:r>
-            <a:endParaRPr lang="en-US" sz="1000" b="1" dirty="0">
-              <a:solidFill>
-                <a:schemeClr val="tx1"/>
-              </a:solidFill>
-            </a:endParaRPr>
-          </a:p>
-        </p:txBody>
-      </p:sp>
-      <p:cxnSp>
-        <p:nvCxnSpPr>
-          <p:cNvPr id="74" name="Straight Arrow Connector 73">
-            <a:extLst>
-              <a:ext uri="{FF2B5EF4-FFF2-40B4-BE49-F238E27FC236}">
-                <a16:creationId xmlns:a16="http://schemas.microsoft.com/office/drawing/2014/main" id="{F2853033-DA6B-45FC-B475-8DB7C32237F7}"/>
-              </a:ext>
-            </a:extLst>
-          </p:cNvPr>
-          <p:cNvCxnSpPr>
-            <a:cxnSpLocks/>
-          </p:cNvCxnSpPr>
-          <p:nvPr/>
-        </p:nvCxnSpPr>
-        <p:spPr>
-          <a:xfrm flipV="1">
-            <a:off x="5287918" y="8205560"/>
-            <a:ext cx="0" cy="220320"/>
-          </a:xfrm>
-          <a:prstGeom prst="straightConnector1">
-            <a:avLst/>
-          </a:prstGeom>
-          <a:ln w="12700">
-            <a:solidFill>
-              <a:schemeClr val="accent2"/>
-            </a:solidFill>
-            <a:tailEnd type="triangle"/>
-          </a:ln>
-        </p:spPr>
-        <p:style>
-          <a:lnRef idx="1">
-            <a:schemeClr val="accent1"/>
-          </a:lnRef>
-          <a:fillRef idx="0">
-            <a:schemeClr val="accent1"/>
-          </a:fillRef>
-          <a:effectRef idx="0">
-            <a:schemeClr val="accent1"/>
-          </a:effectRef>
-          <a:fontRef idx="minor">
-            <a:schemeClr val="tx1"/>
-          </a:fontRef>
-        </p:style>
-      </p:cxnSp>
-      <p:sp>
-        <p:nvSpPr>
-          <p:cNvPr id="1032" name="Flowchart: Magnetic Disk 1031">
-            <a:extLst>
-              <a:ext uri="{FF2B5EF4-FFF2-40B4-BE49-F238E27FC236}">
-                <a16:creationId xmlns:a16="http://schemas.microsoft.com/office/drawing/2014/main" id="{7C8A06A2-3EDD-4C88-97EA-F89A802EE209}"/>
-              </a:ext>
-            </a:extLst>
-          </p:cNvPr>
-          <p:cNvSpPr/>
-          <p:nvPr/>
-        </p:nvSpPr>
-        <p:spPr>
-          <a:xfrm>
-            <a:off x="3171571" y="7842522"/>
-            <a:ext cx="1206690" cy="446371"/>
-          </a:xfrm>
-          <a:prstGeom prst="flowChartMagneticDisk">
-            <a:avLst/>
-          </a:prstGeom>
-        </p:spPr>
-        <p:style>
-          <a:lnRef idx="1">
-            <a:schemeClr val="accent1"/>
-          </a:lnRef>
-          <a:fillRef idx="2">
-            <a:schemeClr val="accent1"/>
-          </a:fillRef>
-          <a:effectRef idx="1">
-            <a:schemeClr val="accent1"/>
-          </a:effectRef>
-          <a:fontRef idx="minor">
-            <a:schemeClr val="dk1"/>
-          </a:fontRef>
-        </p:style>
-        <p:txBody>
-          <a:bodyPr rtlCol="0" anchor="ctr"/>
-          <a:lstStyle/>
-          <a:p>
-            <a:pPr algn="ctr"/>
-            <a:r>
-              <a:rPr lang="zh-CN" altLang="en-US" sz="800" b="1" i="1" dirty="0"/>
-              <a:t>外部知识库</a:t>
-            </a:r>
-            <a:br>
-              <a:rPr lang="en-US" altLang="zh-CN" sz="800" b="1" i="1" dirty="0"/>
-            </a:br>
-            <a:r>
-              <a:rPr lang="zh-CN" altLang="en-US" sz="800" b="1" i="1" dirty="0"/>
-              <a:t>（</a:t>
-            </a:r>
-            <a:r>
-              <a:rPr lang="en-US" altLang="zh-CN" sz="800" b="1" i="1" dirty="0"/>
-              <a:t>WIKIPEDIA, Freebase</a:t>
-            </a:r>
-            <a:r>
-              <a:rPr lang="zh-CN" altLang="en-US" sz="800" b="1" i="1" dirty="0"/>
-              <a:t>）</a:t>
-            </a:r>
-            <a:endParaRPr lang="en-US" sz="800" b="1" i="1" dirty="0"/>
-          </a:p>
-        </p:txBody>
-      </p:sp>
-      <p:cxnSp>
-        <p:nvCxnSpPr>
-          <p:cNvPr id="1034" name="Connector: Elbow 1033">
-            <a:extLst>
-              <a:ext uri="{FF2B5EF4-FFF2-40B4-BE49-F238E27FC236}">
-                <a16:creationId xmlns:a16="http://schemas.microsoft.com/office/drawing/2014/main" id="{F4A2A02C-82BC-4C29-B99C-74D1588CE52F}"/>
-              </a:ext>
-            </a:extLst>
-          </p:cNvPr>
-          <p:cNvCxnSpPr>
-            <a:cxnSpLocks/>
-            <a:stCxn id="1032" idx="4"/>
-            <a:endCxn id="73" idx="1"/>
-          </p:cNvCxnSpPr>
-          <p:nvPr/>
-        </p:nvCxnSpPr>
-        <p:spPr>
-          <a:xfrm>
-            <a:off x="4378261" y="8065708"/>
-            <a:ext cx="155935" cy="1"/>
-          </a:xfrm>
-          <a:prstGeom prst="bentConnector3">
-            <a:avLst>
-              <a:gd name="adj1" fmla="val 50000"/>
-            </a:avLst>
-          </a:prstGeom>
-          <a:ln w="12700">
-            <a:solidFill>
-              <a:schemeClr val="accent2"/>
-            </a:solidFill>
-            <a:tailEnd type="triangle"/>
-          </a:ln>
-        </p:spPr>
-        <p:style>
-          <a:lnRef idx="1">
-            <a:schemeClr val="accent1"/>
-          </a:lnRef>
-          <a:fillRef idx="0">
-            <a:schemeClr val="accent1"/>
-          </a:fillRef>
-          <a:effectRef idx="0">
-            <a:schemeClr val="accent1"/>
-          </a:effectRef>
-          <a:fontRef idx="minor">
-            <a:schemeClr val="tx1"/>
-          </a:fontRef>
-        </p:style>
-      </p:cxnSp>
-      <p:cxnSp>
-        <p:nvCxnSpPr>
-          <p:cNvPr id="83" name="Straight Arrow Connector 82">
-            <a:extLst>
-              <a:ext uri="{FF2B5EF4-FFF2-40B4-BE49-F238E27FC236}">
-                <a16:creationId xmlns:a16="http://schemas.microsoft.com/office/drawing/2014/main" id="{C883E245-C4B4-4EFF-9867-4BB6BDA67563}"/>
-              </a:ext>
-            </a:extLst>
-          </p:cNvPr>
-          <p:cNvCxnSpPr>
-            <a:cxnSpLocks/>
-          </p:cNvCxnSpPr>
-          <p:nvPr/>
-        </p:nvCxnSpPr>
-        <p:spPr>
-          <a:xfrm flipV="1">
-            <a:off x="5734958" y="7707600"/>
-            <a:ext cx="0" cy="220320"/>
-          </a:xfrm>
-          <a:prstGeom prst="straightConnector1">
-            <a:avLst/>
-          </a:prstGeom>
-          <a:ln w="12700">
-            <a:solidFill>
-              <a:schemeClr val="accent2"/>
-            </a:solidFill>
-            <a:tailEnd type="triangle"/>
-          </a:ln>
-        </p:spPr>
-        <p:style>
-          <a:lnRef idx="1">
-            <a:schemeClr val="accent1"/>
-          </a:lnRef>
-          <a:fillRef idx="0">
-            <a:schemeClr val="accent1"/>
-          </a:fillRef>
-          <a:effectRef idx="0">
-            <a:schemeClr val="accent1"/>
-          </a:effectRef>
-          <a:fontRef idx="minor">
-            <a:schemeClr val="tx1"/>
-          </a:fontRef>
-        </p:style>
-      </p:cxnSp>
-      <p:cxnSp>
-        <p:nvCxnSpPr>
-          <p:cNvPr id="84" name="Straight Arrow Connector 83">
-            <a:extLst>
-              <a:ext uri="{FF2B5EF4-FFF2-40B4-BE49-F238E27FC236}">
-                <a16:creationId xmlns:a16="http://schemas.microsoft.com/office/drawing/2014/main" id="{7225DF5C-3472-47AE-ACD4-C259EB76904C}"/>
-              </a:ext>
-            </a:extLst>
-          </p:cNvPr>
-          <p:cNvCxnSpPr>
-            <a:cxnSpLocks/>
-          </p:cNvCxnSpPr>
-          <p:nvPr/>
-        </p:nvCxnSpPr>
-        <p:spPr>
-          <a:xfrm flipV="1">
-            <a:off x="4836397" y="7707600"/>
-            <a:ext cx="0" cy="220320"/>
-          </a:xfrm>
-          <a:prstGeom prst="straightConnector1">
-            <a:avLst/>
-          </a:prstGeom>
-          <a:ln w="12700">
-            <a:solidFill>
-              <a:schemeClr val="accent2"/>
-            </a:solidFill>
-            <a:tailEnd type="triangle"/>
-          </a:ln>
-        </p:spPr>
-        <p:style>
-          <a:lnRef idx="1">
-            <a:schemeClr val="accent1"/>
-          </a:lnRef>
-          <a:fillRef idx="0">
-            <a:schemeClr val="accent1"/>
-          </a:fillRef>
-          <a:effectRef idx="0">
-            <a:schemeClr val="accent1"/>
-          </a:effectRef>
-          <a:fontRef idx="minor">
-            <a:schemeClr val="tx1"/>
-          </a:fontRef>
-        </p:style>
-      </p:cxnSp>
-      <p:sp>
-        <p:nvSpPr>
-          <p:cNvPr id="85" name="Rectangle: Rounded Corners 84">
-            <a:extLst>
-              <a:ext uri="{FF2B5EF4-FFF2-40B4-BE49-F238E27FC236}">
-                <a16:creationId xmlns:a16="http://schemas.microsoft.com/office/drawing/2014/main" id="{0A842B12-4C77-4D01-AE44-F22023600476}"/>
-              </a:ext>
-            </a:extLst>
-          </p:cNvPr>
-          <p:cNvSpPr/>
-          <p:nvPr/>
-        </p:nvSpPr>
-        <p:spPr>
-          <a:xfrm>
-            <a:off x="4542026" y="6737620"/>
-            <a:ext cx="595503" cy="972264"/>
-          </a:xfrm>
-          <a:prstGeom prst="roundRect">
-            <a:avLst/>
-          </a:prstGeom>
-          <a:ln>
-            <a:headEnd type="none" w="med" len="med"/>
-            <a:tailEnd type="none" w="med" len="med"/>
-          </a:ln>
-        </p:spPr>
-        <p:style>
-          <a:lnRef idx="1">
-            <a:schemeClr val="accent5"/>
-          </a:lnRef>
-          <a:fillRef idx="2">
-            <a:schemeClr val="accent5"/>
-          </a:fillRef>
-          <a:effectRef idx="1">
-            <a:schemeClr val="accent5"/>
-          </a:effectRef>
-          <a:fontRef idx="minor">
-            <a:schemeClr val="dk1"/>
-          </a:fontRef>
-        </p:style>
-        <p:txBody>
-          <a:bodyPr rtlCol="0" anchor="ctr"/>
-          <a:lstStyle/>
-          <a:p>
-            <a:pPr algn="ctr"/>
-            <a:r>
-              <a:rPr lang="zh-CN" altLang="en-US" sz="1000" b="1" dirty="0">
-                <a:solidFill>
-                  <a:schemeClr val="tx1"/>
-                </a:solidFill>
-              </a:rPr>
-              <a:t>文本关系抽取</a:t>
-            </a:r>
-            <a:endParaRPr lang="en-US" sz="1000" b="1" dirty="0">
-              <a:solidFill>
-                <a:schemeClr val="tx1"/>
-              </a:solidFill>
-            </a:endParaRPr>
-          </a:p>
-        </p:txBody>
-      </p:sp>
-      <p:sp>
-        <p:nvSpPr>
-          <p:cNvPr id="86" name="Rectangle: Rounded Corners 85">
-            <a:extLst>
-              <a:ext uri="{FF2B5EF4-FFF2-40B4-BE49-F238E27FC236}">
-                <a16:creationId xmlns:a16="http://schemas.microsoft.com/office/drawing/2014/main" id="{E95BF847-1CAC-4128-A0C9-CA41838EF4D2}"/>
-              </a:ext>
-            </a:extLst>
-          </p:cNvPr>
-          <p:cNvSpPr/>
-          <p:nvPr/>
-        </p:nvSpPr>
-        <p:spPr>
-          <a:xfrm>
-            <a:off x="5443566" y="6737619"/>
-            <a:ext cx="595503" cy="972264"/>
-          </a:xfrm>
-          <a:prstGeom prst="roundRect">
-            <a:avLst/>
-          </a:prstGeom>
-          <a:ln>
-            <a:headEnd type="none" w="med" len="med"/>
-            <a:tailEnd type="none" w="med" len="med"/>
-          </a:ln>
-        </p:spPr>
-        <p:style>
-          <a:lnRef idx="1">
-            <a:schemeClr val="accent5"/>
-          </a:lnRef>
-          <a:fillRef idx="2">
-            <a:schemeClr val="accent5"/>
-          </a:fillRef>
-          <a:effectRef idx="1">
-            <a:schemeClr val="accent5"/>
-          </a:effectRef>
-          <a:fontRef idx="minor">
-            <a:schemeClr val="dk1"/>
-          </a:fontRef>
-        </p:style>
-        <p:txBody>
-          <a:bodyPr rtlCol="0" anchor="ctr"/>
-          <a:lstStyle/>
-          <a:p>
-            <a:pPr algn="ctr"/>
-            <a:r>
-              <a:rPr lang="zh-CN" altLang="en-US" sz="1000" b="1" dirty="0">
-                <a:solidFill>
-                  <a:schemeClr val="tx1"/>
-                </a:solidFill>
-              </a:rPr>
-              <a:t>文本事件抽取和消歧</a:t>
-            </a:r>
-            <a:endParaRPr lang="en-US" sz="1000" b="1" dirty="0">
-              <a:solidFill>
-                <a:schemeClr val="tx1"/>
-              </a:solidFill>
-            </a:endParaRPr>
-          </a:p>
-        </p:txBody>
-      </p:sp>
-      <p:cxnSp>
-        <p:nvCxnSpPr>
-          <p:cNvPr id="87" name="Straight Arrow Connector 86">
-            <a:extLst>
-              <a:ext uri="{FF2B5EF4-FFF2-40B4-BE49-F238E27FC236}">
-                <a16:creationId xmlns:a16="http://schemas.microsoft.com/office/drawing/2014/main" id="{A3EBDB24-57F0-4E0C-B5AC-288DAB6AF057}"/>
-              </a:ext>
-            </a:extLst>
-          </p:cNvPr>
-          <p:cNvCxnSpPr>
-            <a:cxnSpLocks/>
-          </p:cNvCxnSpPr>
-          <p:nvPr/>
-        </p:nvCxnSpPr>
-        <p:spPr>
-          <a:xfrm flipV="1">
-            <a:off x="5734958" y="6517299"/>
-            <a:ext cx="0" cy="220320"/>
-          </a:xfrm>
-          <a:prstGeom prst="straightConnector1">
-            <a:avLst/>
-          </a:prstGeom>
-          <a:ln w="12700">
-            <a:solidFill>
-              <a:schemeClr val="accent2"/>
-            </a:solidFill>
-            <a:tailEnd type="triangle"/>
-          </a:ln>
-        </p:spPr>
-        <p:style>
-          <a:lnRef idx="1">
-            <a:schemeClr val="accent1"/>
-          </a:lnRef>
-          <a:fillRef idx="0">
-            <a:schemeClr val="accent1"/>
-          </a:fillRef>
-          <a:effectRef idx="0">
-            <a:schemeClr val="accent1"/>
-          </a:effectRef>
-          <a:fontRef idx="minor">
-            <a:schemeClr val="tx1"/>
-          </a:fontRef>
-        </p:style>
-      </p:cxnSp>
-      <p:cxnSp>
-        <p:nvCxnSpPr>
-          <p:cNvPr id="88" name="Straight Arrow Connector 87">
-            <a:extLst>
-              <a:ext uri="{FF2B5EF4-FFF2-40B4-BE49-F238E27FC236}">
-                <a16:creationId xmlns:a16="http://schemas.microsoft.com/office/drawing/2014/main" id="{553C8BAA-E0CE-4205-BD6E-939D8A6445A3}"/>
-              </a:ext>
-            </a:extLst>
-          </p:cNvPr>
-          <p:cNvCxnSpPr>
-            <a:cxnSpLocks/>
-          </p:cNvCxnSpPr>
-          <p:nvPr/>
-        </p:nvCxnSpPr>
-        <p:spPr>
-          <a:xfrm flipV="1">
-            <a:off x="4836397" y="6517299"/>
-            <a:ext cx="0" cy="220320"/>
-          </a:xfrm>
-          <a:prstGeom prst="straightConnector1">
-            <a:avLst/>
-          </a:prstGeom>
-          <a:ln w="12700">
-            <a:solidFill>
-              <a:schemeClr val="accent2"/>
-            </a:solidFill>
-            <a:tailEnd type="triangle"/>
-          </a:ln>
-        </p:spPr>
-        <p:style>
-          <a:lnRef idx="1">
-            <a:schemeClr val="accent1"/>
-          </a:lnRef>
-          <a:fillRef idx="0">
-            <a:schemeClr val="accent1"/>
-          </a:fillRef>
-          <a:effectRef idx="0">
-            <a:schemeClr val="accent1"/>
-          </a:effectRef>
-          <a:fontRef idx="minor">
-            <a:schemeClr val="tx1"/>
-          </a:fontRef>
-        </p:style>
-      </p:cxnSp>
-      <p:cxnSp>
-        <p:nvCxnSpPr>
-          <p:cNvPr id="89" name="Straight Arrow Connector 88">
-            <a:extLst>
-              <a:ext uri="{FF2B5EF4-FFF2-40B4-BE49-F238E27FC236}">
-                <a16:creationId xmlns:a16="http://schemas.microsoft.com/office/drawing/2014/main" id="{0BCA1A15-5059-44BB-AD29-B1FC7C1FF388}"/>
-              </a:ext>
-            </a:extLst>
-          </p:cNvPr>
-          <p:cNvCxnSpPr>
-            <a:cxnSpLocks/>
-          </p:cNvCxnSpPr>
-          <p:nvPr/>
-        </p:nvCxnSpPr>
-        <p:spPr>
-          <a:xfrm flipV="1">
-            <a:off x="5287918" y="6517299"/>
-            <a:ext cx="0" cy="1410621"/>
-          </a:xfrm>
-          <a:prstGeom prst="straightConnector1">
-            <a:avLst/>
-          </a:prstGeom>
-          <a:ln w="12700">
-            <a:solidFill>
-              <a:schemeClr val="accent2"/>
-            </a:solidFill>
-            <a:tailEnd type="triangle"/>
-          </a:ln>
-        </p:spPr>
-        <p:style>
-          <a:lnRef idx="1">
-            <a:schemeClr val="accent1"/>
-          </a:lnRef>
-          <a:fillRef idx="0">
-            <a:schemeClr val="accent1"/>
-          </a:fillRef>
-          <a:effectRef idx="0">
-            <a:schemeClr val="accent1"/>
-          </a:effectRef>
-          <a:fontRef idx="minor">
-            <a:schemeClr val="tx1"/>
-          </a:fontRef>
-        </p:style>
-      </p:cxnSp>
-      <p:sp>
-        <p:nvSpPr>
-          <p:cNvPr id="92" name="Flowchart: Magnetic Disk 91">
-            <a:extLst>
-              <a:ext uri="{FF2B5EF4-FFF2-40B4-BE49-F238E27FC236}">
-                <a16:creationId xmlns:a16="http://schemas.microsoft.com/office/drawing/2014/main" id="{C1B6F907-3227-4A5D-8D95-F5D9BD0389E7}"/>
-              </a:ext>
-            </a:extLst>
-          </p:cNvPr>
-          <p:cNvSpPr/>
-          <p:nvPr/>
-        </p:nvSpPr>
-        <p:spPr>
-          <a:xfrm>
-            <a:off x="4607704" y="6234580"/>
-            <a:ext cx="1371547" cy="279930"/>
-          </a:xfrm>
-          <a:prstGeom prst="flowChartMagneticDisk">
-            <a:avLst/>
-          </a:prstGeom>
-          <a:solidFill>
-            <a:schemeClr val="accent2">
-              <a:lumMod val="40000"/>
-              <a:lumOff val="60000"/>
-            </a:schemeClr>
-          </a:solidFill>
-        </p:spPr>
-        <p:style>
-          <a:lnRef idx="1">
-            <a:schemeClr val="accent2"/>
-          </a:lnRef>
-          <a:fillRef idx="2">
-            <a:schemeClr val="accent2"/>
-          </a:fillRef>
-          <a:effectRef idx="1">
-            <a:schemeClr val="accent2"/>
-          </a:effectRef>
-          <a:fontRef idx="minor">
-            <a:schemeClr val="dk1"/>
-          </a:fontRef>
-        </p:style>
-        <p:txBody>
-          <a:bodyPr rtlCol="0" anchor="ctr"/>
-          <a:lstStyle/>
-          <a:p>
-            <a:pPr algn="ctr"/>
-            <a:r>
-              <a:rPr lang="zh-CN" altLang="en-US" sz="800" b="1" dirty="0"/>
-              <a:t>文本知识库</a:t>
-            </a:r>
-            <a:endParaRPr lang="en-US" sz="800" b="1" dirty="0"/>
-          </a:p>
-        </p:txBody>
-      </p:sp>
-      <p:sp>
-        <p:nvSpPr>
-          <p:cNvPr id="93" name="Rectangle: Rounded Corners 92">
-            <a:extLst>
-              <a:ext uri="{FF2B5EF4-FFF2-40B4-BE49-F238E27FC236}">
-                <a16:creationId xmlns:a16="http://schemas.microsoft.com/office/drawing/2014/main" id="{65FB317E-2732-4E96-92E3-79DBDA15CE9B}"/>
-              </a:ext>
-            </a:extLst>
-          </p:cNvPr>
-          <p:cNvSpPr/>
-          <p:nvPr/>
-        </p:nvSpPr>
-        <p:spPr>
-          <a:xfrm>
-            <a:off x="1508192" y="8430434"/>
-            <a:ext cx="1507444" cy="275577"/>
-          </a:xfrm>
-          <a:prstGeom prst="roundRect">
-            <a:avLst/>
-          </a:prstGeom>
-          <a:ln>
-            <a:headEnd type="none" w="med" len="med"/>
-            <a:tailEnd type="none" w="med" len="med"/>
-          </a:ln>
-        </p:spPr>
-        <p:style>
-          <a:lnRef idx="1">
-            <a:schemeClr val="accent6"/>
-          </a:lnRef>
-          <a:fillRef idx="2">
-            <a:schemeClr val="accent6"/>
-          </a:fillRef>
-          <a:effectRef idx="1">
-            <a:schemeClr val="accent6"/>
-          </a:effectRef>
-          <a:fontRef idx="minor">
-            <a:schemeClr val="dk1"/>
-          </a:fontRef>
-        </p:style>
-        <p:txBody>
-          <a:bodyPr rtlCol="0" anchor="ctr"/>
-          <a:lstStyle/>
-          <a:p>
-            <a:pPr algn="ctr"/>
-            <a:r>
-              <a:rPr lang="zh-CN" altLang="en-US" sz="1000" b="1" dirty="0">
-                <a:solidFill>
-                  <a:schemeClr val="tx1"/>
-                </a:solidFill>
-              </a:rPr>
-              <a:t>视觉实体抽取</a:t>
-            </a:r>
-            <a:endParaRPr lang="en-US" sz="1000" b="1" dirty="0">
-              <a:solidFill>
-                <a:schemeClr val="tx1"/>
-              </a:solidFill>
-            </a:endParaRPr>
-          </a:p>
-        </p:txBody>
-      </p:sp>
-      <p:sp>
-        <p:nvSpPr>
-          <p:cNvPr id="94" name="Rectangle: Rounded Corners 93">
-            <a:extLst>
-              <a:ext uri="{FF2B5EF4-FFF2-40B4-BE49-F238E27FC236}">
-                <a16:creationId xmlns:a16="http://schemas.microsoft.com/office/drawing/2014/main" id="{40C0D8BD-ACB8-4F8D-A27F-031D5BEFEE5A}"/>
-              </a:ext>
-            </a:extLst>
-          </p:cNvPr>
-          <p:cNvSpPr/>
-          <p:nvPr/>
-        </p:nvSpPr>
-        <p:spPr>
-          <a:xfrm>
-            <a:off x="1508192" y="7932474"/>
-            <a:ext cx="1507444" cy="275577"/>
-          </a:xfrm>
-          <a:prstGeom prst="roundRect">
-            <a:avLst/>
-          </a:prstGeom>
-          <a:ln>
-            <a:headEnd type="none" w="med" len="med"/>
-            <a:tailEnd type="none" w="med" len="med"/>
-          </a:ln>
-        </p:spPr>
-        <p:style>
-          <a:lnRef idx="1">
-            <a:schemeClr val="accent6"/>
-          </a:lnRef>
-          <a:fillRef idx="2">
-            <a:schemeClr val="accent6"/>
-          </a:fillRef>
-          <a:effectRef idx="1">
-            <a:schemeClr val="accent6"/>
-          </a:effectRef>
-          <a:fontRef idx="minor">
-            <a:schemeClr val="dk1"/>
-          </a:fontRef>
-        </p:style>
-        <p:txBody>
-          <a:bodyPr rtlCol="0" anchor="ctr"/>
-          <a:lstStyle/>
-          <a:p>
-            <a:pPr algn="ctr"/>
-            <a:r>
-              <a:rPr lang="zh-CN" altLang="en-US" sz="1000" b="1" dirty="0">
-                <a:solidFill>
-                  <a:schemeClr val="tx1"/>
-                </a:solidFill>
-              </a:rPr>
-              <a:t>视觉实体链接和消歧</a:t>
-            </a:r>
-            <a:endParaRPr lang="en-US" sz="1000" b="1" dirty="0">
-              <a:solidFill>
-                <a:schemeClr val="tx1"/>
-              </a:solidFill>
-            </a:endParaRPr>
-          </a:p>
-        </p:txBody>
-      </p:sp>
-      <p:cxnSp>
-        <p:nvCxnSpPr>
-          <p:cNvPr id="95" name="Straight Arrow Connector 94">
-            <a:extLst>
-              <a:ext uri="{FF2B5EF4-FFF2-40B4-BE49-F238E27FC236}">
-                <a16:creationId xmlns:a16="http://schemas.microsoft.com/office/drawing/2014/main" id="{21D65D6E-E635-4A80-B585-3AD230AC8682}"/>
-              </a:ext>
-            </a:extLst>
-          </p:cNvPr>
-          <p:cNvCxnSpPr>
-            <a:cxnSpLocks/>
-          </p:cNvCxnSpPr>
-          <p:nvPr/>
-        </p:nvCxnSpPr>
-        <p:spPr>
-          <a:xfrm flipV="1">
-            <a:off x="2261914" y="8210114"/>
-            <a:ext cx="0" cy="220320"/>
-          </a:xfrm>
-          <a:prstGeom prst="straightConnector1">
-            <a:avLst/>
-          </a:prstGeom>
-          <a:ln w="12700">
-            <a:solidFill>
-              <a:schemeClr val="accent2"/>
-            </a:solidFill>
-            <a:tailEnd type="triangle"/>
-          </a:ln>
-        </p:spPr>
-        <p:style>
-          <a:lnRef idx="1">
-            <a:schemeClr val="accent1"/>
-          </a:lnRef>
-          <a:fillRef idx="0">
-            <a:schemeClr val="accent1"/>
-          </a:fillRef>
-          <a:effectRef idx="0">
-            <a:schemeClr val="accent1"/>
-          </a:effectRef>
-          <a:fontRef idx="minor">
-            <a:schemeClr val="tx1"/>
-          </a:fontRef>
-        </p:style>
-      </p:cxnSp>
-      <p:cxnSp>
-        <p:nvCxnSpPr>
-          <p:cNvPr id="96" name="Connector: Elbow 95">
-            <a:extLst>
-              <a:ext uri="{FF2B5EF4-FFF2-40B4-BE49-F238E27FC236}">
-                <a16:creationId xmlns:a16="http://schemas.microsoft.com/office/drawing/2014/main" id="{9B834118-7E85-4476-8B37-05B6BE7D3636}"/>
-              </a:ext>
-            </a:extLst>
-          </p:cNvPr>
-          <p:cNvCxnSpPr>
-            <a:cxnSpLocks/>
-            <a:stCxn id="1032" idx="2"/>
-            <a:endCxn id="94" idx="3"/>
-          </p:cNvCxnSpPr>
-          <p:nvPr/>
-        </p:nvCxnSpPr>
-        <p:spPr>
-          <a:xfrm rot="10800000" flipV="1">
-            <a:off x="3015637" y="8065707"/>
-            <a:ext cx="155935" cy="4555"/>
-          </a:xfrm>
-          <a:prstGeom prst="bentConnector3">
-            <a:avLst>
-              <a:gd name="adj1" fmla="val 50000"/>
-            </a:avLst>
-          </a:prstGeom>
-          <a:ln w="12700">
-            <a:solidFill>
-              <a:schemeClr val="accent2"/>
-            </a:solidFill>
-            <a:tailEnd type="triangle"/>
-          </a:ln>
-        </p:spPr>
-        <p:style>
-          <a:lnRef idx="1">
-            <a:schemeClr val="accent1"/>
-          </a:lnRef>
-          <a:fillRef idx="0">
-            <a:schemeClr val="accent1"/>
-          </a:fillRef>
-          <a:effectRef idx="0">
-            <a:schemeClr val="accent1"/>
-          </a:effectRef>
-          <a:fontRef idx="minor">
-            <a:schemeClr val="tx1"/>
-          </a:fontRef>
-        </p:style>
-      </p:cxnSp>
-      <p:cxnSp>
-        <p:nvCxnSpPr>
-          <p:cNvPr id="97" name="Straight Arrow Connector 96">
-            <a:extLst>
-              <a:ext uri="{FF2B5EF4-FFF2-40B4-BE49-F238E27FC236}">
-                <a16:creationId xmlns:a16="http://schemas.microsoft.com/office/drawing/2014/main" id="{8347B604-FC16-4B81-8A0F-7AA6176F16E3}"/>
-              </a:ext>
-            </a:extLst>
-          </p:cNvPr>
-          <p:cNvCxnSpPr>
-            <a:cxnSpLocks/>
-          </p:cNvCxnSpPr>
-          <p:nvPr/>
-        </p:nvCxnSpPr>
-        <p:spPr>
-          <a:xfrm flipV="1">
-            <a:off x="2708954" y="7712154"/>
-            <a:ext cx="0" cy="220320"/>
-          </a:xfrm>
-          <a:prstGeom prst="straightConnector1">
-            <a:avLst/>
-          </a:prstGeom>
-          <a:ln w="12700">
-            <a:solidFill>
-              <a:schemeClr val="accent2"/>
-            </a:solidFill>
-            <a:tailEnd type="triangle"/>
-          </a:ln>
-        </p:spPr>
-        <p:style>
-          <a:lnRef idx="1">
-            <a:schemeClr val="accent1"/>
-          </a:lnRef>
-          <a:fillRef idx="0">
-            <a:schemeClr val="accent1"/>
-          </a:fillRef>
-          <a:effectRef idx="0">
-            <a:schemeClr val="accent1"/>
-          </a:effectRef>
-          <a:fontRef idx="minor">
-            <a:schemeClr val="tx1"/>
-          </a:fontRef>
-        </p:style>
-      </p:cxnSp>
-      <p:cxnSp>
-        <p:nvCxnSpPr>
-          <p:cNvPr id="98" name="Straight Arrow Connector 97">
-            <a:extLst>
-              <a:ext uri="{FF2B5EF4-FFF2-40B4-BE49-F238E27FC236}">
-                <a16:creationId xmlns:a16="http://schemas.microsoft.com/office/drawing/2014/main" id="{C6FF8EEA-770C-4C08-BBE6-6E053C20888C}"/>
-              </a:ext>
-            </a:extLst>
-          </p:cNvPr>
-          <p:cNvCxnSpPr>
-            <a:cxnSpLocks/>
-          </p:cNvCxnSpPr>
-          <p:nvPr/>
-        </p:nvCxnSpPr>
-        <p:spPr>
-          <a:xfrm flipV="1">
-            <a:off x="1810393" y="7712154"/>
-            <a:ext cx="0" cy="220320"/>
-          </a:xfrm>
-          <a:prstGeom prst="straightConnector1">
-            <a:avLst/>
-          </a:prstGeom>
-          <a:ln w="12700">
-            <a:solidFill>
-              <a:schemeClr val="accent2"/>
-            </a:solidFill>
-            <a:tailEnd type="triangle"/>
-          </a:ln>
-        </p:spPr>
-        <p:style>
-          <a:lnRef idx="1">
-            <a:schemeClr val="accent1"/>
-          </a:lnRef>
-          <a:fillRef idx="0">
-            <a:schemeClr val="accent1"/>
-          </a:fillRef>
-          <a:effectRef idx="0">
-            <a:schemeClr val="accent1"/>
-          </a:effectRef>
-          <a:fontRef idx="minor">
-            <a:schemeClr val="tx1"/>
-          </a:fontRef>
-        </p:style>
-      </p:cxnSp>
-      <p:sp>
-        <p:nvSpPr>
-          <p:cNvPr id="99" name="Rectangle: Rounded Corners 98">
-            <a:extLst>
-              <a:ext uri="{FF2B5EF4-FFF2-40B4-BE49-F238E27FC236}">
-                <a16:creationId xmlns:a16="http://schemas.microsoft.com/office/drawing/2014/main" id="{D318641C-C059-4E82-A533-AD7A4D10BCA3}"/>
-              </a:ext>
-            </a:extLst>
-          </p:cNvPr>
-          <p:cNvSpPr/>
-          <p:nvPr/>
-        </p:nvSpPr>
-        <p:spPr>
-          <a:xfrm>
-            <a:off x="1516022" y="6742174"/>
-            <a:ext cx="595503" cy="972264"/>
-          </a:xfrm>
-          <a:prstGeom prst="roundRect">
-            <a:avLst/>
-          </a:prstGeom>
-          <a:ln>
-            <a:headEnd type="none" w="med" len="med"/>
-            <a:tailEnd type="none" w="med" len="med"/>
-          </a:ln>
-        </p:spPr>
-        <p:style>
-          <a:lnRef idx="1">
-            <a:schemeClr val="accent6"/>
-          </a:lnRef>
-          <a:fillRef idx="2">
-            <a:schemeClr val="accent6"/>
-          </a:fillRef>
-          <a:effectRef idx="1">
-            <a:schemeClr val="accent6"/>
-          </a:effectRef>
-          <a:fontRef idx="minor">
-            <a:schemeClr val="dk1"/>
-          </a:fontRef>
-        </p:style>
-        <p:txBody>
-          <a:bodyPr rtlCol="0" anchor="ctr"/>
-          <a:lstStyle/>
-          <a:p>
-            <a:pPr algn="ctr"/>
-            <a:r>
-              <a:rPr lang="zh-CN" altLang="en-US" sz="1000" b="1" dirty="0">
-                <a:solidFill>
-                  <a:schemeClr val="tx1"/>
-                </a:solidFill>
-              </a:rPr>
-              <a:t>视觉关系抽取</a:t>
-            </a:r>
-            <a:endParaRPr lang="en-US" sz="1000" b="1" dirty="0">
-              <a:solidFill>
-                <a:schemeClr val="tx1"/>
-              </a:solidFill>
-            </a:endParaRPr>
-          </a:p>
-        </p:txBody>
-      </p:sp>
-      <p:sp>
-        <p:nvSpPr>
-          <p:cNvPr id="100" name="Rectangle: Rounded Corners 99">
-            <a:extLst>
-              <a:ext uri="{FF2B5EF4-FFF2-40B4-BE49-F238E27FC236}">
-                <a16:creationId xmlns:a16="http://schemas.microsoft.com/office/drawing/2014/main" id="{BA3046B0-0806-4DEB-A4A8-EC5380FD664D}"/>
-              </a:ext>
-            </a:extLst>
-          </p:cNvPr>
-          <p:cNvSpPr/>
-          <p:nvPr/>
-        </p:nvSpPr>
-        <p:spPr>
-          <a:xfrm>
-            <a:off x="2417562" y="6742173"/>
-            <a:ext cx="595503" cy="972264"/>
-          </a:xfrm>
-          <a:prstGeom prst="roundRect">
-            <a:avLst/>
-          </a:prstGeom>
-          <a:ln>
-            <a:headEnd type="none" w="med" len="med"/>
-            <a:tailEnd type="none" w="med" len="med"/>
-          </a:ln>
-        </p:spPr>
-        <p:style>
-          <a:lnRef idx="1">
-            <a:schemeClr val="accent6"/>
-          </a:lnRef>
-          <a:fillRef idx="2">
-            <a:schemeClr val="accent6"/>
-          </a:fillRef>
-          <a:effectRef idx="1">
-            <a:schemeClr val="accent6"/>
-          </a:effectRef>
-          <a:fontRef idx="minor">
-            <a:schemeClr val="dk1"/>
-          </a:fontRef>
-        </p:style>
-        <p:txBody>
-          <a:bodyPr rtlCol="0" anchor="ctr"/>
-          <a:lstStyle/>
-          <a:p>
-            <a:pPr algn="ctr"/>
-            <a:r>
-              <a:rPr lang="zh-CN" altLang="en-US" sz="1000" b="1" dirty="0">
-                <a:solidFill>
-                  <a:schemeClr val="tx1"/>
-                </a:solidFill>
-              </a:rPr>
-              <a:t>视觉事件抽取和消歧</a:t>
-            </a:r>
-            <a:endParaRPr lang="en-US" sz="1000" b="1" dirty="0">
-              <a:solidFill>
-                <a:schemeClr val="tx1"/>
-              </a:solidFill>
-            </a:endParaRPr>
-          </a:p>
-        </p:txBody>
-      </p:sp>
-      <p:cxnSp>
-        <p:nvCxnSpPr>
-          <p:cNvPr id="101" name="Straight Arrow Connector 100">
-            <a:extLst>
-              <a:ext uri="{FF2B5EF4-FFF2-40B4-BE49-F238E27FC236}">
-                <a16:creationId xmlns:a16="http://schemas.microsoft.com/office/drawing/2014/main" id="{9946827F-88AF-4B67-AA6C-D5FFFD5F7E1B}"/>
-              </a:ext>
-            </a:extLst>
-          </p:cNvPr>
-          <p:cNvCxnSpPr>
-            <a:cxnSpLocks/>
-          </p:cNvCxnSpPr>
-          <p:nvPr/>
-        </p:nvCxnSpPr>
-        <p:spPr>
-          <a:xfrm flipV="1">
-            <a:off x="2708954" y="6521853"/>
-            <a:ext cx="0" cy="220320"/>
-          </a:xfrm>
-          <a:prstGeom prst="straightConnector1">
-            <a:avLst/>
-          </a:prstGeom>
-          <a:ln w="12700">
-            <a:solidFill>
-              <a:schemeClr val="accent2"/>
-            </a:solidFill>
-            <a:tailEnd type="triangle"/>
-          </a:ln>
-        </p:spPr>
-        <p:style>
-          <a:lnRef idx="1">
-            <a:schemeClr val="accent1"/>
-          </a:lnRef>
-          <a:fillRef idx="0">
-            <a:schemeClr val="accent1"/>
-          </a:fillRef>
-          <a:effectRef idx="0">
-            <a:schemeClr val="accent1"/>
-          </a:effectRef>
-          <a:fontRef idx="minor">
-            <a:schemeClr val="tx1"/>
-          </a:fontRef>
-        </p:style>
-      </p:cxnSp>
-      <p:cxnSp>
-        <p:nvCxnSpPr>
-          <p:cNvPr id="102" name="Straight Arrow Connector 101">
-            <a:extLst>
-              <a:ext uri="{FF2B5EF4-FFF2-40B4-BE49-F238E27FC236}">
-                <a16:creationId xmlns:a16="http://schemas.microsoft.com/office/drawing/2014/main" id="{F123E858-A227-418A-B855-C6136F8503B2}"/>
-              </a:ext>
-            </a:extLst>
-          </p:cNvPr>
-          <p:cNvCxnSpPr>
-            <a:cxnSpLocks/>
-          </p:cNvCxnSpPr>
-          <p:nvPr/>
-        </p:nvCxnSpPr>
-        <p:spPr>
-          <a:xfrm flipV="1">
-            <a:off x="1810393" y="6521853"/>
-            <a:ext cx="0" cy="220320"/>
-          </a:xfrm>
-          <a:prstGeom prst="straightConnector1">
-            <a:avLst/>
-          </a:prstGeom>
-          <a:ln w="12700">
-            <a:solidFill>
-              <a:schemeClr val="accent2"/>
-            </a:solidFill>
-            <a:tailEnd type="triangle"/>
-          </a:ln>
-        </p:spPr>
-        <p:style>
-          <a:lnRef idx="1">
-            <a:schemeClr val="accent1"/>
-          </a:lnRef>
-          <a:fillRef idx="0">
-            <a:schemeClr val="accent1"/>
-          </a:fillRef>
-          <a:effectRef idx="0">
-            <a:schemeClr val="accent1"/>
-          </a:effectRef>
-          <a:fontRef idx="minor">
-            <a:schemeClr val="tx1"/>
-          </a:fontRef>
-        </p:style>
-      </p:cxnSp>
-      <p:cxnSp>
-        <p:nvCxnSpPr>
-          <p:cNvPr id="103" name="Straight Arrow Connector 102">
-            <a:extLst>
-              <a:ext uri="{FF2B5EF4-FFF2-40B4-BE49-F238E27FC236}">
-                <a16:creationId xmlns:a16="http://schemas.microsoft.com/office/drawing/2014/main" id="{48C58C06-04A0-48E1-B0BF-075A54C48CC5}"/>
-              </a:ext>
-            </a:extLst>
-          </p:cNvPr>
-          <p:cNvCxnSpPr>
-            <a:cxnSpLocks/>
-          </p:cNvCxnSpPr>
-          <p:nvPr/>
-        </p:nvCxnSpPr>
-        <p:spPr>
-          <a:xfrm flipV="1">
-            <a:off x="2261914" y="6521853"/>
-            <a:ext cx="0" cy="1410621"/>
-          </a:xfrm>
-          <a:prstGeom prst="straightConnector1">
-            <a:avLst/>
-          </a:prstGeom>
-          <a:ln w="12700">
-            <a:solidFill>
-              <a:schemeClr val="accent2"/>
-            </a:solidFill>
-            <a:tailEnd type="triangle"/>
-          </a:ln>
-        </p:spPr>
-        <p:style>
-          <a:lnRef idx="1">
-            <a:schemeClr val="accent1"/>
-          </a:lnRef>
-          <a:fillRef idx="0">
-            <a:schemeClr val="accent1"/>
-          </a:fillRef>
-          <a:effectRef idx="0">
-            <a:schemeClr val="accent1"/>
-          </a:effectRef>
-          <a:fontRef idx="minor">
-            <a:schemeClr val="tx1"/>
-          </a:fontRef>
-        </p:style>
-      </p:cxnSp>
-      <p:sp>
-        <p:nvSpPr>
-          <p:cNvPr id="104" name="Flowchart: Magnetic Disk 103">
-            <a:extLst>
-              <a:ext uri="{FF2B5EF4-FFF2-40B4-BE49-F238E27FC236}">
-                <a16:creationId xmlns:a16="http://schemas.microsoft.com/office/drawing/2014/main" id="{FD1B448E-DDC0-460C-B1CB-A73069C4698C}"/>
-              </a:ext>
-            </a:extLst>
-          </p:cNvPr>
-          <p:cNvSpPr/>
-          <p:nvPr/>
-        </p:nvSpPr>
-        <p:spPr>
-          <a:xfrm>
-            <a:off x="1581700" y="6239134"/>
-            <a:ext cx="1371547" cy="279930"/>
-          </a:xfrm>
-          <a:prstGeom prst="flowChartMagneticDisk">
-            <a:avLst/>
-          </a:prstGeom>
-          <a:solidFill>
-            <a:schemeClr val="accent2">
-              <a:lumMod val="40000"/>
-              <a:lumOff val="60000"/>
-            </a:schemeClr>
-          </a:solidFill>
-        </p:spPr>
-        <p:style>
-          <a:lnRef idx="1">
-            <a:schemeClr val="accent2"/>
-          </a:lnRef>
-          <a:fillRef idx="2">
-            <a:schemeClr val="accent2"/>
-          </a:fillRef>
-          <a:effectRef idx="1">
-            <a:schemeClr val="accent2"/>
-          </a:effectRef>
-          <a:fontRef idx="minor">
-            <a:schemeClr val="dk1"/>
-          </a:fontRef>
-        </p:style>
-        <p:txBody>
-          <a:bodyPr rtlCol="0" anchor="ctr"/>
-          <a:lstStyle/>
-          <a:p>
-            <a:pPr algn="ctr"/>
-            <a:r>
-              <a:rPr lang="zh-CN" altLang="en-US" sz="800" b="1" dirty="0"/>
-              <a:t>视觉知识库</a:t>
-            </a:r>
-            <a:endParaRPr lang="en-US" sz="800" b="1" dirty="0"/>
-          </a:p>
-        </p:txBody>
-      </p:sp>
-      <p:sp>
-        <p:nvSpPr>
-          <p:cNvPr id="109" name="Rectangle: Rounded Corners 108">
-            <a:extLst>
-              <a:ext uri="{FF2B5EF4-FFF2-40B4-BE49-F238E27FC236}">
-                <a16:creationId xmlns:a16="http://schemas.microsoft.com/office/drawing/2014/main" id="{CA202649-14DA-4BA4-909E-8844853DF4E8}"/>
-              </a:ext>
-            </a:extLst>
-          </p:cNvPr>
-          <p:cNvSpPr/>
-          <p:nvPr/>
-        </p:nvSpPr>
-        <p:spPr>
-          <a:xfrm>
-            <a:off x="3029802" y="5812163"/>
-            <a:ext cx="1507444" cy="275577"/>
-          </a:xfrm>
-          <a:prstGeom prst="roundRect">
-            <a:avLst/>
-          </a:prstGeom>
-          <a:ln>
-            <a:headEnd type="none" w="med" len="med"/>
-            <a:tailEnd type="none" w="med" len="med"/>
-          </a:ln>
-        </p:spPr>
-        <p:style>
-          <a:lnRef idx="3">
-            <a:schemeClr val="lt1"/>
-          </a:lnRef>
-          <a:fillRef idx="1">
-            <a:schemeClr val="accent4"/>
-          </a:fillRef>
-          <a:effectRef idx="1">
-            <a:schemeClr val="accent4"/>
-          </a:effectRef>
-          <a:fontRef idx="minor">
-            <a:schemeClr val="lt1"/>
-          </a:fontRef>
-        </p:style>
-        <p:txBody>
-          <a:bodyPr rtlCol="0" anchor="ctr"/>
-          <a:lstStyle/>
-          <a:p>
-            <a:pPr algn="ctr"/>
-            <a:r>
-              <a:rPr lang="zh-CN" altLang="en-US" sz="1000" b="1" dirty="0">
-                <a:solidFill>
-                  <a:schemeClr val="tx1"/>
-                </a:solidFill>
-              </a:rPr>
-              <a:t>跨模态融合</a:t>
-            </a:r>
-            <a:endParaRPr lang="en-US" sz="1000" b="1" dirty="0">
-              <a:solidFill>
-                <a:schemeClr val="tx1"/>
-              </a:solidFill>
-            </a:endParaRPr>
-          </a:p>
-        </p:txBody>
-      </p:sp>
-      <p:cxnSp>
-        <p:nvCxnSpPr>
-          <p:cNvPr id="110" name="Connector: Elbow 109">
-            <a:extLst>
-              <a:ext uri="{FF2B5EF4-FFF2-40B4-BE49-F238E27FC236}">
-                <a16:creationId xmlns:a16="http://schemas.microsoft.com/office/drawing/2014/main" id="{F027DAD2-9774-4D05-98A9-E5AF2F78ADEC}"/>
-              </a:ext>
-            </a:extLst>
-          </p:cNvPr>
-          <p:cNvCxnSpPr>
-            <a:cxnSpLocks/>
-            <a:stCxn id="104" idx="1"/>
-            <a:endCxn id="109" idx="1"/>
-          </p:cNvCxnSpPr>
-          <p:nvPr/>
-        </p:nvCxnSpPr>
-        <p:spPr>
-          <a:xfrm rot="5400000" flipH="1" flipV="1">
-            <a:off x="2504047" y="5713379"/>
-            <a:ext cx="289182" cy="762328"/>
-          </a:xfrm>
-          <a:prstGeom prst="bentConnector2">
-            <a:avLst/>
-          </a:prstGeom>
-          <a:ln w="12700">
-            <a:solidFill>
-              <a:schemeClr val="accent2"/>
-            </a:solidFill>
-            <a:tailEnd type="triangle"/>
-          </a:ln>
-        </p:spPr>
-        <p:style>
-          <a:lnRef idx="1">
-            <a:schemeClr val="accent1"/>
-          </a:lnRef>
-          <a:fillRef idx="0">
-            <a:schemeClr val="accent1"/>
-          </a:fillRef>
-          <a:effectRef idx="0">
-            <a:schemeClr val="accent1"/>
-          </a:effectRef>
-          <a:fontRef idx="minor">
-            <a:schemeClr val="tx1"/>
-          </a:fontRef>
-        </p:style>
-      </p:cxnSp>
-      <p:cxnSp>
-        <p:nvCxnSpPr>
-          <p:cNvPr id="113" name="Connector: Elbow 112">
-            <a:extLst>
-              <a:ext uri="{FF2B5EF4-FFF2-40B4-BE49-F238E27FC236}">
-                <a16:creationId xmlns:a16="http://schemas.microsoft.com/office/drawing/2014/main" id="{3EE66C56-1F6D-4DF9-BF6D-9A7C877073BC}"/>
-              </a:ext>
-            </a:extLst>
-          </p:cNvPr>
-          <p:cNvCxnSpPr>
-            <a:cxnSpLocks/>
-            <a:stCxn id="92" idx="1"/>
-            <a:endCxn id="109" idx="3"/>
-          </p:cNvCxnSpPr>
-          <p:nvPr/>
-        </p:nvCxnSpPr>
-        <p:spPr>
-          <a:xfrm rot="16200000" flipV="1">
-            <a:off x="4773048" y="5714150"/>
-            <a:ext cx="284628" cy="756232"/>
-          </a:xfrm>
-          <a:prstGeom prst="bentConnector2">
-            <a:avLst/>
-          </a:prstGeom>
-          <a:ln w="12700">
-            <a:solidFill>
-              <a:schemeClr val="accent2"/>
-            </a:solidFill>
-            <a:tailEnd type="triangle"/>
-          </a:ln>
-        </p:spPr>
-        <p:style>
-          <a:lnRef idx="1">
-            <a:schemeClr val="accent1"/>
-          </a:lnRef>
-          <a:fillRef idx="0">
-            <a:schemeClr val="accent1"/>
-          </a:fillRef>
-          <a:effectRef idx="0">
-            <a:schemeClr val="accent1"/>
-          </a:effectRef>
-          <a:fontRef idx="minor">
-            <a:schemeClr val="tx1"/>
-          </a:fontRef>
-        </p:style>
-      </p:cxnSp>
-      <p:cxnSp>
-        <p:nvCxnSpPr>
-          <p:cNvPr id="116" name="Straight Arrow Connector 115">
-            <a:extLst>
-              <a:ext uri="{FF2B5EF4-FFF2-40B4-BE49-F238E27FC236}">
-                <a16:creationId xmlns:a16="http://schemas.microsoft.com/office/drawing/2014/main" id="{30BF5BAE-75F3-4B90-A20D-0C0534E79A5E}"/>
-              </a:ext>
-            </a:extLst>
-          </p:cNvPr>
-          <p:cNvCxnSpPr>
-            <a:cxnSpLocks/>
-          </p:cNvCxnSpPr>
-          <p:nvPr/>
-        </p:nvCxnSpPr>
-        <p:spPr>
-          <a:xfrm flipV="1">
-            <a:off x="3774916" y="5591843"/>
-            <a:ext cx="0" cy="220320"/>
-          </a:xfrm>
-          <a:prstGeom prst="straightConnector1">
-            <a:avLst/>
-          </a:prstGeom>
-          <a:ln w="12700">
-            <a:solidFill>
-              <a:schemeClr val="accent2"/>
-            </a:solidFill>
-            <a:tailEnd type="triangle"/>
-          </a:ln>
-        </p:spPr>
-        <p:style>
-          <a:lnRef idx="1">
-            <a:schemeClr val="accent1"/>
-          </a:lnRef>
-          <a:fillRef idx="0">
-            <a:schemeClr val="accent1"/>
-          </a:fillRef>
-          <a:effectRef idx="0">
-            <a:schemeClr val="accent1"/>
-          </a:effectRef>
-          <a:fontRef idx="minor">
-            <a:schemeClr val="tx1"/>
-          </a:fontRef>
-        </p:style>
-      </p:cxnSp>
-      <p:sp>
-        <p:nvSpPr>
-          <p:cNvPr id="117" name="Flowchart: Magnetic Disk 116">
-            <a:extLst>
-              <a:ext uri="{FF2B5EF4-FFF2-40B4-BE49-F238E27FC236}">
-                <a16:creationId xmlns:a16="http://schemas.microsoft.com/office/drawing/2014/main" id="{51621D5E-BEAF-45BF-B2CC-ABE914E5D31B}"/>
-              </a:ext>
-            </a:extLst>
-          </p:cNvPr>
-          <p:cNvSpPr/>
-          <p:nvPr/>
-        </p:nvSpPr>
-        <p:spPr>
-          <a:xfrm>
-            <a:off x="3083697" y="5266660"/>
-            <a:ext cx="1371547" cy="325041"/>
-          </a:xfrm>
-          <a:prstGeom prst="flowChartMagneticDisk">
-            <a:avLst/>
-          </a:prstGeom>
-        </p:spPr>
-        <p:style>
-          <a:lnRef idx="2">
-            <a:schemeClr val="accent4">
-              <a:shade val="50000"/>
-            </a:schemeClr>
-          </a:lnRef>
-          <a:fillRef idx="1">
-            <a:schemeClr val="accent4"/>
-          </a:fillRef>
-          <a:effectRef idx="0">
-            <a:schemeClr val="accent4"/>
-          </a:effectRef>
-          <a:fontRef idx="minor">
-            <a:schemeClr val="lt1"/>
-          </a:fontRef>
-        </p:style>
-        <p:txBody>
-          <a:bodyPr rtlCol="0" anchor="ctr"/>
-          <a:lstStyle/>
-          <a:p>
-            <a:pPr algn="ctr"/>
-            <a:r>
-              <a:rPr lang="zh-CN" altLang="en-US" sz="900" b="1" dirty="0">
-                <a:solidFill>
-                  <a:schemeClr val="tx1"/>
-                </a:solidFill>
-              </a:rPr>
-              <a:t>多模态知识库</a:t>
-            </a:r>
-            <a:endParaRPr lang="en-US" sz="900" b="1" dirty="0">
-              <a:solidFill>
-                <a:schemeClr val="tx1"/>
-              </a:solidFill>
-            </a:endParaRPr>
-          </a:p>
-        </p:txBody>
-      </p:sp>
-      <p:sp>
-        <p:nvSpPr>
-          <p:cNvPr id="118" name="TextBox 117">
-            <a:extLst>
-              <a:ext uri="{FF2B5EF4-FFF2-40B4-BE49-F238E27FC236}">
-                <a16:creationId xmlns:a16="http://schemas.microsoft.com/office/drawing/2014/main" id="{1711252C-4E07-4018-A114-E350E734F505}"/>
-              </a:ext>
-            </a:extLst>
-          </p:cNvPr>
-          <p:cNvSpPr txBox="1"/>
-          <p:nvPr/>
-        </p:nvSpPr>
-        <p:spPr>
-          <a:xfrm>
-            <a:off x="130602" y="4050605"/>
-            <a:ext cx="819256" cy="584775"/>
-          </a:xfrm>
-          <a:prstGeom prst="rect">
-            <a:avLst/>
-          </a:prstGeom>
-          <a:noFill/>
-        </p:spPr>
-        <p:txBody>
-          <a:bodyPr wrap="square" rtlCol="0">
-            <a:spAutoFit/>
-          </a:bodyPr>
-          <a:lstStyle/>
-          <a:p>
-            <a:pPr algn="ctr"/>
-            <a:r>
-              <a:rPr lang="zh-CN" altLang="en-US" sz="1600" dirty="0"/>
-              <a:t>知识库</a:t>
-            </a:r>
-            <a:br>
-              <a:rPr lang="en-US" altLang="zh-CN" sz="1600" dirty="0"/>
-            </a:br>
-            <a:r>
-              <a:rPr lang="zh-CN" altLang="en-US" sz="1600" dirty="0"/>
-              <a:t>存储层</a:t>
-            </a:r>
-            <a:endParaRPr lang="en-US" sz="1600" dirty="0"/>
-          </a:p>
-        </p:txBody>
-      </p:sp>
-      <p:sp>
-        <p:nvSpPr>
-          <p:cNvPr id="119" name="Rectangle 118">
-            <a:extLst>
-              <a:ext uri="{FF2B5EF4-FFF2-40B4-BE49-F238E27FC236}">
-                <a16:creationId xmlns:a16="http://schemas.microsoft.com/office/drawing/2014/main" id="{195DF8DF-8E2D-486D-A537-6333AFB4DA9A}"/>
-              </a:ext>
-            </a:extLst>
-          </p:cNvPr>
-          <p:cNvSpPr/>
-          <p:nvPr/>
-        </p:nvSpPr>
-        <p:spPr>
-          <a:xfrm>
-            <a:off x="1080461" y="3708699"/>
-            <a:ext cx="5274859" cy="1268589"/>
-          </a:xfrm>
-          <a:prstGeom prst="rect">
-            <a:avLst/>
-          </a:prstGeom>
-          <a:noFill/>
-          <a:ln>
-            <a:prstDash val="solid"/>
-          </a:ln>
-        </p:spPr>
-        <p:style>
-          <a:lnRef idx="2">
-            <a:schemeClr val="accent1">
-              <a:shade val="50000"/>
-            </a:schemeClr>
-          </a:lnRef>
-          <a:fillRef idx="1">
-            <a:schemeClr val="accent1"/>
-          </a:fillRef>
-          <a:effectRef idx="0">
-            <a:schemeClr val="accent1"/>
-          </a:effectRef>
-          <a:fontRef idx="minor">
-            <a:schemeClr val="lt1"/>
-          </a:fontRef>
-        </p:style>
-        <p:txBody>
-          <a:bodyPr rtlCol="0" anchor="ctr"/>
-          <a:lstStyle/>
-          <a:p>
-            <a:pPr algn="ctr"/>
-            <a:endParaRPr lang="en-US"/>
-          </a:p>
-        </p:txBody>
-      </p:sp>
-      <p:sp>
-        <p:nvSpPr>
-          <p:cNvPr id="122" name="Rectangle: Rounded Corners 121">
-            <a:extLst>
-              <a:ext uri="{FF2B5EF4-FFF2-40B4-BE49-F238E27FC236}">
-                <a16:creationId xmlns:a16="http://schemas.microsoft.com/office/drawing/2014/main" id="{5EC25CBE-28E9-4DAC-95D0-1E88E32EAF16}"/>
-              </a:ext>
-            </a:extLst>
-          </p:cNvPr>
-          <p:cNvSpPr/>
-          <p:nvPr/>
-        </p:nvSpPr>
-        <p:spPr>
-          <a:xfrm>
-            <a:off x="4823843" y="4261690"/>
-            <a:ext cx="818211" cy="246453"/>
-          </a:xfrm>
-          <a:prstGeom prst="roundRect">
-            <a:avLst/>
-          </a:prstGeom>
-          <a:ln>
-            <a:headEnd type="none" w="med" len="med"/>
-            <a:tailEnd type="none" w="med" len="med"/>
-          </a:ln>
-        </p:spPr>
-        <p:style>
-          <a:lnRef idx="1">
-            <a:schemeClr val="accent5"/>
-          </a:lnRef>
-          <a:fillRef idx="2">
-            <a:schemeClr val="accent5"/>
-          </a:fillRef>
-          <a:effectRef idx="1">
-            <a:schemeClr val="accent5"/>
-          </a:effectRef>
-          <a:fontRef idx="minor">
-            <a:schemeClr val="dk1"/>
-          </a:fontRef>
-        </p:style>
-        <p:txBody>
-          <a:bodyPr rtlCol="0" anchor="ctr"/>
-          <a:lstStyle/>
-          <a:p>
-            <a:pPr algn="ctr"/>
-            <a:r>
-              <a:rPr lang="zh-CN" altLang="en-US" sz="1000" b="1" dirty="0">
-                <a:solidFill>
-                  <a:schemeClr val="tx1"/>
-                </a:solidFill>
-              </a:rPr>
-              <a:t>元数据</a:t>
-            </a:r>
-            <a:endParaRPr lang="en-US" sz="1000" b="1" dirty="0">
-              <a:solidFill>
-                <a:schemeClr val="tx1"/>
-              </a:solidFill>
-            </a:endParaRPr>
-          </a:p>
-        </p:txBody>
-      </p:sp>
-      <p:sp>
-        <p:nvSpPr>
-          <p:cNvPr id="125" name="Rectangle: Rounded Corners 124">
-            <a:extLst>
-              <a:ext uri="{FF2B5EF4-FFF2-40B4-BE49-F238E27FC236}">
-                <a16:creationId xmlns:a16="http://schemas.microsoft.com/office/drawing/2014/main" id="{50B60890-4065-482A-A6B0-4BA900D85BEC}"/>
-              </a:ext>
-            </a:extLst>
-          </p:cNvPr>
-          <p:cNvSpPr/>
-          <p:nvPr/>
-        </p:nvSpPr>
-        <p:spPr>
-          <a:xfrm>
-            <a:off x="1647197" y="4384163"/>
-            <a:ext cx="819256" cy="246453"/>
-          </a:xfrm>
-          <a:prstGeom prst="roundRect">
-            <a:avLst/>
-          </a:prstGeom>
-          <a:ln>
-            <a:headEnd type="none" w="med" len="med"/>
-            <a:tailEnd type="none" w="med" len="med"/>
-          </a:ln>
-        </p:spPr>
-        <p:style>
-          <a:lnRef idx="1">
-            <a:schemeClr val="accent5"/>
-          </a:lnRef>
-          <a:fillRef idx="2">
-            <a:schemeClr val="accent5"/>
-          </a:fillRef>
-          <a:effectRef idx="1">
-            <a:schemeClr val="accent5"/>
-          </a:effectRef>
-          <a:fontRef idx="minor">
-            <a:schemeClr val="dk1"/>
-          </a:fontRef>
-        </p:style>
-        <p:txBody>
-          <a:bodyPr rtlCol="0" anchor="ctr"/>
-          <a:lstStyle/>
-          <a:p>
-            <a:pPr algn="ctr"/>
-            <a:r>
-              <a:rPr lang="zh-CN" altLang="en-US" sz="1000" b="1" dirty="0">
-                <a:solidFill>
-                  <a:schemeClr val="tx1"/>
-                </a:solidFill>
-              </a:rPr>
-              <a:t>索引</a:t>
-            </a:r>
-            <a:endParaRPr lang="en-US" sz="1000" b="1" dirty="0">
-              <a:solidFill>
-                <a:schemeClr val="tx1"/>
-              </a:solidFill>
-            </a:endParaRPr>
-          </a:p>
-        </p:txBody>
-      </p:sp>
-      <p:sp>
-        <p:nvSpPr>
-          <p:cNvPr id="126" name="Rectangle: Rounded Corners 125">
-            <a:extLst>
-              <a:ext uri="{FF2B5EF4-FFF2-40B4-BE49-F238E27FC236}">
-                <a16:creationId xmlns:a16="http://schemas.microsoft.com/office/drawing/2014/main" id="{A1E60349-D034-4A34-91DB-D4C8A507B5F0}"/>
-              </a:ext>
-            </a:extLst>
-          </p:cNvPr>
-          <p:cNvSpPr/>
-          <p:nvPr/>
-        </p:nvSpPr>
-        <p:spPr>
-          <a:xfrm>
-            <a:off x="1647197" y="4054490"/>
-            <a:ext cx="819256" cy="246453"/>
-          </a:xfrm>
-          <a:prstGeom prst="roundRect">
-            <a:avLst/>
-          </a:prstGeom>
-          <a:ln>
-            <a:headEnd type="none" w="med" len="med"/>
-            <a:tailEnd type="none" w="med" len="med"/>
-          </a:ln>
-        </p:spPr>
-        <p:style>
-          <a:lnRef idx="1">
-            <a:schemeClr val="accent5"/>
-          </a:lnRef>
-          <a:fillRef idx="2">
-            <a:schemeClr val="accent5"/>
-          </a:fillRef>
-          <a:effectRef idx="1">
-            <a:schemeClr val="accent5"/>
-          </a:effectRef>
-          <a:fontRef idx="minor">
-            <a:schemeClr val="dk1"/>
-          </a:fontRef>
-        </p:style>
-        <p:txBody>
-          <a:bodyPr rtlCol="0" anchor="ctr"/>
-          <a:lstStyle/>
-          <a:p>
-            <a:pPr algn="ctr"/>
-            <a:r>
-              <a:rPr lang="zh-CN" altLang="en-US" sz="1000" b="1" dirty="0">
-                <a:solidFill>
-                  <a:schemeClr val="tx1"/>
-                </a:solidFill>
-              </a:rPr>
-              <a:t>存储</a:t>
-            </a:r>
-            <a:endParaRPr lang="en-US" sz="1000" b="1" dirty="0">
-              <a:solidFill>
-                <a:schemeClr val="tx1"/>
-              </a:solidFill>
-            </a:endParaRPr>
-          </a:p>
-        </p:txBody>
-      </p:sp>
-      <p:sp>
-        <p:nvSpPr>
-          <p:cNvPr id="128" name="Rectangle: Rounded Corners 127">
-            <a:extLst>
-              <a:ext uri="{FF2B5EF4-FFF2-40B4-BE49-F238E27FC236}">
-                <a16:creationId xmlns:a16="http://schemas.microsoft.com/office/drawing/2014/main" id="{0B34EEF9-9B28-4772-BCD6-EC759F8ABE9A}"/>
-              </a:ext>
-            </a:extLst>
-          </p:cNvPr>
-          <p:cNvSpPr/>
-          <p:nvPr/>
-        </p:nvSpPr>
-        <p:spPr>
-          <a:xfrm>
-            <a:off x="3182856" y="3859526"/>
-            <a:ext cx="1139131" cy="246453"/>
-          </a:xfrm>
-          <a:prstGeom prst="roundRect">
-            <a:avLst/>
-          </a:prstGeom>
-          <a:ln>
-            <a:headEnd type="none" w="med" len="med"/>
-            <a:tailEnd type="none" w="med" len="med"/>
-          </a:ln>
-        </p:spPr>
-        <p:style>
-          <a:lnRef idx="1">
-            <a:schemeClr val="accent5"/>
-          </a:lnRef>
-          <a:fillRef idx="2">
-            <a:schemeClr val="accent5"/>
-          </a:fillRef>
-          <a:effectRef idx="1">
-            <a:schemeClr val="accent5"/>
-          </a:effectRef>
-          <a:fontRef idx="minor">
-            <a:schemeClr val="dk1"/>
-          </a:fontRef>
-        </p:style>
-        <p:txBody>
-          <a:bodyPr rtlCol="0" anchor="ctr"/>
-          <a:lstStyle/>
-          <a:p>
-            <a:pPr algn="ctr"/>
-            <a:r>
-              <a:rPr lang="zh-CN" altLang="en-US" sz="1000" b="1" dirty="0">
-                <a:solidFill>
-                  <a:schemeClr val="tx1"/>
-                </a:solidFill>
-              </a:rPr>
-              <a:t>存取界面</a:t>
-            </a:r>
-            <a:endParaRPr lang="en-US" sz="1000" b="1" dirty="0">
-              <a:solidFill>
-                <a:schemeClr val="tx1"/>
-              </a:solidFill>
-            </a:endParaRPr>
-          </a:p>
-        </p:txBody>
-      </p:sp>
-      <p:cxnSp>
-        <p:nvCxnSpPr>
-          <p:cNvPr id="135" name="Straight Arrow Connector 134">
-            <a:extLst>
-              <a:ext uri="{FF2B5EF4-FFF2-40B4-BE49-F238E27FC236}">
-                <a16:creationId xmlns:a16="http://schemas.microsoft.com/office/drawing/2014/main" id="{415CC647-A2E7-444B-ABD8-B40342DB01B8}"/>
-              </a:ext>
-            </a:extLst>
-          </p:cNvPr>
-          <p:cNvCxnSpPr>
-            <a:cxnSpLocks/>
-          </p:cNvCxnSpPr>
-          <p:nvPr/>
-        </p:nvCxnSpPr>
-        <p:spPr>
-          <a:xfrm flipH="1" flipV="1">
-            <a:off x="3752422" y="4132092"/>
-            <a:ext cx="110" cy="223431"/>
-          </a:xfrm>
-          <a:prstGeom prst="straightConnector1">
-            <a:avLst/>
-          </a:prstGeom>
-          <a:ln w="12700">
-            <a:solidFill>
-              <a:schemeClr val="accent1"/>
-            </a:solidFill>
-            <a:tailEnd type="triangle"/>
-          </a:ln>
-        </p:spPr>
-        <p:style>
-          <a:lnRef idx="1">
-            <a:schemeClr val="accent1"/>
-          </a:lnRef>
-          <a:fillRef idx="0">
-            <a:schemeClr val="accent1"/>
-          </a:fillRef>
-          <a:effectRef idx="0">
-            <a:schemeClr val="accent1"/>
-          </a:effectRef>
-          <a:fontRef idx="minor">
-            <a:schemeClr val="tx1"/>
-          </a:fontRef>
-        </p:style>
-      </p:cxnSp>
-      <p:cxnSp>
-        <p:nvCxnSpPr>
-          <p:cNvPr id="138" name="Straight Arrow Connector 137">
-            <a:extLst>
-              <a:ext uri="{FF2B5EF4-FFF2-40B4-BE49-F238E27FC236}">
-                <a16:creationId xmlns:a16="http://schemas.microsoft.com/office/drawing/2014/main" id="{15EC2353-139F-4758-89C2-3F58E02425D2}"/>
-              </a:ext>
-            </a:extLst>
-          </p:cNvPr>
-          <p:cNvCxnSpPr>
-            <a:cxnSpLocks/>
-          </p:cNvCxnSpPr>
-          <p:nvPr/>
-        </p:nvCxnSpPr>
-        <p:spPr>
-          <a:xfrm>
-            <a:off x="2639179" y="4386003"/>
-            <a:ext cx="228512" cy="0"/>
-          </a:xfrm>
-          <a:prstGeom prst="straightConnector1">
-            <a:avLst/>
-          </a:prstGeom>
-          <a:ln w="12700">
-            <a:solidFill>
-              <a:schemeClr val="accent1"/>
-            </a:solidFill>
-            <a:tailEnd type="triangle"/>
-          </a:ln>
-        </p:spPr>
-        <p:style>
-          <a:lnRef idx="1">
-            <a:schemeClr val="accent1"/>
-          </a:lnRef>
-          <a:fillRef idx="0">
-            <a:schemeClr val="accent1"/>
-          </a:fillRef>
-          <a:effectRef idx="0">
-            <a:schemeClr val="accent1"/>
-          </a:effectRef>
-          <a:fontRef idx="minor">
-            <a:schemeClr val="tx1"/>
-          </a:fontRef>
-        </p:style>
-      </p:cxnSp>
-      <p:cxnSp>
-        <p:nvCxnSpPr>
-          <p:cNvPr id="140" name="Straight Arrow Connector 139">
-            <a:extLst>
-              <a:ext uri="{FF2B5EF4-FFF2-40B4-BE49-F238E27FC236}">
-                <a16:creationId xmlns:a16="http://schemas.microsoft.com/office/drawing/2014/main" id="{07AB1EB1-70B1-468D-B23B-078163A3FAAE}"/>
-              </a:ext>
-            </a:extLst>
-          </p:cNvPr>
-          <p:cNvCxnSpPr>
-            <a:cxnSpLocks/>
-          </p:cNvCxnSpPr>
-          <p:nvPr/>
-        </p:nvCxnSpPr>
-        <p:spPr>
-          <a:xfrm flipH="1">
-            <a:off x="4457833" y="4384163"/>
-            <a:ext cx="247443" cy="2161"/>
-          </a:xfrm>
-          <a:prstGeom prst="straightConnector1">
-            <a:avLst/>
-          </a:prstGeom>
-          <a:ln w="12700">
-            <a:solidFill>
-              <a:schemeClr val="accent1"/>
-            </a:solidFill>
-            <a:tailEnd type="triangle"/>
-          </a:ln>
-        </p:spPr>
-        <p:style>
-          <a:lnRef idx="1">
-            <a:schemeClr val="accent1"/>
-          </a:lnRef>
-          <a:fillRef idx="0">
-            <a:schemeClr val="accent1"/>
-          </a:fillRef>
-          <a:effectRef idx="0">
-            <a:schemeClr val="accent1"/>
-          </a:effectRef>
-          <a:fontRef idx="minor">
-            <a:schemeClr val="tx1"/>
-          </a:fontRef>
-        </p:style>
-      </p:cxnSp>
-      <p:cxnSp>
-        <p:nvCxnSpPr>
-          <p:cNvPr id="142" name="Straight Arrow Connector 141">
-            <a:extLst>
-              <a:ext uri="{FF2B5EF4-FFF2-40B4-BE49-F238E27FC236}">
-                <a16:creationId xmlns:a16="http://schemas.microsoft.com/office/drawing/2014/main" id="{B3E11571-AC5B-4559-BCBA-EDBC9ED2AFAE}"/>
-              </a:ext>
-            </a:extLst>
-          </p:cNvPr>
-          <p:cNvCxnSpPr>
-            <a:cxnSpLocks/>
-          </p:cNvCxnSpPr>
-          <p:nvPr/>
-        </p:nvCxnSpPr>
-        <p:spPr>
-          <a:xfrm flipV="1">
-            <a:off x="3750053" y="3555687"/>
-            <a:ext cx="0" cy="303839"/>
-          </a:xfrm>
-          <a:prstGeom prst="straightConnector1">
-            <a:avLst/>
-          </a:prstGeom>
-          <a:ln w="12700">
-            <a:solidFill>
-              <a:schemeClr val="accent1"/>
-            </a:solidFill>
-            <a:tailEnd type="triangle"/>
-          </a:ln>
-        </p:spPr>
-        <p:style>
-          <a:lnRef idx="1">
-            <a:schemeClr val="accent1"/>
-          </a:lnRef>
-          <a:fillRef idx="0">
-            <a:schemeClr val="accent1"/>
-          </a:fillRef>
-          <a:effectRef idx="0">
-            <a:schemeClr val="accent1"/>
-          </a:effectRef>
-          <a:fontRef idx="minor">
-            <a:schemeClr val="tx1"/>
-          </a:fontRef>
-        </p:style>
-      </p:cxnSp>
-      <p:cxnSp>
-        <p:nvCxnSpPr>
-          <p:cNvPr id="130" name="Straight Arrow Connector 129">
-            <a:extLst>
-              <a:ext uri="{FF2B5EF4-FFF2-40B4-BE49-F238E27FC236}">
-                <a16:creationId xmlns:a16="http://schemas.microsoft.com/office/drawing/2014/main" id="{6F022829-484F-44FD-BFD0-1B92DCCA5A6F}"/>
-              </a:ext>
-            </a:extLst>
-          </p:cNvPr>
-          <p:cNvCxnSpPr>
-            <a:cxnSpLocks/>
-          </p:cNvCxnSpPr>
-          <p:nvPr/>
-        </p:nvCxnSpPr>
-        <p:spPr>
-          <a:xfrm flipV="1">
-            <a:off x="3752422" y="4678680"/>
-            <a:ext cx="0" cy="587980"/>
-          </a:xfrm>
-          <a:prstGeom prst="straightConnector1">
-            <a:avLst/>
-          </a:prstGeom>
-          <a:ln w="12700">
-            <a:solidFill>
-              <a:schemeClr val="accent1"/>
-            </a:solidFill>
-            <a:tailEnd type="triangle"/>
-          </a:ln>
-        </p:spPr>
-        <p:style>
-          <a:lnRef idx="1">
-            <a:schemeClr val="accent1"/>
-          </a:lnRef>
-          <a:fillRef idx="0">
-            <a:schemeClr val="accent1"/>
-          </a:fillRef>
-          <a:effectRef idx="0">
-            <a:schemeClr val="accent1"/>
-          </a:effectRef>
-          <a:fontRef idx="minor">
-            <a:schemeClr val="tx1"/>
-          </a:fontRef>
-        </p:style>
-      </p:cxnSp>
-      <p:sp>
-        <p:nvSpPr>
-          <p:cNvPr id="144" name="TextBox 143">
-            <a:extLst>
-              <a:ext uri="{FF2B5EF4-FFF2-40B4-BE49-F238E27FC236}">
-                <a16:creationId xmlns:a16="http://schemas.microsoft.com/office/drawing/2014/main" id="{E5FB8DA4-4EAC-4857-A56D-2DA3267DCD73}"/>
-              </a:ext>
-            </a:extLst>
-          </p:cNvPr>
-          <p:cNvSpPr txBox="1"/>
-          <p:nvPr/>
-        </p:nvSpPr>
-        <p:spPr>
-          <a:xfrm>
-            <a:off x="130602" y="2571406"/>
-            <a:ext cx="819256" cy="584775"/>
-          </a:xfrm>
-          <a:prstGeom prst="rect">
-            <a:avLst/>
-          </a:prstGeom>
-          <a:noFill/>
-        </p:spPr>
-        <p:txBody>
-          <a:bodyPr wrap="square" rtlCol="0">
-            <a:spAutoFit/>
-          </a:bodyPr>
-          <a:lstStyle/>
-          <a:p>
-            <a:pPr algn="ctr"/>
-            <a:r>
-              <a:rPr lang="zh-CN" altLang="en-US" sz="1600" dirty="0"/>
-              <a:t>应用</a:t>
-            </a:r>
-            <a:br>
-              <a:rPr lang="en-US" altLang="zh-CN" sz="1600" dirty="0"/>
-            </a:br>
-            <a:r>
-              <a:rPr lang="zh-CN" altLang="en-US" sz="1600" dirty="0"/>
-              <a:t>服务层</a:t>
-            </a:r>
-            <a:endParaRPr lang="en-US" sz="1600" dirty="0"/>
-          </a:p>
-        </p:txBody>
-      </p:sp>
-      <p:sp>
-        <p:nvSpPr>
-          <p:cNvPr id="145" name="Rectangle 144">
-            <a:extLst>
-              <a:ext uri="{FF2B5EF4-FFF2-40B4-BE49-F238E27FC236}">
-                <a16:creationId xmlns:a16="http://schemas.microsoft.com/office/drawing/2014/main" id="{2955BB6D-CBC3-4A2E-8EE7-C948DB0E0F4F}"/>
-              </a:ext>
-            </a:extLst>
-          </p:cNvPr>
-          <p:cNvSpPr/>
-          <p:nvPr/>
-        </p:nvSpPr>
-        <p:spPr>
-          <a:xfrm>
-            <a:off x="1080460" y="2246408"/>
-            <a:ext cx="5274859" cy="1268589"/>
-          </a:xfrm>
-          <a:prstGeom prst="rect">
-            <a:avLst/>
-          </a:prstGeom>
-          <a:noFill/>
-          <a:ln>
-            <a:prstDash val="solid"/>
-          </a:ln>
-        </p:spPr>
-        <p:style>
-          <a:lnRef idx="2">
-            <a:schemeClr val="accent1">
-              <a:shade val="50000"/>
-            </a:schemeClr>
-          </a:lnRef>
-          <a:fillRef idx="1">
-            <a:schemeClr val="accent1"/>
-          </a:fillRef>
-          <a:effectRef idx="0">
-            <a:schemeClr val="accent1"/>
-          </a:effectRef>
-          <a:fontRef idx="minor">
-            <a:schemeClr val="lt1"/>
-          </a:fontRef>
-        </p:style>
-        <p:txBody>
-          <a:bodyPr rtlCol="0" anchor="ctr"/>
-          <a:lstStyle/>
-          <a:p>
-            <a:pPr algn="ctr"/>
-            <a:endParaRPr lang="en-US"/>
-          </a:p>
-        </p:txBody>
-      </p:sp>
-      <p:pic>
-        <p:nvPicPr>
-          <p:cNvPr id="2" name="Picture 2">
-            <a:extLst>
-              <a:ext uri="{FF2B5EF4-FFF2-40B4-BE49-F238E27FC236}">
-                <a16:creationId xmlns:a16="http://schemas.microsoft.com/office/drawing/2014/main" id="{62B2BE27-67EC-4532-B048-91DBB50D0269}"/>
-              </a:ext>
-            </a:extLst>
-          </p:cNvPr>
-          <p:cNvPicPr>
-            <a:picLocks noChangeAspect="1" noChangeArrowheads="1"/>
-          </p:cNvPicPr>
-          <p:nvPr/>
-        </p:nvPicPr>
-        <p:blipFill>
-          <a:blip r:embed="rId6">
-            <a:extLst>
-              <a:ext uri="{28A0092B-C50C-407E-A947-70E740481C1C}">
-                <a14:useLocalDpi xmlns:a14="http://schemas.microsoft.com/office/drawing/2010/main" val="0"/>
-              </a:ext>
-            </a:extLst>
-          </a:blip>
-          <a:srcRect/>
-          <a:stretch>
-            <a:fillRect/>
-          </a:stretch>
-        </p:blipFill>
-        <p:spPr bwMode="auto">
-          <a:xfrm>
-            <a:off x="3649407" y="9541063"/>
-            <a:ext cx="633592" cy="355717"/>
-          </a:xfrm>
-          <a:prstGeom prst="rect">
-            <a:avLst/>
-          </a:prstGeom>
-          <a:noFill/>
-          <a:extLst>
-            <a:ext uri="{909E8E84-426E-40DD-AFC4-6F175D3DCCD1}">
-              <a14:hiddenFill xmlns:a14="http://schemas.microsoft.com/office/drawing/2010/main">
-                <a:solidFill>
-                  <a:srgbClr val="FFFFFF"/>
-                </a:solidFill>
-              </a14:hiddenFill>
-            </a:ext>
-          </a:extLst>
-        </p:spPr>
-      </p:pic>
-      <p:sp>
-        <p:nvSpPr>
-          <p:cNvPr id="105" name="TextBox 104">
-            <a:extLst>
-              <a:ext uri="{FF2B5EF4-FFF2-40B4-BE49-F238E27FC236}">
-                <a16:creationId xmlns:a16="http://schemas.microsoft.com/office/drawing/2014/main" id="{D516CDDB-A4BE-413C-8E8B-F6646E5D6B58}"/>
-              </a:ext>
-            </a:extLst>
-          </p:cNvPr>
-          <p:cNvSpPr txBox="1"/>
-          <p:nvPr/>
-        </p:nvSpPr>
-        <p:spPr>
-          <a:xfrm>
-            <a:off x="3681486" y="9932820"/>
-            <a:ext cx="609747" cy="215444"/>
-          </a:xfrm>
-          <a:prstGeom prst="rect">
-            <a:avLst/>
-          </a:prstGeom>
-          <a:noFill/>
-        </p:spPr>
-        <p:txBody>
-          <a:bodyPr wrap="square" rtlCol="0">
-            <a:spAutoFit/>
-          </a:bodyPr>
-          <a:lstStyle/>
-          <a:p>
-            <a:pPr algn="ctr"/>
-            <a:r>
-              <a:rPr lang="zh-CN" altLang="en-US" sz="800" b="1" dirty="0"/>
-              <a:t>音频</a:t>
-            </a:r>
-            <a:endParaRPr lang="en-US" sz="800" b="1" dirty="0"/>
-          </a:p>
-        </p:txBody>
-      </p:sp>
-      <p:cxnSp>
-        <p:nvCxnSpPr>
-          <p:cNvPr id="106" name="Connector: Elbow 105">
-            <a:extLst>
-              <a:ext uri="{FF2B5EF4-FFF2-40B4-BE49-F238E27FC236}">
-                <a16:creationId xmlns:a16="http://schemas.microsoft.com/office/drawing/2014/main" id="{98D84B66-0EAD-4DD5-9776-12B4EB780BC0}"/>
-              </a:ext>
-            </a:extLst>
-          </p:cNvPr>
-          <p:cNvCxnSpPr>
-            <a:cxnSpLocks/>
-            <a:stCxn id="108" idx="0"/>
-            <a:endCxn id="71" idx="1"/>
-          </p:cNvCxnSpPr>
-          <p:nvPr/>
-        </p:nvCxnSpPr>
-        <p:spPr>
-          <a:xfrm rot="5400000" flipH="1" flipV="1">
-            <a:off x="3839385" y="8686010"/>
-            <a:ext cx="817152" cy="572470"/>
-          </a:xfrm>
-          <a:prstGeom prst="bentConnector2">
-            <a:avLst/>
-          </a:prstGeom>
-          <a:ln w="12700">
-            <a:solidFill>
-              <a:schemeClr val="accent2"/>
-            </a:solidFill>
-            <a:tailEnd type="triangle"/>
-          </a:ln>
-        </p:spPr>
-        <p:style>
-          <a:lnRef idx="1">
-            <a:schemeClr val="accent1"/>
-          </a:lnRef>
-          <a:fillRef idx="0">
-            <a:schemeClr val="accent1"/>
-          </a:fillRef>
-          <a:effectRef idx="0">
-            <a:schemeClr val="accent1"/>
-          </a:effectRef>
-          <a:fontRef idx="minor">
-            <a:schemeClr val="tx1"/>
-          </a:fontRef>
-        </p:style>
-      </p:cxnSp>
-      <p:sp>
-        <p:nvSpPr>
-          <p:cNvPr id="107" name="Rectangle: Rounded Corners 106">
-            <a:extLst>
-              <a:ext uri="{FF2B5EF4-FFF2-40B4-BE49-F238E27FC236}">
-                <a16:creationId xmlns:a16="http://schemas.microsoft.com/office/drawing/2014/main" id="{6E36A590-269D-4DF4-BCCB-480E784FC4A7}"/>
-              </a:ext>
-            </a:extLst>
-          </p:cNvPr>
-          <p:cNvSpPr/>
-          <p:nvPr/>
-        </p:nvSpPr>
-        <p:spPr>
-          <a:xfrm>
-            <a:off x="3402088" y="8443348"/>
-            <a:ext cx="917610" cy="242386"/>
-          </a:xfrm>
-          <a:prstGeom prst="roundRect">
-            <a:avLst/>
-          </a:prstGeom>
-          <a:ln>
-            <a:headEnd type="none" w="med" len="med"/>
-            <a:tailEnd type="none" w="med" len="med"/>
-          </a:ln>
-        </p:spPr>
-        <p:style>
-          <a:lnRef idx="1">
-            <a:schemeClr val="accent3"/>
-          </a:lnRef>
-          <a:fillRef idx="2">
-            <a:schemeClr val="accent3"/>
-          </a:fillRef>
-          <a:effectRef idx="1">
-            <a:schemeClr val="accent3"/>
-          </a:effectRef>
-          <a:fontRef idx="minor">
-            <a:schemeClr val="dk1"/>
-          </a:fontRef>
-        </p:style>
-        <p:txBody>
-          <a:bodyPr rtlCol="0" anchor="ctr"/>
-          <a:lstStyle/>
-          <a:p>
-            <a:pPr algn="ctr"/>
-            <a:r>
-              <a:rPr lang="zh-CN" altLang="en-US" sz="800" b="1" dirty="0">
-                <a:solidFill>
-                  <a:schemeClr val="tx1"/>
-                </a:solidFill>
-              </a:rPr>
-              <a:t>声音</a:t>
-            </a:r>
-            <a:r>
-              <a:rPr lang="en-US" altLang="zh-CN" sz="800" b="1" dirty="0">
-                <a:solidFill>
-                  <a:schemeClr val="tx1"/>
-                </a:solidFill>
-              </a:rPr>
-              <a:t>-</a:t>
-            </a:r>
-            <a:r>
-              <a:rPr lang="zh-CN" altLang="en-US" sz="800" b="1" dirty="0">
-                <a:solidFill>
-                  <a:schemeClr val="tx1"/>
-                </a:solidFill>
-              </a:rPr>
-              <a:t>文本转换</a:t>
-            </a:r>
-            <a:endParaRPr lang="en-US" sz="800" b="1" dirty="0">
-              <a:solidFill>
-                <a:schemeClr val="tx1"/>
-              </a:solidFill>
-            </a:endParaRPr>
-          </a:p>
-        </p:txBody>
-      </p:sp>
-      <p:sp>
-        <p:nvSpPr>
-          <p:cNvPr id="108" name="Rectangle 107">
-            <a:extLst>
-              <a:ext uri="{FF2B5EF4-FFF2-40B4-BE49-F238E27FC236}">
-                <a16:creationId xmlns:a16="http://schemas.microsoft.com/office/drawing/2014/main" id="{9FD3C0D5-2736-4621-9327-1C73DF30F2F4}"/>
-              </a:ext>
-            </a:extLst>
-          </p:cNvPr>
-          <p:cNvSpPr/>
-          <p:nvPr/>
-        </p:nvSpPr>
-        <p:spPr>
-          <a:xfrm>
-            <a:off x="3569683" y="9380821"/>
-            <a:ext cx="784086" cy="862309"/>
-          </a:xfrm>
-          <a:prstGeom prst="rect">
-            <a:avLst/>
-          </a:prstGeom>
-          <a:noFill/>
-          <a:ln>
-            <a:solidFill>
-              <a:schemeClr val="accent2"/>
-            </a:solidFill>
-            <a:prstDash val="solid"/>
-          </a:ln>
-        </p:spPr>
-        <p:style>
-          <a:lnRef idx="2">
-            <a:schemeClr val="accent1">
-              <a:shade val="50000"/>
-            </a:schemeClr>
-          </a:lnRef>
-          <a:fillRef idx="1">
-            <a:schemeClr val="accent1"/>
-          </a:fillRef>
-          <a:effectRef idx="0">
-            <a:schemeClr val="accent1"/>
-          </a:effectRef>
-          <a:fontRef idx="minor">
-            <a:schemeClr val="lt1"/>
-          </a:fontRef>
-        </p:style>
-        <p:txBody>
-          <a:bodyPr rtlCol="0" anchor="ctr"/>
-          <a:lstStyle/>
-          <a:p>
-            <a:pPr algn="ctr"/>
-            <a:endParaRPr lang="en-US"/>
-          </a:p>
-        </p:txBody>
-      </p:sp>
-      <p:sp>
-        <p:nvSpPr>
-          <p:cNvPr id="3" name="TextBox 2">
-            <a:extLst>
-              <a:ext uri="{FF2B5EF4-FFF2-40B4-BE49-F238E27FC236}">
-                <a16:creationId xmlns:a16="http://schemas.microsoft.com/office/drawing/2014/main" id="{B204FBA5-685C-48A7-84E8-AE224F0C6E14}"/>
-              </a:ext>
-            </a:extLst>
-          </p:cNvPr>
-          <p:cNvSpPr txBox="1"/>
-          <p:nvPr/>
-        </p:nvSpPr>
-        <p:spPr>
-          <a:xfrm>
-            <a:off x="3224467" y="4338109"/>
-            <a:ext cx="1082348" cy="307777"/>
-          </a:xfrm>
-          <a:prstGeom prst="rect">
-            <a:avLst/>
-          </a:prstGeom>
-          <a:noFill/>
-        </p:spPr>
-        <p:txBody>
-          <a:bodyPr wrap="none" rtlCol="0">
-            <a:spAutoFit/>
-          </a:bodyPr>
-          <a:lstStyle/>
-          <a:p>
-            <a:r>
-              <a:rPr lang="zh-CN" altLang="en-US" sz="1400" dirty="0">
-                <a:solidFill>
-                  <a:srgbClr val="FF0000"/>
-                </a:solidFill>
-              </a:rPr>
-              <a:t>一些数据库</a:t>
-            </a:r>
-            <a:endParaRPr lang="en-US" sz="1400" dirty="0">
-              <a:solidFill>
-                <a:srgbClr val="FF0000"/>
-              </a:solidFill>
-            </a:endParaRPr>
-          </a:p>
-        </p:txBody>
-      </p:sp>
-      <p:sp>
-        <p:nvSpPr>
-          <p:cNvPr id="112" name="TextBox 111">
-            <a:extLst>
-              <a:ext uri="{FF2B5EF4-FFF2-40B4-BE49-F238E27FC236}">
-                <a16:creationId xmlns:a16="http://schemas.microsoft.com/office/drawing/2014/main" id="{7D9B134A-5659-4099-BF47-66FD6FAC78CD}"/>
-              </a:ext>
-            </a:extLst>
-          </p:cNvPr>
-          <p:cNvSpPr txBox="1"/>
-          <p:nvPr/>
-        </p:nvSpPr>
-        <p:spPr>
-          <a:xfrm>
-            <a:off x="3091668" y="2721134"/>
-            <a:ext cx="1383712" cy="307777"/>
-          </a:xfrm>
-          <a:prstGeom prst="rect">
-            <a:avLst/>
-          </a:prstGeom>
-          <a:noFill/>
-        </p:spPr>
-        <p:txBody>
-          <a:bodyPr wrap="none" rtlCol="0">
-            <a:spAutoFit/>
-          </a:bodyPr>
-          <a:lstStyle/>
-          <a:p>
-            <a:r>
-              <a:rPr lang="zh-CN" altLang="en-US" sz="1400" dirty="0">
-                <a:solidFill>
-                  <a:srgbClr val="FF0000"/>
-                </a:solidFill>
-              </a:rPr>
-              <a:t>所有功能</a:t>
-            </a:r>
-            <a:r>
-              <a:rPr lang="en-US" altLang="zh-CN" sz="1400" dirty="0">
-                <a:solidFill>
-                  <a:srgbClr val="FF0000"/>
-                </a:solidFill>
-              </a:rPr>
-              <a:t>/</a:t>
-            </a:r>
-            <a:r>
-              <a:rPr lang="zh-CN" altLang="en-US" sz="1400" dirty="0">
-                <a:solidFill>
-                  <a:srgbClr val="FF0000"/>
-                </a:solidFill>
-              </a:rPr>
-              <a:t>服务</a:t>
-            </a:r>
-            <a:endParaRPr lang="en-US" sz="1400" dirty="0">
-              <a:solidFill>
-                <a:srgbClr val="FF0000"/>
-              </a:solidFill>
-            </a:endParaRPr>
-          </a:p>
-        </p:txBody>
-      </p:sp>
-      <p:sp>
-        <p:nvSpPr>
-          <p:cNvPr id="114" name="TextBox 113">
-            <a:extLst>
-              <a:ext uri="{FF2B5EF4-FFF2-40B4-BE49-F238E27FC236}">
-                <a16:creationId xmlns:a16="http://schemas.microsoft.com/office/drawing/2014/main" id="{B4525024-177A-48FB-93C5-3E470ED4C554}"/>
-              </a:ext>
-            </a:extLst>
-          </p:cNvPr>
-          <p:cNvSpPr txBox="1"/>
-          <p:nvPr/>
-        </p:nvSpPr>
-        <p:spPr>
-          <a:xfrm>
-            <a:off x="3395641" y="10992677"/>
-            <a:ext cx="1252266" cy="307777"/>
-          </a:xfrm>
-          <a:prstGeom prst="rect">
-            <a:avLst/>
-          </a:prstGeom>
-          <a:noFill/>
-        </p:spPr>
-        <p:txBody>
-          <a:bodyPr wrap="none" rtlCol="0">
-            <a:spAutoFit/>
-          </a:bodyPr>
-          <a:lstStyle/>
-          <a:p>
-            <a:r>
-              <a:rPr lang="zh-CN" altLang="en-US" sz="1400" dirty="0">
-                <a:solidFill>
-                  <a:srgbClr val="FF0000"/>
-                </a:solidFill>
-              </a:rPr>
-              <a:t>所有数据来源</a:t>
-            </a:r>
-            <a:endParaRPr lang="en-US" sz="1400" dirty="0">
-              <a:solidFill>
-                <a:srgbClr val="FF0000"/>
-              </a:solidFill>
-            </a:endParaRPr>
-          </a:p>
-        </p:txBody>
-      </p:sp>
-      <p:sp>
-        <p:nvSpPr>
-          <p:cNvPr id="115" name="TextBox 114">
-            <a:extLst>
-              <a:ext uri="{FF2B5EF4-FFF2-40B4-BE49-F238E27FC236}">
-                <a16:creationId xmlns:a16="http://schemas.microsoft.com/office/drawing/2014/main" id="{F07F0586-C813-4727-9355-26D9B5CC408A}"/>
-              </a:ext>
-            </a:extLst>
-          </p:cNvPr>
-          <p:cNvSpPr txBox="1"/>
-          <p:nvPr/>
-        </p:nvSpPr>
-        <p:spPr>
-          <a:xfrm>
-            <a:off x="357980" y="478465"/>
-            <a:ext cx="2161682" cy="369332"/>
-          </a:xfrm>
-          <a:prstGeom prst="rect">
-            <a:avLst/>
-          </a:prstGeom>
-          <a:noFill/>
-        </p:spPr>
-        <p:txBody>
-          <a:bodyPr wrap="none" rtlCol="0">
-            <a:spAutoFit/>
-          </a:bodyPr>
-          <a:lstStyle/>
-          <a:p>
-            <a:r>
-              <a:rPr lang="en-US" dirty="0"/>
-              <a:t>T</a:t>
-            </a:r>
-            <a:r>
-              <a:rPr lang="en-US" altLang="zh-CN" dirty="0"/>
-              <a:t>emplate </a:t>
-            </a:r>
-            <a:r>
-              <a:rPr lang="en-US" dirty="0"/>
-              <a:t>- 20220501</a:t>
-            </a:r>
-          </a:p>
-        </p:txBody>
-      </p:sp>
-    </p:spTree>
-    <p:extLst>
-      <p:ext uri="{BB962C8B-B14F-4D97-AF65-F5344CB8AC3E}">
-        <p14:creationId xmlns:p14="http://schemas.microsoft.com/office/powerpoint/2010/main" val="2852244721"/>
-      </p:ext>
-    </p:extLst>
-  </p:cSld>
-  <p:clrMapOvr>
-    <a:masterClrMapping/>
-  </p:clrMapOvr>
-</p:sld>
-</file>
-
-<file path=ppt/slides/slide3.xml><?xml version="1.0" encoding="utf-8"?>
-<p:sld xmlns:a="http://schemas.openxmlformats.org/drawingml/2006/main" xmlns:r="http://schemas.openxmlformats.org/officeDocument/2006/relationships" xmlns:p="http://schemas.openxmlformats.org/presentationml/2006/main">
-  <p:cSld>
-    <p:spTree>
-      <p:nvGrpSpPr>
-        <p:cNvPr id="1" name=""/>
-        <p:cNvGrpSpPr/>
-        <p:nvPr/>
-      </p:nvGrpSpPr>
-      <p:grpSpPr>
-        <a:xfrm>
-          <a:off x="0" y="0"/>
-          <a:ext cx="0" cy="0"/>
-          <a:chOff x="0" y="0"/>
-          <a:chExt cx="0" cy="0"/>
-        </a:xfrm>
-      </p:grpSpPr>
-      <p:sp>
-        <p:nvSpPr>
-          <p:cNvPr id="4" name="TextBox 3">
-            <a:extLst>
-              <a:ext uri="{FF2B5EF4-FFF2-40B4-BE49-F238E27FC236}">
-                <a16:creationId xmlns:a16="http://schemas.microsoft.com/office/drawing/2014/main" id="{A2894FE3-1689-4C0B-9DF3-A6BF4AC9B1B5}"/>
-              </a:ext>
-            </a:extLst>
-          </p:cNvPr>
-          <p:cNvSpPr txBox="1"/>
-          <p:nvPr/>
-        </p:nvSpPr>
-        <p:spPr>
-          <a:xfrm>
-            <a:off x="193188" y="10193604"/>
-            <a:ext cx="799687" cy="584775"/>
-          </a:xfrm>
-          <a:prstGeom prst="rect">
-            <a:avLst/>
-          </a:prstGeom>
-          <a:noFill/>
-        </p:spPr>
-        <p:txBody>
-          <a:bodyPr wrap="square" rtlCol="0">
-            <a:spAutoFit/>
-          </a:bodyPr>
-          <a:lstStyle/>
-          <a:p>
-            <a:pPr algn="ctr"/>
-            <a:r>
-              <a:rPr lang="zh-CN" altLang="en-US" sz="1600" dirty="0"/>
-              <a:t>数据</a:t>
-            </a:r>
-            <a:br>
-              <a:rPr lang="en-US" altLang="zh-CN" sz="1600" dirty="0"/>
-            </a:br>
-            <a:r>
-              <a:rPr lang="zh-CN" altLang="en-US" sz="1600" dirty="0"/>
-              <a:t>采集层</a:t>
-            </a:r>
-            <a:endParaRPr lang="en-US" sz="1600" dirty="0"/>
-          </a:p>
-        </p:txBody>
-      </p:sp>
-      <p:pic>
-        <p:nvPicPr>
-          <p:cNvPr id="5" name="Picture 4">
-            <a:extLst>
-              <a:ext uri="{FF2B5EF4-FFF2-40B4-BE49-F238E27FC236}">
-                <a16:creationId xmlns:a16="http://schemas.microsoft.com/office/drawing/2014/main" id="{56F1C7C2-6EF7-4E05-9337-90CD7F8C6A26}"/>
-              </a:ext>
-            </a:extLst>
-          </p:cNvPr>
-          <p:cNvPicPr>
-            <a:picLocks noChangeAspect="1"/>
-          </p:cNvPicPr>
-          <p:nvPr/>
-        </p:nvPicPr>
-        <p:blipFill>
-          <a:blip r:embed="rId2"/>
-          <a:stretch>
-            <a:fillRect/>
-          </a:stretch>
-        </p:blipFill>
-        <p:spPr>
-          <a:xfrm>
-            <a:off x="1257896" y="10848292"/>
-            <a:ext cx="476408" cy="455467"/>
-          </a:xfrm>
-          <a:prstGeom prst="rect">
-            <a:avLst/>
-          </a:prstGeom>
-        </p:spPr>
-      </p:pic>
-      <p:sp>
-        <p:nvSpPr>
-          <p:cNvPr id="6" name="TextBox 5">
-            <a:extLst>
-              <a:ext uri="{FF2B5EF4-FFF2-40B4-BE49-F238E27FC236}">
-                <a16:creationId xmlns:a16="http://schemas.microsoft.com/office/drawing/2014/main" id="{B933E02D-0527-40F2-9F3E-31B8B9C665E7}"/>
-              </a:ext>
-            </a:extLst>
-          </p:cNvPr>
-          <p:cNvSpPr txBox="1"/>
-          <p:nvPr/>
-        </p:nvSpPr>
-        <p:spPr>
-          <a:xfrm>
-            <a:off x="1279576" y="11303759"/>
-            <a:ext cx="441146" cy="246221"/>
-          </a:xfrm>
-          <a:prstGeom prst="rect">
-            <a:avLst/>
-          </a:prstGeom>
-          <a:noFill/>
-        </p:spPr>
-        <p:txBody>
-          <a:bodyPr wrap="none" rtlCol="0">
-            <a:spAutoFit/>
-          </a:bodyPr>
-          <a:lstStyle/>
-          <a:p>
-            <a:r>
-              <a:rPr lang="zh-CN" altLang="en-US" sz="1000" dirty="0"/>
-              <a:t>网络</a:t>
-            </a:r>
-            <a:endParaRPr lang="en-US" sz="1000" dirty="0"/>
-          </a:p>
-        </p:txBody>
-      </p:sp>
-      <p:sp>
-        <p:nvSpPr>
-          <p:cNvPr id="7" name="Rectangle 6">
-            <a:extLst>
-              <a:ext uri="{FF2B5EF4-FFF2-40B4-BE49-F238E27FC236}">
-                <a16:creationId xmlns:a16="http://schemas.microsoft.com/office/drawing/2014/main" id="{EC68DCB1-F95A-40A2-BFE9-7E65C8FD0B5E}"/>
-              </a:ext>
-            </a:extLst>
-          </p:cNvPr>
-          <p:cNvSpPr/>
-          <p:nvPr/>
-        </p:nvSpPr>
-        <p:spPr>
-          <a:xfrm>
             <a:off x="1958454" y="10638430"/>
             <a:ext cx="1914098" cy="1016273"/>
           </a:xfrm>
@@ -12447,7 +12975,7 @@
 </p:sld>
 </file>
 
-<file path=ppt/slides/slide4.xml><?xml version="1.0" encoding="utf-8"?>
+<file path=ppt/slides/slide3.xml><?xml version="1.0" encoding="utf-8"?>
 <p:sld xmlns:a="http://schemas.openxmlformats.org/drawingml/2006/main" xmlns:r="http://schemas.openxmlformats.org/officeDocument/2006/relationships" xmlns:p="http://schemas.openxmlformats.org/presentationml/2006/main">
   <p:cSld>
     <p:spTree>

--- a/SystemDesignDocs/FiguresForDesign/Figures.pptx
+++ b/SystemDesignDocs/FiguresForDesign/Figures.pptx
@@ -257,7 +257,7 @@
           <a:p>
             <a:fld id="{BCF065E9-F0BD-4CBA-8514-7C9F3F1A00B0}" type="datetimeFigureOut">
               <a:rPr lang="en-US" smtClean="0"/>
-              <a:t>5/2/2022</a:t>
+              <a:t>5/3/2022</a:t>
             </a:fld>
             <a:endParaRPr lang="en-US"/>
           </a:p>
@@ -427,7 +427,7 @@
           <a:p>
             <a:fld id="{BCF065E9-F0BD-4CBA-8514-7C9F3F1A00B0}" type="datetimeFigureOut">
               <a:rPr lang="en-US" smtClean="0"/>
-              <a:t>5/2/2022</a:t>
+              <a:t>5/3/2022</a:t>
             </a:fld>
             <a:endParaRPr lang="en-US"/>
           </a:p>
@@ -607,7 +607,7 @@
           <a:p>
             <a:fld id="{BCF065E9-F0BD-4CBA-8514-7C9F3F1A00B0}" type="datetimeFigureOut">
               <a:rPr lang="en-US" smtClean="0"/>
-              <a:t>5/2/2022</a:t>
+              <a:t>5/3/2022</a:t>
             </a:fld>
             <a:endParaRPr lang="en-US"/>
           </a:p>
@@ -777,7 +777,7 @@
           <a:p>
             <a:fld id="{BCF065E9-F0BD-4CBA-8514-7C9F3F1A00B0}" type="datetimeFigureOut">
               <a:rPr lang="en-US" smtClean="0"/>
-              <a:t>5/2/2022</a:t>
+              <a:t>5/3/2022</a:t>
             </a:fld>
             <a:endParaRPr lang="en-US"/>
           </a:p>
@@ -1021,7 +1021,7 @@
           <a:p>
             <a:fld id="{BCF065E9-F0BD-4CBA-8514-7C9F3F1A00B0}" type="datetimeFigureOut">
               <a:rPr lang="en-US" smtClean="0"/>
-              <a:t>5/2/2022</a:t>
+              <a:t>5/3/2022</a:t>
             </a:fld>
             <a:endParaRPr lang="en-US"/>
           </a:p>
@@ -1253,7 +1253,7 @@
           <a:p>
             <a:fld id="{BCF065E9-F0BD-4CBA-8514-7C9F3F1A00B0}" type="datetimeFigureOut">
               <a:rPr lang="en-US" smtClean="0"/>
-              <a:t>5/2/2022</a:t>
+              <a:t>5/3/2022</a:t>
             </a:fld>
             <a:endParaRPr lang="en-US"/>
           </a:p>
@@ -1620,7 +1620,7 @@
           <a:p>
             <a:fld id="{BCF065E9-F0BD-4CBA-8514-7C9F3F1A00B0}" type="datetimeFigureOut">
               <a:rPr lang="en-US" smtClean="0"/>
-              <a:t>5/2/2022</a:t>
+              <a:t>5/3/2022</a:t>
             </a:fld>
             <a:endParaRPr lang="en-US"/>
           </a:p>
@@ -1738,7 +1738,7 @@
           <a:p>
             <a:fld id="{BCF065E9-F0BD-4CBA-8514-7C9F3F1A00B0}" type="datetimeFigureOut">
               <a:rPr lang="en-US" smtClean="0"/>
-              <a:t>5/2/2022</a:t>
+              <a:t>5/3/2022</a:t>
             </a:fld>
             <a:endParaRPr lang="en-US"/>
           </a:p>
@@ -1833,7 +1833,7 @@
           <a:p>
             <a:fld id="{BCF065E9-F0BD-4CBA-8514-7C9F3F1A00B0}" type="datetimeFigureOut">
               <a:rPr lang="en-US" smtClean="0"/>
-              <a:t>5/2/2022</a:t>
+              <a:t>5/3/2022</a:t>
             </a:fld>
             <a:endParaRPr lang="en-US"/>
           </a:p>
@@ -2110,7 +2110,7 @@
           <a:p>
             <a:fld id="{BCF065E9-F0BD-4CBA-8514-7C9F3F1A00B0}" type="datetimeFigureOut">
               <a:rPr lang="en-US" smtClean="0"/>
-              <a:t>5/2/2022</a:t>
+              <a:t>5/3/2022</a:t>
             </a:fld>
             <a:endParaRPr lang="en-US"/>
           </a:p>
@@ -2367,7 +2367,7 @@
           <a:p>
             <a:fld id="{BCF065E9-F0BD-4CBA-8514-7C9F3F1A00B0}" type="datetimeFigureOut">
               <a:rPr lang="en-US" smtClean="0"/>
-              <a:t>5/2/2022</a:t>
+              <a:t>5/3/2022</a:t>
             </a:fld>
             <a:endParaRPr lang="en-US"/>
           </a:p>
@@ -2580,7 +2580,7 @@
           <a:p>
             <a:fld id="{BCF065E9-F0BD-4CBA-8514-7C9F3F1A00B0}" type="datetimeFigureOut">
               <a:rPr lang="en-US" smtClean="0"/>
-              <a:t>5/2/2022</a:t>
+              <a:t>5/3/2022</a:t>
             </a:fld>
             <a:endParaRPr lang="en-US"/>
           </a:p>
@@ -3023,7 +3023,7 @@
             </a:r>
             <a:r>
               <a:rPr lang="en-US" dirty="0"/>
-              <a:t>- 20220501</a:t>
+              <a:t>- 20220503</a:t>
             </a:r>
           </a:p>
         </p:txBody>
@@ -7631,10 +7631,18 @@
           <a:lstStyle/>
           <a:p>
             <a:r>
-              <a:rPr lang="zh-CN" altLang="en-US" sz="700" dirty="0"/>
+              <a:rPr lang="zh-CN" altLang="en-US" sz="700" dirty="0">
+                <a:solidFill>
+                  <a:schemeClr val="tx1"/>
+                </a:solidFill>
+              </a:rPr>
               <a:t>数据源</a:t>
             </a:r>
-            <a:endParaRPr lang="en-US" sz="700" dirty="0"/>
+            <a:endParaRPr lang="en-US" sz="700" dirty="0">
+              <a:solidFill>
+                <a:schemeClr val="tx1"/>
+              </a:solidFill>
+            </a:endParaRPr>
           </a:p>
         </p:txBody>
       </p:sp>
@@ -7830,6 +7838,88 @@
           </a:fontRef>
         </p:style>
       </p:cxnSp>
+      <p:sp>
+        <p:nvSpPr>
+          <p:cNvPr id="92" name="Rectangle: Rounded Corners 91">
+            <a:extLst>
+              <a:ext uri="{FF2B5EF4-FFF2-40B4-BE49-F238E27FC236}">
+                <a16:creationId xmlns:a16="http://schemas.microsoft.com/office/drawing/2014/main" id="{08A84E4A-A596-4B96-B655-CEB7CA157225}"/>
+              </a:ext>
+            </a:extLst>
+          </p:cNvPr>
+          <p:cNvSpPr/>
+          <p:nvPr/>
+        </p:nvSpPr>
+        <p:spPr>
+          <a:xfrm>
+            <a:off x="4042166" y="7360165"/>
+            <a:ext cx="820388" cy="202051"/>
+          </a:xfrm>
+          <a:prstGeom prst="roundRect">
+            <a:avLst/>
+          </a:prstGeom>
+          <a:solidFill>
+            <a:schemeClr val="accent5">
+              <a:lumMod val="20000"/>
+              <a:lumOff val="80000"/>
+            </a:schemeClr>
+          </a:solidFill>
+          <a:ln>
+            <a:headEnd type="none" w="med" len="med"/>
+            <a:tailEnd type="none" w="med" len="med"/>
+          </a:ln>
+        </p:spPr>
+        <p:style>
+          <a:lnRef idx="1">
+            <a:schemeClr val="accent3"/>
+          </a:lnRef>
+          <a:fillRef idx="2">
+            <a:schemeClr val="accent3"/>
+          </a:fillRef>
+          <a:effectRef idx="1">
+            <a:schemeClr val="accent3"/>
+          </a:effectRef>
+          <a:fontRef idx="minor">
+            <a:schemeClr val="dk1"/>
+          </a:fontRef>
+        </p:style>
+        <p:txBody>
+          <a:bodyPr rtlCol="0" anchor="ctr"/>
+          <a:lstStyle/>
+          <a:p>
+            <a:pPr algn="ctr"/>
+            <a:r>
+              <a:rPr lang="zh-CN" altLang="en-US" sz="700" b="1" dirty="0">
+                <a:solidFill>
+                  <a:schemeClr val="tx1"/>
+                </a:solidFill>
+              </a:rPr>
+              <a:t>音频</a:t>
+            </a:r>
+            <a:r>
+              <a:rPr lang="en-US" altLang="zh-CN" sz="700" b="1" dirty="0">
+                <a:solidFill>
+                  <a:schemeClr val="tx1"/>
+                </a:solidFill>
+              </a:rPr>
+              <a:t>-&gt;</a:t>
+            </a:r>
+            <a:r>
+              <a:rPr lang="zh-CN" altLang="en-US" sz="700" b="1" dirty="0">
+                <a:solidFill>
+                  <a:schemeClr val="tx1"/>
+                </a:solidFill>
+              </a:rPr>
+              <a:t>文本转换</a:t>
+            </a:r>
+            <a:endParaRPr lang="en-US" sz="700" b="1" dirty="0">
+              <a:solidFill>
+                <a:schemeClr val="tx1"/>
+              </a:solidFill>
+            </a:endParaRPr>
+          </a:p>
+        </p:txBody>
+      </p:sp>
     </p:spTree>
     <p:extLst>
       <p:ext uri="{BB962C8B-B14F-4D97-AF65-F5344CB8AC3E}">

--- a/SystemDesignDocs/FiguresForDesign/Figures.pptx
+++ b/SystemDesignDocs/FiguresForDesign/Figures.pptx
@@ -12384,8 +12384,8 @@
         </p:nvSpPr>
         <p:spPr>
           <a:xfrm>
-            <a:off x="2554796" y="1920129"/>
-            <a:ext cx="5181600" cy="2237916"/>
+            <a:off x="2554796" y="981638"/>
+            <a:ext cx="5181600" cy="3176407"/>
           </a:xfrm>
           <a:prstGeom prst="rect">
             <a:avLst/>
@@ -14460,7 +14460,7 @@
         </p:nvSpPr>
         <p:spPr>
           <a:xfrm>
-            <a:off x="2691847" y="2063030"/>
+            <a:off x="2691847" y="1112054"/>
             <a:ext cx="2142175" cy="260659"/>
           </a:xfrm>
           <a:prstGeom prst="roundRect">
@@ -14556,7 +14556,7 @@
         </p:nvSpPr>
         <p:spPr>
           <a:xfrm>
-            <a:off x="4964460" y="2063029"/>
+            <a:off x="4964460" y="1112053"/>
             <a:ext cx="2142175" cy="260659"/>
           </a:xfrm>
           <a:prstGeom prst="roundRect">
@@ -14660,8 +14660,8 @@
         </p:nvSpPr>
         <p:spPr>
           <a:xfrm>
-            <a:off x="2691141" y="2410451"/>
-            <a:ext cx="2142175" cy="260659"/>
+            <a:off x="2691141" y="1459475"/>
+            <a:ext cx="1652923" cy="260659"/>
           </a:xfrm>
           <a:prstGeom prst="roundRect">
             <a:avLst/>
@@ -14709,22 +14709,6 @@
             <a:r>
               <a:rPr lang="zh-CN" altLang="en-US" sz="900" dirty="0"/>
               <a:t>出处</a:t>
-            </a:r>
-            <a:r>
-              <a:rPr lang="en-US" altLang="zh-CN" sz="900" dirty="0"/>
-              <a:t>/</a:t>
-            </a:r>
-            <a:r>
-              <a:rPr lang="zh-CN" altLang="en-US" sz="900" dirty="0"/>
-              <a:t>工作</a:t>
-            </a:r>
-            <a:r>
-              <a:rPr lang="en-US" altLang="zh-CN" sz="900" dirty="0"/>
-              <a:t>/</a:t>
-            </a:r>
-            <a:r>
-              <a:rPr lang="zh-CN" altLang="en-US" sz="900" dirty="0"/>
-              <a:t>概念</a:t>
             </a:r>
             <a:r>
               <a:rPr lang="zh-CN" altLang="en-US" sz="900" dirty="0">
@@ -14732,7 +14716,1187 @@
                   <a:srgbClr val="FF0000"/>
                 </a:solidFill>
               </a:rPr>
-              <a:t>信息整合</a:t>
+              <a:t>多账号关联</a:t>
+            </a:r>
+            <a:endParaRPr lang="en-US" sz="900" dirty="0">
+              <a:solidFill>
+                <a:srgbClr val="FF0000"/>
+              </a:solidFill>
+            </a:endParaRPr>
+          </a:p>
+        </p:txBody>
+      </p:sp>
+      <p:sp>
+        <p:nvSpPr>
+          <p:cNvPr id="157" name="Rectangle: Rounded Corners 156">
+            <a:extLst>
+              <a:ext uri="{FF2B5EF4-FFF2-40B4-BE49-F238E27FC236}">
+                <a16:creationId xmlns:a16="http://schemas.microsoft.com/office/drawing/2014/main" id="{1D81DC0E-8E2A-2F99-4D05-95182ECA6DC0}"/>
+              </a:ext>
+            </a:extLst>
+          </p:cNvPr>
+          <p:cNvSpPr/>
+          <p:nvPr/>
+        </p:nvSpPr>
+        <p:spPr>
+          <a:xfrm>
+            <a:off x="4446822" y="1459474"/>
+            <a:ext cx="942016" cy="260659"/>
+          </a:xfrm>
+          <a:prstGeom prst="roundRect">
+            <a:avLst/>
+          </a:prstGeom>
+          <a:ln>
+            <a:headEnd type="none" w="med" len="med"/>
+            <a:tailEnd type="none" w="med" len="med"/>
+          </a:ln>
+        </p:spPr>
+        <p:style>
+          <a:lnRef idx="1">
+            <a:schemeClr val="accent4"/>
+          </a:lnRef>
+          <a:fillRef idx="2">
+            <a:schemeClr val="accent4"/>
+          </a:fillRef>
+          <a:effectRef idx="1">
+            <a:schemeClr val="accent4"/>
+          </a:effectRef>
+          <a:fontRef idx="minor">
+            <a:schemeClr val="dk1"/>
+          </a:fontRef>
+        </p:style>
+        <p:txBody>
+          <a:bodyPr rtlCol="0" anchor="ctr"/>
+          <a:lstStyle/>
+          <a:p>
+            <a:pPr algn="ctr"/>
+            <a:r>
+              <a:rPr lang="zh-CN" altLang="en-US" sz="900" dirty="0"/>
+              <a:t>文献</a:t>
+            </a:r>
+            <a:r>
+              <a:rPr lang="zh-CN" altLang="en-US" sz="900" dirty="0">
+                <a:solidFill>
+                  <a:srgbClr val="FF0000"/>
+                </a:solidFill>
+              </a:rPr>
+              <a:t>智能解析</a:t>
+            </a:r>
+            <a:endParaRPr lang="en-US" sz="900" dirty="0">
+              <a:solidFill>
+                <a:srgbClr val="FF0000"/>
+              </a:solidFill>
+            </a:endParaRPr>
+          </a:p>
+        </p:txBody>
+      </p:sp>
+      <p:sp>
+        <p:nvSpPr>
+          <p:cNvPr id="161" name="Rectangle: Rounded Corners 160">
+            <a:extLst>
+              <a:ext uri="{FF2B5EF4-FFF2-40B4-BE49-F238E27FC236}">
+                <a16:creationId xmlns:a16="http://schemas.microsoft.com/office/drawing/2014/main" id="{899F86BC-AA71-D229-C29F-D480804C223F}"/>
+              </a:ext>
+            </a:extLst>
+          </p:cNvPr>
+          <p:cNvSpPr/>
+          <p:nvPr/>
+        </p:nvSpPr>
+        <p:spPr>
+          <a:xfrm>
+            <a:off x="2686592" y="2150435"/>
+            <a:ext cx="817692" cy="260659"/>
+          </a:xfrm>
+          <a:prstGeom prst="roundRect">
+            <a:avLst/>
+          </a:prstGeom>
+          <a:ln>
+            <a:headEnd type="none" w="med" len="med"/>
+            <a:tailEnd type="none" w="med" len="med"/>
+          </a:ln>
+        </p:spPr>
+        <p:style>
+          <a:lnRef idx="1">
+            <a:schemeClr val="accent6"/>
+          </a:lnRef>
+          <a:fillRef idx="2">
+            <a:schemeClr val="accent6"/>
+          </a:fillRef>
+          <a:effectRef idx="1">
+            <a:schemeClr val="accent6"/>
+          </a:effectRef>
+          <a:fontRef idx="minor">
+            <a:schemeClr val="dk1"/>
+          </a:fontRef>
+        </p:style>
+        <p:txBody>
+          <a:bodyPr rtlCol="0" anchor="ctr"/>
+          <a:lstStyle/>
+          <a:p>
+            <a:pPr algn="ctr"/>
+            <a:r>
+              <a:rPr lang="zh-CN" altLang="en-US" sz="900" dirty="0">
+                <a:solidFill>
+                  <a:srgbClr val="FF0000"/>
+                </a:solidFill>
+              </a:rPr>
+              <a:t>智能检索</a:t>
+            </a:r>
+            <a:endParaRPr lang="en-US" sz="900" dirty="0">
+              <a:solidFill>
+                <a:srgbClr val="FF0000"/>
+              </a:solidFill>
+            </a:endParaRPr>
+          </a:p>
+        </p:txBody>
+      </p:sp>
+      <p:sp>
+        <p:nvSpPr>
+          <p:cNvPr id="162" name="Rectangle: Rounded Corners 161">
+            <a:extLst>
+              <a:ext uri="{FF2B5EF4-FFF2-40B4-BE49-F238E27FC236}">
+                <a16:creationId xmlns:a16="http://schemas.microsoft.com/office/drawing/2014/main" id="{5AAB5CB6-9B3E-B0AF-B473-D0B26A952332}"/>
+              </a:ext>
+            </a:extLst>
+          </p:cNvPr>
+          <p:cNvSpPr/>
+          <p:nvPr/>
+        </p:nvSpPr>
+        <p:spPr>
+          <a:xfrm>
+            <a:off x="5470340" y="1459473"/>
+            <a:ext cx="2142175" cy="260659"/>
+          </a:xfrm>
+          <a:prstGeom prst="roundRect">
+            <a:avLst/>
+          </a:prstGeom>
+          <a:ln>
+            <a:headEnd type="none" w="med" len="med"/>
+            <a:tailEnd type="none" w="med" len="med"/>
+          </a:ln>
+        </p:spPr>
+        <p:style>
+          <a:lnRef idx="1">
+            <a:schemeClr val="accent6"/>
+          </a:lnRef>
+          <a:fillRef idx="2">
+            <a:schemeClr val="accent6"/>
+          </a:fillRef>
+          <a:effectRef idx="1">
+            <a:schemeClr val="accent6"/>
+          </a:effectRef>
+          <a:fontRef idx="minor">
+            <a:schemeClr val="dk1"/>
+          </a:fontRef>
+        </p:style>
+        <p:txBody>
+          <a:bodyPr rtlCol="0" anchor="ctr"/>
+          <a:lstStyle/>
+          <a:p>
+            <a:pPr algn="ctr"/>
+            <a:r>
+              <a:rPr lang="zh-CN" altLang="en-US" sz="900" dirty="0"/>
+              <a:t>学者</a:t>
+            </a:r>
+            <a:r>
+              <a:rPr lang="en-US" altLang="zh-CN" sz="900" dirty="0"/>
+              <a:t>/</a:t>
+            </a:r>
+            <a:r>
+              <a:rPr lang="zh-CN" altLang="en-US" sz="900" dirty="0"/>
+              <a:t>机构</a:t>
+            </a:r>
+            <a:r>
+              <a:rPr lang="en-US" altLang="zh-CN" sz="900" dirty="0"/>
+              <a:t>/</a:t>
+            </a:r>
+            <a:r>
+              <a:rPr lang="zh-CN" altLang="en-US" sz="900" dirty="0"/>
+              <a:t>出处</a:t>
+            </a:r>
+            <a:r>
+              <a:rPr lang="en-US" altLang="zh-CN" sz="900" dirty="0"/>
+              <a:t>/</a:t>
+            </a:r>
+            <a:r>
+              <a:rPr lang="zh-CN" altLang="en-US" sz="900" dirty="0"/>
+              <a:t>工作</a:t>
+            </a:r>
+            <a:r>
+              <a:rPr lang="en-US" altLang="zh-CN" sz="900" dirty="0"/>
+              <a:t>/</a:t>
+            </a:r>
+            <a:r>
+              <a:rPr lang="zh-CN" altLang="en-US" sz="900" dirty="0"/>
+              <a:t>概念</a:t>
+            </a:r>
+            <a:r>
+              <a:rPr lang="zh-CN" altLang="en-US" sz="900" dirty="0">
+                <a:solidFill>
+                  <a:srgbClr val="FF0000"/>
+                </a:solidFill>
+              </a:rPr>
+              <a:t>关系网络</a:t>
+            </a:r>
+            <a:endParaRPr lang="en-US" sz="900" dirty="0">
+              <a:solidFill>
+                <a:srgbClr val="FF0000"/>
+              </a:solidFill>
+            </a:endParaRPr>
+          </a:p>
+        </p:txBody>
+      </p:sp>
+      <p:sp>
+        <p:nvSpPr>
+          <p:cNvPr id="163" name="Rectangle: Rounded Corners 162">
+            <a:extLst>
+              <a:ext uri="{FF2B5EF4-FFF2-40B4-BE49-F238E27FC236}">
+                <a16:creationId xmlns:a16="http://schemas.microsoft.com/office/drawing/2014/main" id="{B3BFD49A-11FA-8B26-53E1-AE32C958405C}"/>
+              </a:ext>
+            </a:extLst>
+          </p:cNvPr>
+          <p:cNvSpPr/>
+          <p:nvPr/>
+        </p:nvSpPr>
+        <p:spPr>
+          <a:xfrm>
+            <a:off x="2686592" y="1807892"/>
+            <a:ext cx="2142175" cy="260659"/>
+          </a:xfrm>
+          <a:prstGeom prst="roundRect">
+            <a:avLst/>
+          </a:prstGeom>
+          <a:ln>
+            <a:headEnd type="none" w="med" len="med"/>
+            <a:tailEnd type="none" w="med" len="med"/>
+          </a:ln>
+        </p:spPr>
+        <p:style>
+          <a:lnRef idx="1">
+            <a:schemeClr val="accent2"/>
+          </a:lnRef>
+          <a:fillRef idx="2">
+            <a:schemeClr val="accent2"/>
+          </a:fillRef>
+          <a:effectRef idx="1">
+            <a:schemeClr val="accent2"/>
+          </a:effectRef>
+          <a:fontRef idx="minor">
+            <a:schemeClr val="dk1"/>
+          </a:fontRef>
+        </p:style>
+        <p:txBody>
+          <a:bodyPr rtlCol="0" anchor="ctr"/>
+          <a:lstStyle/>
+          <a:p>
+            <a:pPr algn="ctr"/>
+            <a:r>
+              <a:rPr lang="zh-CN" altLang="en-US" sz="900" dirty="0"/>
+              <a:t>学者</a:t>
+            </a:r>
+            <a:r>
+              <a:rPr lang="en-US" altLang="zh-CN" sz="900" dirty="0"/>
+              <a:t>/</a:t>
+            </a:r>
+            <a:r>
+              <a:rPr lang="zh-CN" altLang="en-US" sz="900" dirty="0"/>
+              <a:t>机构</a:t>
+            </a:r>
+            <a:r>
+              <a:rPr lang="en-US" altLang="zh-CN" sz="900" dirty="0"/>
+              <a:t>/</a:t>
+            </a:r>
+            <a:r>
+              <a:rPr lang="zh-CN" altLang="en-US" sz="900" dirty="0"/>
+              <a:t>出处</a:t>
+            </a:r>
+            <a:r>
+              <a:rPr lang="en-US" altLang="zh-CN" sz="900" dirty="0"/>
+              <a:t>/</a:t>
+            </a:r>
+            <a:r>
+              <a:rPr lang="zh-CN" altLang="en-US" sz="900" dirty="0"/>
+              <a:t>工作</a:t>
+            </a:r>
+            <a:r>
+              <a:rPr lang="en-US" altLang="zh-CN" sz="900" dirty="0"/>
+              <a:t>/</a:t>
+            </a:r>
+            <a:r>
+              <a:rPr lang="zh-CN" altLang="en-US" sz="900" dirty="0"/>
+              <a:t>概念</a:t>
+            </a:r>
+            <a:r>
+              <a:rPr lang="zh-CN" altLang="en-US" sz="900" dirty="0">
+                <a:solidFill>
+                  <a:srgbClr val="FF0000"/>
+                </a:solidFill>
+              </a:rPr>
+              <a:t>研究趋势</a:t>
+            </a:r>
+            <a:endParaRPr lang="en-US" sz="900" dirty="0">
+              <a:solidFill>
+                <a:srgbClr val="FF0000"/>
+              </a:solidFill>
+            </a:endParaRPr>
+          </a:p>
+        </p:txBody>
+      </p:sp>
+      <p:sp>
+        <p:nvSpPr>
+          <p:cNvPr id="164" name="Rectangle: Rounded Corners 163">
+            <a:extLst>
+              <a:ext uri="{FF2B5EF4-FFF2-40B4-BE49-F238E27FC236}">
+                <a16:creationId xmlns:a16="http://schemas.microsoft.com/office/drawing/2014/main" id="{61584CE3-FC7D-0352-66ED-3116CA9791AC}"/>
+              </a:ext>
+            </a:extLst>
+          </p:cNvPr>
+          <p:cNvSpPr/>
+          <p:nvPr/>
+        </p:nvSpPr>
+        <p:spPr>
+          <a:xfrm>
+            <a:off x="3578167" y="2150434"/>
+            <a:ext cx="817692" cy="260659"/>
+          </a:xfrm>
+          <a:prstGeom prst="roundRect">
+            <a:avLst/>
+          </a:prstGeom>
+          <a:ln>
+            <a:headEnd type="none" w="med" len="med"/>
+            <a:tailEnd type="none" w="med" len="med"/>
+          </a:ln>
+        </p:spPr>
+        <p:style>
+          <a:lnRef idx="1">
+            <a:schemeClr val="accent6"/>
+          </a:lnRef>
+          <a:fillRef idx="2">
+            <a:schemeClr val="accent6"/>
+          </a:fillRef>
+          <a:effectRef idx="1">
+            <a:schemeClr val="accent6"/>
+          </a:effectRef>
+          <a:fontRef idx="minor">
+            <a:schemeClr val="dk1"/>
+          </a:fontRef>
+        </p:style>
+        <p:txBody>
+          <a:bodyPr rtlCol="0" anchor="ctr"/>
+          <a:lstStyle/>
+          <a:p>
+            <a:pPr algn="ctr"/>
+            <a:r>
+              <a:rPr lang="zh-CN" altLang="en-US" sz="900" dirty="0">
+                <a:solidFill>
+                  <a:srgbClr val="FF0000"/>
+                </a:solidFill>
+              </a:rPr>
+              <a:t>六度搜索</a:t>
+            </a:r>
+            <a:endParaRPr lang="en-US" sz="900" dirty="0">
+              <a:solidFill>
+                <a:srgbClr val="FF0000"/>
+              </a:solidFill>
+            </a:endParaRPr>
+          </a:p>
+        </p:txBody>
+      </p:sp>
+      <p:sp>
+        <p:nvSpPr>
+          <p:cNvPr id="165" name="Rectangle: Rounded Corners 164">
+            <a:extLst>
+              <a:ext uri="{FF2B5EF4-FFF2-40B4-BE49-F238E27FC236}">
+                <a16:creationId xmlns:a16="http://schemas.microsoft.com/office/drawing/2014/main" id="{4042929A-7EBE-5805-E036-63A6A687859A}"/>
+              </a:ext>
+            </a:extLst>
+          </p:cNvPr>
+          <p:cNvSpPr/>
+          <p:nvPr/>
+        </p:nvSpPr>
+        <p:spPr>
+          <a:xfrm>
+            <a:off x="4475504" y="2150433"/>
+            <a:ext cx="913333" cy="260659"/>
+          </a:xfrm>
+          <a:prstGeom prst="roundRect">
+            <a:avLst/>
+          </a:prstGeom>
+          <a:ln>
+            <a:headEnd type="none" w="med" len="med"/>
+            <a:tailEnd type="none" w="med" len="med"/>
+          </a:ln>
+        </p:spPr>
+        <p:style>
+          <a:lnRef idx="1">
+            <a:schemeClr val="accent4"/>
+          </a:lnRef>
+          <a:fillRef idx="2">
+            <a:schemeClr val="accent4"/>
+          </a:fillRef>
+          <a:effectRef idx="1">
+            <a:schemeClr val="accent4"/>
+          </a:effectRef>
+          <a:fontRef idx="minor">
+            <a:schemeClr val="dk1"/>
+          </a:fontRef>
+        </p:style>
+        <p:txBody>
+          <a:bodyPr rtlCol="0" anchor="ctr"/>
+          <a:lstStyle/>
+          <a:p>
+            <a:pPr algn="ctr"/>
+            <a:r>
+              <a:rPr lang="zh-CN" altLang="en-US" sz="900" dirty="0">
+                <a:solidFill>
+                  <a:schemeClr val="tx1"/>
+                </a:solidFill>
+              </a:rPr>
+              <a:t>机构</a:t>
+            </a:r>
+            <a:r>
+              <a:rPr lang="zh-CN" altLang="en-US" sz="900" dirty="0">
+                <a:solidFill>
+                  <a:srgbClr val="FF0000"/>
+                </a:solidFill>
+              </a:rPr>
+              <a:t>社团划分</a:t>
+            </a:r>
+            <a:endParaRPr lang="en-US" sz="900" dirty="0">
+              <a:solidFill>
+                <a:srgbClr val="FF0000"/>
+              </a:solidFill>
+            </a:endParaRPr>
+          </a:p>
+        </p:txBody>
+      </p:sp>
+      <p:sp>
+        <p:nvSpPr>
+          <p:cNvPr id="166" name="Rectangle: Rounded Corners 165">
+            <a:extLst>
+              <a:ext uri="{FF2B5EF4-FFF2-40B4-BE49-F238E27FC236}">
+                <a16:creationId xmlns:a16="http://schemas.microsoft.com/office/drawing/2014/main" id="{13039201-A3C6-AB79-843B-C541A68F7BEF}"/>
+              </a:ext>
+            </a:extLst>
+          </p:cNvPr>
+          <p:cNvSpPr/>
+          <p:nvPr/>
+        </p:nvSpPr>
+        <p:spPr>
+          <a:xfrm>
+            <a:off x="5479123" y="2149172"/>
+            <a:ext cx="1426190" cy="260659"/>
+          </a:xfrm>
+          <a:prstGeom prst="roundRect">
+            <a:avLst/>
+          </a:prstGeom>
+          <a:ln>
+            <a:headEnd type="none" w="med" len="med"/>
+            <a:tailEnd type="none" w="med" len="med"/>
+          </a:ln>
+        </p:spPr>
+        <p:style>
+          <a:lnRef idx="1">
+            <a:schemeClr val="accent1"/>
+          </a:lnRef>
+          <a:fillRef idx="2">
+            <a:schemeClr val="accent1"/>
+          </a:fillRef>
+          <a:effectRef idx="1">
+            <a:schemeClr val="accent1"/>
+          </a:effectRef>
+          <a:fontRef idx="minor">
+            <a:schemeClr val="dk1"/>
+          </a:fontRef>
+        </p:style>
+        <p:txBody>
+          <a:bodyPr rtlCol="0" anchor="ctr"/>
+          <a:lstStyle/>
+          <a:p>
+            <a:pPr algn="ctr"/>
+            <a:r>
+              <a:rPr lang="zh-CN" altLang="en-US" sz="900" dirty="0">
+                <a:solidFill>
+                  <a:schemeClr val="tx1"/>
+                </a:solidFill>
+              </a:rPr>
+              <a:t>团队</a:t>
+            </a:r>
+            <a:r>
+              <a:rPr lang="zh-CN" altLang="en-US" sz="900" dirty="0">
+                <a:solidFill>
+                  <a:srgbClr val="FF0000"/>
+                </a:solidFill>
+              </a:rPr>
+              <a:t>核心人物演化分析</a:t>
+            </a:r>
+            <a:endParaRPr lang="en-US" sz="900" dirty="0">
+              <a:solidFill>
+                <a:srgbClr val="FF0000"/>
+              </a:solidFill>
+            </a:endParaRPr>
+          </a:p>
+        </p:txBody>
+      </p:sp>
+      <p:sp>
+        <p:nvSpPr>
+          <p:cNvPr id="167" name="Rectangle: Rounded Corners 166">
+            <a:extLst>
+              <a:ext uri="{FF2B5EF4-FFF2-40B4-BE49-F238E27FC236}">
+                <a16:creationId xmlns:a16="http://schemas.microsoft.com/office/drawing/2014/main" id="{D2F4D086-DF4E-BC97-19F3-3E4CE1C2EB73}"/>
+              </a:ext>
+            </a:extLst>
+          </p:cNvPr>
+          <p:cNvSpPr/>
+          <p:nvPr/>
+        </p:nvSpPr>
+        <p:spPr>
+          <a:xfrm>
+            <a:off x="2697046" y="2496276"/>
+            <a:ext cx="1759222" cy="260659"/>
+          </a:xfrm>
+          <a:prstGeom prst="roundRect">
+            <a:avLst/>
+          </a:prstGeom>
+          <a:ln>
+            <a:headEnd type="none" w="med" len="med"/>
+            <a:tailEnd type="none" w="med" len="med"/>
+          </a:ln>
+        </p:spPr>
+        <p:style>
+          <a:lnRef idx="1">
+            <a:schemeClr val="accent5"/>
+          </a:lnRef>
+          <a:fillRef idx="2">
+            <a:schemeClr val="accent5"/>
+          </a:fillRef>
+          <a:effectRef idx="1">
+            <a:schemeClr val="accent5"/>
+          </a:effectRef>
+          <a:fontRef idx="minor">
+            <a:schemeClr val="dk1"/>
+          </a:fontRef>
+        </p:style>
+        <p:txBody>
+          <a:bodyPr rtlCol="0" anchor="ctr"/>
+          <a:lstStyle/>
+          <a:p>
+            <a:pPr algn="ctr"/>
+            <a:r>
+              <a:rPr lang="zh-CN" altLang="en-US" sz="900" dirty="0"/>
+              <a:t>科技情报</a:t>
+            </a:r>
+            <a:r>
+              <a:rPr lang="zh-CN" altLang="en-US" sz="900" dirty="0">
+                <a:solidFill>
+                  <a:srgbClr val="FF0000"/>
+                </a:solidFill>
+              </a:rPr>
+              <a:t>事件发现</a:t>
+            </a:r>
+            <a:r>
+              <a:rPr lang="zh-CN" altLang="en-US" sz="900" dirty="0"/>
+              <a:t>和</a:t>
+            </a:r>
+            <a:r>
+              <a:rPr lang="zh-CN" altLang="en-US" sz="900" dirty="0">
+                <a:solidFill>
+                  <a:srgbClr val="FF0000"/>
+                </a:solidFill>
+              </a:rPr>
+              <a:t>自动摘要</a:t>
+            </a:r>
+            <a:endParaRPr lang="en-US" sz="900" dirty="0">
+              <a:solidFill>
+                <a:srgbClr val="FF0000"/>
+              </a:solidFill>
+            </a:endParaRPr>
+          </a:p>
+        </p:txBody>
+      </p:sp>
+      <p:sp>
+        <p:nvSpPr>
+          <p:cNvPr id="168" name="Rectangle: Rounded Corners 167">
+            <a:extLst>
+              <a:ext uri="{FF2B5EF4-FFF2-40B4-BE49-F238E27FC236}">
+                <a16:creationId xmlns:a16="http://schemas.microsoft.com/office/drawing/2014/main" id="{33416B55-EB25-2453-8B6E-41817A477F85}"/>
+              </a:ext>
+            </a:extLst>
+          </p:cNvPr>
+          <p:cNvSpPr/>
+          <p:nvPr/>
+        </p:nvSpPr>
+        <p:spPr>
+          <a:xfrm>
+            <a:off x="4535141" y="2496066"/>
+            <a:ext cx="1422708" cy="260659"/>
+          </a:xfrm>
+          <a:prstGeom prst="roundRect">
+            <a:avLst/>
+          </a:prstGeom>
+          <a:ln>
+            <a:headEnd type="none" w="med" len="med"/>
+            <a:tailEnd type="none" w="med" len="med"/>
+          </a:ln>
+        </p:spPr>
+        <p:style>
+          <a:lnRef idx="1">
+            <a:schemeClr val="accent5"/>
+          </a:lnRef>
+          <a:fillRef idx="2">
+            <a:schemeClr val="accent5"/>
+          </a:fillRef>
+          <a:effectRef idx="1">
+            <a:schemeClr val="accent5"/>
+          </a:effectRef>
+          <a:fontRef idx="minor">
+            <a:schemeClr val="dk1"/>
+          </a:fontRef>
+        </p:style>
+        <p:txBody>
+          <a:bodyPr rtlCol="0" anchor="ctr"/>
+          <a:lstStyle/>
+          <a:p>
+            <a:pPr algn="ctr"/>
+            <a:r>
+              <a:rPr lang="zh-CN" altLang="en-US" sz="900" dirty="0"/>
+              <a:t>科技情报</a:t>
+            </a:r>
+            <a:r>
+              <a:rPr lang="zh-CN" altLang="en-US" sz="900" dirty="0">
+                <a:solidFill>
+                  <a:srgbClr val="FF0000"/>
+                </a:solidFill>
+              </a:rPr>
+              <a:t>事件因果分析</a:t>
+            </a:r>
+            <a:endParaRPr lang="en-US" sz="900" dirty="0">
+              <a:solidFill>
+                <a:srgbClr val="FF0000"/>
+              </a:solidFill>
+            </a:endParaRPr>
+          </a:p>
+        </p:txBody>
+      </p:sp>
+      <p:sp>
+        <p:nvSpPr>
+          <p:cNvPr id="169" name="Rectangle: Rounded Corners 168">
+            <a:extLst>
+              <a:ext uri="{FF2B5EF4-FFF2-40B4-BE49-F238E27FC236}">
+                <a16:creationId xmlns:a16="http://schemas.microsoft.com/office/drawing/2014/main" id="{5840043F-BC8A-ACB2-DBCB-8CFE9731D1BD}"/>
+              </a:ext>
+            </a:extLst>
+          </p:cNvPr>
+          <p:cNvSpPr/>
+          <p:nvPr/>
+        </p:nvSpPr>
+        <p:spPr>
+          <a:xfrm>
+            <a:off x="6039585" y="2491084"/>
+            <a:ext cx="1199351" cy="260659"/>
+          </a:xfrm>
+          <a:prstGeom prst="roundRect">
+            <a:avLst/>
+          </a:prstGeom>
+          <a:ln>
+            <a:headEnd type="none" w="med" len="med"/>
+            <a:tailEnd type="none" w="med" len="med"/>
+          </a:ln>
+        </p:spPr>
+        <p:style>
+          <a:lnRef idx="1">
+            <a:schemeClr val="accent5"/>
+          </a:lnRef>
+          <a:fillRef idx="2">
+            <a:schemeClr val="accent5"/>
+          </a:fillRef>
+          <a:effectRef idx="1">
+            <a:schemeClr val="accent5"/>
+          </a:effectRef>
+          <a:fontRef idx="minor">
+            <a:schemeClr val="dk1"/>
+          </a:fontRef>
+        </p:style>
+        <p:txBody>
+          <a:bodyPr rtlCol="0" anchor="ctr"/>
+          <a:lstStyle/>
+          <a:p>
+            <a:pPr algn="ctr"/>
+            <a:r>
+              <a:rPr lang="zh-CN" altLang="en-US" sz="900" dirty="0"/>
+              <a:t>科技情报</a:t>
+            </a:r>
+            <a:r>
+              <a:rPr lang="zh-CN" altLang="en-US" sz="900" dirty="0">
+                <a:solidFill>
+                  <a:srgbClr val="FF0000"/>
+                </a:solidFill>
+              </a:rPr>
+              <a:t>事件预测</a:t>
+            </a:r>
+            <a:endParaRPr lang="en-US" sz="900" dirty="0">
+              <a:solidFill>
+                <a:srgbClr val="FF0000"/>
+              </a:solidFill>
+            </a:endParaRPr>
+          </a:p>
+        </p:txBody>
+      </p:sp>
+      <p:sp>
+        <p:nvSpPr>
+          <p:cNvPr id="170" name="Rectangle: Rounded Corners 169">
+            <a:extLst>
+              <a:ext uri="{FF2B5EF4-FFF2-40B4-BE49-F238E27FC236}">
+                <a16:creationId xmlns:a16="http://schemas.microsoft.com/office/drawing/2014/main" id="{926A2A3E-3A39-48F6-6E19-158BA8E7592C}"/>
+              </a:ext>
+            </a:extLst>
+          </p:cNvPr>
+          <p:cNvSpPr/>
+          <p:nvPr/>
+        </p:nvSpPr>
+        <p:spPr>
+          <a:xfrm>
+            <a:off x="2690774" y="2837982"/>
+            <a:ext cx="972497" cy="260659"/>
+          </a:xfrm>
+          <a:prstGeom prst="roundRect">
+            <a:avLst/>
+          </a:prstGeom>
+          <a:ln>
+            <a:headEnd type="none" w="med" len="med"/>
+            <a:tailEnd type="none" w="med" len="med"/>
+          </a:ln>
+        </p:spPr>
+        <p:style>
+          <a:lnRef idx="1">
+            <a:schemeClr val="accent2"/>
+          </a:lnRef>
+          <a:fillRef idx="2">
+            <a:schemeClr val="accent2"/>
+          </a:fillRef>
+          <a:effectRef idx="1">
+            <a:schemeClr val="accent2"/>
+          </a:effectRef>
+          <a:fontRef idx="minor">
+            <a:schemeClr val="dk1"/>
+          </a:fontRef>
+        </p:style>
+        <p:txBody>
+          <a:bodyPr rtlCol="0" anchor="ctr"/>
+          <a:lstStyle/>
+          <a:p>
+            <a:pPr algn="ctr"/>
+            <a:r>
+              <a:rPr lang="zh-CN" altLang="en-US" sz="900" dirty="0"/>
+              <a:t>学者</a:t>
+            </a:r>
+            <a:r>
+              <a:rPr lang="zh-CN" altLang="en-US" sz="900" dirty="0">
+                <a:solidFill>
+                  <a:srgbClr val="FF0000"/>
+                </a:solidFill>
+              </a:rPr>
+              <a:t>人格分析</a:t>
+            </a:r>
+            <a:endParaRPr lang="en-US" sz="900" dirty="0">
+              <a:solidFill>
+                <a:srgbClr val="FF0000"/>
+              </a:solidFill>
+            </a:endParaRPr>
+          </a:p>
+        </p:txBody>
+      </p:sp>
+      <p:sp>
+        <p:nvSpPr>
+          <p:cNvPr id="171" name="Rectangle: Rounded Corners 170">
+            <a:extLst>
+              <a:ext uri="{FF2B5EF4-FFF2-40B4-BE49-F238E27FC236}">
+                <a16:creationId xmlns:a16="http://schemas.microsoft.com/office/drawing/2014/main" id="{F4FEFFC5-9208-D5F0-F6F1-B1F044A7B0D0}"/>
+              </a:ext>
+            </a:extLst>
+          </p:cNvPr>
+          <p:cNvSpPr/>
+          <p:nvPr/>
+        </p:nvSpPr>
+        <p:spPr>
+          <a:xfrm>
+            <a:off x="3730600" y="2843487"/>
+            <a:ext cx="1201184" cy="260659"/>
+          </a:xfrm>
+          <a:prstGeom prst="roundRect">
+            <a:avLst/>
+          </a:prstGeom>
+          <a:ln>
+            <a:headEnd type="none" w="med" len="med"/>
+            <a:tailEnd type="none" w="med" len="med"/>
+          </a:ln>
+        </p:spPr>
+        <p:style>
+          <a:lnRef idx="1">
+            <a:schemeClr val="accent2"/>
+          </a:lnRef>
+          <a:fillRef idx="2">
+            <a:schemeClr val="accent2"/>
+          </a:fillRef>
+          <a:effectRef idx="1">
+            <a:schemeClr val="accent2"/>
+          </a:effectRef>
+          <a:fontRef idx="minor">
+            <a:schemeClr val="dk1"/>
+          </a:fontRef>
+        </p:style>
+        <p:txBody>
+          <a:bodyPr rtlCol="0" anchor="ctr"/>
+          <a:lstStyle/>
+          <a:p>
+            <a:pPr algn="ctr"/>
+            <a:r>
+              <a:rPr lang="zh-CN" altLang="en-US" sz="900" dirty="0"/>
+              <a:t>学者</a:t>
+            </a:r>
+            <a:r>
+              <a:rPr lang="en-US" altLang="zh-CN" sz="900" dirty="0">
+                <a:solidFill>
+                  <a:schemeClr val="tx1"/>
+                </a:solidFill>
+              </a:rPr>
+              <a:t>/</a:t>
+            </a:r>
+            <a:r>
+              <a:rPr lang="zh-CN" altLang="en-US" sz="900" dirty="0">
+                <a:solidFill>
+                  <a:schemeClr val="tx1"/>
+                </a:solidFill>
+              </a:rPr>
+              <a:t>事件</a:t>
+            </a:r>
+            <a:r>
+              <a:rPr lang="zh-CN" altLang="en-US" sz="900" dirty="0">
+                <a:solidFill>
+                  <a:srgbClr val="FF0000"/>
+                </a:solidFill>
+              </a:rPr>
+              <a:t>社会评价</a:t>
+            </a:r>
+            <a:endParaRPr lang="en-US" sz="900" dirty="0">
+              <a:solidFill>
+                <a:srgbClr val="FF0000"/>
+              </a:solidFill>
+            </a:endParaRPr>
+          </a:p>
+        </p:txBody>
+      </p:sp>
+      <p:sp>
+        <p:nvSpPr>
+          <p:cNvPr id="172" name="Rectangle: Rounded Corners 171">
+            <a:extLst>
+              <a:ext uri="{FF2B5EF4-FFF2-40B4-BE49-F238E27FC236}">
+                <a16:creationId xmlns:a16="http://schemas.microsoft.com/office/drawing/2014/main" id="{2DBAEB9E-4ABD-A679-BCEB-41DB388F994C}"/>
+              </a:ext>
+            </a:extLst>
+          </p:cNvPr>
+          <p:cNvSpPr/>
+          <p:nvPr/>
+        </p:nvSpPr>
+        <p:spPr>
+          <a:xfrm>
+            <a:off x="5963296" y="1812364"/>
+            <a:ext cx="1356388" cy="260659"/>
+          </a:xfrm>
+          <a:prstGeom prst="roundRect">
+            <a:avLst/>
+          </a:prstGeom>
+          <a:ln>
+            <a:headEnd type="none" w="med" len="med"/>
+            <a:tailEnd type="none" w="med" len="med"/>
+          </a:ln>
+        </p:spPr>
+        <p:style>
+          <a:lnRef idx="1">
+            <a:schemeClr val="accent4"/>
+          </a:lnRef>
+          <a:fillRef idx="2">
+            <a:schemeClr val="accent4"/>
+          </a:fillRef>
+          <a:effectRef idx="1">
+            <a:schemeClr val="accent4"/>
+          </a:effectRef>
+          <a:fontRef idx="minor">
+            <a:schemeClr val="dk1"/>
+          </a:fontRef>
+        </p:style>
+        <p:txBody>
+          <a:bodyPr rtlCol="0" anchor="ctr"/>
+          <a:lstStyle/>
+          <a:p>
+            <a:pPr algn="ctr"/>
+            <a:r>
+              <a:rPr lang="zh-CN" altLang="en-US" sz="900" dirty="0"/>
+              <a:t>作者的</a:t>
+            </a:r>
+            <a:r>
+              <a:rPr lang="zh-CN" altLang="en-US" sz="900" dirty="0">
+                <a:solidFill>
+                  <a:srgbClr val="FF0000"/>
+                </a:solidFill>
+              </a:rPr>
+              <a:t>论文引用报告</a:t>
+            </a:r>
+            <a:endParaRPr lang="en-US" sz="900" dirty="0">
+              <a:solidFill>
+                <a:srgbClr val="FF0000"/>
+              </a:solidFill>
+            </a:endParaRPr>
+          </a:p>
+        </p:txBody>
+      </p:sp>
+      <p:sp>
+        <p:nvSpPr>
+          <p:cNvPr id="173" name="Rectangle: Rounded Corners 172">
+            <a:extLst>
+              <a:ext uri="{FF2B5EF4-FFF2-40B4-BE49-F238E27FC236}">
+                <a16:creationId xmlns:a16="http://schemas.microsoft.com/office/drawing/2014/main" id="{38659904-ADF6-744F-B099-E875D3129AB6}"/>
+              </a:ext>
+            </a:extLst>
+          </p:cNvPr>
+          <p:cNvSpPr/>
+          <p:nvPr/>
+        </p:nvSpPr>
+        <p:spPr>
+          <a:xfrm>
+            <a:off x="4904437" y="1808163"/>
+            <a:ext cx="983327" cy="260659"/>
+          </a:xfrm>
+          <a:prstGeom prst="roundRect">
+            <a:avLst/>
+          </a:prstGeom>
+          <a:ln>
+            <a:headEnd type="none" w="med" len="med"/>
+            <a:tailEnd type="none" w="med" len="med"/>
+          </a:ln>
+        </p:spPr>
+        <p:style>
+          <a:lnRef idx="1">
+            <a:schemeClr val="accent5"/>
+          </a:lnRef>
+          <a:fillRef idx="2">
+            <a:schemeClr val="accent5"/>
+          </a:fillRef>
+          <a:effectRef idx="1">
+            <a:schemeClr val="accent5"/>
+          </a:effectRef>
+          <a:fontRef idx="minor">
+            <a:schemeClr val="dk1"/>
+          </a:fontRef>
+        </p:style>
+        <p:txBody>
+          <a:bodyPr rtlCol="0" anchor="ctr"/>
+          <a:lstStyle/>
+          <a:p>
+            <a:pPr algn="ctr"/>
+            <a:r>
+              <a:rPr lang="zh-CN" altLang="en-US" sz="900" dirty="0"/>
+              <a:t>学者</a:t>
+            </a:r>
+            <a:r>
+              <a:rPr lang="zh-CN" altLang="en-US" sz="900" dirty="0">
+                <a:solidFill>
+                  <a:srgbClr val="FF0000"/>
+                </a:solidFill>
+              </a:rPr>
+              <a:t>迁徙路线</a:t>
+            </a:r>
+            <a:endParaRPr lang="en-US" sz="900" dirty="0">
+              <a:solidFill>
+                <a:srgbClr val="FF0000"/>
+              </a:solidFill>
+            </a:endParaRPr>
+          </a:p>
+        </p:txBody>
+      </p:sp>
+      <p:sp>
+        <p:nvSpPr>
+          <p:cNvPr id="174" name="Rectangle: Rounded Corners 173">
+            <a:extLst>
+              <a:ext uri="{FF2B5EF4-FFF2-40B4-BE49-F238E27FC236}">
+                <a16:creationId xmlns:a16="http://schemas.microsoft.com/office/drawing/2014/main" id="{F9273B8B-1598-8423-C061-D73070749E91}"/>
+              </a:ext>
+            </a:extLst>
+          </p:cNvPr>
+          <p:cNvSpPr/>
+          <p:nvPr/>
+        </p:nvSpPr>
+        <p:spPr>
+          <a:xfrm>
+            <a:off x="2686592" y="3181861"/>
+            <a:ext cx="817692" cy="260659"/>
+          </a:xfrm>
+          <a:prstGeom prst="roundRect">
+            <a:avLst/>
+          </a:prstGeom>
+          <a:ln>
+            <a:headEnd type="none" w="med" len="med"/>
+            <a:tailEnd type="none" w="med" len="med"/>
+          </a:ln>
+        </p:spPr>
+        <p:style>
+          <a:lnRef idx="1">
+            <a:schemeClr val="accent6"/>
+          </a:lnRef>
+          <a:fillRef idx="2">
+            <a:schemeClr val="accent6"/>
+          </a:fillRef>
+          <a:effectRef idx="1">
+            <a:schemeClr val="accent6"/>
+          </a:effectRef>
+          <a:fontRef idx="minor">
+            <a:schemeClr val="dk1"/>
+          </a:fontRef>
+        </p:style>
+        <p:txBody>
+          <a:bodyPr rtlCol="0" anchor="ctr"/>
+          <a:lstStyle/>
+          <a:p>
+            <a:pPr algn="ctr"/>
+            <a:r>
+              <a:rPr lang="zh-CN" altLang="en-US" sz="900" dirty="0">
+                <a:solidFill>
+                  <a:srgbClr val="FF0000"/>
+                </a:solidFill>
+              </a:rPr>
+              <a:t>智能推荐</a:t>
+            </a:r>
+            <a:endParaRPr lang="en-US" sz="900" dirty="0">
+              <a:solidFill>
+                <a:srgbClr val="FF0000"/>
+              </a:solidFill>
+            </a:endParaRPr>
+          </a:p>
+        </p:txBody>
+      </p:sp>
+      <p:sp>
+        <p:nvSpPr>
+          <p:cNvPr id="175" name="Rectangle: Rounded Corners 174">
+            <a:extLst>
+              <a:ext uri="{FF2B5EF4-FFF2-40B4-BE49-F238E27FC236}">
+                <a16:creationId xmlns:a16="http://schemas.microsoft.com/office/drawing/2014/main" id="{ACB7B8CC-BAA1-342F-143D-045AF94FFE9D}"/>
+              </a:ext>
+            </a:extLst>
+          </p:cNvPr>
+          <p:cNvSpPr/>
+          <p:nvPr/>
+        </p:nvSpPr>
+        <p:spPr>
+          <a:xfrm>
+            <a:off x="3780349" y="3577284"/>
+            <a:ext cx="1199351" cy="260659"/>
+          </a:xfrm>
+          <a:prstGeom prst="roundRect">
+            <a:avLst/>
+          </a:prstGeom>
+          <a:ln>
+            <a:headEnd type="none" w="med" len="med"/>
+            <a:tailEnd type="none" w="med" len="med"/>
+          </a:ln>
+        </p:spPr>
+        <p:style>
+          <a:lnRef idx="1">
+            <a:schemeClr val="accent5"/>
+          </a:lnRef>
+          <a:fillRef idx="2">
+            <a:schemeClr val="accent5"/>
+          </a:fillRef>
+          <a:effectRef idx="1">
+            <a:schemeClr val="accent5"/>
+          </a:effectRef>
+          <a:fontRef idx="minor">
+            <a:schemeClr val="dk1"/>
+          </a:fontRef>
+        </p:style>
+        <p:txBody>
+          <a:bodyPr rtlCol="0" anchor="ctr"/>
+          <a:lstStyle/>
+          <a:p>
+            <a:pPr algn="ctr"/>
+            <a:r>
+              <a:rPr lang="zh-CN" altLang="en-US" sz="900" dirty="0"/>
+              <a:t>科技情报</a:t>
+            </a:r>
+            <a:r>
+              <a:rPr lang="zh-CN" altLang="en-US" sz="900" dirty="0">
+                <a:solidFill>
+                  <a:srgbClr val="FF0000"/>
+                </a:solidFill>
+              </a:rPr>
+              <a:t>事件预测</a:t>
+            </a:r>
+            <a:endParaRPr lang="en-US" sz="900" dirty="0">
+              <a:solidFill>
+                <a:srgbClr val="FF0000"/>
+              </a:solidFill>
+            </a:endParaRPr>
+          </a:p>
+        </p:txBody>
+      </p:sp>
+      <p:sp>
+        <p:nvSpPr>
+          <p:cNvPr id="176" name="Rectangle: Rounded Corners 175">
+            <a:extLst>
+              <a:ext uri="{FF2B5EF4-FFF2-40B4-BE49-F238E27FC236}">
+                <a16:creationId xmlns:a16="http://schemas.microsoft.com/office/drawing/2014/main" id="{A020718F-8C38-A029-15CA-BD68259F566A}"/>
+              </a:ext>
+            </a:extLst>
+          </p:cNvPr>
+          <p:cNvSpPr/>
+          <p:nvPr/>
+        </p:nvSpPr>
+        <p:spPr>
+          <a:xfrm>
+            <a:off x="5012178" y="2838037"/>
+            <a:ext cx="945671" cy="260659"/>
+          </a:xfrm>
+          <a:prstGeom prst="roundRect">
+            <a:avLst/>
+          </a:prstGeom>
+          <a:ln>
+            <a:headEnd type="none" w="med" len="med"/>
+            <a:tailEnd type="none" w="med" len="med"/>
+          </a:ln>
+        </p:spPr>
+        <p:style>
+          <a:lnRef idx="1">
+            <a:schemeClr val="accent4"/>
+          </a:lnRef>
+          <a:fillRef idx="2">
+            <a:schemeClr val="accent4"/>
+          </a:fillRef>
+          <a:effectRef idx="1">
+            <a:schemeClr val="accent4"/>
+          </a:effectRef>
+          <a:fontRef idx="minor">
+            <a:schemeClr val="dk1"/>
+          </a:fontRef>
+        </p:style>
+        <p:txBody>
+          <a:bodyPr rtlCol="0" anchor="ctr"/>
+          <a:lstStyle/>
+          <a:p>
+            <a:pPr algn="ctr"/>
+            <a:r>
+              <a:rPr lang="zh-CN" altLang="en-US" sz="900" dirty="0">
+                <a:solidFill>
+                  <a:schemeClr val="tx1"/>
+                </a:solidFill>
+              </a:rPr>
+              <a:t>用户</a:t>
+            </a:r>
+            <a:r>
+              <a:rPr lang="zh-CN" altLang="en-US" sz="900" dirty="0">
+                <a:solidFill>
+                  <a:srgbClr val="FF0000"/>
+                </a:solidFill>
+              </a:rPr>
+              <a:t>文献管理</a:t>
             </a:r>
             <a:endParaRPr lang="en-US" sz="900" dirty="0">
               <a:solidFill>

--- a/SystemDesignDocs/FiguresForDesign/Figures.pptx
+++ b/SystemDesignDocs/FiguresForDesign/Figures.pptx
@@ -258,7 +258,7 @@
           <a:p>
             <a:fld id="{BCF065E9-F0BD-4CBA-8514-7C9F3F1A00B0}" type="datetimeFigureOut">
               <a:rPr lang="en-US" smtClean="0"/>
-              <a:t>5/4/2022</a:t>
+              <a:t>5/5/2022</a:t>
             </a:fld>
             <a:endParaRPr lang="en-US"/>
           </a:p>
@@ -428,7 +428,7 @@
           <a:p>
             <a:fld id="{BCF065E9-F0BD-4CBA-8514-7C9F3F1A00B0}" type="datetimeFigureOut">
               <a:rPr lang="en-US" smtClean="0"/>
-              <a:t>5/4/2022</a:t>
+              <a:t>5/5/2022</a:t>
             </a:fld>
             <a:endParaRPr lang="en-US"/>
           </a:p>
@@ -608,7 +608,7 @@
           <a:p>
             <a:fld id="{BCF065E9-F0BD-4CBA-8514-7C9F3F1A00B0}" type="datetimeFigureOut">
               <a:rPr lang="en-US" smtClean="0"/>
-              <a:t>5/4/2022</a:t>
+              <a:t>5/5/2022</a:t>
             </a:fld>
             <a:endParaRPr lang="en-US"/>
           </a:p>
@@ -778,7 +778,7 @@
           <a:p>
             <a:fld id="{BCF065E9-F0BD-4CBA-8514-7C9F3F1A00B0}" type="datetimeFigureOut">
               <a:rPr lang="en-US" smtClean="0"/>
-              <a:t>5/4/2022</a:t>
+              <a:t>5/5/2022</a:t>
             </a:fld>
             <a:endParaRPr lang="en-US"/>
           </a:p>
@@ -1022,7 +1022,7 @@
           <a:p>
             <a:fld id="{BCF065E9-F0BD-4CBA-8514-7C9F3F1A00B0}" type="datetimeFigureOut">
               <a:rPr lang="en-US" smtClean="0"/>
-              <a:t>5/4/2022</a:t>
+              <a:t>5/5/2022</a:t>
             </a:fld>
             <a:endParaRPr lang="en-US"/>
           </a:p>
@@ -1254,7 +1254,7 @@
           <a:p>
             <a:fld id="{BCF065E9-F0BD-4CBA-8514-7C9F3F1A00B0}" type="datetimeFigureOut">
               <a:rPr lang="en-US" smtClean="0"/>
-              <a:t>5/4/2022</a:t>
+              <a:t>5/5/2022</a:t>
             </a:fld>
             <a:endParaRPr lang="en-US"/>
           </a:p>
@@ -1621,7 +1621,7 @@
           <a:p>
             <a:fld id="{BCF065E9-F0BD-4CBA-8514-7C9F3F1A00B0}" type="datetimeFigureOut">
               <a:rPr lang="en-US" smtClean="0"/>
-              <a:t>5/4/2022</a:t>
+              <a:t>5/5/2022</a:t>
             </a:fld>
             <a:endParaRPr lang="en-US"/>
           </a:p>
@@ -1739,7 +1739,7 @@
           <a:p>
             <a:fld id="{BCF065E9-F0BD-4CBA-8514-7C9F3F1A00B0}" type="datetimeFigureOut">
               <a:rPr lang="en-US" smtClean="0"/>
-              <a:t>5/4/2022</a:t>
+              <a:t>5/5/2022</a:t>
             </a:fld>
             <a:endParaRPr lang="en-US"/>
           </a:p>
@@ -1834,7 +1834,7 @@
           <a:p>
             <a:fld id="{BCF065E9-F0BD-4CBA-8514-7C9F3F1A00B0}" type="datetimeFigureOut">
               <a:rPr lang="en-US" smtClean="0"/>
-              <a:t>5/4/2022</a:t>
+              <a:t>5/5/2022</a:t>
             </a:fld>
             <a:endParaRPr lang="en-US"/>
           </a:p>
@@ -2111,7 +2111,7 @@
           <a:p>
             <a:fld id="{BCF065E9-F0BD-4CBA-8514-7C9F3F1A00B0}" type="datetimeFigureOut">
               <a:rPr lang="en-US" smtClean="0"/>
-              <a:t>5/4/2022</a:t>
+              <a:t>5/5/2022</a:t>
             </a:fld>
             <a:endParaRPr lang="en-US"/>
           </a:p>
@@ -2368,7 +2368,7 @@
           <a:p>
             <a:fld id="{BCF065E9-F0BD-4CBA-8514-7C9F3F1A00B0}" type="datetimeFigureOut">
               <a:rPr lang="en-US" smtClean="0"/>
-              <a:t>5/4/2022</a:t>
+              <a:t>5/5/2022</a:t>
             </a:fld>
             <a:endParaRPr lang="en-US"/>
           </a:p>
@@ -2581,7 +2581,7 @@
           <a:p>
             <a:fld id="{BCF065E9-F0BD-4CBA-8514-7C9F3F1A00B0}" type="datetimeFigureOut">
               <a:rPr lang="en-US" smtClean="0"/>
-              <a:t>5/4/2022</a:t>
+              <a:t>5/5/2022</a:t>
             </a:fld>
             <a:endParaRPr lang="en-US"/>
           </a:p>
@@ -12340,7 +12340,7 @@
         </p:nvSpPr>
         <p:spPr>
           <a:xfrm>
-            <a:off x="1620559" y="2831994"/>
+            <a:off x="1620559" y="2610665"/>
             <a:ext cx="819256" cy="584775"/>
           </a:xfrm>
           <a:prstGeom prst="rect">
@@ -12384,8 +12384,8 @@
         </p:nvSpPr>
         <p:spPr>
           <a:xfrm>
-            <a:off x="2554796" y="981638"/>
-            <a:ext cx="5181600" cy="3176407"/>
+            <a:off x="2554796" y="1570216"/>
+            <a:ext cx="5181600" cy="2587829"/>
           </a:xfrm>
           <a:prstGeom prst="rect">
             <a:avLst/>
@@ -14460,7 +14460,7 @@
         </p:nvSpPr>
         <p:spPr>
           <a:xfrm>
-            <a:off x="2691847" y="1112054"/>
+            <a:off x="2691847" y="1709462"/>
             <a:ext cx="2142175" cy="260659"/>
           </a:xfrm>
           <a:prstGeom prst="roundRect">
@@ -14556,7 +14556,7 @@
         </p:nvSpPr>
         <p:spPr>
           <a:xfrm>
-            <a:off x="4964460" y="1112053"/>
+            <a:off x="4964460" y="1709461"/>
             <a:ext cx="2142175" cy="260659"/>
           </a:xfrm>
           <a:prstGeom prst="roundRect">
@@ -14660,7 +14660,7 @@
         </p:nvSpPr>
         <p:spPr>
           <a:xfrm>
-            <a:off x="2691141" y="1459475"/>
+            <a:off x="2691141" y="2056883"/>
             <a:ext cx="1652923" cy="260659"/>
           </a:xfrm>
           <a:prstGeom prst="roundRect">
@@ -14740,7 +14740,7 @@
         </p:nvSpPr>
         <p:spPr>
           <a:xfrm>
-            <a:off x="4446822" y="1459474"/>
+            <a:off x="4446822" y="2056882"/>
             <a:ext cx="942016" cy="260659"/>
           </a:xfrm>
           <a:prstGeom prst="roundRect">
@@ -14804,7 +14804,7 @@
         </p:nvSpPr>
         <p:spPr>
           <a:xfrm>
-            <a:off x="2686592" y="2150435"/>
+            <a:off x="2686592" y="2747843"/>
             <a:ext cx="817692" cy="260659"/>
           </a:xfrm>
           <a:prstGeom prst="roundRect">
@@ -14864,7 +14864,7 @@
         </p:nvSpPr>
         <p:spPr>
           <a:xfrm>
-            <a:off x="5470340" y="1459473"/>
+            <a:off x="5470340" y="2056881"/>
             <a:ext cx="2142175" cy="260659"/>
           </a:xfrm>
           <a:prstGeom prst="roundRect">
@@ -14960,7 +14960,7 @@
         </p:nvSpPr>
         <p:spPr>
           <a:xfrm>
-            <a:off x="2686592" y="1807892"/>
+            <a:off x="2686592" y="2405300"/>
             <a:ext cx="2142175" cy="260659"/>
           </a:xfrm>
           <a:prstGeom prst="roundRect">
@@ -15056,7 +15056,7 @@
         </p:nvSpPr>
         <p:spPr>
           <a:xfrm>
-            <a:off x="3578167" y="2150434"/>
+            <a:off x="3578167" y="2747842"/>
             <a:ext cx="817692" cy="260659"/>
           </a:xfrm>
           <a:prstGeom prst="roundRect">
@@ -15116,7 +15116,7 @@
         </p:nvSpPr>
         <p:spPr>
           <a:xfrm>
-            <a:off x="4475504" y="2150433"/>
+            <a:off x="4475504" y="2747841"/>
             <a:ext cx="913333" cy="260659"/>
           </a:xfrm>
           <a:prstGeom prst="roundRect">
@@ -15184,7 +15184,7 @@
         </p:nvSpPr>
         <p:spPr>
           <a:xfrm>
-            <a:off x="5479123" y="2149172"/>
+            <a:off x="5479123" y="2746580"/>
             <a:ext cx="1426190" cy="260659"/>
           </a:xfrm>
           <a:prstGeom prst="roundRect">
@@ -15252,7 +15252,7 @@
         </p:nvSpPr>
         <p:spPr>
           <a:xfrm>
-            <a:off x="2697046" y="2496276"/>
+            <a:off x="2697046" y="3093684"/>
             <a:ext cx="1759222" cy="260659"/>
           </a:xfrm>
           <a:prstGeom prst="roundRect">
@@ -15328,7 +15328,7 @@
         </p:nvSpPr>
         <p:spPr>
           <a:xfrm>
-            <a:off x="4535141" y="2496066"/>
+            <a:off x="4535141" y="3093474"/>
             <a:ext cx="1422708" cy="260659"/>
           </a:xfrm>
           <a:prstGeom prst="roundRect">
@@ -15392,7 +15392,7 @@
         </p:nvSpPr>
         <p:spPr>
           <a:xfrm>
-            <a:off x="6039585" y="2491084"/>
+            <a:off x="6039585" y="3088492"/>
             <a:ext cx="1199351" cy="260659"/>
           </a:xfrm>
           <a:prstGeom prst="roundRect">
@@ -15456,7 +15456,7 @@
         </p:nvSpPr>
         <p:spPr>
           <a:xfrm>
-            <a:off x="2690774" y="2837982"/>
+            <a:off x="5322989" y="3777429"/>
             <a:ext cx="972497" cy="260659"/>
           </a:xfrm>
           <a:prstGeom prst="roundRect">
@@ -15520,7 +15520,7 @@
         </p:nvSpPr>
         <p:spPr>
           <a:xfrm>
-            <a:off x="3730600" y="2843487"/>
+            <a:off x="6362815" y="3782934"/>
             <a:ext cx="1201184" cy="260659"/>
           </a:xfrm>
           <a:prstGeom prst="roundRect">
@@ -15600,7 +15600,7 @@
         </p:nvSpPr>
         <p:spPr>
           <a:xfrm>
-            <a:off x="5963296" y="1812364"/>
+            <a:off x="5963296" y="2409772"/>
             <a:ext cx="1356388" cy="260659"/>
           </a:xfrm>
           <a:prstGeom prst="roundRect">
@@ -15664,7 +15664,7 @@
         </p:nvSpPr>
         <p:spPr>
           <a:xfrm>
-            <a:off x="4904437" y="1808163"/>
+            <a:off x="4904437" y="2405571"/>
             <a:ext cx="983327" cy="260659"/>
           </a:xfrm>
           <a:prstGeom prst="roundRect">
@@ -15728,7 +15728,7 @@
         </p:nvSpPr>
         <p:spPr>
           <a:xfrm>
-            <a:off x="2686592" y="3181861"/>
+            <a:off x="2686592" y="3779269"/>
             <a:ext cx="817692" cy="260659"/>
           </a:xfrm>
           <a:prstGeom prst="roundRect">
@@ -15788,8 +15788,8 @@
         </p:nvSpPr>
         <p:spPr>
           <a:xfrm>
-            <a:off x="3780349" y="3577284"/>
-            <a:ext cx="1199351" cy="260659"/>
+            <a:off x="4552587" y="3438174"/>
+            <a:ext cx="1290992" cy="260659"/>
           </a:xfrm>
           <a:prstGeom prst="roundRect">
             <a:avLst/>
@@ -15801,13 +15801,13 @@
         </p:spPr>
         <p:style>
           <a:lnRef idx="1">
-            <a:schemeClr val="accent5"/>
+            <a:schemeClr val="accent6"/>
           </a:lnRef>
           <a:fillRef idx="2">
-            <a:schemeClr val="accent5"/>
+            <a:schemeClr val="accent6"/>
           </a:fillRef>
           <a:effectRef idx="1">
-            <a:schemeClr val="accent5"/>
+            <a:schemeClr val="accent6"/>
           </a:effectRef>
           <a:fontRef idx="minor">
             <a:schemeClr val="dk1"/>
@@ -15820,7 +15820,23 @@
             <a:pPr algn="ctr"/>
             <a:r>
               <a:rPr lang="zh-CN" altLang="en-US" sz="900" dirty="0"/>
-              <a:t>科技情报</a:t>
+              <a:t>学者</a:t>
+            </a:r>
+            <a:r>
+              <a:rPr lang="en-US" altLang="zh-CN" sz="900" dirty="0"/>
+              <a:t>/</a:t>
+            </a:r>
+            <a:r>
+              <a:rPr lang="zh-CN" altLang="en-US" sz="900" dirty="0"/>
+              <a:t>机构</a:t>
+            </a:r>
+            <a:r>
+              <a:rPr lang="en-US" altLang="zh-CN" sz="900" dirty="0"/>
+              <a:t>/</a:t>
+            </a:r>
+            <a:r>
+              <a:rPr lang="zh-CN" altLang="en-US" sz="900" dirty="0"/>
+              <a:t>出处</a:t>
             </a:r>
             <a:r>
               <a:rPr lang="zh-CN" altLang="en-US" sz="900" dirty="0">
@@ -15828,7 +15844,7 @@
                   <a:srgbClr val="FF0000"/>
                 </a:solidFill>
               </a:rPr>
-              <a:t>事件预测</a:t>
+              <a:t>评估</a:t>
             </a:r>
             <a:endParaRPr lang="en-US" sz="900" dirty="0">
               <a:solidFill>
@@ -15852,7 +15868,7 @@
         </p:nvSpPr>
         <p:spPr>
           <a:xfrm>
-            <a:off x="5012178" y="2838037"/>
+            <a:off x="2687611" y="3441803"/>
             <a:ext cx="945671" cy="260659"/>
           </a:xfrm>
           <a:prstGeom prst="roundRect">
@@ -15865,13 +15881,13 @@
         </p:spPr>
         <p:style>
           <a:lnRef idx="1">
-            <a:schemeClr val="accent4"/>
+            <a:schemeClr val="accent2"/>
           </a:lnRef>
           <a:fillRef idx="2">
-            <a:schemeClr val="accent4"/>
+            <a:schemeClr val="accent2"/>
           </a:fillRef>
           <a:effectRef idx="1">
-            <a:schemeClr val="accent4"/>
+            <a:schemeClr val="accent2"/>
           </a:effectRef>
           <a:fontRef idx="minor">
             <a:schemeClr val="dk1"/>
@@ -15897,6 +15913,282 @@
                 </a:solidFill>
               </a:rPr>
               <a:t>文献管理</a:t>
+            </a:r>
+            <a:endParaRPr lang="en-US" sz="900" dirty="0">
+              <a:solidFill>
+                <a:srgbClr val="FF0000"/>
+              </a:solidFill>
+            </a:endParaRPr>
+          </a:p>
+        </p:txBody>
+      </p:sp>
+      <p:sp>
+        <p:nvSpPr>
+          <p:cNvPr id="177" name="Rectangle: Rounded Corners 176">
+            <a:extLst>
+              <a:ext uri="{FF2B5EF4-FFF2-40B4-BE49-F238E27FC236}">
+                <a16:creationId xmlns:a16="http://schemas.microsoft.com/office/drawing/2014/main" id="{5A621328-238B-0BDF-8AEF-B93992BE6C04}"/>
+              </a:ext>
+            </a:extLst>
+          </p:cNvPr>
+          <p:cNvSpPr/>
+          <p:nvPr/>
+        </p:nvSpPr>
+        <p:spPr>
+          <a:xfrm>
+            <a:off x="3710981" y="3441747"/>
+            <a:ext cx="757838" cy="260659"/>
+          </a:xfrm>
+          <a:prstGeom prst="roundRect">
+            <a:avLst/>
+          </a:prstGeom>
+          <a:ln>
+            <a:headEnd type="none" w="med" len="med"/>
+            <a:tailEnd type="none" w="med" len="med"/>
+          </a:ln>
+        </p:spPr>
+        <p:style>
+          <a:lnRef idx="1">
+            <a:schemeClr val="accent2"/>
+          </a:lnRef>
+          <a:fillRef idx="2">
+            <a:schemeClr val="accent2"/>
+          </a:fillRef>
+          <a:effectRef idx="1">
+            <a:schemeClr val="accent2"/>
+          </a:effectRef>
+          <a:fontRef idx="minor">
+            <a:schemeClr val="dk1"/>
+          </a:fontRef>
+        </p:style>
+        <p:txBody>
+          <a:bodyPr rtlCol="0" anchor="ctr"/>
+          <a:lstStyle/>
+          <a:p>
+            <a:pPr algn="ctr"/>
+            <a:r>
+              <a:rPr lang="zh-CN" altLang="en-US" sz="900" dirty="0">
+                <a:solidFill>
+                  <a:schemeClr val="tx1"/>
+                </a:solidFill>
+              </a:rPr>
+              <a:t>用户</a:t>
+            </a:r>
+            <a:r>
+              <a:rPr lang="zh-CN" altLang="en-US" sz="900" dirty="0">
+                <a:solidFill>
+                  <a:srgbClr val="FF0000"/>
+                </a:solidFill>
+              </a:rPr>
+              <a:t>订阅</a:t>
+            </a:r>
+            <a:endParaRPr lang="en-US" sz="900" dirty="0">
+              <a:solidFill>
+                <a:srgbClr val="FF0000"/>
+              </a:solidFill>
+            </a:endParaRPr>
+          </a:p>
+        </p:txBody>
+      </p:sp>
+      <p:sp>
+        <p:nvSpPr>
+          <p:cNvPr id="178" name="Rectangle: Rounded Corners 177">
+            <a:extLst>
+              <a:ext uri="{FF2B5EF4-FFF2-40B4-BE49-F238E27FC236}">
+                <a16:creationId xmlns:a16="http://schemas.microsoft.com/office/drawing/2014/main" id="{49E657FF-4360-DA0C-61E5-18C8823FD913}"/>
+              </a:ext>
+            </a:extLst>
+          </p:cNvPr>
+          <p:cNvSpPr/>
+          <p:nvPr/>
+        </p:nvSpPr>
+        <p:spPr>
+          <a:xfrm>
+            <a:off x="5920599" y="3438174"/>
+            <a:ext cx="1290992" cy="260659"/>
+          </a:xfrm>
+          <a:prstGeom prst="roundRect">
+            <a:avLst/>
+          </a:prstGeom>
+          <a:ln>
+            <a:headEnd type="none" w="med" len="med"/>
+            <a:tailEnd type="none" w="med" len="med"/>
+          </a:ln>
+        </p:spPr>
+        <p:style>
+          <a:lnRef idx="1">
+            <a:schemeClr val="accent6"/>
+          </a:lnRef>
+          <a:fillRef idx="2">
+            <a:schemeClr val="accent6"/>
+          </a:fillRef>
+          <a:effectRef idx="1">
+            <a:schemeClr val="accent6"/>
+          </a:effectRef>
+          <a:fontRef idx="minor">
+            <a:schemeClr val="dk1"/>
+          </a:fontRef>
+        </p:style>
+        <p:txBody>
+          <a:bodyPr rtlCol="0" anchor="ctr"/>
+          <a:lstStyle/>
+          <a:p>
+            <a:pPr algn="ctr"/>
+            <a:r>
+              <a:rPr lang="zh-CN" altLang="en-US" sz="900" dirty="0"/>
+              <a:t>领域工作</a:t>
+            </a:r>
+            <a:r>
+              <a:rPr lang="en-US" altLang="zh-CN" sz="900" dirty="0"/>
+              <a:t>/</a:t>
+            </a:r>
+            <a:r>
+              <a:rPr lang="zh-CN" altLang="en-US" sz="900" dirty="0"/>
+              <a:t>概念</a:t>
+            </a:r>
+            <a:r>
+              <a:rPr lang="zh-CN" altLang="en-US" sz="900" dirty="0">
+                <a:solidFill>
+                  <a:srgbClr val="FF0000"/>
+                </a:solidFill>
+              </a:rPr>
+              <a:t>榜单</a:t>
+            </a:r>
+            <a:endParaRPr lang="en-US" sz="900" dirty="0">
+              <a:solidFill>
+                <a:srgbClr val="FF0000"/>
+              </a:solidFill>
+            </a:endParaRPr>
+          </a:p>
+        </p:txBody>
+      </p:sp>
+      <p:sp>
+        <p:nvSpPr>
+          <p:cNvPr id="179" name="Rectangle: Rounded Corners 178">
+            <a:extLst>
+              <a:ext uri="{FF2B5EF4-FFF2-40B4-BE49-F238E27FC236}">
+                <a16:creationId xmlns:a16="http://schemas.microsoft.com/office/drawing/2014/main" id="{92B1C41A-48D1-1EF3-10E0-DBD64A1C2408}"/>
+              </a:ext>
+            </a:extLst>
+          </p:cNvPr>
+          <p:cNvSpPr/>
+          <p:nvPr/>
+        </p:nvSpPr>
+        <p:spPr>
+          <a:xfrm>
+            <a:off x="3556513" y="3778061"/>
+            <a:ext cx="899755" cy="260659"/>
+          </a:xfrm>
+          <a:prstGeom prst="roundRect">
+            <a:avLst/>
+          </a:prstGeom>
+          <a:ln>
+            <a:headEnd type="none" w="med" len="med"/>
+            <a:tailEnd type="none" w="med" len="med"/>
+          </a:ln>
+        </p:spPr>
+        <p:style>
+          <a:lnRef idx="1">
+            <a:schemeClr val="accent4"/>
+          </a:lnRef>
+          <a:fillRef idx="2">
+            <a:schemeClr val="accent4"/>
+          </a:fillRef>
+          <a:effectRef idx="1">
+            <a:schemeClr val="accent4"/>
+          </a:effectRef>
+          <a:fontRef idx="minor">
+            <a:schemeClr val="dk1"/>
+          </a:fontRef>
+        </p:style>
+        <p:txBody>
+          <a:bodyPr rtlCol="0" anchor="ctr"/>
+          <a:lstStyle/>
+          <a:p>
+            <a:pPr algn="ctr"/>
+            <a:r>
+              <a:rPr lang="zh-CN" altLang="en-US" sz="900" dirty="0">
+                <a:solidFill>
+                  <a:schemeClr val="tx1"/>
+                </a:solidFill>
+              </a:rPr>
+              <a:t>知识图谱</a:t>
+            </a:r>
+            <a:r>
+              <a:rPr lang="zh-CN" altLang="en-US" sz="900" dirty="0">
+                <a:solidFill>
+                  <a:srgbClr val="FF0000"/>
+                </a:solidFill>
+              </a:rPr>
+              <a:t>问答</a:t>
+            </a:r>
+            <a:endParaRPr lang="en-US" sz="900" dirty="0">
+              <a:solidFill>
+                <a:srgbClr val="FF0000"/>
+              </a:solidFill>
+            </a:endParaRPr>
+          </a:p>
+        </p:txBody>
+      </p:sp>
+      <p:sp>
+        <p:nvSpPr>
+          <p:cNvPr id="180" name="Rectangle: Rounded Corners 179">
+            <a:extLst>
+              <a:ext uri="{FF2B5EF4-FFF2-40B4-BE49-F238E27FC236}">
+                <a16:creationId xmlns:a16="http://schemas.microsoft.com/office/drawing/2014/main" id="{D7B8EDD0-8EC5-1B4C-E49B-822027E1B891}"/>
+              </a:ext>
+            </a:extLst>
+          </p:cNvPr>
+          <p:cNvSpPr/>
+          <p:nvPr/>
+        </p:nvSpPr>
+        <p:spPr>
+          <a:xfrm>
+            <a:off x="4511189" y="3780207"/>
+            <a:ext cx="757838" cy="260659"/>
+          </a:xfrm>
+          <a:prstGeom prst="roundRect">
+            <a:avLst/>
+          </a:prstGeom>
+          <a:ln>
+            <a:headEnd type="none" w="med" len="med"/>
+            <a:tailEnd type="none" w="med" len="med"/>
+          </a:ln>
+        </p:spPr>
+        <p:style>
+          <a:lnRef idx="1">
+            <a:schemeClr val="accent4"/>
+          </a:lnRef>
+          <a:fillRef idx="2">
+            <a:schemeClr val="accent4"/>
+          </a:fillRef>
+          <a:effectRef idx="1">
+            <a:schemeClr val="accent4"/>
+          </a:effectRef>
+          <a:fontRef idx="minor">
+            <a:schemeClr val="dk1"/>
+          </a:fontRef>
+        </p:style>
+        <p:txBody>
+          <a:bodyPr rtlCol="0" anchor="ctr"/>
+          <a:lstStyle/>
+          <a:p>
+            <a:pPr algn="ctr"/>
+            <a:r>
+              <a:rPr lang="zh-CN" altLang="en-US" sz="900" dirty="0">
+                <a:solidFill>
+                  <a:schemeClr val="tx1"/>
+                </a:solidFill>
+              </a:rPr>
+              <a:t>视频</a:t>
+            </a:r>
+            <a:r>
+              <a:rPr lang="zh-CN" altLang="en-US" sz="900" dirty="0">
+                <a:solidFill>
+                  <a:srgbClr val="FF0000"/>
+                </a:solidFill>
+              </a:rPr>
+              <a:t>问答</a:t>
             </a:r>
             <a:endParaRPr lang="en-US" sz="900" dirty="0">
               <a:solidFill>

--- a/SystemDesignDocs/FiguresForDesign/Figures.pptx
+++ b/SystemDesignDocs/FiguresForDesign/Figures.pptx
@@ -258,7 +258,7 @@
           <a:p>
             <a:fld id="{BCF065E9-F0BD-4CBA-8514-7C9F3F1A00B0}" type="datetimeFigureOut">
               <a:rPr lang="en-US" smtClean="0"/>
-              <a:t>5/5/2022</a:t>
+              <a:t>5/10/2022</a:t>
             </a:fld>
             <a:endParaRPr lang="en-US"/>
           </a:p>
@@ -428,7 +428,7 @@
           <a:p>
             <a:fld id="{BCF065E9-F0BD-4CBA-8514-7C9F3F1A00B0}" type="datetimeFigureOut">
               <a:rPr lang="en-US" smtClean="0"/>
-              <a:t>5/5/2022</a:t>
+              <a:t>5/10/2022</a:t>
             </a:fld>
             <a:endParaRPr lang="en-US"/>
           </a:p>
@@ -608,7 +608,7 @@
           <a:p>
             <a:fld id="{BCF065E9-F0BD-4CBA-8514-7C9F3F1A00B0}" type="datetimeFigureOut">
               <a:rPr lang="en-US" smtClean="0"/>
-              <a:t>5/5/2022</a:t>
+              <a:t>5/10/2022</a:t>
             </a:fld>
             <a:endParaRPr lang="en-US"/>
           </a:p>
@@ -778,7 +778,7 @@
           <a:p>
             <a:fld id="{BCF065E9-F0BD-4CBA-8514-7C9F3F1A00B0}" type="datetimeFigureOut">
               <a:rPr lang="en-US" smtClean="0"/>
-              <a:t>5/5/2022</a:t>
+              <a:t>5/10/2022</a:t>
             </a:fld>
             <a:endParaRPr lang="en-US"/>
           </a:p>
@@ -1022,7 +1022,7 @@
           <a:p>
             <a:fld id="{BCF065E9-F0BD-4CBA-8514-7C9F3F1A00B0}" type="datetimeFigureOut">
               <a:rPr lang="en-US" smtClean="0"/>
-              <a:t>5/5/2022</a:t>
+              <a:t>5/10/2022</a:t>
             </a:fld>
             <a:endParaRPr lang="en-US"/>
           </a:p>
@@ -1254,7 +1254,7 @@
           <a:p>
             <a:fld id="{BCF065E9-F0BD-4CBA-8514-7C9F3F1A00B0}" type="datetimeFigureOut">
               <a:rPr lang="en-US" smtClean="0"/>
-              <a:t>5/5/2022</a:t>
+              <a:t>5/10/2022</a:t>
             </a:fld>
             <a:endParaRPr lang="en-US"/>
           </a:p>
@@ -1621,7 +1621,7 @@
           <a:p>
             <a:fld id="{BCF065E9-F0BD-4CBA-8514-7C9F3F1A00B0}" type="datetimeFigureOut">
               <a:rPr lang="en-US" smtClean="0"/>
-              <a:t>5/5/2022</a:t>
+              <a:t>5/10/2022</a:t>
             </a:fld>
             <a:endParaRPr lang="en-US"/>
           </a:p>
@@ -1739,7 +1739,7 @@
           <a:p>
             <a:fld id="{BCF065E9-F0BD-4CBA-8514-7C9F3F1A00B0}" type="datetimeFigureOut">
               <a:rPr lang="en-US" smtClean="0"/>
-              <a:t>5/5/2022</a:t>
+              <a:t>5/10/2022</a:t>
             </a:fld>
             <a:endParaRPr lang="en-US"/>
           </a:p>
@@ -1834,7 +1834,7 @@
           <a:p>
             <a:fld id="{BCF065E9-F0BD-4CBA-8514-7C9F3F1A00B0}" type="datetimeFigureOut">
               <a:rPr lang="en-US" smtClean="0"/>
-              <a:t>5/5/2022</a:t>
+              <a:t>5/10/2022</a:t>
             </a:fld>
             <a:endParaRPr lang="en-US"/>
           </a:p>
@@ -2111,7 +2111,7 @@
           <a:p>
             <a:fld id="{BCF065E9-F0BD-4CBA-8514-7C9F3F1A00B0}" type="datetimeFigureOut">
               <a:rPr lang="en-US" smtClean="0"/>
-              <a:t>5/5/2022</a:t>
+              <a:t>5/10/2022</a:t>
             </a:fld>
             <a:endParaRPr lang="en-US"/>
           </a:p>
@@ -2368,7 +2368,7 @@
           <a:p>
             <a:fld id="{BCF065E9-F0BD-4CBA-8514-7C9F3F1A00B0}" type="datetimeFigureOut">
               <a:rPr lang="en-US" smtClean="0"/>
-              <a:t>5/5/2022</a:t>
+              <a:t>5/10/2022</a:t>
             </a:fld>
             <a:endParaRPr lang="en-US"/>
           </a:p>
@@ -2581,7 +2581,7 @@
           <a:p>
             <a:fld id="{BCF065E9-F0BD-4CBA-8514-7C9F3F1A00B0}" type="datetimeFigureOut">
               <a:rPr lang="en-US" smtClean="0"/>
-              <a:t>5/5/2022</a:t>
+              <a:t>5/10/2022</a:t>
             </a:fld>
             <a:endParaRPr lang="en-US"/>
           </a:p>
@@ -4684,12 +4684,12 @@
         </p:nvCxnSpPr>
         <p:spPr>
           <a:xfrm rot="5400000" flipH="1" flipV="1">
-            <a:off x="3950336" y="9943884"/>
-            <a:ext cx="1164935" cy="1577682"/>
+            <a:off x="3954146" y="9940076"/>
+            <a:ext cx="1164933" cy="1585300"/>
           </a:xfrm>
           <a:prstGeom prst="bentConnector3">
             <a:avLst>
-              <a:gd name="adj1" fmla="val 7264"/>
+              <a:gd name="adj1" fmla="val 6828"/>
             </a:avLst>
           </a:prstGeom>
           <a:ln w="12700">
@@ -4732,12 +4732,12 @@
         </p:nvCxnSpPr>
         <p:spPr>
           <a:xfrm rot="16200000" flipV="1">
-            <a:off x="4819284" y="10652620"/>
-            <a:ext cx="1164935" cy="160213"/>
+            <a:off x="4823093" y="10656429"/>
+            <a:ext cx="1164933" cy="152593"/>
           </a:xfrm>
           <a:prstGeom prst="bentConnector3">
             <a:avLst>
-              <a:gd name="adj1" fmla="val 7265"/>
+              <a:gd name="adj1" fmla="val 6828"/>
             </a:avLst>
           </a:prstGeom>
           <a:ln w="12700">
@@ -4875,7 +4875,7 @@
         </p:nvSpPr>
         <p:spPr>
           <a:xfrm>
-            <a:off x="4436537" y="9874682"/>
+            <a:off x="4444157" y="9874682"/>
             <a:ext cx="1770210" cy="275577"/>
           </a:xfrm>
           <a:prstGeom prst="roundRect">
@@ -5116,7 +5116,7 @@
         </p:nvSpPr>
         <p:spPr>
           <a:xfrm>
-            <a:off x="4675278" y="9142805"/>
+            <a:off x="4682898" y="9142805"/>
             <a:ext cx="1282571" cy="454827"/>
           </a:xfrm>
           <a:prstGeom prst="roundRect">
@@ -5354,12 +5354,12 @@
         </p:nvCxnSpPr>
         <p:spPr>
           <a:xfrm rot="16200000" flipV="1">
-            <a:off x="4440144" y="8993182"/>
-            <a:ext cx="276978" cy="1486018"/>
+            <a:off x="4443954" y="8989374"/>
+            <a:ext cx="276978" cy="1493638"/>
           </a:xfrm>
           <a:prstGeom prst="bentConnector3">
             <a:avLst>
-              <a:gd name="adj1" fmla="val 42664"/>
+              <a:gd name="adj1" fmla="val 50000"/>
             </a:avLst>
           </a:prstGeom>
           <a:ln w="12700">
@@ -5402,8 +5402,8 @@
         </p:nvCxnSpPr>
         <p:spPr>
           <a:xfrm rot="16200000" flipV="1">
-            <a:off x="5180577" y="9733615"/>
-            <a:ext cx="277050" cy="5080"/>
+            <a:off x="5188198" y="9733618"/>
+            <a:ext cx="277050" cy="5078"/>
           </a:xfrm>
           <a:prstGeom prst="bentConnector3">
             <a:avLst>
@@ -5450,12 +5450,12 @@
         </p:nvCxnSpPr>
         <p:spPr>
           <a:xfrm rot="5400000" flipH="1" flipV="1">
-            <a:off x="5922142" y="8997130"/>
-            <a:ext cx="277050" cy="1478050"/>
+            <a:off x="5925952" y="9000942"/>
+            <a:ext cx="277050" cy="1470430"/>
           </a:xfrm>
           <a:prstGeom prst="bentConnector3">
             <a:avLst>
-              <a:gd name="adj1" fmla="val 42666"/>
+              <a:gd name="adj1" fmla="val 50000"/>
             </a:avLst>
           </a:prstGeom>
           <a:ln w="12700">
@@ -5555,7 +5555,7 @@
         <p:spPr>
           <a:xfrm>
             <a:off x="3044313" y="7379320"/>
-            <a:ext cx="4551238" cy="1512045"/>
+            <a:ext cx="4551238" cy="1428875"/>
           </a:xfrm>
           <a:prstGeom prst="rect">
             <a:avLst/>
@@ -5607,7 +5607,7 @@
         </p:nvSpPr>
         <p:spPr>
           <a:xfrm>
-            <a:off x="4434665" y="8358174"/>
+            <a:off x="4434665" y="8243874"/>
             <a:ext cx="799687" cy="302748"/>
           </a:xfrm>
           <a:prstGeom prst="roundRect">
@@ -5667,7 +5667,7 @@
         </p:nvSpPr>
         <p:spPr>
           <a:xfrm>
-            <a:off x="5407062" y="8358174"/>
+            <a:off x="5407062" y="8243874"/>
             <a:ext cx="799687" cy="302748"/>
           </a:xfrm>
           <a:prstGeom prst="roundRect">
@@ -5727,7 +5727,7 @@
         </p:nvSpPr>
         <p:spPr>
           <a:xfrm>
-            <a:off x="4289238" y="8248856"/>
+            <a:off x="4289238" y="8134556"/>
             <a:ext cx="2078215" cy="509766"/>
           </a:xfrm>
           <a:prstGeom prst="rect">
@@ -5777,15 +5777,15 @@
           </p:cNvPr>
           <p:cNvCxnSpPr>
             <a:cxnSpLocks/>
-            <a:stCxn id="36" idx="0"/>
+            <a:stCxn id="56" idx="0"/>
             <a:endCxn id="76" idx="2"/>
           </p:cNvCxnSpPr>
           <p:nvPr/>
         </p:nvCxnSpPr>
         <p:spPr>
-          <a:xfrm rot="16200000" flipV="1">
-            <a:off x="5208698" y="8878270"/>
-            <a:ext cx="240090" cy="797"/>
+          <a:xfrm rot="5400000" flipH="1" flipV="1">
+            <a:off x="5077024" y="8891483"/>
+            <a:ext cx="498483" cy="4162"/>
           </a:xfrm>
           <a:prstGeom prst="bentConnector3">
             <a:avLst>
@@ -5814,55 +5814,6 @@
           </a:fontRef>
         </p:style>
       </p:cxnSp>
-      <p:sp>
-        <p:nvSpPr>
-          <p:cNvPr id="80" name="TextBox 79">
-            <a:extLst>
-              <a:ext uri="{FF2B5EF4-FFF2-40B4-BE49-F238E27FC236}">
-                <a16:creationId xmlns:a16="http://schemas.microsoft.com/office/drawing/2014/main" id="{4B6173F9-1507-44B3-8532-0D9AEE7FA30E}"/>
-              </a:ext>
-            </a:extLst>
-          </p:cNvPr>
-          <p:cNvSpPr txBox="1"/>
-          <p:nvPr/>
-        </p:nvSpPr>
-        <p:spPr>
-          <a:xfrm>
-            <a:off x="4132097" y="7995287"/>
-            <a:ext cx="799687" cy="246221"/>
-          </a:xfrm>
-          <a:prstGeom prst="rect">
-            <a:avLst/>
-          </a:prstGeom>
-          <a:noFill/>
-        </p:spPr>
-        <p:txBody>
-          <a:bodyPr wrap="square" rtlCol="0">
-            <a:spAutoFit/>
-          </a:bodyPr>
-          <a:lstStyle/>
-          <a:p>
-            <a:pPr algn="ctr"/>
-            <a:r>
-              <a:rPr lang="zh-CN" altLang="en-US" sz="1000" b="1" dirty="0">
-                <a:solidFill>
-                  <a:schemeClr val="accent6">
-                    <a:lumMod val="50000"/>
-                  </a:schemeClr>
-                </a:solidFill>
-              </a:rPr>
-              <a:t>实体链接</a:t>
-            </a:r>
-            <a:endParaRPr lang="en-US" sz="1000" b="1" dirty="0">
-              <a:solidFill>
-                <a:schemeClr val="accent6">
-                  <a:lumMod val="50000"/>
-                </a:schemeClr>
-              </a:solidFill>
-            </a:endParaRPr>
-          </a:p>
-        </p:txBody>
-      </p:sp>
       <p:sp>
         <p:nvSpPr>
           <p:cNvPr id="81" name="Rectangle: Rounded Corners 80">
@@ -5986,8 +5937,8 @@
         </p:nvCxnSpPr>
         <p:spPr>
           <a:xfrm rot="16200000" flipH="1">
-            <a:off x="5131002" y="8051513"/>
-            <a:ext cx="393065" cy="1623"/>
+            <a:off x="5188153" y="7994362"/>
+            <a:ext cx="278763" cy="1623"/>
           </a:xfrm>
           <a:prstGeom prst="bentConnector3">
             <a:avLst>
@@ -6251,7 +6202,7 @@
         <p:spPr>
           <a:xfrm rot="10800000">
             <a:off x="3572988" y="6838347"/>
-            <a:ext cx="716251" cy="1665395"/>
+            <a:ext cx="716251" cy="1551093"/>
           </a:xfrm>
           <a:prstGeom prst="bentConnector3">
             <a:avLst>
@@ -6418,13 +6369,13 @@
         </p:nvCxnSpPr>
         <p:spPr>
           <a:xfrm rot="10800000" flipH="1">
-            <a:off x="4289237" y="6981173"/>
-            <a:ext cx="1037485" cy="1522566"/>
+            <a:off x="4289237" y="6981175"/>
+            <a:ext cx="1037485" cy="1408264"/>
           </a:xfrm>
           <a:prstGeom prst="bentConnector4">
             <a:avLst>
               <a:gd name="adj1" fmla="val -91074"/>
-              <a:gd name="adj2" fmla="val 88732"/>
+              <a:gd name="adj2" fmla="val 89351"/>
             </a:avLst>
           </a:prstGeom>
           <a:ln w="12700">
@@ -7921,6 +7872,102 @@
           </a:p>
         </p:txBody>
       </p:sp>
+      <p:cxnSp>
+        <p:nvCxnSpPr>
+          <p:cNvPr id="100" name="Connector: Elbow 99">
+            <a:extLst>
+              <a:ext uri="{FF2B5EF4-FFF2-40B4-BE49-F238E27FC236}">
+                <a16:creationId xmlns:a16="http://schemas.microsoft.com/office/drawing/2014/main" id="{6F6DA65A-38B4-2008-07C3-4003ABEDAEE8}"/>
+              </a:ext>
+            </a:extLst>
+          </p:cNvPr>
+          <p:cNvCxnSpPr>
+            <a:cxnSpLocks/>
+            <a:stCxn id="57" idx="0"/>
+            <a:endCxn id="76" idx="2"/>
+          </p:cNvCxnSpPr>
+          <p:nvPr/>
+        </p:nvCxnSpPr>
+        <p:spPr>
+          <a:xfrm rot="16200000" flipV="1">
+            <a:off x="5821029" y="8151640"/>
+            <a:ext cx="485981" cy="1471346"/>
+          </a:xfrm>
+          <a:prstGeom prst="bentConnector3">
+            <a:avLst>
+              <a:gd name="adj1" fmla="val 43728"/>
+            </a:avLst>
+          </a:prstGeom>
+          <a:ln w="12700">
+            <a:solidFill>
+              <a:srgbClr val="FF0000"/>
+            </a:solidFill>
+            <a:tailEnd type="triangle"/>
+          </a:ln>
+        </p:spPr>
+        <p:style>
+          <a:lnRef idx="1">
+            <a:schemeClr val="accent1"/>
+          </a:lnRef>
+          <a:fillRef idx="0">
+            <a:schemeClr val="accent1"/>
+          </a:fillRef>
+          <a:effectRef idx="0">
+            <a:schemeClr val="accent1"/>
+          </a:effectRef>
+          <a:fontRef idx="minor">
+            <a:schemeClr val="tx1"/>
+          </a:fontRef>
+        </p:style>
+      </p:cxnSp>
+      <p:cxnSp>
+        <p:nvCxnSpPr>
+          <p:cNvPr id="102" name="Connector: Elbow 101">
+            <a:extLst>
+              <a:ext uri="{FF2B5EF4-FFF2-40B4-BE49-F238E27FC236}">
+                <a16:creationId xmlns:a16="http://schemas.microsoft.com/office/drawing/2014/main" id="{1F0F1586-C31C-783D-4E13-2EDC5A4B1383}"/>
+              </a:ext>
+            </a:extLst>
+          </p:cNvPr>
+          <p:cNvCxnSpPr>
+            <a:cxnSpLocks/>
+            <a:stCxn id="47" idx="0"/>
+            <a:endCxn id="76" idx="2"/>
+          </p:cNvCxnSpPr>
+          <p:nvPr/>
+        </p:nvCxnSpPr>
+        <p:spPr>
+          <a:xfrm rot="5400000" flipH="1" flipV="1">
+            <a:off x="4338959" y="8140988"/>
+            <a:ext cx="486053" cy="1492722"/>
+          </a:xfrm>
+          <a:prstGeom prst="bentConnector3">
+            <a:avLst>
+              <a:gd name="adj1" fmla="val 45297"/>
+            </a:avLst>
+          </a:prstGeom>
+          <a:ln w="12700">
+            <a:solidFill>
+              <a:srgbClr val="FF0000"/>
+            </a:solidFill>
+            <a:tailEnd type="triangle"/>
+          </a:ln>
+        </p:spPr>
+        <p:style>
+          <a:lnRef idx="1">
+            <a:schemeClr val="accent1"/>
+          </a:lnRef>
+          <a:fillRef idx="0">
+            <a:schemeClr val="accent1"/>
+          </a:fillRef>
+          <a:effectRef idx="0">
+            <a:schemeClr val="accent1"/>
+          </a:effectRef>
+          <a:fontRef idx="minor">
+            <a:schemeClr val="tx1"/>
+          </a:fontRef>
+        </p:style>
+      </p:cxnSp>
     </p:spTree>
     <p:extLst>
       <p:ext uri="{BB962C8B-B14F-4D97-AF65-F5344CB8AC3E}">

--- a/SystemDesignDocs/FiguresForDesign/Figures.pptx
+++ b/SystemDesignDocs/FiguresForDesign/Figures.pptx
@@ -6,7 +6,7 @@
   </p:sldMasterIdLst>
   <p:sldIdLst>
     <p:sldId id="261" r:id="rId2"/>
-    <p:sldId id="262" r:id="rId3"/>
+    <p:sldId id="263" r:id="rId3"/>
     <p:sldId id="259" r:id="rId4"/>
     <p:sldId id="260" r:id="rId5"/>
     <p:sldId id="257" r:id="rId6"/>
@@ -259,7 +259,7 @@
           <a:p>
             <a:fld id="{BCF065E9-F0BD-4CBA-8514-7C9F3F1A00B0}" type="datetimeFigureOut">
               <a:rPr lang="en-US" smtClean="0"/>
-              <a:t>5/20/2022</a:t>
+              <a:t>5/21/2022</a:t>
             </a:fld>
             <a:endParaRPr lang="en-US"/>
           </a:p>
@@ -429,7 +429,7 @@
           <a:p>
             <a:fld id="{BCF065E9-F0BD-4CBA-8514-7C9F3F1A00B0}" type="datetimeFigureOut">
               <a:rPr lang="en-US" smtClean="0"/>
-              <a:t>5/20/2022</a:t>
+              <a:t>5/21/2022</a:t>
             </a:fld>
             <a:endParaRPr lang="en-US"/>
           </a:p>
@@ -609,7 +609,7 @@
           <a:p>
             <a:fld id="{BCF065E9-F0BD-4CBA-8514-7C9F3F1A00B0}" type="datetimeFigureOut">
               <a:rPr lang="en-US" smtClean="0"/>
-              <a:t>5/20/2022</a:t>
+              <a:t>5/21/2022</a:t>
             </a:fld>
             <a:endParaRPr lang="en-US"/>
           </a:p>
@@ -779,7 +779,7 @@
           <a:p>
             <a:fld id="{BCF065E9-F0BD-4CBA-8514-7C9F3F1A00B0}" type="datetimeFigureOut">
               <a:rPr lang="en-US" smtClean="0"/>
-              <a:t>5/20/2022</a:t>
+              <a:t>5/21/2022</a:t>
             </a:fld>
             <a:endParaRPr lang="en-US"/>
           </a:p>
@@ -1023,7 +1023,7 @@
           <a:p>
             <a:fld id="{BCF065E9-F0BD-4CBA-8514-7C9F3F1A00B0}" type="datetimeFigureOut">
               <a:rPr lang="en-US" smtClean="0"/>
-              <a:t>5/20/2022</a:t>
+              <a:t>5/21/2022</a:t>
             </a:fld>
             <a:endParaRPr lang="en-US"/>
           </a:p>
@@ -1255,7 +1255,7 @@
           <a:p>
             <a:fld id="{BCF065E9-F0BD-4CBA-8514-7C9F3F1A00B0}" type="datetimeFigureOut">
               <a:rPr lang="en-US" smtClean="0"/>
-              <a:t>5/20/2022</a:t>
+              <a:t>5/21/2022</a:t>
             </a:fld>
             <a:endParaRPr lang="en-US"/>
           </a:p>
@@ -1622,7 +1622,7 @@
           <a:p>
             <a:fld id="{BCF065E9-F0BD-4CBA-8514-7C9F3F1A00B0}" type="datetimeFigureOut">
               <a:rPr lang="en-US" smtClean="0"/>
-              <a:t>5/20/2022</a:t>
+              <a:t>5/21/2022</a:t>
             </a:fld>
             <a:endParaRPr lang="en-US"/>
           </a:p>
@@ -1740,7 +1740,7 @@
           <a:p>
             <a:fld id="{BCF065E9-F0BD-4CBA-8514-7C9F3F1A00B0}" type="datetimeFigureOut">
               <a:rPr lang="en-US" smtClean="0"/>
-              <a:t>5/20/2022</a:t>
+              <a:t>5/21/2022</a:t>
             </a:fld>
             <a:endParaRPr lang="en-US"/>
           </a:p>
@@ -1835,7 +1835,7 @@
           <a:p>
             <a:fld id="{BCF065E9-F0BD-4CBA-8514-7C9F3F1A00B0}" type="datetimeFigureOut">
               <a:rPr lang="en-US" smtClean="0"/>
-              <a:t>5/20/2022</a:t>
+              <a:t>5/21/2022</a:t>
             </a:fld>
             <a:endParaRPr lang="en-US"/>
           </a:p>
@@ -2112,7 +2112,7 @@
           <a:p>
             <a:fld id="{BCF065E9-F0BD-4CBA-8514-7C9F3F1A00B0}" type="datetimeFigureOut">
               <a:rPr lang="en-US" smtClean="0"/>
-              <a:t>5/20/2022</a:t>
+              <a:t>5/21/2022</a:t>
             </a:fld>
             <a:endParaRPr lang="en-US"/>
           </a:p>
@@ -2369,7 +2369,7 @@
           <a:p>
             <a:fld id="{BCF065E9-F0BD-4CBA-8514-7C9F3F1A00B0}" type="datetimeFigureOut">
               <a:rPr lang="en-US" smtClean="0"/>
-              <a:t>5/20/2022</a:t>
+              <a:t>5/21/2022</a:t>
             </a:fld>
             <a:endParaRPr lang="en-US"/>
           </a:p>
@@ -2582,7 +2582,7 @@
           <a:p>
             <a:fld id="{BCF065E9-F0BD-4CBA-8514-7C9F3F1A00B0}" type="datetimeFigureOut">
               <a:rPr lang="en-US" smtClean="0"/>
-              <a:t>5/20/2022</a:t>
+              <a:t>5/21/2022</a:t>
             </a:fld>
             <a:endParaRPr lang="en-US"/>
           </a:p>
@@ -3025,7 +3025,7 @@
             </a:r>
             <a:r>
               <a:rPr lang="en-US" dirty="0"/>
-              <a:t>- 20220520</a:t>
+              <a:t>- 20220521</a:t>
             </a:r>
           </a:p>
         </p:txBody>
@@ -3045,7 +3045,7 @@
         <p:spPr>
           <a:xfrm>
             <a:off x="2560320" y="11142472"/>
-            <a:ext cx="5181600" cy="3829304"/>
+            <a:ext cx="5577840" cy="3829304"/>
           </a:xfrm>
           <a:prstGeom prst="rect">
             <a:avLst/>
@@ -4458,7 +4458,7 @@
         <p:spPr>
           <a:xfrm>
             <a:off x="2560320" y="5697070"/>
-            <a:ext cx="5181600" cy="5338054"/>
+            <a:ext cx="5577840" cy="5338054"/>
           </a:xfrm>
           <a:prstGeom prst="rect">
             <a:avLst/>
@@ -6780,8 +6780,8 @@
         </p:nvSpPr>
         <p:spPr>
           <a:xfrm>
-            <a:off x="2554797" y="4333461"/>
-            <a:ext cx="5181600" cy="1268589"/>
+            <a:off x="2554796" y="4333461"/>
+            <a:ext cx="5577839" cy="1268589"/>
           </a:xfrm>
           <a:prstGeom prst="rect">
             <a:avLst/>
@@ -6833,7 +6833,7 @@
         </p:nvSpPr>
         <p:spPr>
           <a:xfrm>
-            <a:off x="6364220" y="5033772"/>
+            <a:off x="3342078" y="4683197"/>
             <a:ext cx="818211" cy="246453"/>
           </a:xfrm>
           <a:prstGeom prst="roundRect">
@@ -6893,7 +6893,7 @@
         </p:nvSpPr>
         <p:spPr>
           <a:xfrm>
-            <a:off x="3334892" y="5156245"/>
+            <a:off x="3334892" y="5257845"/>
             <a:ext cx="819256" cy="246453"/>
           </a:xfrm>
           <a:prstGeom prst="roundRect">
@@ -6953,7 +6953,7 @@
         </p:nvSpPr>
         <p:spPr>
           <a:xfrm>
-            <a:off x="3334892" y="4826572"/>
+            <a:off x="3334892" y="4968812"/>
             <a:ext cx="819256" cy="246453"/>
           </a:xfrm>
           <a:prstGeom prst="roundRect">
@@ -7083,7 +7083,7 @@
           </a:prstGeom>
           <a:ln w="12700">
             <a:solidFill>
-              <a:srgbClr val="FF0000"/>
+              <a:srgbClr val="00B0F0"/>
             </a:solidFill>
             <a:tailEnd type="triangle"/>
           </a:ln>
@@ -7119,7 +7119,7 @@
         </p:nvCxnSpPr>
         <p:spPr>
           <a:xfrm>
-            <a:off x="4326874" y="5158083"/>
+            <a:off x="4326874" y="5097123"/>
             <a:ext cx="228512" cy="0"/>
           </a:xfrm>
           <a:prstGeom prst="straightConnector1">
@@ -7127,51 +7127,7 @@
           </a:prstGeom>
           <a:ln w="12700">
             <a:solidFill>
-              <a:srgbClr val="FF0000"/>
-            </a:solidFill>
-            <a:tailEnd type="triangle"/>
-          </a:ln>
-        </p:spPr>
-        <p:style>
-          <a:lnRef idx="1">
-            <a:schemeClr val="accent1"/>
-          </a:lnRef>
-          <a:fillRef idx="0">
-            <a:schemeClr val="accent1"/>
-          </a:fillRef>
-          <a:effectRef idx="0">
-            <a:schemeClr val="accent1"/>
-          </a:effectRef>
-          <a:fontRef idx="minor">
-            <a:schemeClr val="tx1"/>
-          </a:fontRef>
-        </p:style>
-      </p:cxnSp>
-      <p:cxnSp>
-        <p:nvCxnSpPr>
-          <p:cNvPr id="152" name="Straight Arrow Connector 151">
-            <a:extLst>
-              <a:ext uri="{FF2B5EF4-FFF2-40B4-BE49-F238E27FC236}">
-                <a16:creationId xmlns:a16="http://schemas.microsoft.com/office/drawing/2014/main" id="{188DC119-B9A3-4BA1-83BA-6F078D8A541B}"/>
-              </a:ext>
-            </a:extLst>
-          </p:cNvPr>
-          <p:cNvCxnSpPr>
-            <a:cxnSpLocks/>
-          </p:cNvCxnSpPr>
-          <p:nvPr/>
-        </p:nvCxnSpPr>
-        <p:spPr>
-          <a:xfrm flipH="1">
-            <a:off x="5998210" y="5156245"/>
-            <a:ext cx="247443" cy="2161"/>
-          </a:xfrm>
-          <a:prstGeom prst="straightConnector1">
-            <a:avLst/>
-          </a:prstGeom>
-          <a:ln w="12700">
-            <a:solidFill>
-              <a:srgbClr val="FF0000"/>
+              <a:srgbClr val="00B0F0"/>
             </a:solidFill>
             <a:tailEnd type="triangle"/>
           </a:ln>
@@ -7215,7 +7171,7 @@
           </a:prstGeom>
           <a:ln w="12700">
             <a:solidFill>
-              <a:srgbClr val="FF0000"/>
+              <a:srgbClr val="00B0F0"/>
             </a:solidFill>
             <a:tailEnd type="triangle"/>
           </a:ln>
@@ -7293,8 +7249,8 @@
         </p:nvSpPr>
         <p:spPr>
           <a:xfrm>
-            <a:off x="2554796" y="3641441"/>
-            <a:ext cx="5181600" cy="516604"/>
+            <a:off x="2554795" y="3641441"/>
+            <a:ext cx="5577838" cy="516604"/>
           </a:xfrm>
           <a:prstGeom prst="rect">
             <a:avLst/>
@@ -7985,6 +7941,160 @@
           </a:fontRef>
         </p:style>
       </p:cxnSp>
+      <p:cxnSp>
+        <p:nvCxnSpPr>
+          <p:cNvPr id="94" name="Connector: Elbow 93">
+            <a:extLst>
+              <a:ext uri="{FF2B5EF4-FFF2-40B4-BE49-F238E27FC236}">
+                <a16:creationId xmlns:a16="http://schemas.microsoft.com/office/drawing/2014/main" id="{96184471-BD74-A28C-09E6-53D302D53CF8}"/>
+              </a:ext>
+            </a:extLst>
+          </p:cNvPr>
+          <p:cNvCxnSpPr>
+            <a:cxnSpLocks/>
+            <a:stCxn id="162" idx="3"/>
+            <a:endCxn id="156" idx="3"/>
+          </p:cNvCxnSpPr>
+          <p:nvPr/>
+        </p:nvCxnSpPr>
+        <p:spPr>
+          <a:xfrm flipH="1" flipV="1">
+            <a:off x="5862430" y="5116760"/>
+            <a:ext cx="1670678" cy="9267916"/>
+          </a:xfrm>
+          <a:prstGeom prst="bentConnector3">
+            <a:avLst>
+              <a:gd name="adj1" fmla="val -20611"/>
+            </a:avLst>
+          </a:prstGeom>
+          <a:ln w="12700">
+            <a:solidFill>
+              <a:schemeClr val="accent2"/>
+            </a:solidFill>
+            <a:tailEnd type="triangle"/>
+          </a:ln>
+        </p:spPr>
+        <p:style>
+          <a:lnRef idx="1">
+            <a:schemeClr val="accent1"/>
+          </a:lnRef>
+          <a:fillRef idx="0">
+            <a:schemeClr val="accent1"/>
+          </a:fillRef>
+          <a:effectRef idx="0">
+            <a:schemeClr val="accent1"/>
+          </a:effectRef>
+          <a:fontRef idx="minor">
+            <a:schemeClr val="tx1"/>
+          </a:fontRef>
+        </p:style>
+      </p:cxnSp>
+      <p:sp>
+        <p:nvSpPr>
+          <p:cNvPr id="101" name="TextBox 100">
+            <a:extLst>
+              <a:ext uri="{FF2B5EF4-FFF2-40B4-BE49-F238E27FC236}">
+                <a16:creationId xmlns:a16="http://schemas.microsoft.com/office/drawing/2014/main" id="{357C0FB6-E184-4ACF-58EC-B45388EB398D}"/>
+              </a:ext>
+            </a:extLst>
+          </p:cNvPr>
+          <p:cNvSpPr txBox="1"/>
+          <p:nvPr/>
+        </p:nvSpPr>
+        <p:spPr>
+          <a:xfrm>
+            <a:off x="6477691" y="4876594"/>
+            <a:ext cx="761245" cy="230832"/>
+          </a:xfrm>
+          <a:prstGeom prst="rect">
+            <a:avLst/>
+          </a:prstGeom>
+          <a:noFill/>
+        </p:spPr>
+        <p:txBody>
+          <a:bodyPr wrap="square" rtlCol="0">
+            <a:spAutoFit/>
+          </a:bodyPr>
+          <a:lstStyle/>
+          <a:p>
+            <a:pPr algn="ctr"/>
+            <a:r>
+              <a:rPr lang="zh-CN" altLang="en-US" sz="900" b="1" i="1" dirty="0">
+                <a:solidFill>
+                  <a:schemeClr val="accent2"/>
+                </a:solidFill>
+              </a:rPr>
+              <a:t>原始数据</a:t>
+            </a:r>
+            <a:endParaRPr lang="en-US" sz="900" b="1" i="1" dirty="0">
+              <a:solidFill>
+                <a:schemeClr val="accent2"/>
+              </a:solidFill>
+            </a:endParaRPr>
+          </a:p>
+        </p:txBody>
+      </p:sp>
+      <p:sp>
+        <p:nvSpPr>
+          <p:cNvPr id="106" name="TextBox 105">
+            <a:extLst>
+              <a:ext uri="{FF2B5EF4-FFF2-40B4-BE49-F238E27FC236}">
+                <a16:creationId xmlns:a16="http://schemas.microsoft.com/office/drawing/2014/main" id="{85E9C68F-754D-41B9-2B98-A1721105D96B}"/>
+              </a:ext>
+            </a:extLst>
+          </p:cNvPr>
+          <p:cNvSpPr txBox="1"/>
+          <p:nvPr/>
+        </p:nvSpPr>
+        <p:spPr>
+          <a:xfrm>
+            <a:off x="4174722" y="7936069"/>
+            <a:ext cx="761245" cy="215444"/>
+          </a:xfrm>
+          <a:prstGeom prst="rect">
+            <a:avLst/>
+          </a:prstGeom>
+          <a:noFill/>
+        </p:spPr>
+        <p:txBody>
+          <a:bodyPr wrap="square" rtlCol="0">
+            <a:spAutoFit/>
+          </a:bodyPr>
+          <a:lstStyle/>
+          <a:p>
+            <a:pPr algn="ctr"/>
+            <a:r>
+              <a:rPr lang="zh-CN" altLang="en-US" sz="800" b="1" dirty="0">
+                <a:solidFill>
+                  <a:schemeClr val="accent6"/>
+                </a:solidFill>
+              </a:rPr>
+              <a:t>实体</a:t>
+            </a:r>
+            <a:r>
+              <a:rPr lang="en-US" altLang="zh-CN" sz="800" b="1" dirty="0">
+                <a:solidFill>
+                  <a:schemeClr val="accent6"/>
+                </a:solidFill>
+              </a:rPr>
+              <a:t>/</a:t>
+            </a:r>
+            <a:r>
+              <a:rPr lang="zh-CN" altLang="en-US" sz="800" b="1" dirty="0">
+                <a:solidFill>
+                  <a:schemeClr val="accent6"/>
+                </a:solidFill>
+              </a:rPr>
+              <a:t>事件</a:t>
+            </a:r>
+            <a:endParaRPr lang="en-US" sz="800" b="1" dirty="0">
+              <a:solidFill>
+                <a:schemeClr val="accent6"/>
+              </a:solidFill>
+            </a:endParaRPr>
+          </a:p>
+        </p:txBody>
+      </p:sp>
     </p:spTree>
     <p:extLst>
       <p:ext uri="{BB962C8B-B14F-4D97-AF65-F5344CB8AC3E}">
@@ -8017,53 +8127,6 @@
       </p:grpSpPr>
       <p:sp>
         <p:nvSpPr>
-          <p:cNvPr id="4" name="TextBox 3">
-            <a:extLst>
-              <a:ext uri="{FF2B5EF4-FFF2-40B4-BE49-F238E27FC236}">
-                <a16:creationId xmlns:a16="http://schemas.microsoft.com/office/drawing/2014/main" id="{25E34CDC-51D2-4460-9CDD-02E7F00E8616}"/>
-              </a:ext>
-            </a:extLst>
-          </p:cNvPr>
-          <p:cNvSpPr txBox="1"/>
-          <p:nvPr/>
-        </p:nvSpPr>
-        <p:spPr>
-          <a:xfrm>
-            <a:off x="809235" y="233557"/>
-            <a:ext cx="2352888" cy="369332"/>
-          </a:xfrm>
-          <a:prstGeom prst="rect">
-            <a:avLst/>
-          </a:prstGeom>
-          <a:noFill/>
-        </p:spPr>
-        <p:txBody>
-          <a:bodyPr wrap="none" rtlCol="0">
-            <a:spAutoFit/>
-          </a:bodyPr>
-          <a:lstStyle/>
-          <a:p>
-            <a:r>
-              <a:rPr lang="en-US" dirty="0" err="1"/>
-              <a:t>A</a:t>
-            </a:r>
-            <a:r>
-              <a:rPr lang="en-US" altLang="zh-CN" dirty="0" err="1"/>
-              <a:t>calligence</a:t>
-            </a:r>
-            <a:r>
-              <a:rPr lang="en-US" altLang="zh-CN" dirty="0"/>
-              <a:t> </a:t>
-            </a:r>
-            <a:r>
-              <a:rPr lang="en-US" dirty="0"/>
-              <a:t>- 20220520</a:t>
-            </a:r>
-          </a:p>
-        </p:txBody>
-      </p:sp>
-      <p:sp>
-        <p:nvSpPr>
           <p:cNvPr id="5" name="Rectangle 4">
             <a:extLst>
               <a:ext uri="{FF2B5EF4-FFF2-40B4-BE49-F238E27FC236}">
@@ -8076,8 +8139,8 @@
         </p:nvSpPr>
         <p:spPr>
           <a:xfrm>
-            <a:off x="2560320" y="11142472"/>
-            <a:ext cx="5181600" cy="4547108"/>
+            <a:off x="2560320" y="11142471"/>
+            <a:ext cx="5577840" cy="4829133"/>
           </a:xfrm>
           <a:prstGeom prst="rect">
             <a:avLst/>
@@ -9490,7 +9553,7 @@
         <p:spPr>
           <a:xfrm>
             <a:off x="2560320" y="5697070"/>
-            <a:ext cx="5181600" cy="5338054"/>
+            <a:ext cx="5577840" cy="5338054"/>
           </a:xfrm>
           <a:prstGeom prst="rect">
             <a:avLst/>
@@ -11812,8 +11875,8 @@
         </p:nvSpPr>
         <p:spPr>
           <a:xfrm>
-            <a:off x="2554797" y="4333461"/>
-            <a:ext cx="5181600" cy="1268589"/>
+            <a:off x="2554796" y="4333461"/>
+            <a:ext cx="5577839" cy="1268589"/>
           </a:xfrm>
           <a:prstGeom prst="rect">
             <a:avLst/>
@@ -11865,7 +11928,7 @@
         </p:nvSpPr>
         <p:spPr>
           <a:xfrm>
-            <a:off x="6364220" y="5033772"/>
+            <a:off x="3342078" y="4683197"/>
             <a:ext cx="818211" cy="246453"/>
           </a:xfrm>
           <a:prstGeom prst="roundRect">
@@ -11925,7 +11988,7 @@
         </p:nvSpPr>
         <p:spPr>
           <a:xfrm>
-            <a:off x="3334892" y="5156245"/>
+            <a:off x="3334892" y="5257845"/>
             <a:ext cx="819256" cy="246453"/>
           </a:xfrm>
           <a:prstGeom prst="roundRect">
@@ -11985,7 +12048,7 @@
         </p:nvSpPr>
         <p:spPr>
           <a:xfrm>
-            <a:off x="3334892" y="4826572"/>
+            <a:off x="3334892" y="4968812"/>
             <a:ext cx="819256" cy="246453"/>
           </a:xfrm>
           <a:prstGeom prst="roundRect">
@@ -12115,7 +12178,7 @@
           </a:prstGeom>
           <a:ln w="12700">
             <a:solidFill>
-              <a:srgbClr val="FF0000"/>
+              <a:srgbClr val="00B0F0"/>
             </a:solidFill>
             <a:tailEnd type="triangle"/>
           </a:ln>
@@ -12151,7 +12214,7 @@
         </p:nvCxnSpPr>
         <p:spPr>
           <a:xfrm>
-            <a:off x="4326874" y="5158083"/>
+            <a:off x="4326874" y="5097123"/>
             <a:ext cx="228512" cy="0"/>
           </a:xfrm>
           <a:prstGeom prst="straightConnector1">
@@ -12159,51 +12222,7 @@
           </a:prstGeom>
           <a:ln w="12700">
             <a:solidFill>
-              <a:srgbClr val="FF0000"/>
-            </a:solidFill>
-            <a:tailEnd type="triangle"/>
-          </a:ln>
-        </p:spPr>
-        <p:style>
-          <a:lnRef idx="1">
-            <a:schemeClr val="accent1"/>
-          </a:lnRef>
-          <a:fillRef idx="0">
-            <a:schemeClr val="accent1"/>
-          </a:fillRef>
-          <a:effectRef idx="0">
-            <a:schemeClr val="accent1"/>
-          </a:effectRef>
-          <a:fontRef idx="minor">
-            <a:schemeClr val="tx1"/>
-          </a:fontRef>
-        </p:style>
-      </p:cxnSp>
-      <p:cxnSp>
-        <p:nvCxnSpPr>
-          <p:cNvPr id="152" name="Straight Arrow Connector 151">
-            <a:extLst>
-              <a:ext uri="{FF2B5EF4-FFF2-40B4-BE49-F238E27FC236}">
-                <a16:creationId xmlns:a16="http://schemas.microsoft.com/office/drawing/2014/main" id="{188DC119-B9A3-4BA1-83BA-6F078D8A541B}"/>
-              </a:ext>
-            </a:extLst>
-          </p:cNvPr>
-          <p:cNvCxnSpPr>
-            <a:cxnSpLocks/>
-          </p:cNvCxnSpPr>
-          <p:nvPr/>
-        </p:nvCxnSpPr>
-        <p:spPr>
-          <a:xfrm flipH="1">
-            <a:off x="5998210" y="5156245"/>
-            <a:ext cx="247443" cy="2161"/>
-          </a:xfrm>
-          <a:prstGeom prst="straightConnector1">
-            <a:avLst/>
-          </a:prstGeom>
-          <a:ln w="12700">
-            <a:solidFill>
-              <a:srgbClr val="FF0000"/>
+              <a:srgbClr val="00B0F0"/>
             </a:solidFill>
             <a:tailEnd type="triangle"/>
           </a:ln>
@@ -12247,7 +12266,7 @@
           </a:prstGeom>
           <a:ln w="12700">
             <a:solidFill>
-              <a:srgbClr val="FF0000"/>
+              <a:srgbClr val="00B0F0"/>
             </a:solidFill>
             <a:tailEnd type="triangle"/>
           </a:ln>
@@ -12281,7 +12300,7 @@
         </p:nvSpPr>
         <p:spPr>
           <a:xfrm>
-            <a:off x="1604937" y="2060702"/>
+            <a:off x="1604937" y="2059299"/>
             <a:ext cx="819256" cy="584775"/>
           </a:xfrm>
           <a:prstGeom prst="rect">
@@ -12325,8 +12344,8 @@
         </p:nvSpPr>
         <p:spPr>
           <a:xfrm>
-            <a:off x="2554796" y="783294"/>
-            <a:ext cx="5181600" cy="3374752"/>
+            <a:off x="2554795" y="783294"/>
+            <a:ext cx="5577838" cy="3374751"/>
           </a:xfrm>
           <a:prstGeom prst="rect">
             <a:avLst/>
@@ -12640,12 +12659,1267 @@
           </a:fontRef>
         </p:style>
       </p:cxnSp>
+      <p:cxnSp>
+        <p:nvCxnSpPr>
+          <p:cNvPr id="94" name="Connector: Elbow 93">
+            <a:extLst>
+              <a:ext uri="{FF2B5EF4-FFF2-40B4-BE49-F238E27FC236}">
+                <a16:creationId xmlns:a16="http://schemas.microsoft.com/office/drawing/2014/main" id="{96184471-BD74-A28C-09E6-53D302D53CF8}"/>
+              </a:ext>
+            </a:extLst>
+          </p:cNvPr>
+          <p:cNvCxnSpPr>
+            <a:cxnSpLocks/>
+            <a:stCxn id="189" idx="3"/>
+            <a:endCxn id="156" idx="3"/>
+          </p:cNvCxnSpPr>
+          <p:nvPr/>
+        </p:nvCxnSpPr>
+        <p:spPr>
+          <a:xfrm flipH="1" flipV="1">
+            <a:off x="5862430" y="5116760"/>
+            <a:ext cx="1855105" cy="9862397"/>
+          </a:xfrm>
+          <a:prstGeom prst="bentConnector3">
+            <a:avLst>
+              <a:gd name="adj1" fmla="val -12323"/>
+            </a:avLst>
+          </a:prstGeom>
+          <a:ln w="12700">
+            <a:solidFill>
+              <a:schemeClr val="accent2"/>
+            </a:solidFill>
+            <a:tailEnd type="triangle"/>
+          </a:ln>
+        </p:spPr>
+        <p:style>
+          <a:lnRef idx="1">
+            <a:schemeClr val="accent1"/>
+          </a:lnRef>
+          <a:fillRef idx="0">
+            <a:schemeClr val="accent1"/>
+          </a:fillRef>
+          <a:effectRef idx="0">
+            <a:schemeClr val="accent1"/>
+          </a:effectRef>
+          <a:fontRef idx="minor">
+            <a:schemeClr val="tx1"/>
+          </a:fontRef>
+        </p:style>
+      </p:cxnSp>
+      <p:sp>
+        <p:nvSpPr>
+          <p:cNvPr id="101" name="TextBox 100">
+            <a:extLst>
+              <a:ext uri="{FF2B5EF4-FFF2-40B4-BE49-F238E27FC236}">
+                <a16:creationId xmlns:a16="http://schemas.microsoft.com/office/drawing/2014/main" id="{357C0FB6-E184-4ACF-58EC-B45388EB398D}"/>
+              </a:ext>
+            </a:extLst>
+          </p:cNvPr>
+          <p:cNvSpPr txBox="1"/>
+          <p:nvPr/>
+        </p:nvSpPr>
+        <p:spPr>
+          <a:xfrm>
+            <a:off x="6477691" y="4876594"/>
+            <a:ext cx="761245" cy="230832"/>
+          </a:xfrm>
+          <a:prstGeom prst="rect">
+            <a:avLst/>
+          </a:prstGeom>
+          <a:noFill/>
+        </p:spPr>
+        <p:txBody>
+          <a:bodyPr wrap="square" rtlCol="0">
+            <a:spAutoFit/>
+          </a:bodyPr>
+          <a:lstStyle/>
+          <a:p>
+            <a:pPr algn="ctr"/>
+            <a:r>
+              <a:rPr lang="zh-CN" altLang="en-US" sz="900" b="1" i="1" dirty="0">
+                <a:solidFill>
+                  <a:schemeClr val="accent2"/>
+                </a:solidFill>
+              </a:rPr>
+              <a:t>原始数据</a:t>
+            </a:r>
+            <a:endParaRPr lang="en-US" sz="900" b="1" i="1" dirty="0">
+              <a:solidFill>
+                <a:schemeClr val="accent2"/>
+              </a:solidFill>
+            </a:endParaRPr>
+          </a:p>
+        </p:txBody>
+      </p:sp>
+      <p:sp>
+        <p:nvSpPr>
+          <p:cNvPr id="106" name="TextBox 105">
+            <a:extLst>
+              <a:ext uri="{FF2B5EF4-FFF2-40B4-BE49-F238E27FC236}">
+                <a16:creationId xmlns:a16="http://schemas.microsoft.com/office/drawing/2014/main" id="{85E9C68F-754D-41B9-2B98-A1721105D96B}"/>
+              </a:ext>
+            </a:extLst>
+          </p:cNvPr>
+          <p:cNvSpPr txBox="1"/>
+          <p:nvPr/>
+        </p:nvSpPr>
+        <p:spPr>
+          <a:xfrm>
+            <a:off x="4174722" y="7936069"/>
+            <a:ext cx="761245" cy="215444"/>
+          </a:xfrm>
+          <a:prstGeom prst="rect">
+            <a:avLst/>
+          </a:prstGeom>
+          <a:noFill/>
+        </p:spPr>
+        <p:txBody>
+          <a:bodyPr wrap="square" rtlCol="0">
+            <a:spAutoFit/>
+          </a:bodyPr>
+          <a:lstStyle/>
+          <a:p>
+            <a:pPr algn="ctr"/>
+            <a:r>
+              <a:rPr lang="zh-CN" altLang="en-US" sz="800" b="1" dirty="0">
+                <a:solidFill>
+                  <a:schemeClr val="accent6"/>
+                </a:solidFill>
+              </a:rPr>
+              <a:t>实体</a:t>
+            </a:r>
+            <a:r>
+              <a:rPr lang="en-US" altLang="zh-CN" sz="800" b="1" dirty="0">
+                <a:solidFill>
+                  <a:schemeClr val="accent6"/>
+                </a:solidFill>
+              </a:rPr>
+              <a:t>/</a:t>
+            </a:r>
+            <a:r>
+              <a:rPr lang="zh-CN" altLang="en-US" sz="800" b="1" dirty="0">
+                <a:solidFill>
+                  <a:schemeClr val="accent6"/>
+                </a:solidFill>
+              </a:rPr>
+              <a:t>事件</a:t>
+            </a:r>
+            <a:endParaRPr lang="en-US" sz="800" b="1" dirty="0">
+              <a:solidFill>
+                <a:schemeClr val="accent6"/>
+              </a:solidFill>
+            </a:endParaRPr>
+          </a:p>
+        </p:txBody>
+      </p:sp>
+      <p:sp>
+        <p:nvSpPr>
+          <p:cNvPr id="118" name="Rectangle: Rounded Corners 117">
+            <a:extLst>
+              <a:ext uri="{FF2B5EF4-FFF2-40B4-BE49-F238E27FC236}">
+                <a16:creationId xmlns:a16="http://schemas.microsoft.com/office/drawing/2014/main" id="{9502EFA6-000C-2D49-8310-B4A26CDCD2FF}"/>
+              </a:ext>
+            </a:extLst>
+          </p:cNvPr>
+          <p:cNvSpPr/>
+          <p:nvPr/>
+        </p:nvSpPr>
+        <p:spPr>
+          <a:xfrm>
+            <a:off x="2893654" y="955565"/>
+            <a:ext cx="4893344" cy="292708"/>
+          </a:xfrm>
+          <a:prstGeom prst="roundRect">
+            <a:avLst/>
+          </a:prstGeom>
+          <a:ln>
+            <a:headEnd type="none" w="med" len="med"/>
+            <a:tailEnd type="none" w="med" len="med"/>
+          </a:ln>
+        </p:spPr>
+        <p:style>
+          <a:lnRef idx="1">
+            <a:schemeClr val="accent2"/>
+          </a:lnRef>
+          <a:fillRef idx="2">
+            <a:schemeClr val="accent2"/>
+          </a:fillRef>
+          <a:effectRef idx="1">
+            <a:schemeClr val="accent2"/>
+          </a:effectRef>
+          <a:fontRef idx="minor">
+            <a:schemeClr val="dk1"/>
+          </a:fontRef>
+        </p:style>
+        <p:txBody>
+          <a:bodyPr rtlCol="0" anchor="ctr"/>
+          <a:lstStyle/>
+          <a:p>
+            <a:r>
+              <a:rPr lang="zh-CN" altLang="en-US" sz="900" b="1" dirty="0">
+                <a:solidFill>
+                  <a:schemeClr val="tx1"/>
+                </a:solidFill>
+              </a:rPr>
+              <a:t>信息抽取与生成：</a:t>
+            </a:r>
+            <a:r>
+              <a:rPr lang="zh-CN" altLang="en-US" sz="900" dirty="0">
+                <a:solidFill>
+                  <a:schemeClr val="tx1"/>
+                </a:solidFill>
+              </a:rPr>
+              <a:t>作者</a:t>
+            </a:r>
+            <a:r>
+              <a:rPr lang="en-US" altLang="zh-CN" sz="900" dirty="0">
+                <a:solidFill>
+                  <a:schemeClr val="tx1"/>
+                </a:solidFill>
+              </a:rPr>
+              <a:t>/</a:t>
+            </a:r>
+            <a:r>
+              <a:rPr lang="zh-CN" altLang="en-US" sz="900" dirty="0">
+                <a:solidFill>
+                  <a:schemeClr val="tx1"/>
+                </a:solidFill>
+              </a:rPr>
+              <a:t>机构</a:t>
+            </a:r>
+            <a:r>
+              <a:rPr lang="en-US" altLang="zh-CN" sz="900" dirty="0">
+                <a:solidFill>
+                  <a:schemeClr val="tx1"/>
+                </a:solidFill>
+              </a:rPr>
+              <a:t>/</a:t>
+            </a:r>
+            <a:r>
+              <a:rPr lang="zh-CN" altLang="en-US" sz="900" dirty="0">
+                <a:solidFill>
+                  <a:schemeClr val="tx1"/>
+                </a:solidFill>
+              </a:rPr>
+              <a:t>出处</a:t>
+            </a:r>
+            <a:r>
+              <a:rPr lang="en-US" altLang="zh-CN" sz="900" dirty="0">
+                <a:solidFill>
+                  <a:schemeClr val="tx1"/>
+                </a:solidFill>
+              </a:rPr>
+              <a:t>/</a:t>
+            </a:r>
+            <a:r>
+              <a:rPr lang="zh-CN" altLang="en-US" sz="900" dirty="0">
+                <a:solidFill>
+                  <a:schemeClr val="tx1"/>
+                </a:solidFill>
+              </a:rPr>
+              <a:t>工作</a:t>
+            </a:r>
+            <a:r>
+              <a:rPr lang="en-US" altLang="zh-CN" sz="900" dirty="0">
+                <a:solidFill>
+                  <a:schemeClr val="tx1"/>
+                </a:solidFill>
+              </a:rPr>
+              <a:t>/</a:t>
+            </a:r>
+            <a:r>
+              <a:rPr lang="zh-CN" altLang="en-US" sz="900" dirty="0">
+                <a:solidFill>
+                  <a:schemeClr val="tx1"/>
+                </a:solidFill>
+              </a:rPr>
+              <a:t>概念信息、多账号关联、文献解析、综述生成</a:t>
+            </a:r>
+            <a:endParaRPr lang="en-US" sz="900" dirty="0">
+              <a:solidFill>
+                <a:schemeClr val="tx1"/>
+              </a:solidFill>
+            </a:endParaRPr>
+          </a:p>
+        </p:txBody>
+      </p:sp>
+      <p:sp>
+        <p:nvSpPr>
+          <p:cNvPr id="120" name="Rectangle: Rounded Corners 119">
+            <a:extLst>
+              <a:ext uri="{FF2B5EF4-FFF2-40B4-BE49-F238E27FC236}">
+                <a16:creationId xmlns:a16="http://schemas.microsoft.com/office/drawing/2014/main" id="{40359057-C479-EE3D-3E61-B595E63ACE5D}"/>
+              </a:ext>
+            </a:extLst>
+          </p:cNvPr>
+          <p:cNvSpPr/>
+          <p:nvPr/>
+        </p:nvSpPr>
+        <p:spPr>
+          <a:xfrm>
+            <a:off x="2893654" y="1260496"/>
+            <a:ext cx="4893344" cy="292708"/>
+          </a:xfrm>
+          <a:prstGeom prst="roundRect">
+            <a:avLst/>
+          </a:prstGeom>
+          <a:ln>
+            <a:headEnd type="none" w="med" len="med"/>
+            <a:tailEnd type="none" w="med" len="med"/>
+          </a:ln>
+        </p:spPr>
+        <p:style>
+          <a:lnRef idx="1">
+            <a:schemeClr val="accent6"/>
+          </a:lnRef>
+          <a:fillRef idx="2">
+            <a:schemeClr val="accent6"/>
+          </a:fillRef>
+          <a:effectRef idx="1">
+            <a:schemeClr val="accent6"/>
+          </a:effectRef>
+          <a:fontRef idx="minor">
+            <a:schemeClr val="dk1"/>
+          </a:fontRef>
+        </p:style>
+        <p:txBody>
+          <a:bodyPr rtlCol="0" anchor="ctr"/>
+          <a:lstStyle/>
+          <a:p>
+            <a:r>
+              <a:rPr lang="zh-CN" altLang="en-US" sz="900" b="1" dirty="0">
+                <a:solidFill>
+                  <a:schemeClr val="tx1"/>
+                </a:solidFill>
+              </a:rPr>
+              <a:t>智能推荐：</a:t>
+            </a:r>
+            <a:r>
+              <a:rPr lang="zh-CN" altLang="en-US" sz="900" dirty="0">
+                <a:solidFill>
+                  <a:schemeClr val="tx1"/>
+                </a:solidFill>
+              </a:rPr>
+              <a:t>人才挖掘、技术洞察、相似作者</a:t>
+            </a:r>
+            <a:r>
+              <a:rPr lang="en-US" altLang="zh-CN" sz="900" dirty="0">
+                <a:solidFill>
+                  <a:schemeClr val="tx1"/>
+                </a:solidFill>
+              </a:rPr>
+              <a:t>/</a:t>
+            </a:r>
+            <a:r>
+              <a:rPr lang="zh-CN" altLang="en-US" sz="900" dirty="0">
+                <a:solidFill>
+                  <a:schemeClr val="tx1"/>
+                </a:solidFill>
+              </a:rPr>
+              <a:t>机构</a:t>
+            </a:r>
+            <a:r>
+              <a:rPr lang="en-US" altLang="zh-CN" sz="900" dirty="0">
+                <a:solidFill>
+                  <a:schemeClr val="tx1"/>
+                </a:solidFill>
+              </a:rPr>
+              <a:t>/</a:t>
+            </a:r>
+            <a:r>
+              <a:rPr lang="zh-CN" altLang="en-US" sz="900" dirty="0">
+                <a:solidFill>
+                  <a:schemeClr val="tx1"/>
+                </a:solidFill>
+              </a:rPr>
+              <a:t>出处</a:t>
+            </a:r>
+            <a:r>
+              <a:rPr lang="en-US" altLang="zh-CN" sz="900" dirty="0">
+                <a:solidFill>
+                  <a:schemeClr val="tx1"/>
+                </a:solidFill>
+              </a:rPr>
+              <a:t>/</a:t>
+            </a:r>
+            <a:r>
+              <a:rPr lang="zh-CN" altLang="en-US" sz="900" dirty="0">
+                <a:solidFill>
+                  <a:schemeClr val="tx1"/>
+                </a:solidFill>
+              </a:rPr>
+              <a:t>工作</a:t>
+            </a:r>
+            <a:r>
+              <a:rPr lang="en-US" altLang="zh-CN" sz="900" dirty="0">
+                <a:solidFill>
+                  <a:schemeClr val="tx1"/>
+                </a:solidFill>
+              </a:rPr>
+              <a:t>/</a:t>
+            </a:r>
+            <a:r>
+              <a:rPr lang="zh-CN" altLang="en-US" sz="900" dirty="0">
+                <a:solidFill>
+                  <a:schemeClr val="tx1"/>
+                </a:solidFill>
+              </a:rPr>
+              <a:t>概念</a:t>
+            </a:r>
+            <a:endParaRPr lang="en-US" sz="900" dirty="0">
+              <a:solidFill>
+                <a:schemeClr val="tx1"/>
+              </a:solidFill>
+            </a:endParaRPr>
+          </a:p>
+        </p:txBody>
+      </p:sp>
+      <p:sp>
+        <p:nvSpPr>
+          <p:cNvPr id="121" name="Rectangle: Rounded Corners 120">
+            <a:extLst>
+              <a:ext uri="{FF2B5EF4-FFF2-40B4-BE49-F238E27FC236}">
+                <a16:creationId xmlns:a16="http://schemas.microsoft.com/office/drawing/2014/main" id="{0D2E078E-5735-5839-598B-70F3490581AB}"/>
+              </a:ext>
+            </a:extLst>
+          </p:cNvPr>
+          <p:cNvSpPr/>
+          <p:nvPr/>
+        </p:nvSpPr>
+        <p:spPr>
+          <a:xfrm>
+            <a:off x="2900004" y="1565165"/>
+            <a:ext cx="4893344" cy="292708"/>
+          </a:xfrm>
+          <a:prstGeom prst="roundRect">
+            <a:avLst/>
+          </a:prstGeom>
+          <a:ln>
+            <a:headEnd type="none" w="med" len="med"/>
+            <a:tailEnd type="none" w="med" len="med"/>
+          </a:ln>
+        </p:spPr>
+        <p:style>
+          <a:lnRef idx="1">
+            <a:schemeClr val="accent4"/>
+          </a:lnRef>
+          <a:fillRef idx="2">
+            <a:schemeClr val="accent4"/>
+          </a:fillRef>
+          <a:effectRef idx="1">
+            <a:schemeClr val="accent4"/>
+          </a:effectRef>
+          <a:fontRef idx="minor">
+            <a:schemeClr val="dk1"/>
+          </a:fontRef>
+        </p:style>
+        <p:txBody>
+          <a:bodyPr rtlCol="0" anchor="ctr"/>
+          <a:lstStyle/>
+          <a:p>
+            <a:r>
+              <a:rPr lang="zh-CN" altLang="en-US" sz="900" b="1" dirty="0">
+                <a:solidFill>
+                  <a:schemeClr val="tx1"/>
+                </a:solidFill>
+              </a:rPr>
+              <a:t>关系网络：</a:t>
+            </a:r>
+            <a:r>
+              <a:rPr lang="zh-CN" altLang="en-US" sz="900" dirty="0">
+                <a:solidFill>
+                  <a:schemeClr val="tx1"/>
+                </a:solidFill>
+              </a:rPr>
+              <a:t>作者</a:t>
+            </a:r>
+            <a:r>
+              <a:rPr lang="en-US" altLang="zh-CN" sz="900" dirty="0">
+                <a:solidFill>
+                  <a:schemeClr val="tx1"/>
+                </a:solidFill>
+              </a:rPr>
+              <a:t>/</a:t>
+            </a:r>
+            <a:r>
+              <a:rPr lang="zh-CN" altLang="en-US" sz="900" dirty="0">
+                <a:solidFill>
+                  <a:schemeClr val="tx1"/>
+                </a:solidFill>
+              </a:rPr>
+              <a:t>机构</a:t>
+            </a:r>
+            <a:r>
+              <a:rPr lang="en-US" altLang="zh-CN" sz="900" dirty="0">
+                <a:solidFill>
+                  <a:schemeClr val="tx1"/>
+                </a:solidFill>
+              </a:rPr>
+              <a:t>/</a:t>
+            </a:r>
+            <a:r>
+              <a:rPr lang="zh-CN" altLang="en-US" sz="900" dirty="0">
+                <a:solidFill>
+                  <a:schemeClr val="tx1"/>
+                </a:solidFill>
+              </a:rPr>
+              <a:t>工作</a:t>
+            </a:r>
+            <a:r>
+              <a:rPr lang="en-US" altLang="zh-CN" sz="900" dirty="0">
+                <a:solidFill>
+                  <a:schemeClr val="tx1"/>
+                </a:solidFill>
+              </a:rPr>
+              <a:t>+</a:t>
+            </a:r>
+            <a:r>
+              <a:rPr lang="zh-CN" altLang="en-US" sz="900" dirty="0">
+                <a:solidFill>
+                  <a:schemeClr val="tx1"/>
+                </a:solidFill>
+              </a:rPr>
+              <a:t>概念关系网络、机构社团划分</a:t>
+            </a:r>
+            <a:endParaRPr lang="en-US" sz="900" dirty="0">
+              <a:solidFill>
+                <a:schemeClr val="tx1"/>
+              </a:solidFill>
+            </a:endParaRPr>
+          </a:p>
+        </p:txBody>
+      </p:sp>
+      <p:sp>
+        <p:nvSpPr>
+          <p:cNvPr id="122" name="Rectangle: Rounded Corners 121">
+            <a:extLst>
+              <a:ext uri="{FF2B5EF4-FFF2-40B4-BE49-F238E27FC236}">
+                <a16:creationId xmlns:a16="http://schemas.microsoft.com/office/drawing/2014/main" id="{32B05EAE-2EEC-3F14-ED77-84E58F1C068E}"/>
+              </a:ext>
+            </a:extLst>
+          </p:cNvPr>
+          <p:cNvSpPr/>
+          <p:nvPr/>
+        </p:nvSpPr>
+        <p:spPr>
+          <a:xfrm>
+            <a:off x="2900004" y="1870096"/>
+            <a:ext cx="4893344" cy="292708"/>
+          </a:xfrm>
+          <a:prstGeom prst="roundRect">
+            <a:avLst/>
+          </a:prstGeom>
+          <a:ln>
+            <a:headEnd type="none" w="med" len="med"/>
+            <a:tailEnd type="none" w="med" len="med"/>
+          </a:ln>
+        </p:spPr>
+        <p:style>
+          <a:lnRef idx="1">
+            <a:schemeClr val="accent5"/>
+          </a:lnRef>
+          <a:fillRef idx="2">
+            <a:schemeClr val="accent5"/>
+          </a:fillRef>
+          <a:effectRef idx="1">
+            <a:schemeClr val="accent5"/>
+          </a:effectRef>
+          <a:fontRef idx="minor">
+            <a:schemeClr val="dk1"/>
+          </a:fontRef>
+        </p:style>
+        <p:txBody>
+          <a:bodyPr rtlCol="0" anchor="ctr"/>
+          <a:lstStyle/>
+          <a:p>
+            <a:r>
+              <a:rPr lang="zh-CN" altLang="en-US" sz="900" b="1" dirty="0">
+                <a:solidFill>
+                  <a:schemeClr val="tx1"/>
+                </a:solidFill>
+              </a:rPr>
+              <a:t>趋势预测：</a:t>
+            </a:r>
+            <a:r>
+              <a:rPr lang="zh-CN" altLang="en-US" sz="900" dirty="0">
+                <a:solidFill>
+                  <a:schemeClr val="tx1"/>
+                </a:solidFill>
+              </a:rPr>
+              <a:t>作者</a:t>
+            </a:r>
+            <a:r>
+              <a:rPr lang="en-US" altLang="zh-CN" sz="900" dirty="0">
+                <a:solidFill>
+                  <a:schemeClr val="tx1"/>
+                </a:solidFill>
+              </a:rPr>
+              <a:t>/</a:t>
+            </a:r>
+            <a:r>
+              <a:rPr lang="zh-CN" altLang="en-US" sz="900" dirty="0">
+                <a:solidFill>
+                  <a:schemeClr val="tx1"/>
+                </a:solidFill>
+              </a:rPr>
+              <a:t>机构</a:t>
+            </a:r>
+            <a:r>
+              <a:rPr lang="en-US" altLang="zh-CN" sz="900" dirty="0">
+                <a:solidFill>
+                  <a:schemeClr val="tx1"/>
+                </a:solidFill>
+              </a:rPr>
+              <a:t>/</a:t>
+            </a:r>
+            <a:r>
+              <a:rPr lang="zh-CN" altLang="en-US" sz="900" dirty="0">
+                <a:solidFill>
+                  <a:schemeClr val="tx1"/>
+                </a:solidFill>
+              </a:rPr>
+              <a:t>出处</a:t>
+            </a:r>
+            <a:r>
+              <a:rPr lang="en-US" altLang="zh-CN" sz="900" dirty="0">
+                <a:solidFill>
+                  <a:schemeClr val="tx1"/>
+                </a:solidFill>
+              </a:rPr>
+              <a:t>/</a:t>
+            </a:r>
+            <a:r>
+              <a:rPr lang="zh-CN" altLang="en-US" sz="900" dirty="0">
+                <a:solidFill>
+                  <a:schemeClr val="tx1"/>
+                </a:solidFill>
+              </a:rPr>
+              <a:t>概念研究趋势、团队核心人物演化分析、作者流动分析</a:t>
+            </a:r>
+            <a:endParaRPr lang="en-US" sz="900" dirty="0">
+              <a:solidFill>
+                <a:schemeClr val="tx1"/>
+              </a:solidFill>
+            </a:endParaRPr>
+          </a:p>
+        </p:txBody>
+      </p:sp>
+      <p:sp>
+        <p:nvSpPr>
+          <p:cNvPr id="123" name="Rectangle: Rounded Corners 122">
+            <a:extLst>
+              <a:ext uri="{FF2B5EF4-FFF2-40B4-BE49-F238E27FC236}">
+                <a16:creationId xmlns:a16="http://schemas.microsoft.com/office/drawing/2014/main" id="{87991609-DA32-71C0-C428-D2FEED9306D4}"/>
+              </a:ext>
+            </a:extLst>
+          </p:cNvPr>
+          <p:cNvSpPr/>
+          <p:nvPr/>
+        </p:nvSpPr>
+        <p:spPr>
+          <a:xfrm>
+            <a:off x="2900004" y="2174765"/>
+            <a:ext cx="4893344" cy="292708"/>
+          </a:xfrm>
+          <a:prstGeom prst="roundRect">
+            <a:avLst/>
+          </a:prstGeom>
+          <a:ln>
+            <a:headEnd type="none" w="med" len="med"/>
+            <a:tailEnd type="none" w="med" len="med"/>
+          </a:ln>
+        </p:spPr>
+        <p:style>
+          <a:lnRef idx="1">
+            <a:schemeClr val="accent2"/>
+          </a:lnRef>
+          <a:fillRef idx="2">
+            <a:schemeClr val="accent2"/>
+          </a:fillRef>
+          <a:effectRef idx="1">
+            <a:schemeClr val="accent2"/>
+          </a:effectRef>
+          <a:fontRef idx="minor">
+            <a:schemeClr val="dk1"/>
+          </a:fontRef>
+        </p:style>
+        <p:txBody>
+          <a:bodyPr rtlCol="0" anchor="ctr"/>
+          <a:lstStyle/>
+          <a:p>
+            <a:r>
+              <a:rPr lang="zh-CN" altLang="en-US" sz="900" b="1" dirty="0">
+                <a:solidFill>
+                  <a:schemeClr val="tx1"/>
+                </a:solidFill>
+              </a:rPr>
+              <a:t>智能检索：</a:t>
+            </a:r>
+            <a:r>
+              <a:rPr lang="zh-CN" altLang="en-US" sz="900" dirty="0">
+                <a:solidFill>
+                  <a:schemeClr val="tx1"/>
+                </a:solidFill>
+              </a:rPr>
+              <a:t>搜索作者</a:t>
+            </a:r>
+            <a:r>
+              <a:rPr lang="en-US" altLang="zh-CN" sz="900" dirty="0">
+                <a:solidFill>
+                  <a:schemeClr val="tx1"/>
+                </a:solidFill>
+              </a:rPr>
+              <a:t>/</a:t>
+            </a:r>
+            <a:r>
+              <a:rPr lang="zh-CN" altLang="en-US" sz="900" dirty="0">
+                <a:solidFill>
+                  <a:schemeClr val="tx1"/>
+                </a:solidFill>
+              </a:rPr>
+              <a:t>机构</a:t>
+            </a:r>
+            <a:r>
+              <a:rPr lang="en-US" altLang="zh-CN" sz="900" dirty="0">
+                <a:solidFill>
+                  <a:schemeClr val="tx1"/>
+                </a:solidFill>
+              </a:rPr>
+              <a:t>/</a:t>
+            </a:r>
+            <a:r>
+              <a:rPr lang="zh-CN" altLang="en-US" sz="900" dirty="0">
+                <a:solidFill>
+                  <a:schemeClr val="tx1"/>
+                </a:solidFill>
+              </a:rPr>
+              <a:t>出处</a:t>
+            </a:r>
+            <a:r>
+              <a:rPr lang="en-US" altLang="zh-CN" sz="900" dirty="0">
+                <a:solidFill>
+                  <a:schemeClr val="tx1"/>
+                </a:solidFill>
+              </a:rPr>
+              <a:t>/</a:t>
+            </a:r>
+            <a:r>
+              <a:rPr lang="zh-CN" altLang="en-US" sz="900" dirty="0">
+                <a:solidFill>
+                  <a:schemeClr val="tx1"/>
+                </a:solidFill>
+              </a:rPr>
+              <a:t>工作</a:t>
+            </a:r>
+            <a:r>
+              <a:rPr lang="en-US" altLang="zh-CN" sz="900" dirty="0">
+                <a:solidFill>
+                  <a:schemeClr val="tx1"/>
+                </a:solidFill>
+              </a:rPr>
+              <a:t>/</a:t>
+            </a:r>
+            <a:r>
+              <a:rPr lang="zh-CN" altLang="en-US" sz="900" dirty="0">
+                <a:solidFill>
+                  <a:schemeClr val="tx1"/>
+                </a:solidFill>
+              </a:rPr>
+              <a:t>概念、六度搜索</a:t>
+            </a:r>
+            <a:endParaRPr lang="en-US" sz="900" dirty="0">
+              <a:solidFill>
+                <a:schemeClr val="tx1"/>
+              </a:solidFill>
+            </a:endParaRPr>
+          </a:p>
+        </p:txBody>
+      </p:sp>
+      <p:sp>
+        <p:nvSpPr>
+          <p:cNvPr id="126" name="Rectangle: Rounded Corners 125">
+            <a:extLst>
+              <a:ext uri="{FF2B5EF4-FFF2-40B4-BE49-F238E27FC236}">
+                <a16:creationId xmlns:a16="http://schemas.microsoft.com/office/drawing/2014/main" id="{1812E8FA-8D85-61DA-31A3-2E5EB4FC793F}"/>
+              </a:ext>
+            </a:extLst>
+          </p:cNvPr>
+          <p:cNvSpPr/>
+          <p:nvPr/>
+        </p:nvSpPr>
+        <p:spPr>
+          <a:xfrm>
+            <a:off x="2900004" y="2479696"/>
+            <a:ext cx="4893344" cy="292708"/>
+          </a:xfrm>
+          <a:prstGeom prst="roundRect">
+            <a:avLst/>
+          </a:prstGeom>
+          <a:ln>
+            <a:headEnd type="none" w="med" len="med"/>
+            <a:tailEnd type="none" w="med" len="med"/>
+          </a:ln>
+        </p:spPr>
+        <p:style>
+          <a:lnRef idx="1">
+            <a:schemeClr val="accent6"/>
+          </a:lnRef>
+          <a:fillRef idx="2">
+            <a:schemeClr val="accent6"/>
+          </a:fillRef>
+          <a:effectRef idx="1">
+            <a:schemeClr val="accent6"/>
+          </a:effectRef>
+          <a:fontRef idx="minor">
+            <a:schemeClr val="dk1"/>
+          </a:fontRef>
+        </p:style>
+        <p:txBody>
+          <a:bodyPr rtlCol="0" anchor="ctr"/>
+          <a:lstStyle/>
+          <a:p>
+            <a:r>
+              <a:rPr lang="zh-CN" altLang="en-US" sz="900" b="1" dirty="0">
+                <a:solidFill>
+                  <a:schemeClr val="tx1"/>
+                </a:solidFill>
+              </a:rPr>
+              <a:t>智能问答：</a:t>
+            </a:r>
+            <a:r>
+              <a:rPr lang="zh-CN" altLang="en-US" sz="900" dirty="0">
+                <a:solidFill>
+                  <a:schemeClr val="tx1"/>
+                </a:solidFill>
+              </a:rPr>
+              <a:t>视觉问答、知识图谱问答</a:t>
+            </a:r>
+            <a:endParaRPr lang="en-US" sz="900" dirty="0">
+              <a:solidFill>
+                <a:schemeClr val="tx1"/>
+              </a:solidFill>
+            </a:endParaRPr>
+          </a:p>
+        </p:txBody>
+      </p:sp>
+      <p:sp>
+        <p:nvSpPr>
+          <p:cNvPr id="127" name="Rectangle: Rounded Corners 126">
+            <a:extLst>
+              <a:ext uri="{FF2B5EF4-FFF2-40B4-BE49-F238E27FC236}">
+                <a16:creationId xmlns:a16="http://schemas.microsoft.com/office/drawing/2014/main" id="{7112D9EB-6E91-8EA1-8019-F4DF86219659}"/>
+              </a:ext>
+            </a:extLst>
+          </p:cNvPr>
+          <p:cNvSpPr/>
+          <p:nvPr/>
+        </p:nvSpPr>
+        <p:spPr>
+          <a:xfrm>
+            <a:off x="2906354" y="2784365"/>
+            <a:ext cx="4893344" cy="292708"/>
+          </a:xfrm>
+          <a:prstGeom prst="roundRect">
+            <a:avLst/>
+          </a:prstGeom>
+          <a:ln>
+            <a:headEnd type="none" w="med" len="med"/>
+            <a:tailEnd type="none" w="med" len="med"/>
+          </a:ln>
+        </p:spPr>
+        <p:style>
+          <a:lnRef idx="1">
+            <a:schemeClr val="accent4"/>
+          </a:lnRef>
+          <a:fillRef idx="2">
+            <a:schemeClr val="accent4"/>
+          </a:fillRef>
+          <a:effectRef idx="1">
+            <a:schemeClr val="accent4"/>
+          </a:effectRef>
+          <a:fontRef idx="minor">
+            <a:schemeClr val="dk1"/>
+          </a:fontRef>
+        </p:style>
+        <p:txBody>
+          <a:bodyPr rtlCol="0" anchor="ctr"/>
+          <a:lstStyle/>
+          <a:p>
+            <a:r>
+              <a:rPr lang="zh-CN" altLang="en-US" sz="900" b="1" dirty="0">
+                <a:solidFill>
+                  <a:schemeClr val="tx1"/>
+                </a:solidFill>
+              </a:rPr>
+              <a:t>评估排名：</a:t>
+            </a:r>
+            <a:r>
+              <a:rPr lang="zh-CN" altLang="en-US" sz="900" dirty="0">
+                <a:solidFill>
+                  <a:schemeClr val="tx1"/>
+                </a:solidFill>
+              </a:rPr>
+              <a:t>作者</a:t>
+            </a:r>
+            <a:r>
+              <a:rPr lang="en-US" altLang="zh-CN" sz="900" dirty="0">
+                <a:solidFill>
+                  <a:schemeClr val="tx1"/>
+                </a:solidFill>
+              </a:rPr>
+              <a:t>/</a:t>
+            </a:r>
+            <a:r>
+              <a:rPr lang="zh-CN" altLang="en-US" sz="900" dirty="0">
+                <a:solidFill>
+                  <a:schemeClr val="tx1"/>
+                </a:solidFill>
+              </a:rPr>
+              <a:t>机构</a:t>
+            </a:r>
+            <a:r>
+              <a:rPr lang="en-US" altLang="zh-CN" sz="900" dirty="0">
+                <a:solidFill>
+                  <a:schemeClr val="tx1"/>
+                </a:solidFill>
+              </a:rPr>
+              <a:t>/</a:t>
+            </a:r>
+            <a:r>
+              <a:rPr lang="zh-CN" altLang="en-US" sz="900" dirty="0">
+                <a:solidFill>
+                  <a:schemeClr val="tx1"/>
+                </a:solidFill>
+              </a:rPr>
+              <a:t>出处评估、领域工作</a:t>
+            </a:r>
+            <a:r>
+              <a:rPr lang="en-US" altLang="zh-CN" sz="900" dirty="0">
+                <a:solidFill>
+                  <a:schemeClr val="tx1"/>
+                </a:solidFill>
+              </a:rPr>
+              <a:t>/</a:t>
+            </a:r>
+            <a:r>
+              <a:rPr lang="zh-CN" altLang="en-US" sz="900" dirty="0">
+                <a:solidFill>
+                  <a:schemeClr val="tx1"/>
+                </a:solidFill>
+              </a:rPr>
+              <a:t>概念榜单</a:t>
+            </a:r>
+            <a:endParaRPr lang="en-US" sz="900" dirty="0">
+              <a:solidFill>
+                <a:schemeClr val="tx1"/>
+              </a:solidFill>
+            </a:endParaRPr>
+          </a:p>
+        </p:txBody>
+      </p:sp>
+      <p:sp>
+        <p:nvSpPr>
+          <p:cNvPr id="128" name="Rectangle: Rounded Corners 127">
+            <a:extLst>
+              <a:ext uri="{FF2B5EF4-FFF2-40B4-BE49-F238E27FC236}">
+                <a16:creationId xmlns:a16="http://schemas.microsoft.com/office/drawing/2014/main" id="{F51B80A6-8E26-8781-695E-7AEBD0C1A41B}"/>
+              </a:ext>
+            </a:extLst>
+          </p:cNvPr>
+          <p:cNvSpPr/>
+          <p:nvPr/>
+        </p:nvSpPr>
+        <p:spPr>
+          <a:xfrm>
+            <a:off x="2906354" y="3089296"/>
+            <a:ext cx="4893344" cy="292708"/>
+          </a:xfrm>
+          <a:prstGeom prst="roundRect">
+            <a:avLst/>
+          </a:prstGeom>
+          <a:ln>
+            <a:headEnd type="none" w="med" len="med"/>
+            <a:tailEnd type="none" w="med" len="med"/>
+          </a:ln>
+        </p:spPr>
+        <p:style>
+          <a:lnRef idx="1">
+            <a:schemeClr val="accent5"/>
+          </a:lnRef>
+          <a:fillRef idx="2">
+            <a:schemeClr val="accent5"/>
+          </a:fillRef>
+          <a:effectRef idx="1">
+            <a:schemeClr val="accent5"/>
+          </a:effectRef>
+          <a:fontRef idx="minor">
+            <a:schemeClr val="dk1"/>
+          </a:fontRef>
+        </p:style>
+        <p:txBody>
+          <a:bodyPr rtlCol="0" anchor="ctr"/>
+          <a:lstStyle/>
+          <a:p>
+            <a:r>
+              <a:rPr lang="zh-CN" altLang="en-US" sz="900" b="1" dirty="0">
+                <a:solidFill>
+                  <a:schemeClr val="tx1"/>
+                </a:solidFill>
+              </a:rPr>
+              <a:t>事件分析：</a:t>
+            </a:r>
+            <a:r>
+              <a:rPr lang="zh-CN" altLang="en-US" sz="900" dirty="0">
+                <a:solidFill>
+                  <a:schemeClr val="tx1"/>
+                </a:solidFill>
+              </a:rPr>
+              <a:t>科技情报事件发现与自动摘要、事件因果分析、事件预测</a:t>
+            </a:r>
+            <a:endParaRPr lang="en-US" sz="900" dirty="0">
+              <a:solidFill>
+                <a:schemeClr val="tx1"/>
+              </a:solidFill>
+            </a:endParaRPr>
+          </a:p>
+        </p:txBody>
+      </p:sp>
+      <p:sp>
+        <p:nvSpPr>
+          <p:cNvPr id="129" name="Rectangle: Rounded Corners 128">
+            <a:extLst>
+              <a:ext uri="{FF2B5EF4-FFF2-40B4-BE49-F238E27FC236}">
+                <a16:creationId xmlns:a16="http://schemas.microsoft.com/office/drawing/2014/main" id="{96A6E045-E6A3-1BD2-F278-65FD31A326B4}"/>
+              </a:ext>
+            </a:extLst>
+          </p:cNvPr>
+          <p:cNvSpPr/>
+          <p:nvPr/>
+        </p:nvSpPr>
+        <p:spPr>
+          <a:xfrm>
+            <a:off x="2906354" y="3393965"/>
+            <a:ext cx="4893344" cy="292708"/>
+          </a:xfrm>
+          <a:prstGeom prst="roundRect">
+            <a:avLst/>
+          </a:prstGeom>
+          <a:ln>
+            <a:headEnd type="none" w="med" len="med"/>
+            <a:tailEnd type="none" w="med" len="med"/>
+          </a:ln>
+        </p:spPr>
+        <p:style>
+          <a:lnRef idx="1">
+            <a:schemeClr val="accent2"/>
+          </a:lnRef>
+          <a:fillRef idx="2">
+            <a:schemeClr val="accent2"/>
+          </a:fillRef>
+          <a:effectRef idx="1">
+            <a:schemeClr val="accent2"/>
+          </a:effectRef>
+          <a:fontRef idx="minor">
+            <a:schemeClr val="dk1"/>
+          </a:fontRef>
+        </p:style>
+        <p:txBody>
+          <a:bodyPr rtlCol="0" anchor="ctr"/>
+          <a:lstStyle/>
+          <a:p>
+            <a:r>
+              <a:rPr lang="zh-CN" altLang="en-US" sz="900" b="1" dirty="0">
+                <a:solidFill>
+                  <a:schemeClr val="tx1"/>
+                </a:solidFill>
+              </a:rPr>
+              <a:t>人格分析与社会评价：</a:t>
+            </a:r>
+            <a:r>
+              <a:rPr lang="zh-CN" altLang="en-US" sz="900" dirty="0">
+                <a:solidFill>
+                  <a:schemeClr val="tx1"/>
+                </a:solidFill>
+              </a:rPr>
+              <a:t>五维人格分析、人物社会评价</a:t>
+            </a:r>
+            <a:endParaRPr lang="en-US" sz="900" dirty="0">
+              <a:solidFill>
+                <a:schemeClr val="tx1"/>
+              </a:solidFill>
+            </a:endParaRPr>
+          </a:p>
+        </p:txBody>
+      </p:sp>
+      <p:sp>
+        <p:nvSpPr>
+          <p:cNvPr id="131" name="Rectangle: Rounded Corners 130">
+            <a:extLst>
+              <a:ext uri="{FF2B5EF4-FFF2-40B4-BE49-F238E27FC236}">
+                <a16:creationId xmlns:a16="http://schemas.microsoft.com/office/drawing/2014/main" id="{5C074E22-1F8D-D7AA-18FA-7735B7F096C9}"/>
+              </a:ext>
+            </a:extLst>
+          </p:cNvPr>
+          <p:cNvSpPr/>
+          <p:nvPr/>
+        </p:nvSpPr>
+        <p:spPr>
+          <a:xfrm>
+            <a:off x="2906354" y="3698896"/>
+            <a:ext cx="4893344" cy="292708"/>
+          </a:xfrm>
+          <a:prstGeom prst="roundRect">
+            <a:avLst/>
+          </a:prstGeom>
+          <a:ln>
+            <a:headEnd type="none" w="med" len="med"/>
+            <a:tailEnd type="none" w="med" len="med"/>
+          </a:ln>
+        </p:spPr>
+        <p:style>
+          <a:lnRef idx="1">
+            <a:schemeClr val="accent6"/>
+          </a:lnRef>
+          <a:fillRef idx="2">
+            <a:schemeClr val="accent6"/>
+          </a:fillRef>
+          <a:effectRef idx="1">
+            <a:schemeClr val="accent6"/>
+          </a:effectRef>
+          <a:fontRef idx="minor">
+            <a:schemeClr val="dk1"/>
+          </a:fontRef>
+        </p:style>
+        <p:txBody>
+          <a:bodyPr rtlCol="0" anchor="ctr"/>
+          <a:lstStyle/>
+          <a:p>
+            <a:r>
+              <a:rPr lang="zh-CN" altLang="en-US" sz="900" b="1" dirty="0">
+                <a:solidFill>
+                  <a:schemeClr val="tx1"/>
+                </a:solidFill>
+              </a:rPr>
+              <a:t>用户管理：</a:t>
+            </a:r>
+            <a:r>
+              <a:rPr lang="zh-CN" altLang="en-US" sz="900" dirty="0">
+                <a:solidFill>
+                  <a:schemeClr val="tx1"/>
+                </a:solidFill>
+              </a:rPr>
+              <a:t>订阅关注作者</a:t>
+            </a:r>
+            <a:r>
+              <a:rPr lang="en-US" altLang="zh-CN" sz="900" dirty="0">
+                <a:solidFill>
+                  <a:schemeClr val="tx1"/>
+                </a:solidFill>
+              </a:rPr>
+              <a:t>/</a:t>
+            </a:r>
+            <a:r>
+              <a:rPr lang="zh-CN" altLang="en-US" sz="900" dirty="0">
+                <a:solidFill>
+                  <a:schemeClr val="tx1"/>
+                </a:solidFill>
+              </a:rPr>
+              <a:t>机构</a:t>
+            </a:r>
+            <a:r>
+              <a:rPr lang="en-US" altLang="zh-CN" sz="900" dirty="0">
+                <a:solidFill>
+                  <a:schemeClr val="tx1"/>
+                </a:solidFill>
+              </a:rPr>
+              <a:t>/</a:t>
+            </a:r>
+            <a:r>
+              <a:rPr lang="zh-CN" altLang="en-US" sz="900" dirty="0">
+                <a:solidFill>
+                  <a:schemeClr val="tx1"/>
+                </a:solidFill>
+              </a:rPr>
+              <a:t>出处</a:t>
+            </a:r>
+            <a:r>
+              <a:rPr lang="en-US" altLang="zh-CN" sz="900" dirty="0">
+                <a:solidFill>
+                  <a:schemeClr val="tx1"/>
+                </a:solidFill>
+              </a:rPr>
+              <a:t>/</a:t>
+            </a:r>
+            <a:r>
+              <a:rPr lang="zh-CN" altLang="en-US" sz="900" dirty="0">
+                <a:solidFill>
+                  <a:schemeClr val="tx1"/>
+                </a:solidFill>
+              </a:rPr>
+              <a:t>概念、阅读管理</a:t>
+            </a:r>
+            <a:endParaRPr lang="en-US" sz="900" dirty="0">
+              <a:solidFill>
+                <a:schemeClr val="tx1"/>
+              </a:solidFill>
+            </a:endParaRPr>
+          </a:p>
+        </p:txBody>
+      </p:sp>
+      <p:sp>
+        <p:nvSpPr>
+          <p:cNvPr id="132" name="TextBox 131">
+            <a:extLst>
+              <a:ext uri="{FF2B5EF4-FFF2-40B4-BE49-F238E27FC236}">
+                <a16:creationId xmlns:a16="http://schemas.microsoft.com/office/drawing/2014/main" id="{F57059B6-52ED-D2A4-C350-490AC58A61DD}"/>
+              </a:ext>
+            </a:extLst>
+          </p:cNvPr>
+          <p:cNvSpPr txBox="1"/>
+          <p:nvPr/>
+        </p:nvSpPr>
+        <p:spPr>
+          <a:xfrm>
+            <a:off x="809235" y="233557"/>
+            <a:ext cx="2352888" cy="369332"/>
+          </a:xfrm>
+          <a:prstGeom prst="rect">
+            <a:avLst/>
+          </a:prstGeom>
+          <a:noFill/>
+        </p:spPr>
+        <p:txBody>
+          <a:bodyPr wrap="none" rtlCol="0">
+            <a:spAutoFit/>
+          </a:bodyPr>
+          <a:lstStyle/>
+          <a:p>
+            <a:r>
+              <a:rPr lang="en-US" dirty="0" err="1"/>
+              <a:t>A</a:t>
+            </a:r>
+            <a:r>
+              <a:rPr lang="en-US" altLang="zh-CN" dirty="0" err="1"/>
+              <a:t>calligence</a:t>
+            </a:r>
+            <a:r>
+              <a:rPr lang="en-US" altLang="zh-CN" dirty="0"/>
+              <a:t> </a:t>
+            </a:r>
+            <a:r>
+              <a:rPr lang="en-US" dirty="0"/>
+              <a:t>- 20220521</a:t>
+            </a:r>
+          </a:p>
+        </p:txBody>
+      </p:sp>
       <p:pic>
         <p:nvPicPr>
-          <p:cNvPr id="94" name="Picture 93">
-            <a:extLst>
-              <a:ext uri="{FF2B5EF4-FFF2-40B4-BE49-F238E27FC236}">
-                <a16:creationId xmlns:a16="http://schemas.microsoft.com/office/drawing/2014/main" id="{F4D7C230-66E8-2286-6AE1-AC8CBB41A9AC}"/>
+          <p:cNvPr id="133" name="Picture 132">
+            <a:extLst>
+              <a:ext uri="{FF2B5EF4-FFF2-40B4-BE49-F238E27FC236}">
+                <a16:creationId xmlns:a16="http://schemas.microsoft.com/office/drawing/2014/main" id="{20E9A47D-F53F-875F-70EB-CBEF1068B9E2}"/>
               </a:ext>
             </a:extLst>
           </p:cNvPr>
@@ -12662,7 +13936,7 @@
         </p:blipFill>
         <p:spPr>
           <a:xfrm>
-            <a:off x="2739224" y="14475414"/>
+            <a:off x="2739224" y="14566854"/>
             <a:ext cx="476408" cy="455467"/>
           </a:xfrm>
           <a:prstGeom prst="rect">
@@ -12672,10 +13946,10 @@
       </p:pic>
       <p:sp>
         <p:nvSpPr>
-          <p:cNvPr id="96" name="TextBox 95">
-            <a:extLst>
-              <a:ext uri="{FF2B5EF4-FFF2-40B4-BE49-F238E27FC236}">
-                <a16:creationId xmlns:a16="http://schemas.microsoft.com/office/drawing/2014/main" id="{0D6BB116-619B-47B5-5A99-70321B3D72C6}"/>
+          <p:cNvPr id="134" name="TextBox 133">
+            <a:extLst>
+              <a:ext uri="{FF2B5EF4-FFF2-40B4-BE49-F238E27FC236}">
+                <a16:creationId xmlns:a16="http://schemas.microsoft.com/office/drawing/2014/main" id="{BC8318CB-76EC-AE5B-0ABD-6F27F046E468}"/>
               </a:ext>
             </a:extLst>
           </p:cNvPr>
@@ -12684,7 +13958,7 @@
         </p:nvSpPr>
         <p:spPr>
           <a:xfrm>
-            <a:off x="2760904" y="14930881"/>
+            <a:off x="2760904" y="15022321"/>
             <a:ext cx="441146" cy="246221"/>
           </a:xfrm>
           <a:prstGeom prst="rect">
@@ -12708,10 +13982,10 @@
       </p:sp>
       <p:sp>
         <p:nvSpPr>
-          <p:cNvPr id="97" name="Rectangle 96">
-            <a:extLst>
-              <a:ext uri="{FF2B5EF4-FFF2-40B4-BE49-F238E27FC236}">
-                <a16:creationId xmlns:a16="http://schemas.microsoft.com/office/drawing/2014/main" id="{6F671BCD-B1DD-1013-2574-B11867B8BEEB}"/>
+          <p:cNvPr id="136" name="Rectangle 135">
+            <a:extLst>
+              <a:ext uri="{FF2B5EF4-FFF2-40B4-BE49-F238E27FC236}">
+                <a16:creationId xmlns:a16="http://schemas.microsoft.com/office/drawing/2014/main" id="{0F8966A6-D809-0E19-F0D9-6392ED485DF3}"/>
               </a:ext>
             </a:extLst>
           </p:cNvPr>
@@ -12720,7 +13994,7 @@
         </p:nvSpPr>
         <p:spPr>
           <a:xfrm>
-            <a:off x="3391014" y="14265552"/>
+            <a:off x="3391014" y="14356992"/>
             <a:ext cx="1914098" cy="1016273"/>
           </a:xfrm>
           <a:prstGeom prst="rect">
@@ -12728,7 +14002,7 @@
           </a:prstGeom>
           <a:noFill/>
           <a:ln>
-            <a:prstDash val="lgDashDot"/>
+            <a:prstDash val="solid"/>
           </a:ln>
         </p:spPr>
         <p:style>
@@ -12758,10 +14032,10 @@
       </p:sp>
       <p:sp>
         <p:nvSpPr>
-          <p:cNvPr id="101" name="Rectangle 100">
-            <a:extLst>
-              <a:ext uri="{FF2B5EF4-FFF2-40B4-BE49-F238E27FC236}">
-                <a16:creationId xmlns:a16="http://schemas.microsoft.com/office/drawing/2014/main" id="{5AF4EB77-6189-C54E-3FD0-67633E46AB5D}"/>
+          <p:cNvPr id="138" name="Rectangle 137">
+            <a:extLst>
+              <a:ext uri="{FF2B5EF4-FFF2-40B4-BE49-F238E27FC236}">
+                <a16:creationId xmlns:a16="http://schemas.microsoft.com/office/drawing/2014/main" id="{971BEAE3-E0DA-1A7F-2665-54370B85BE61}"/>
               </a:ext>
             </a:extLst>
           </p:cNvPr>
@@ -12770,7 +14044,7 @@
         </p:nvSpPr>
         <p:spPr>
           <a:xfrm>
-            <a:off x="5696349" y="14265552"/>
+            <a:off x="5696349" y="14356992"/>
             <a:ext cx="1914098" cy="1016273"/>
           </a:xfrm>
           <a:prstGeom prst="rect">
@@ -12778,7 +14052,7 @@
           </a:prstGeom>
           <a:noFill/>
           <a:ln>
-            <a:prstDash val="lgDashDot"/>
+            <a:prstDash val="solid"/>
           </a:ln>
         </p:spPr>
         <p:style>
@@ -12808,10 +14082,10 @@
       </p:sp>
       <p:sp>
         <p:nvSpPr>
-          <p:cNvPr id="106" name="TextBox 105">
-            <a:extLst>
-              <a:ext uri="{FF2B5EF4-FFF2-40B4-BE49-F238E27FC236}">
-                <a16:creationId xmlns:a16="http://schemas.microsoft.com/office/drawing/2014/main" id="{FD956A80-F060-608B-98B3-ABE4CAC2DE69}"/>
+          <p:cNvPr id="139" name="TextBox 138">
+            <a:extLst>
+              <a:ext uri="{FF2B5EF4-FFF2-40B4-BE49-F238E27FC236}">
+                <a16:creationId xmlns:a16="http://schemas.microsoft.com/office/drawing/2014/main" id="{7E065642-4A23-431B-0733-6ADAB0D3684B}"/>
               </a:ext>
             </a:extLst>
           </p:cNvPr>
@@ -12820,7 +14094,7 @@
         </p:nvSpPr>
         <p:spPr>
           <a:xfrm>
-            <a:off x="5350689" y="14615723"/>
+            <a:off x="5350689" y="14707163"/>
             <a:ext cx="300082" cy="276999"/>
           </a:xfrm>
           <a:prstGeom prst="rect">
@@ -12843,10 +14117,10 @@
       </p:sp>
       <p:sp>
         <p:nvSpPr>
-          <p:cNvPr id="107" name="TextBox 106">
-            <a:extLst>
-              <a:ext uri="{FF2B5EF4-FFF2-40B4-BE49-F238E27FC236}">
-                <a16:creationId xmlns:a16="http://schemas.microsoft.com/office/drawing/2014/main" id="{9A793141-783A-2D94-0AEA-465427DB19C2}"/>
+          <p:cNvPr id="140" name="TextBox 139">
+            <a:extLst>
+              <a:ext uri="{FF2B5EF4-FFF2-40B4-BE49-F238E27FC236}">
+                <a16:creationId xmlns:a16="http://schemas.microsoft.com/office/drawing/2014/main" id="{C9A1C20C-8B55-7724-00F2-8C3796BE937F}"/>
               </a:ext>
             </a:extLst>
           </p:cNvPr>
@@ -12855,7 +14129,7 @@
         </p:nvSpPr>
         <p:spPr>
           <a:xfrm>
-            <a:off x="3986427" y="15330459"/>
+            <a:off x="3986427" y="15421899"/>
             <a:ext cx="723275" cy="200055"/>
           </a:xfrm>
           <a:prstGeom prst="rect">
@@ -12892,10 +14166,10 @@
       </p:sp>
       <p:sp>
         <p:nvSpPr>
-          <p:cNvPr id="110" name="TextBox 109">
-            <a:extLst>
-              <a:ext uri="{FF2B5EF4-FFF2-40B4-BE49-F238E27FC236}">
-                <a16:creationId xmlns:a16="http://schemas.microsoft.com/office/drawing/2014/main" id="{88C9DE45-4F94-6831-5F31-FE2F8BADB9F1}"/>
+          <p:cNvPr id="141" name="TextBox 140">
+            <a:extLst>
+              <a:ext uri="{FF2B5EF4-FFF2-40B4-BE49-F238E27FC236}">
+                <a16:creationId xmlns:a16="http://schemas.microsoft.com/office/drawing/2014/main" id="{B93B54DF-92AB-BF69-0478-1ABF69472D8F}"/>
               </a:ext>
             </a:extLst>
           </p:cNvPr>
@@ -12904,7 +14178,7 @@
         </p:nvSpPr>
         <p:spPr>
           <a:xfrm>
-            <a:off x="5887804" y="15330458"/>
+            <a:off x="5887804" y="15421898"/>
             <a:ext cx="1531188" cy="200055"/>
           </a:xfrm>
           <a:prstGeom prst="rect">
@@ -12941,10 +14215,10 @@
       </p:sp>
       <p:sp>
         <p:nvSpPr>
-          <p:cNvPr id="111" name="Rectangle: Rounded Corners 110">
-            <a:extLst>
-              <a:ext uri="{FF2B5EF4-FFF2-40B4-BE49-F238E27FC236}">
-                <a16:creationId xmlns:a16="http://schemas.microsoft.com/office/drawing/2014/main" id="{9DEEF8A7-B967-ED2A-E1CE-6FCF7F855BC6}"/>
+          <p:cNvPr id="142" name="Rectangle: Rounded Corners 141">
+            <a:extLst>
+              <a:ext uri="{FF2B5EF4-FFF2-40B4-BE49-F238E27FC236}">
+                <a16:creationId xmlns:a16="http://schemas.microsoft.com/office/drawing/2014/main" id="{3FEEB79E-9E66-B770-98CA-72B7663FE097}"/>
               </a:ext>
             </a:extLst>
           </p:cNvPr>
@@ -12953,7 +14227,7 @@
         </p:nvSpPr>
         <p:spPr>
           <a:xfrm>
-            <a:off x="3510431" y="14354260"/>
+            <a:off x="3510431" y="14445700"/>
             <a:ext cx="675564" cy="167186"/>
           </a:xfrm>
           <a:prstGeom prst="roundRect">
@@ -13003,10 +14277,10 @@
       </p:sp>
       <p:sp>
         <p:nvSpPr>
-          <p:cNvPr id="112" name="Rectangle: Rounded Corners 111">
-            <a:extLst>
-              <a:ext uri="{FF2B5EF4-FFF2-40B4-BE49-F238E27FC236}">
-                <a16:creationId xmlns:a16="http://schemas.microsoft.com/office/drawing/2014/main" id="{3EED4578-4825-0853-999C-49680C03EBBE}"/>
+          <p:cNvPr id="143" name="Rectangle: Rounded Corners 142">
+            <a:extLst>
+              <a:ext uri="{FF2B5EF4-FFF2-40B4-BE49-F238E27FC236}">
+                <a16:creationId xmlns:a16="http://schemas.microsoft.com/office/drawing/2014/main" id="{522CAF91-950B-EDDA-EA11-BFEAAE90050E}"/>
               </a:ext>
             </a:extLst>
           </p:cNvPr>
@@ -13015,7 +14289,7 @@
         </p:nvSpPr>
         <p:spPr>
           <a:xfrm>
-            <a:off x="4239450" y="14354260"/>
+            <a:off x="4239450" y="14445700"/>
             <a:ext cx="369626" cy="167186"/>
           </a:xfrm>
           <a:prstGeom prst="roundRect">
@@ -13065,10 +14339,10 @@
       </p:sp>
       <p:sp>
         <p:nvSpPr>
-          <p:cNvPr id="114" name="Rectangle: Rounded Corners 113">
-            <a:extLst>
-              <a:ext uri="{FF2B5EF4-FFF2-40B4-BE49-F238E27FC236}">
-                <a16:creationId xmlns:a16="http://schemas.microsoft.com/office/drawing/2014/main" id="{F1EB9984-D729-86BB-E61B-4E788D000D3D}"/>
+          <p:cNvPr id="152" name="Rectangle: Rounded Corners 151">
+            <a:extLst>
+              <a:ext uri="{FF2B5EF4-FFF2-40B4-BE49-F238E27FC236}">
+                <a16:creationId xmlns:a16="http://schemas.microsoft.com/office/drawing/2014/main" id="{5F55CA20-35C7-523A-FEC5-DC240A5A17CB}"/>
               </a:ext>
             </a:extLst>
           </p:cNvPr>
@@ -13077,7 +14351,7 @@
         </p:nvSpPr>
         <p:spPr>
           <a:xfrm>
-            <a:off x="4662532" y="14354260"/>
+            <a:off x="4662532" y="14445700"/>
             <a:ext cx="451514" cy="167186"/>
           </a:xfrm>
           <a:prstGeom prst="roundRect">
@@ -13127,10 +14401,10 @@
       </p:sp>
       <p:sp>
         <p:nvSpPr>
-          <p:cNvPr id="115" name="Rectangle: Rounded Corners 114">
-            <a:extLst>
-              <a:ext uri="{FF2B5EF4-FFF2-40B4-BE49-F238E27FC236}">
-                <a16:creationId xmlns:a16="http://schemas.microsoft.com/office/drawing/2014/main" id="{DF1BDC5B-99F2-E7C3-90BF-635449BECE4D}"/>
+          <p:cNvPr id="159" name="Rectangle: Rounded Corners 158">
+            <a:extLst>
+              <a:ext uri="{FF2B5EF4-FFF2-40B4-BE49-F238E27FC236}">
+                <a16:creationId xmlns:a16="http://schemas.microsoft.com/office/drawing/2014/main" id="{AA7DCC3A-A8EE-AA19-812B-F358ECC381A5}"/>
               </a:ext>
             </a:extLst>
           </p:cNvPr>
@@ -13139,7 +14413,7 @@
         </p:nvSpPr>
         <p:spPr>
           <a:xfrm>
-            <a:off x="3510431" y="14587033"/>
+            <a:off x="3510431" y="14678473"/>
             <a:ext cx="500332" cy="167186"/>
           </a:xfrm>
           <a:prstGeom prst="roundRect">
@@ -13190,10 +14464,10 @@
       </p:sp>
       <p:sp>
         <p:nvSpPr>
-          <p:cNvPr id="116" name="Rectangle: Rounded Corners 115">
-            <a:extLst>
-              <a:ext uri="{FF2B5EF4-FFF2-40B4-BE49-F238E27FC236}">
-                <a16:creationId xmlns:a16="http://schemas.microsoft.com/office/drawing/2014/main" id="{05EEA8CC-FC4A-8B68-9F1F-3CAFAFBEC519}"/>
+          <p:cNvPr id="160" name="Rectangle: Rounded Corners 159">
+            <a:extLst>
+              <a:ext uri="{FF2B5EF4-FFF2-40B4-BE49-F238E27FC236}">
+                <a16:creationId xmlns:a16="http://schemas.microsoft.com/office/drawing/2014/main" id="{ACB63ED0-1CD5-A655-9C22-1F2DED5BEFC4}"/>
               </a:ext>
             </a:extLst>
           </p:cNvPr>
@@ -13202,7 +14476,7 @@
         </p:nvSpPr>
         <p:spPr>
           <a:xfrm>
-            <a:off x="4056342" y="14587033"/>
+            <a:off x="4056342" y="14678473"/>
             <a:ext cx="433319" cy="167186"/>
           </a:xfrm>
           <a:prstGeom prst="roundRect">
@@ -13253,10 +14527,10 @@
       </p:sp>
       <p:sp>
         <p:nvSpPr>
-          <p:cNvPr id="117" name="Rectangle: Rounded Corners 116">
-            <a:extLst>
-              <a:ext uri="{FF2B5EF4-FFF2-40B4-BE49-F238E27FC236}">
-                <a16:creationId xmlns:a16="http://schemas.microsoft.com/office/drawing/2014/main" id="{C393F4B9-9C5B-9084-5AC2-870D48FF1D1B}"/>
+          <p:cNvPr id="161" name="Rectangle: Rounded Corners 160">
+            <a:extLst>
+              <a:ext uri="{FF2B5EF4-FFF2-40B4-BE49-F238E27FC236}">
+                <a16:creationId xmlns:a16="http://schemas.microsoft.com/office/drawing/2014/main" id="{EC2967B0-B55B-1712-5EAD-A76A80807572}"/>
               </a:ext>
             </a:extLst>
           </p:cNvPr>
@@ -13265,7 +14539,7 @@
         </p:nvSpPr>
         <p:spPr>
           <a:xfrm>
-            <a:off x="4535238" y="14587033"/>
+            <a:off x="4535238" y="14678473"/>
             <a:ext cx="698227" cy="210780"/>
           </a:xfrm>
           <a:prstGeom prst="roundRect">
@@ -13315,10 +14589,10 @@
       </p:sp>
       <p:sp>
         <p:nvSpPr>
-          <p:cNvPr id="118" name="Rectangle: Rounded Corners 117">
-            <a:extLst>
-              <a:ext uri="{FF2B5EF4-FFF2-40B4-BE49-F238E27FC236}">
-                <a16:creationId xmlns:a16="http://schemas.microsoft.com/office/drawing/2014/main" id="{AF501D37-F947-64C8-1AF4-0C395A6FB91F}"/>
+          <p:cNvPr id="165" name="Rectangle: Rounded Corners 164">
+            <a:extLst>
+              <a:ext uri="{FF2B5EF4-FFF2-40B4-BE49-F238E27FC236}">
+                <a16:creationId xmlns:a16="http://schemas.microsoft.com/office/drawing/2014/main" id="{73BEA52A-0742-6006-181B-78125A7723D0}"/>
               </a:ext>
             </a:extLst>
           </p:cNvPr>
@@ -13327,7 +14601,7 @@
         </p:nvSpPr>
         <p:spPr>
           <a:xfrm>
-            <a:off x="3510430" y="14818041"/>
+            <a:off x="3510430" y="14909481"/>
             <a:ext cx="545910" cy="167186"/>
           </a:xfrm>
           <a:prstGeom prst="roundRect">
@@ -13378,10 +14652,10 @@
       </p:sp>
       <p:sp>
         <p:nvSpPr>
-          <p:cNvPr id="120" name="Rectangle: Rounded Corners 119">
-            <a:extLst>
-              <a:ext uri="{FF2B5EF4-FFF2-40B4-BE49-F238E27FC236}">
-                <a16:creationId xmlns:a16="http://schemas.microsoft.com/office/drawing/2014/main" id="{D2726EFB-148F-EA1C-9F1A-535FCDEDC9B4}"/>
+          <p:cNvPr id="167" name="Rectangle: Rounded Corners 166">
+            <a:extLst>
+              <a:ext uri="{FF2B5EF4-FFF2-40B4-BE49-F238E27FC236}">
+                <a16:creationId xmlns:a16="http://schemas.microsoft.com/office/drawing/2014/main" id="{9E52EFDF-D1E2-2F54-8797-688F5E36AFFD}"/>
               </a:ext>
             </a:extLst>
           </p:cNvPr>
@@ -13390,7 +14664,7 @@
         </p:nvSpPr>
         <p:spPr>
           <a:xfrm>
-            <a:off x="4101917" y="14821972"/>
+            <a:off x="4101917" y="14913412"/>
             <a:ext cx="387742" cy="167186"/>
           </a:xfrm>
           <a:prstGeom prst="roundRect">
@@ -13441,10 +14715,10 @@
       </p:sp>
       <p:sp>
         <p:nvSpPr>
-          <p:cNvPr id="121" name="Rectangle: Rounded Corners 120">
-            <a:extLst>
-              <a:ext uri="{FF2B5EF4-FFF2-40B4-BE49-F238E27FC236}">
-                <a16:creationId xmlns:a16="http://schemas.microsoft.com/office/drawing/2014/main" id="{22E81422-43C2-E69B-FA0A-99B7972DB1EB}"/>
+          <p:cNvPr id="168" name="Rectangle: Rounded Corners 167">
+            <a:extLst>
+              <a:ext uri="{FF2B5EF4-FFF2-40B4-BE49-F238E27FC236}">
+                <a16:creationId xmlns:a16="http://schemas.microsoft.com/office/drawing/2014/main" id="{E57BC70D-D89E-5A57-8029-CAF4E00D76D9}"/>
               </a:ext>
             </a:extLst>
           </p:cNvPr>
@@ -13453,7 +14727,7 @@
         </p:nvSpPr>
         <p:spPr>
           <a:xfrm>
-            <a:off x="4589831" y="14846447"/>
+            <a:off x="4589831" y="14937887"/>
             <a:ext cx="517393" cy="167186"/>
           </a:xfrm>
           <a:prstGeom prst="roundRect">
@@ -13504,10 +14778,10 @@
       </p:sp>
       <p:sp>
         <p:nvSpPr>
-          <p:cNvPr id="122" name="Rectangle: Rounded Corners 121">
-            <a:extLst>
-              <a:ext uri="{FF2B5EF4-FFF2-40B4-BE49-F238E27FC236}">
-                <a16:creationId xmlns:a16="http://schemas.microsoft.com/office/drawing/2014/main" id="{AD7F33E1-821E-0ECA-E8D8-5798F4531FE4}"/>
+          <p:cNvPr id="169" name="Rectangle: Rounded Corners 168">
+            <a:extLst>
+              <a:ext uri="{FF2B5EF4-FFF2-40B4-BE49-F238E27FC236}">
+                <a16:creationId xmlns:a16="http://schemas.microsoft.com/office/drawing/2014/main" id="{04FA4400-520A-6AF9-5614-44024CBE051B}"/>
               </a:ext>
             </a:extLst>
           </p:cNvPr>
@@ -13516,7 +14790,7 @@
         </p:nvSpPr>
         <p:spPr>
           <a:xfrm>
-            <a:off x="3507016" y="15029274"/>
+            <a:off x="3507016" y="15120714"/>
             <a:ext cx="387742" cy="167186"/>
           </a:xfrm>
           <a:prstGeom prst="roundRect">
@@ -13567,10 +14841,10 @@
       </p:sp>
       <p:sp>
         <p:nvSpPr>
-          <p:cNvPr id="123" name="Rectangle: Rounded Corners 122">
-            <a:extLst>
-              <a:ext uri="{FF2B5EF4-FFF2-40B4-BE49-F238E27FC236}">
-                <a16:creationId xmlns:a16="http://schemas.microsoft.com/office/drawing/2014/main" id="{2D9F1887-3439-3B80-2A2C-64C4C107F312}"/>
+          <p:cNvPr id="170" name="Rectangle: Rounded Corners 169">
+            <a:extLst>
+              <a:ext uri="{FF2B5EF4-FFF2-40B4-BE49-F238E27FC236}">
+                <a16:creationId xmlns:a16="http://schemas.microsoft.com/office/drawing/2014/main" id="{69D13884-5946-5807-D97A-C0182FD5F6F7}"/>
               </a:ext>
             </a:extLst>
           </p:cNvPr>
@@ -13579,7 +14853,7 @@
         </p:nvSpPr>
         <p:spPr>
           <a:xfrm>
-            <a:off x="3943747" y="15029274"/>
+            <a:off x="3943747" y="15120714"/>
             <a:ext cx="518617" cy="167186"/>
           </a:xfrm>
           <a:prstGeom prst="roundRect">
@@ -13630,10 +14904,10 @@
       </p:sp>
       <p:sp>
         <p:nvSpPr>
-          <p:cNvPr id="126" name="TextBox 125">
-            <a:extLst>
-              <a:ext uri="{FF2B5EF4-FFF2-40B4-BE49-F238E27FC236}">
-                <a16:creationId xmlns:a16="http://schemas.microsoft.com/office/drawing/2014/main" id="{6CFC61D6-ECDE-7F78-D217-B07D3404B8BF}"/>
+          <p:cNvPr id="171" name="TextBox 170">
+            <a:extLst>
+              <a:ext uri="{FF2B5EF4-FFF2-40B4-BE49-F238E27FC236}">
+                <a16:creationId xmlns:a16="http://schemas.microsoft.com/office/drawing/2014/main" id="{CFE12556-6EA9-08D4-9301-AE5BAF10552E}"/>
               </a:ext>
             </a:extLst>
           </p:cNvPr>
@@ -13642,7 +14916,7 @@
         </p:nvSpPr>
         <p:spPr>
           <a:xfrm>
-            <a:off x="4700094" y="14985227"/>
+            <a:off x="4700094" y="15076667"/>
             <a:ext cx="282450" cy="261610"/>
           </a:xfrm>
           <a:prstGeom prst="rect">
@@ -13669,10 +14943,10 @@
       </p:sp>
       <p:sp>
         <p:nvSpPr>
-          <p:cNvPr id="127" name="Rectangle: Rounded Corners 126">
-            <a:extLst>
-              <a:ext uri="{FF2B5EF4-FFF2-40B4-BE49-F238E27FC236}">
-                <a16:creationId xmlns:a16="http://schemas.microsoft.com/office/drawing/2014/main" id="{6ECFEB8F-8D01-0FDB-0F33-0DCA598562E3}"/>
+          <p:cNvPr id="172" name="Rectangle: Rounded Corners 171">
+            <a:extLst>
+              <a:ext uri="{FF2B5EF4-FFF2-40B4-BE49-F238E27FC236}">
+                <a16:creationId xmlns:a16="http://schemas.microsoft.com/office/drawing/2014/main" id="{C9733431-B0A2-478E-DB0B-9DE713884D74}"/>
               </a:ext>
             </a:extLst>
           </p:cNvPr>
@@ -13681,7 +14955,7 @@
         </p:nvSpPr>
         <p:spPr>
           <a:xfrm>
-            <a:off x="5786756" y="14353315"/>
+            <a:off x="5786756" y="14444755"/>
             <a:ext cx="497585" cy="167186"/>
           </a:xfrm>
           <a:prstGeom prst="roundRect">
@@ -13731,10 +15005,10 @@
       </p:sp>
       <p:sp>
         <p:nvSpPr>
-          <p:cNvPr id="128" name="Rectangle: Rounded Corners 127">
-            <a:extLst>
-              <a:ext uri="{FF2B5EF4-FFF2-40B4-BE49-F238E27FC236}">
-                <a16:creationId xmlns:a16="http://schemas.microsoft.com/office/drawing/2014/main" id="{181119EB-1990-0A88-1162-0B413B06AAE6}"/>
+          <p:cNvPr id="173" name="Rectangle: Rounded Corners 172">
+            <a:extLst>
+              <a:ext uri="{FF2B5EF4-FFF2-40B4-BE49-F238E27FC236}">
+                <a16:creationId xmlns:a16="http://schemas.microsoft.com/office/drawing/2014/main" id="{54857B87-A0DB-03F6-F393-C3BB8D1DAD64}"/>
               </a:ext>
             </a:extLst>
           </p:cNvPr>
@@ -13743,7 +15017,7 @@
         </p:nvSpPr>
         <p:spPr>
           <a:xfrm>
-            <a:off x="6329919" y="14353315"/>
+            <a:off x="6329919" y="14444755"/>
             <a:ext cx="497585" cy="167186"/>
           </a:xfrm>
           <a:prstGeom prst="roundRect">
@@ -13798,10 +15072,10 @@
       </p:sp>
       <p:sp>
         <p:nvSpPr>
-          <p:cNvPr id="129" name="Rectangle: Rounded Corners 128">
-            <a:extLst>
-              <a:ext uri="{FF2B5EF4-FFF2-40B4-BE49-F238E27FC236}">
-                <a16:creationId xmlns:a16="http://schemas.microsoft.com/office/drawing/2014/main" id="{DADE4A24-9101-2A4A-4955-271DA6BD5DC4}"/>
+          <p:cNvPr id="176" name="Rectangle: Rounded Corners 175">
+            <a:extLst>
+              <a:ext uri="{FF2B5EF4-FFF2-40B4-BE49-F238E27FC236}">
+                <a16:creationId xmlns:a16="http://schemas.microsoft.com/office/drawing/2014/main" id="{4918A437-05C0-07DF-8942-BA977B6D0598}"/>
               </a:ext>
             </a:extLst>
           </p:cNvPr>
@@ -13810,7 +15084,7 @@
         </p:nvSpPr>
         <p:spPr>
           <a:xfrm>
-            <a:off x="6873082" y="14353315"/>
+            <a:off x="6873082" y="14444755"/>
             <a:ext cx="424605" cy="167186"/>
           </a:xfrm>
           <a:prstGeom prst="roundRect">
@@ -13860,10 +15134,10 @@
       </p:sp>
       <p:sp>
         <p:nvSpPr>
-          <p:cNvPr id="131" name="Rectangle: Rounded Corners 130">
-            <a:extLst>
-              <a:ext uri="{FF2B5EF4-FFF2-40B4-BE49-F238E27FC236}">
-                <a16:creationId xmlns:a16="http://schemas.microsoft.com/office/drawing/2014/main" id="{361E4213-B96A-0CA3-DE25-239B58B12A1D}"/>
+          <p:cNvPr id="177" name="Rectangle: Rounded Corners 176">
+            <a:extLst>
+              <a:ext uri="{FF2B5EF4-FFF2-40B4-BE49-F238E27FC236}">
+                <a16:creationId xmlns:a16="http://schemas.microsoft.com/office/drawing/2014/main" id="{45AF1D31-7D2B-48CD-4F8F-0B32BF35049E}"/>
               </a:ext>
             </a:extLst>
           </p:cNvPr>
@@ -13872,7 +15146,7 @@
         </p:nvSpPr>
         <p:spPr>
           <a:xfrm>
-            <a:off x="5786755" y="14569134"/>
+            <a:off x="5786755" y="14660574"/>
             <a:ext cx="463467" cy="167186"/>
           </a:xfrm>
           <a:prstGeom prst="roundRect">
@@ -13922,10 +15196,10 @@
       </p:sp>
       <p:sp>
         <p:nvSpPr>
-          <p:cNvPr id="132" name="Rectangle: Rounded Corners 131">
-            <a:extLst>
-              <a:ext uri="{FF2B5EF4-FFF2-40B4-BE49-F238E27FC236}">
-                <a16:creationId xmlns:a16="http://schemas.microsoft.com/office/drawing/2014/main" id="{1459EBC4-61C3-9ADD-724A-D66D8BAFCB82}"/>
+          <p:cNvPr id="178" name="Rectangle: Rounded Corners 177">
+            <a:extLst>
+              <a:ext uri="{FF2B5EF4-FFF2-40B4-BE49-F238E27FC236}">
+                <a16:creationId xmlns:a16="http://schemas.microsoft.com/office/drawing/2014/main" id="{1D9A4C8E-F5A3-4C69-A604-DFAF13BDCF8C}"/>
               </a:ext>
             </a:extLst>
           </p:cNvPr>
@@ -13934,7 +15208,7 @@
         </p:nvSpPr>
         <p:spPr>
           <a:xfrm>
-            <a:off x="6295800" y="14569134"/>
+            <a:off x="6295800" y="14660574"/>
             <a:ext cx="497585" cy="167186"/>
           </a:xfrm>
           <a:prstGeom prst="roundRect">
@@ -13984,10 +15258,10 @@
       </p:sp>
       <p:sp>
         <p:nvSpPr>
-          <p:cNvPr id="133" name="Rectangle: Rounded Corners 132">
-            <a:extLst>
-              <a:ext uri="{FF2B5EF4-FFF2-40B4-BE49-F238E27FC236}">
-                <a16:creationId xmlns:a16="http://schemas.microsoft.com/office/drawing/2014/main" id="{1AE7D661-B2EF-F99A-9AC7-9F2B45360C70}"/>
+          <p:cNvPr id="179" name="Rectangle: Rounded Corners 178">
+            <a:extLst>
+              <a:ext uri="{FF2B5EF4-FFF2-40B4-BE49-F238E27FC236}">
+                <a16:creationId xmlns:a16="http://schemas.microsoft.com/office/drawing/2014/main" id="{498617EA-60AB-624C-1F29-B9D2161AA77D}"/>
               </a:ext>
             </a:extLst>
           </p:cNvPr>
@@ -13996,7 +15270,7 @@
         </p:nvSpPr>
         <p:spPr>
           <a:xfrm>
-            <a:off x="6854025" y="14569134"/>
+            <a:off x="6854025" y="14660574"/>
             <a:ext cx="610847" cy="167186"/>
           </a:xfrm>
           <a:prstGeom prst="roundRect">
@@ -14046,10 +15320,10 @@
       </p:sp>
       <p:sp>
         <p:nvSpPr>
-          <p:cNvPr id="134" name="Rectangle: Rounded Corners 133">
-            <a:extLst>
-              <a:ext uri="{FF2B5EF4-FFF2-40B4-BE49-F238E27FC236}">
-                <a16:creationId xmlns:a16="http://schemas.microsoft.com/office/drawing/2014/main" id="{0ACEE7D4-8F3A-A972-D936-1E9782956080}"/>
+          <p:cNvPr id="180" name="Rectangle: Rounded Corners 179">
+            <a:extLst>
+              <a:ext uri="{FF2B5EF4-FFF2-40B4-BE49-F238E27FC236}">
+                <a16:creationId xmlns:a16="http://schemas.microsoft.com/office/drawing/2014/main" id="{C84249A1-6516-DEE0-B6D3-9D7FB9E4CAF6}"/>
               </a:ext>
             </a:extLst>
           </p:cNvPr>
@@ -14058,7 +15332,7 @@
         </p:nvSpPr>
         <p:spPr>
           <a:xfrm>
-            <a:off x="5786754" y="14790562"/>
+            <a:off x="5786754" y="14882002"/>
             <a:ext cx="374756" cy="167186"/>
           </a:xfrm>
           <a:prstGeom prst="roundRect">
@@ -14108,10 +15382,10 @@
       </p:sp>
       <p:sp>
         <p:nvSpPr>
-          <p:cNvPr id="136" name="Rectangle: Rounded Corners 135">
-            <a:extLst>
-              <a:ext uri="{FF2B5EF4-FFF2-40B4-BE49-F238E27FC236}">
-                <a16:creationId xmlns:a16="http://schemas.microsoft.com/office/drawing/2014/main" id="{6027D800-AC0A-62D4-A52C-A5CF1D20DE4A}"/>
+          <p:cNvPr id="181" name="Rectangle: Rounded Corners 180">
+            <a:extLst>
+              <a:ext uri="{FF2B5EF4-FFF2-40B4-BE49-F238E27FC236}">
+                <a16:creationId xmlns:a16="http://schemas.microsoft.com/office/drawing/2014/main" id="{0BC2F6F8-2188-2F34-A1A8-D88E41BB41E1}"/>
               </a:ext>
             </a:extLst>
           </p:cNvPr>
@@ -14120,7 +15394,7 @@
         </p:nvSpPr>
         <p:spPr>
           <a:xfrm>
-            <a:off x="6207088" y="14789347"/>
+            <a:off x="6207088" y="14880787"/>
             <a:ext cx="698224" cy="167186"/>
           </a:xfrm>
           <a:prstGeom prst="roundRect">
@@ -14170,10 +15444,10 @@
       </p:sp>
       <p:sp>
         <p:nvSpPr>
-          <p:cNvPr id="138" name="Rectangle: Rounded Corners 137">
-            <a:extLst>
-              <a:ext uri="{FF2B5EF4-FFF2-40B4-BE49-F238E27FC236}">
-                <a16:creationId xmlns:a16="http://schemas.microsoft.com/office/drawing/2014/main" id="{E9E6C8DF-F6DC-70B5-85F0-8D1E4209FE1A}"/>
+          <p:cNvPr id="182" name="Rectangle: Rounded Corners 181">
+            <a:extLst>
+              <a:ext uri="{FF2B5EF4-FFF2-40B4-BE49-F238E27FC236}">
+                <a16:creationId xmlns:a16="http://schemas.microsoft.com/office/drawing/2014/main" id="{0B2932D6-3786-20E6-4533-2DA892E5F072}"/>
               </a:ext>
             </a:extLst>
           </p:cNvPr>
@@ -14182,7 +15456,7 @@
         </p:nvSpPr>
         <p:spPr>
           <a:xfrm>
-            <a:off x="6950891" y="14789347"/>
+            <a:off x="6950891" y="14880787"/>
             <a:ext cx="513980" cy="167186"/>
           </a:xfrm>
           <a:prstGeom prst="roundRect">
@@ -14232,10 +15506,10 @@
       </p:sp>
       <p:sp>
         <p:nvSpPr>
-          <p:cNvPr id="139" name="Rectangle: Rounded Corners 138">
-            <a:extLst>
-              <a:ext uri="{FF2B5EF4-FFF2-40B4-BE49-F238E27FC236}">
-                <a16:creationId xmlns:a16="http://schemas.microsoft.com/office/drawing/2014/main" id="{0D564465-5129-E5F4-6E6A-F5566E56D91C}"/>
+          <p:cNvPr id="183" name="Rectangle: Rounded Corners 182">
+            <a:extLst>
+              <a:ext uri="{FF2B5EF4-FFF2-40B4-BE49-F238E27FC236}">
+                <a16:creationId xmlns:a16="http://schemas.microsoft.com/office/drawing/2014/main" id="{7D976B1D-56B2-88ED-0DD8-4AB90945EAA4}"/>
               </a:ext>
             </a:extLst>
           </p:cNvPr>
@@ -14244,7 +15518,7 @@
         </p:nvSpPr>
         <p:spPr>
           <a:xfrm>
-            <a:off x="5792058" y="15013960"/>
+            <a:off x="5792058" y="15105400"/>
             <a:ext cx="570757" cy="167186"/>
           </a:xfrm>
           <a:prstGeom prst="roundRect">
@@ -14294,10 +15568,10 @@
       </p:sp>
       <p:sp>
         <p:nvSpPr>
-          <p:cNvPr id="140" name="Rectangle: Rounded Corners 139">
-            <a:extLst>
-              <a:ext uri="{FF2B5EF4-FFF2-40B4-BE49-F238E27FC236}">
-                <a16:creationId xmlns:a16="http://schemas.microsoft.com/office/drawing/2014/main" id="{1003758A-AC59-C770-705C-DDA53A5F018D}"/>
+          <p:cNvPr id="184" name="Rectangle: Rounded Corners 183">
+            <a:extLst>
+              <a:ext uri="{FF2B5EF4-FFF2-40B4-BE49-F238E27FC236}">
+                <a16:creationId xmlns:a16="http://schemas.microsoft.com/office/drawing/2014/main" id="{ACDF5CA3-4D38-9E06-6BEB-C4AA2D112FDB}"/>
               </a:ext>
             </a:extLst>
           </p:cNvPr>
@@ -14306,7 +15580,7 @@
         </p:nvSpPr>
         <p:spPr>
           <a:xfrm>
-            <a:off x="6408393" y="15009936"/>
+            <a:off x="6408393" y="15101376"/>
             <a:ext cx="643635" cy="167186"/>
           </a:xfrm>
           <a:prstGeom prst="roundRect">
@@ -14356,10 +15630,10 @@
       </p:sp>
       <p:sp>
         <p:nvSpPr>
-          <p:cNvPr id="141" name="TextBox 140">
-            <a:extLst>
-              <a:ext uri="{FF2B5EF4-FFF2-40B4-BE49-F238E27FC236}">
-                <a16:creationId xmlns:a16="http://schemas.microsoft.com/office/drawing/2014/main" id="{7C59E2B4-F04D-20E9-5238-AF6C362F7ABC}"/>
+          <p:cNvPr id="185" name="TextBox 184">
+            <a:extLst>
+              <a:ext uri="{FF2B5EF4-FFF2-40B4-BE49-F238E27FC236}">
+                <a16:creationId xmlns:a16="http://schemas.microsoft.com/office/drawing/2014/main" id="{068145DC-BCEE-0DF9-3A2C-88622F7E4243}"/>
               </a:ext>
             </a:extLst>
           </p:cNvPr>
@@ -14368,7 +15642,7 @@
         </p:nvSpPr>
         <p:spPr>
           <a:xfrm>
-            <a:off x="7133601" y="14950632"/>
+            <a:off x="7133601" y="15042072"/>
             <a:ext cx="282450" cy="261610"/>
           </a:xfrm>
           <a:prstGeom prst="rect">
@@ -14395,10 +15669,10 @@
       </p:sp>
       <p:cxnSp>
         <p:nvCxnSpPr>
-          <p:cNvPr id="142" name="Connector: Curved 141">
-            <a:extLst>
-              <a:ext uri="{FF2B5EF4-FFF2-40B4-BE49-F238E27FC236}">
-                <a16:creationId xmlns:a16="http://schemas.microsoft.com/office/drawing/2014/main" id="{7E8693BE-9218-8721-2F85-89D2FF8D4F78}"/>
+          <p:cNvPr id="186" name="Connector: Curved 185">
+            <a:extLst>
+              <a:ext uri="{FF2B5EF4-FFF2-40B4-BE49-F238E27FC236}">
+                <a16:creationId xmlns:a16="http://schemas.microsoft.com/office/drawing/2014/main" id="{5EAB8624-CC47-8856-5700-03EE9E26FDDF}"/>
               </a:ext>
             </a:extLst>
           </p:cNvPr>
@@ -14409,7 +15683,7 @@
         </p:nvCxnSpPr>
         <p:spPr>
           <a:xfrm rot="16200000" flipV="1">
-            <a:off x="3730962" y="13977507"/>
+            <a:off x="3730962" y="13983603"/>
             <a:ext cx="211379" cy="188925"/>
           </a:xfrm>
           <a:prstGeom prst="curvedConnector3">
@@ -14419,7 +15693,7 @@
           </a:prstGeom>
           <a:ln w="12700">
             <a:solidFill>
-              <a:schemeClr val="accent1"/>
+              <a:schemeClr val="accent2"/>
             </a:solidFill>
             <a:prstDash val="sysDash"/>
             <a:tailEnd type="triangle"/>
@@ -14442,10 +15716,10 @@
       </p:cxnSp>
       <p:cxnSp>
         <p:nvCxnSpPr>
-          <p:cNvPr id="143" name="Connector: Curved 142">
-            <a:extLst>
-              <a:ext uri="{FF2B5EF4-FFF2-40B4-BE49-F238E27FC236}">
-                <a16:creationId xmlns:a16="http://schemas.microsoft.com/office/drawing/2014/main" id="{D18AA2C7-3ABE-0AAE-285A-7582B08F207A}"/>
+          <p:cNvPr id="187" name="Connector: Curved 186">
+            <a:extLst>
+              <a:ext uri="{FF2B5EF4-FFF2-40B4-BE49-F238E27FC236}">
+                <a16:creationId xmlns:a16="http://schemas.microsoft.com/office/drawing/2014/main" id="{364F44C7-D4AE-7651-BAD4-1EAABCF3ADC7}"/>
               </a:ext>
             </a:extLst>
           </p:cNvPr>
@@ -14456,7 +15730,7 @@
         </p:nvCxnSpPr>
         <p:spPr>
           <a:xfrm rot="16200000" flipV="1">
-            <a:off x="5424652" y="13976794"/>
+            <a:off x="5424652" y="13982890"/>
             <a:ext cx="211379" cy="188925"/>
           </a:xfrm>
           <a:prstGeom prst="curvedConnector3">
@@ -14466,7 +15740,7 @@
           </a:prstGeom>
           <a:ln w="12700">
             <a:solidFill>
-              <a:schemeClr val="accent1"/>
+              <a:schemeClr val="accent2"/>
             </a:solidFill>
             <a:prstDash val="sysDash"/>
             <a:tailEnd type="triangle"/>
@@ -14489,10 +15763,10 @@
       </p:cxnSp>
       <p:cxnSp>
         <p:nvCxnSpPr>
-          <p:cNvPr id="159" name="Connector: Curved 158">
-            <a:extLst>
-              <a:ext uri="{FF2B5EF4-FFF2-40B4-BE49-F238E27FC236}">
-                <a16:creationId xmlns:a16="http://schemas.microsoft.com/office/drawing/2014/main" id="{D3A5C8E4-63CD-41F2-A729-C74C782D6940}"/>
+          <p:cNvPr id="188" name="Connector: Curved 187">
+            <a:extLst>
+              <a:ext uri="{FF2B5EF4-FFF2-40B4-BE49-F238E27FC236}">
+                <a16:creationId xmlns:a16="http://schemas.microsoft.com/office/drawing/2014/main" id="{DB0BD7B2-3200-3633-373D-60A58AC1D849}"/>
               </a:ext>
             </a:extLst>
           </p:cNvPr>
@@ -14503,7 +15777,7 @@
         </p:nvCxnSpPr>
         <p:spPr>
           <a:xfrm rot="16200000" flipV="1">
-            <a:off x="6865635" y="13979165"/>
+            <a:off x="6865635" y="13985261"/>
             <a:ext cx="211379" cy="188925"/>
           </a:xfrm>
           <a:prstGeom prst="curvedConnector3">
@@ -14513,7 +15787,7 @@
           </a:prstGeom>
           <a:ln w="12700">
             <a:solidFill>
-              <a:schemeClr val="accent1"/>
+              <a:schemeClr val="accent2"/>
             </a:solidFill>
             <a:prstDash val="sysDash"/>
             <a:tailEnd type="triangle"/>
@@ -14536,10 +15810,10 @@
       </p:cxnSp>
       <p:sp>
         <p:nvSpPr>
-          <p:cNvPr id="160" name="Rectangle: Rounded Corners 159">
-            <a:extLst>
-              <a:ext uri="{FF2B5EF4-FFF2-40B4-BE49-F238E27FC236}">
-                <a16:creationId xmlns:a16="http://schemas.microsoft.com/office/drawing/2014/main" id="{6FEFA09B-470B-37C8-4AB7-5A0EAFE3A15B}"/>
+          <p:cNvPr id="189" name="Rectangle 188">
+            <a:extLst>
+              <a:ext uri="{FF2B5EF4-FFF2-40B4-BE49-F238E27FC236}">
+                <a16:creationId xmlns:a16="http://schemas.microsoft.com/office/drawing/2014/main" id="{160238A3-CFAD-A6D4-5846-8CB3C857CA7F}"/>
               </a:ext>
             </a:extLst>
           </p:cNvPr>
@@ -14548,1050 +15822,49 @@
         </p:nvSpPr>
         <p:spPr>
           <a:xfrm>
-            <a:off x="2692486" y="961661"/>
-            <a:ext cx="4893344" cy="292708"/>
-          </a:xfrm>
-          <a:prstGeom prst="roundRect">
-            <a:avLst/>
-          </a:prstGeom>
+            <a:off x="3281690" y="14252119"/>
+            <a:ext cx="4435845" cy="1454076"/>
+          </a:xfrm>
+          <a:prstGeom prst="rect">
+            <a:avLst/>
+          </a:prstGeom>
+          <a:noFill/>
           <a:ln>
-            <a:headEnd type="none" w="med" len="med"/>
-            <a:tailEnd type="none" w="med" len="med"/>
-          </a:ln>
-        </p:spPr>
-        <p:style>
-          <a:lnRef idx="1">
-            <a:schemeClr val="accent2"/>
-          </a:lnRef>
-          <a:fillRef idx="2">
-            <a:schemeClr val="accent2"/>
-          </a:fillRef>
-          <a:effectRef idx="1">
-            <a:schemeClr val="accent2"/>
-          </a:effectRef>
-          <a:fontRef idx="minor">
-            <a:schemeClr val="dk1"/>
+            <a:solidFill>
+              <a:schemeClr val="accent2"/>
+            </a:solidFill>
+            <a:prstDash val="sysDash"/>
+          </a:ln>
+        </p:spPr>
+        <p:style>
+          <a:lnRef idx="2">
+            <a:schemeClr val="accent1">
+              <a:shade val="50000"/>
+            </a:schemeClr>
+          </a:lnRef>
+          <a:fillRef idx="1">
+            <a:schemeClr val="accent1"/>
+          </a:fillRef>
+          <a:effectRef idx="0">
+            <a:schemeClr val="accent1"/>
+          </a:effectRef>
+          <a:fontRef idx="minor">
+            <a:schemeClr val="lt1"/>
           </a:fontRef>
         </p:style>
         <p:txBody>
           <a:bodyPr rtlCol="0" anchor="ctr"/>
           <a:lstStyle/>
           <a:p>
-            <a:r>
-              <a:rPr lang="zh-CN" altLang="en-US" sz="900" b="1" dirty="0">
-                <a:solidFill>
-                  <a:schemeClr val="tx1"/>
-                </a:solidFill>
-              </a:rPr>
-              <a:t>信息抽取与生成：</a:t>
-            </a:r>
-            <a:r>
-              <a:rPr lang="zh-CN" altLang="en-US" sz="900" dirty="0">
-                <a:solidFill>
-                  <a:schemeClr val="tx1"/>
-                </a:solidFill>
-              </a:rPr>
-              <a:t>作者</a:t>
-            </a:r>
-            <a:r>
-              <a:rPr lang="en-US" altLang="zh-CN" sz="900" dirty="0">
-                <a:solidFill>
-                  <a:schemeClr val="tx1"/>
-                </a:solidFill>
-              </a:rPr>
-              <a:t>/</a:t>
-            </a:r>
-            <a:r>
-              <a:rPr lang="zh-CN" altLang="en-US" sz="900" dirty="0">
-                <a:solidFill>
-                  <a:schemeClr val="tx1"/>
-                </a:solidFill>
-              </a:rPr>
-              <a:t>机构</a:t>
-            </a:r>
-            <a:r>
-              <a:rPr lang="en-US" altLang="zh-CN" sz="900" dirty="0">
-                <a:solidFill>
-                  <a:schemeClr val="tx1"/>
-                </a:solidFill>
-              </a:rPr>
-              <a:t>/</a:t>
-            </a:r>
-            <a:r>
-              <a:rPr lang="zh-CN" altLang="en-US" sz="900" dirty="0">
-                <a:solidFill>
-                  <a:schemeClr val="tx1"/>
-                </a:solidFill>
-              </a:rPr>
-              <a:t>出处</a:t>
-            </a:r>
-            <a:r>
-              <a:rPr lang="en-US" altLang="zh-CN" sz="900" dirty="0">
-                <a:solidFill>
-                  <a:schemeClr val="tx1"/>
-                </a:solidFill>
-              </a:rPr>
-              <a:t>/</a:t>
-            </a:r>
-            <a:r>
-              <a:rPr lang="zh-CN" altLang="en-US" sz="900" dirty="0">
-                <a:solidFill>
-                  <a:schemeClr val="tx1"/>
-                </a:solidFill>
-              </a:rPr>
-              <a:t>工作</a:t>
-            </a:r>
-            <a:r>
-              <a:rPr lang="en-US" altLang="zh-CN" sz="900" dirty="0">
-                <a:solidFill>
-                  <a:schemeClr val="tx1"/>
-                </a:solidFill>
-              </a:rPr>
-              <a:t>/</a:t>
-            </a:r>
-            <a:r>
-              <a:rPr lang="zh-CN" altLang="en-US" sz="900" dirty="0">
-                <a:solidFill>
-                  <a:schemeClr val="tx1"/>
-                </a:solidFill>
-              </a:rPr>
-              <a:t>概念信息、多账号关联、文献解析、综述生成</a:t>
-            </a:r>
-            <a:endParaRPr lang="en-US" sz="900" dirty="0">
-              <a:solidFill>
-                <a:schemeClr val="tx1"/>
-              </a:solidFill>
-            </a:endParaRPr>
-          </a:p>
-        </p:txBody>
-      </p:sp>
-      <p:sp>
-        <p:nvSpPr>
-          <p:cNvPr id="161" name="Rectangle: Rounded Corners 160">
-            <a:extLst>
-              <a:ext uri="{FF2B5EF4-FFF2-40B4-BE49-F238E27FC236}">
-                <a16:creationId xmlns:a16="http://schemas.microsoft.com/office/drawing/2014/main" id="{D1E62A8D-65EF-6C7F-F0E8-1D5B55A8C2E2}"/>
-              </a:ext>
-            </a:extLst>
-          </p:cNvPr>
-          <p:cNvSpPr/>
-          <p:nvPr/>
-        </p:nvSpPr>
-        <p:spPr>
-          <a:xfrm>
-            <a:off x="2692486" y="1266592"/>
-            <a:ext cx="4893344" cy="292708"/>
-          </a:xfrm>
-          <a:prstGeom prst="roundRect">
-            <a:avLst/>
-          </a:prstGeom>
-          <a:ln>
-            <a:headEnd type="none" w="med" len="med"/>
-            <a:tailEnd type="none" w="med" len="med"/>
-          </a:ln>
-        </p:spPr>
-        <p:style>
-          <a:lnRef idx="1">
-            <a:schemeClr val="accent6"/>
-          </a:lnRef>
-          <a:fillRef idx="2">
-            <a:schemeClr val="accent6"/>
-          </a:fillRef>
-          <a:effectRef idx="1">
-            <a:schemeClr val="accent6"/>
-          </a:effectRef>
-          <a:fontRef idx="minor">
-            <a:schemeClr val="dk1"/>
-          </a:fontRef>
-        </p:style>
-        <p:txBody>
-          <a:bodyPr rtlCol="0" anchor="ctr"/>
-          <a:lstStyle/>
-          <a:p>
-            <a:r>
-              <a:rPr lang="zh-CN" altLang="en-US" sz="900" b="1" dirty="0">
-                <a:solidFill>
-                  <a:schemeClr val="tx1"/>
-                </a:solidFill>
-              </a:rPr>
-              <a:t>智能推荐：</a:t>
-            </a:r>
-            <a:r>
-              <a:rPr lang="zh-CN" altLang="en-US" sz="900" dirty="0">
-                <a:solidFill>
-                  <a:schemeClr val="tx1"/>
-                </a:solidFill>
-              </a:rPr>
-              <a:t>人才挖掘、技术洞察、相似作者</a:t>
-            </a:r>
-            <a:r>
-              <a:rPr lang="en-US" altLang="zh-CN" sz="900" dirty="0">
-                <a:solidFill>
-                  <a:schemeClr val="tx1"/>
-                </a:solidFill>
-              </a:rPr>
-              <a:t>/</a:t>
-            </a:r>
-            <a:r>
-              <a:rPr lang="zh-CN" altLang="en-US" sz="900" dirty="0">
-                <a:solidFill>
-                  <a:schemeClr val="tx1"/>
-                </a:solidFill>
-              </a:rPr>
-              <a:t>机构</a:t>
-            </a:r>
-            <a:r>
-              <a:rPr lang="en-US" altLang="zh-CN" sz="900" dirty="0">
-                <a:solidFill>
-                  <a:schemeClr val="tx1"/>
-                </a:solidFill>
-              </a:rPr>
-              <a:t>/</a:t>
-            </a:r>
-            <a:r>
-              <a:rPr lang="zh-CN" altLang="en-US" sz="900" dirty="0">
-                <a:solidFill>
-                  <a:schemeClr val="tx1"/>
-                </a:solidFill>
-              </a:rPr>
-              <a:t>出处</a:t>
-            </a:r>
-            <a:r>
-              <a:rPr lang="en-US" altLang="zh-CN" sz="900" dirty="0">
-                <a:solidFill>
-                  <a:schemeClr val="tx1"/>
-                </a:solidFill>
-              </a:rPr>
-              <a:t>/</a:t>
-            </a:r>
-            <a:r>
-              <a:rPr lang="zh-CN" altLang="en-US" sz="900" dirty="0">
-                <a:solidFill>
-                  <a:schemeClr val="tx1"/>
-                </a:solidFill>
-              </a:rPr>
-              <a:t>工作</a:t>
-            </a:r>
-            <a:r>
-              <a:rPr lang="en-US" altLang="zh-CN" sz="900" dirty="0">
-                <a:solidFill>
-                  <a:schemeClr val="tx1"/>
-                </a:solidFill>
-              </a:rPr>
-              <a:t>/</a:t>
-            </a:r>
-            <a:r>
-              <a:rPr lang="zh-CN" altLang="en-US" sz="900" dirty="0">
-                <a:solidFill>
-                  <a:schemeClr val="tx1"/>
-                </a:solidFill>
-              </a:rPr>
-              <a:t>概念</a:t>
-            </a:r>
-            <a:endParaRPr lang="en-US" sz="900" dirty="0">
-              <a:solidFill>
-                <a:schemeClr val="tx1"/>
-              </a:solidFill>
-            </a:endParaRPr>
-          </a:p>
-        </p:txBody>
-      </p:sp>
-      <p:sp>
-        <p:nvSpPr>
-          <p:cNvPr id="165" name="Rectangle: Rounded Corners 164">
-            <a:extLst>
-              <a:ext uri="{FF2B5EF4-FFF2-40B4-BE49-F238E27FC236}">
-                <a16:creationId xmlns:a16="http://schemas.microsoft.com/office/drawing/2014/main" id="{D633ECD3-0D2E-9018-7540-77DB3413D6F0}"/>
-              </a:ext>
-            </a:extLst>
-          </p:cNvPr>
-          <p:cNvSpPr/>
-          <p:nvPr/>
-        </p:nvSpPr>
-        <p:spPr>
-          <a:xfrm>
-            <a:off x="2698836" y="1571261"/>
-            <a:ext cx="4893344" cy="292708"/>
-          </a:xfrm>
-          <a:prstGeom prst="roundRect">
-            <a:avLst/>
-          </a:prstGeom>
-          <a:ln>
-            <a:headEnd type="none" w="med" len="med"/>
-            <a:tailEnd type="none" w="med" len="med"/>
-          </a:ln>
-        </p:spPr>
-        <p:style>
-          <a:lnRef idx="1">
-            <a:schemeClr val="accent4"/>
-          </a:lnRef>
-          <a:fillRef idx="2">
-            <a:schemeClr val="accent4"/>
-          </a:fillRef>
-          <a:effectRef idx="1">
-            <a:schemeClr val="accent4"/>
-          </a:effectRef>
-          <a:fontRef idx="minor">
-            <a:schemeClr val="dk1"/>
-          </a:fontRef>
-        </p:style>
-        <p:txBody>
-          <a:bodyPr rtlCol="0" anchor="ctr"/>
-          <a:lstStyle/>
-          <a:p>
-            <a:r>
-              <a:rPr lang="zh-CN" altLang="en-US" sz="900" b="1" dirty="0">
-                <a:solidFill>
-                  <a:schemeClr val="tx1"/>
-                </a:solidFill>
-              </a:rPr>
-              <a:t>关系网络：</a:t>
-            </a:r>
-            <a:r>
-              <a:rPr lang="zh-CN" altLang="en-US" sz="900" dirty="0">
-                <a:solidFill>
-                  <a:schemeClr val="tx1"/>
-                </a:solidFill>
-              </a:rPr>
-              <a:t>作者</a:t>
-            </a:r>
-            <a:r>
-              <a:rPr lang="en-US" altLang="zh-CN" sz="900" dirty="0">
-                <a:solidFill>
-                  <a:schemeClr val="tx1"/>
-                </a:solidFill>
-              </a:rPr>
-              <a:t>/</a:t>
-            </a:r>
-            <a:r>
-              <a:rPr lang="zh-CN" altLang="en-US" sz="900" dirty="0">
-                <a:solidFill>
-                  <a:schemeClr val="tx1"/>
-                </a:solidFill>
-              </a:rPr>
-              <a:t>机构</a:t>
-            </a:r>
-            <a:r>
-              <a:rPr lang="en-US" altLang="zh-CN" sz="900" dirty="0">
-                <a:solidFill>
-                  <a:schemeClr val="tx1"/>
-                </a:solidFill>
-              </a:rPr>
-              <a:t>/</a:t>
-            </a:r>
-            <a:r>
-              <a:rPr lang="zh-CN" altLang="en-US" sz="900" dirty="0">
-                <a:solidFill>
-                  <a:schemeClr val="tx1"/>
-                </a:solidFill>
-              </a:rPr>
-              <a:t>工作</a:t>
-            </a:r>
-            <a:r>
-              <a:rPr lang="en-US" altLang="zh-CN" sz="900" dirty="0">
-                <a:solidFill>
-                  <a:schemeClr val="tx1"/>
-                </a:solidFill>
-              </a:rPr>
-              <a:t>+</a:t>
-            </a:r>
-            <a:r>
-              <a:rPr lang="zh-CN" altLang="en-US" sz="900" dirty="0">
-                <a:solidFill>
-                  <a:schemeClr val="tx1"/>
-                </a:solidFill>
-              </a:rPr>
-              <a:t>概念关系网络、机构社团划分</a:t>
-            </a:r>
-            <a:endParaRPr lang="en-US" sz="900" dirty="0">
-              <a:solidFill>
-                <a:schemeClr val="tx1"/>
-              </a:solidFill>
-            </a:endParaRPr>
-          </a:p>
-        </p:txBody>
-      </p:sp>
-      <p:sp>
-        <p:nvSpPr>
-          <p:cNvPr id="167" name="Rectangle: Rounded Corners 166">
-            <a:extLst>
-              <a:ext uri="{FF2B5EF4-FFF2-40B4-BE49-F238E27FC236}">
-                <a16:creationId xmlns:a16="http://schemas.microsoft.com/office/drawing/2014/main" id="{B9A9EB46-5535-DC0F-3CCF-169A44AD07FF}"/>
-              </a:ext>
-            </a:extLst>
-          </p:cNvPr>
-          <p:cNvSpPr/>
-          <p:nvPr/>
-        </p:nvSpPr>
-        <p:spPr>
-          <a:xfrm>
-            <a:off x="2698836" y="1876192"/>
-            <a:ext cx="4893344" cy="292708"/>
-          </a:xfrm>
-          <a:prstGeom prst="roundRect">
-            <a:avLst/>
-          </a:prstGeom>
-          <a:ln>
-            <a:headEnd type="none" w="med" len="med"/>
-            <a:tailEnd type="none" w="med" len="med"/>
-          </a:ln>
-        </p:spPr>
-        <p:style>
-          <a:lnRef idx="1">
-            <a:schemeClr val="accent5"/>
-          </a:lnRef>
-          <a:fillRef idx="2">
-            <a:schemeClr val="accent5"/>
-          </a:fillRef>
-          <a:effectRef idx="1">
-            <a:schemeClr val="accent5"/>
-          </a:effectRef>
-          <a:fontRef idx="minor">
-            <a:schemeClr val="dk1"/>
-          </a:fontRef>
-        </p:style>
-        <p:txBody>
-          <a:bodyPr rtlCol="0" anchor="ctr"/>
-          <a:lstStyle/>
-          <a:p>
-            <a:r>
-              <a:rPr lang="zh-CN" altLang="en-US" sz="900" b="1" dirty="0">
-                <a:solidFill>
-                  <a:schemeClr val="tx1"/>
-                </a:solidFill>
-              </a:rPr>
-              <a:t>趋势预测：</a:t>
-            </a:r>
-            <a:r>
-              <a:rPr lang="zh-CN" altLang="en-US" sz="900" dirty="0">
-                <a:solidFill>
-                  <a:schemeClr val="tx1"/>
-                </a:solidFill>
-              </a:rPr>
-              <a:t>作者</a:t>
-            </a:r>
-            <a:r>
-              <a:rPr lang="en-US" altLang="zh-CN" sz="900" dirty="0">
-                <a:solidFill>
-                  <a:schemeClr val="tx1"/>
-                </a:solidFill>
-              </a:rPr>
-              <a:t>/</a:t>
-            </a:r>
-            <a:r>
-              <a:rPr lang="zh-CN" altLang="en-US" sz="900" dirty="0">
-                <a:solidFill>
-                  <a:schemeClr val="tx1"/>
-                </a:solidFill>
-              </a:rPr>
-              <a:t>机构</a:t>
-            </a:r>
-            <a:r>
-              <a:rPr lang="en-US" altLang="zh-CN" sz="900" dirty="0">
-                <a:solidFill>
-                  <a:schemeClr val="tx1"/>
-                </a:solidFill>
-              </a:rPr>
-              <a:t>/</a:t>
-            </a:r>
-            <a:r>
-              <a:rPr lang="zh-CN" altLang="en-US" sz="900" dirty="0">
-                <a:solidFill>
-                  <a:schemeClr val="tx1"/>
-                </a:solidFill>
-              </a:rPr>
-              <a:t>出处</a:t>
-            </a:r>
-            <a:r>
-              <a:rPr lang="en-US" altLang="zh-CN" sz="900" dirty="0">
-                <a:solidFill>
-                  <a:schemeClr val="tx1"/>
-                </a:solidFill>
-              </a:rPr>
-              <a:t>/</a:t>
-            </a:r>
-            <a:r>
-              <a:rPr lang="zh-CN" altLang="en-US" sz="900" dirty="0">
-                <a:solidFill>
-                  <a:schemeClr val="tx1"/>
-                </a:solidFill>
-              </a:rPr>
-              <a:t>概念研究趋势、团队核心人物演化分析、作者流动分析</a:t>
-            </a:r>
-            <a:endParaRPr lang="en-US" sz="900" dirty="0">
-              <a:solidFill>
-                <a:schemeClr val="tx1"/>
-              </a:solidFill>
-            </a:endParaRPr>
-          </a:p>
-        </p:txBody>
-      </p:sp>
-      <p:sp>
-        <p:nvSpPr>
-          <p:cNvPr id="168" name="Rectangle: Rounded Corners 167">
-            <a:extLst>
-              <a:ext uri="{FF2B5EF4-FFF2-40B4-BE49-F238E27FC236}">
-                <a16:creationId xmlns:a16="http://schemas.microsoft.com/office/drawing/2014/main" id="{20E48300-7A74-99A2-30FA-E3DE3A0F5406}"/>
-              </a:ext>
-            </a:extLst>
-          </p:cNvPr>
-          <p:cNvSpPr/>
-          <p:nvPr/>
-        </p:nvSpPr>
-        <p:spPr>
-          <a:xfrm>
-            <a:off x="2698836" y="2180861"/>
-            <a:ext cx="4893344" cy="292708"/>
-          </a:xfrm>
-          <a:prstGeom prst="roundRect">
-            <a:avLst/>
-          </a:prstGeom>
-          <a:ln>
-            <a:headEnd type="none" w="med" len="med"/>
-            <a:tailEnd type="none" w="med" len="med"/>
-          </a:ln>
-        </p:spPr>
-        <p:style>
-          <a:lnRef idx="1">
-            <a:schemeClr val="accent2"/>
-          </a:lnRef>
-          <a:fillRef idx="2">
-            <a:schemeClr val="accent2"/>
-          </a:fillRef>
-          <a:effectRef idx="1">
-            <a:schemeClr val="accent2"/>
-          </a:effectRef>
-          <a:fontRef idx="minor">
-            <a:schemeClr val="dk1"/>
-          </a:fontRef>
-        </p:style>
-        <p:txBody>
-          <a:bodyPr rtlCol="0" anchor="ctr"/>
-          <a:lstStyle/>
-          <a:p>
-            <a:r>
-              <a:rPr lang="zh-CN" altLang="en-US" sz="900" b="1" dirty="0">
-                <a:solidFill>
-                  <a:schemeClr val="tx1"/>
-                </a:solidFill>
-              </a:rPr>
-              <a:t>智能检索：</a:t>
-            </a:r>
-            <a:r>
-              <a:rPr lang="zh-CN" altLang="en-US" sz="900" dirty="0">
-                <a:solidFill>
-                  <a:schemeClr val="tx1"/>
-                </a:solidFill>
-              </a:rPr>
-              <a:t>搜索作者</a:t>
-            </a:r>
-            <a:r>
-              <a:rPr lang="en-US" altLang="zh-CN" sz="900" dirty="0">
-                <a:solidFill>
-                  <a:schemeClr val="tx1"/>
-                </a:solidFill>
-              </a:rPr>
-              <a:t>/</a:t>
-            </a:r>
-            <a:r>
-              <a:rPr lang="zh-CN" altLang="en-US" sz="900" dirty="0">
-                <a:solidFill>
-                  <a:schemeClr val="tx1"/>
-                </a:solidFill>
-              </a:rPr>
-              <a:t>机构</a:t>
-            </a:r>
-            <a:r>
-              <a:rPr lang="en-US" altLang="zh-CN" sz="900" dirty="0">
-                <a:solidFill>
-                  <a:schemeClr val="tx1"/>
-                </a:solidFill>
-              </a:rPr>
-              <a:t>/</a:t>
-            </a:r>
-            <a:r>
-              <a:rPr lang="zh-CN" altLang="en-US" sz="900" dirty="0">
-                <a:solidFill>
-                  <a:schemeClr val="tx1"/>
-                </a:solidFill>
-              </a:rPr>
-              <a:t>出处</a:t>
-            </a:r>
-            <a:r>
-              <a:rPr lang="en-US" altLang="zh-CN" sz="900" dirty="0">
-                <a:solidFill>
-                  <a:schemeClr val="tx1"/>
-                </a:solidFill>
-              </a:rPr>
-              <a:t>/</a:t>
-            </a:r>
-            <a:r>
-              <a:rPr lang="zh-CN" altLang="en-US" sz="900" dirty="0">
-                <a:solidFill>
-                  <a:schemeClr val="tx1"/>
-                </a:solidFill>
-              </a:rPr>
-              <a:t>工作</a:t>
-            </a:r>
-            <a:r>
-              <a:rPr lang="en-US" altLang="zh-CN" sz="900" dirty="0">
-                <a:solidFill>
-                  <a:schemeClr val="tx1"/>
-                </a:solidFill>
-              </a:rPr>
-              <a:t>/</a:t>
-            </a:r>
-            <a:r>
-              <a:rPr lang="zh-CN" altLang="en-US" sz="900" dirty="0">
-                <a:solidFill>
-                  <a:schemeClr val="tx1"/>
-                </a:solidFill>
-              </a:rPr>
-              <a:t>概念、六度搜索</a:t>
-            </a:r>
-            <a:endParaRPr lang="en-US" sz="900" dirty="0">
-              <a:solidFill>
-                <a:schemeClr val="tx1"/>
-              </a:solidFill>
-            </a:endParaRPr>
-          </a:p>
-        </p:txBody>
-      </p:sp>
-      <p:sp>
-        <p:nvSpPr>
-          <p:cNvPr id="169" name="Rectangle: Rounded Corners 168">
-            <a:extLst>
-              <a:ext uri="{FF2B5EF4-FFF2-40B4-BE49-F238E27FC236}">
-                <a16:creationId xmlns:a16="http://schemas.microsoft.com/office/drawing/2014/main" id="{F2B18707-A47E-4976-2A51-6850768C8A7B}"/>
-              </a:ext>
-            </a:extLst>
-          </p:cNvPr>
-          <p:cNvSpPr/>
-          <p:nvPr/>
-        </p:nvSpPr>
-        <p:spPr>
-          <a:xfrm>
-            <a:off x="2698836" y="2485792"/>
-            <a:ext cx="4893344" cy="292708"/>
-          </a:xfrm>
-          <a:prstGeom prst="roundRect">
-            <a:avLst/>
-          </a:prstGeom>
-          <a:ln>
-            <a:headEnd type="none" w="med" len="med"/>
-            <a:tailEnd type="none" w="med" len="med"/>
-          </a:ln>
-        </p:spPr>
-        <p:style>
-          <a:lnRef idx="1">
-            <a:schemeClr val="accent6"/>
-          </a:lnRef>
-          <a:fillRef idx="2">
-            <a:schemeClr val="accent6"/>
-          </a:fillRef>
-          <a:effectRef idx="1">
-            <a:schemeClr val="accent6"/>
-          </a:effectRef>
-          <a:fontRef idx="minor">
-            <a:schemeClr val="dk1"/>
-          </a:fontRef>
-        </p:style>
-        <p:txBody>
-          <a:bodyPr rtlCol="0" anchor="ctr"/>
-          <a:lstStyle/>
-          <a:p>
-            <a:r>
-              <a:rPr lang="zh-CN" altLang="en-US" sz="900" b="1" dirty="0">
-                <a:solidFill>
-                  <a:schemeClr val="tx1"/>
-                </a:solidFill>
-              </a:rPr>
-              <a:t>智能问答：</a:t>
-            </a:r>
-            <a:r>
-              <a:rPr lang="zh-CN" altLang="en-US" sz="900" dirty="0">
-                <a:solidFill>
-                  <a:schemeClr val="tx1"/>
-                </a:solidFill>
-              </a:rPr>
-              <a:t>视觉问答、知识图谱问答</a:t>
-            </a:r>
-            <a:endParaRPr lang="en-US" sz="900" dirty="0">
-              <a:solidFill>
-                <a:schemeClr val="tx1"/>
-              </a:solidFill>
-            </a:endParaRPr>
-          </a:p>
-        </p:txBody>
-      </p:sp>
-      <p:sp>
-        <p:nvSpPr>
-          <p:cNvPr id="170" name="Rectangle: Rounded Corners 169">
-            <a:extLst>
-              <a:ext uri="{FF2B5EF4-FFF2-40B4-BE49-F238E27FC236}">
-                <a16:creationId xmlns:a16="http://schemas.microsoft.com/office/drawing/2014/main" id="{518AB024-B809-B7EB-6BA7-0C9E9348E8ED}"/>
-              </a:ext>
-            </a:extLst>
-          </p:cNvPr>
-          <p:cNvSpPr/>
-          <p:nvPr/>
-        </p:nvSpPr>
-        <p:spPr>
-          <a:xfrm>
-            <a:off x="2705186" y="2790461"/>
-            <a:ext cx="4893344" cy="292708"/>
-          </a:xfrm>
-          <a:prstGeom prst="roundRect">
-            <a:avLst/>
-          </a:prstGeom>
-          <a:ln>
-            <a:headEnd type="none" w="med" len="med"/>
-            <a:tailEnd type="none" w="med" len="med"/>
-          </a:ln>
-        </p:spPr>
-        <p:style>
-          <a:lnRef idx="1">
-            <a:schemeClr val="accent4"/>
-          </a:lnRef>
-          <a:fillRef idx="2">
-            <a:schemeClr val="accent4"/>
-          </a:fillRef>
-          <a:effectRef idx="1">
-            <a:schemeClr val="accent4"/>
-          </a:effectRef>
-          <a:fontRef idx="minor">
-            <a:schemeClr val="dk1"/>
-          </a:fontRef>
-        </p:style>
-        <p:txBody>
-          <a:bodyPr rtlCol="0" anchor="ctr"/>
-          <a:lstStyle/>
-          <a:p>
-            <a:r>
-              <a:rPr lang="zh-CN" altLang="en-US" sz="900" b="1" dirty="0">
-                <a:solidFill>
-                  <a:schemeClr val="tx1"/>
-                </a:solidFill>
-              </a:rPr>
-              <a:t>评估排名：</a:t>
-            </a:r>
-            <a:r>
-              <a:rPr lang="zh-CN" altLang="en-US" sz="900" dirty="0">
-                <a:solidFill>
-                  <a:schemeClr val="tx1"/>
-                </a:solidFill>
-              </a:rPr>
-              <a:t>作者</a:t>
-            </a:r>
-            <a:r>
-              <a:rPr lang="en-US" altLang="zh-CN" sz="900" dirty="0">
-                <a:solidFill>
-                  <a:schemeClr val="tx1"/>
-                </a:solidFill>
-              </a:rPr>
-              <a:t>/</a:t>
-            </a:r>
-            <a:r>
-              <a:rPr lang="zh-CN" altLang="en-US" sz="900" dirty="0">
-                <a:solidFill>
-                  <a:schemeClr val="tx1"/>
-                </a:solidFill>
-              </a:rPr>
-              <a:t>机构</a:t>
-            </a:r>
-            <a:r>
-              <a:rPr lang="en-US" altLang="zh-CN" sz="900" dirty="0">
-                <a:solidFill>
-                  <a:schemeClr val="tx1"/>
-                </a:solidFill>
-              </a:rPr>
-              <a:t>/</a:t>
-            </a:r>
-            <a:r>
-              <a:rPr lang="zh-CN" altLang="en-US" sz="900" dirty="0">
-                <a:solidFill>
-                  <a:schemeClr val="tx1"/>
-                </a:solidFill>
-              </a:rPr>
-              <a:t>出处评估、领域工作</a:t>
-            </a:r>
-            <a:r>
-              <a:rPr lang="en-US" altLang="zh-CN" sz="900" dirty="0">
-                <a:solidFill>
-                  <a:schemeClr val="tx1"/>
-                </a:solidFill>
-              </a:rPr>
-              <a:t>/</a:t>
-            </a:r>
-            <a:r>
-              <a:rPr lang="zh-CN" altLang="en-US" sz="900" dirty="0">
-                <a:solidFill>
-                  <a:schemeClr val="tx1"/>
-                </a:solidFill>
-              </a:rPr>
-              <a:t>概念榜单</a:t>
-            </a:r>
-            <a:endParaRPr lang="en-US" sz="900" dirty="0">
-              <a:solidFill>
-                <a:schemeClr val="tx1"/>
-              </a:solidFill>
-            </a:endParaRPr>
-          </a:p>
-        </p:txBody>
-      </p:sp>
-      <p:sp>
-        <p:nvSpPr>
-          <p:cNvPr id="171" name="Rectangle: Rounded Corners 170">
-            <a:extLst>
-              <a:ext uri="{FF2B5EF4-FFF2-40B4-BE49-F238E27FC236}">
-                <a16:creationId xmlns:a16="http://schemas.microsoft.com/office/drawing/2014/main" id="{09BBCAA7-41F5-F0C4-51D9-E9E975FE4814}"/>
-              </a:ext>
-            </a:extLst>
-          </p:cNvPr>
-          <p:cNvSpPr/>
-          <p:nvPr/>
-        </p:nvSpPr>
-        <p:spPr>
-          <a:xfrm>
-            <a:off x="2705186" y="3095392"/>
-            <a:ext cx="4893344" cy="292708"/>
-          </a:xfrm>
-          <a:prstGeom prst="roundRect">
-            <a:avLst/>
-          </a:prstGeom>
-          <a:ln>
-            <a:headEnd type="none" w="med" len="med"/>
-            <a:tailEnd type="none" w="med" len="med"/>
-          </a:ln>
-        </p:spPr>
-        <p:style>
-          <a:lnRef idx="1">
-            <a:schemeClr val="accent5"/>
-          </a:lnRef>
-          <a:fillRef idx="2">
-            <a:schemeClr val="accent5"/>
-          </a:fillRef>
-          <a:effectRef idx="1">
-            <a:schemeClr val="accent5"/>
-          </a:effectRef>
-          <a:fontRef idx="minor">
-            <a:schemeClr val="dk1"/>
-          </a:fontRef>
-        </p:style>
-        <p:txBody>
-          <a:bodyPr rtlCol="0" anchor="ctr"/>
-          <a:lstStyle/>
-          <a:p>
-            <a:r>
-              <a:rPr lang="zh-CN" altLang="en-US" sz="900" b="1" dirty="0">
-                <a:solidFill>
-                  <a:schemeClr val="tx1"/>
-                </a:solidFill>
-              </a:rPr>
-              <a:t>事件分析：</a:t>
-            </a:r>
-            <a:r>
-              <a:rPr lang="zh-CN" altLang="en-US" sz="900" dirty="0">
-                <a:solidFill>
-                  <a:schemeClr val="tx1"/>
-                </a:solidFill>
-              </a:rPr>
-              <a:t>科技情报事件发现与自动摘要、事件因果分析、事件预测</a:t>
-            </a:r>
-            <a:endParaRPr lang="en-US" sz="900" dirty="0">
-              <a:solidFill>
-                <a:schemeClr val="tx1"/>
-              </a:solidFill>
-            </a:endParaRPr>
-          </a:p>
-        </p:txBody>
-      </p:sp>
-      <p:sp>
-        <p:nvSpPr>
-          <p:cNvPr id="172" name="Rectangle: Rounded Corners 171">
-            <a:extLst>
-              <a:ext uri="{FF2B5EF4-FFF2-40B4-BE49-F238E27FC236}">
-                <a16:creationId xmlns:a16="http://schemas.microsoft.com/office/drawing/2014/main" id="{32EAE051-C93D-5E96-5AE7-39335BD5D5BD}"/>
-              </a:ext>
-            </a:extLst>
-          </p:cNvPr>
-          <p:cNvSpPr/>
-          <p:nvPr/>
-        </p:nvSpPr>
-        <p:spPr>
-          <a:xfrm>
-            <a:off x="2705186" y="3400061"/>
-            <a:ext cx="4893344" cy="292708"/>
-          </a:xfrm>
-          <a:prstGeom prst="roundRect">
-            <a:avLst/>
-          </a:prstGeom>
-          <a:ln>
-            <a:headEnd type="none" w="med" len="med"/>
-            <a:tailEnd type="none" w="med" len="med"/>
-          </a:ln>
-        </p:spPr>
-        <p:style>
-          <a:lnRef idx="1">
-            <a:schemeClr val="accent2"/>
-          </a:lnRef>
-          <a:fillRef idx="2">
-            <a:schemeClr val="accent2"/>
-          </a:fillRef>
-          <a:effectRef idx="1">
-            <a:schemeClr val="accent2"/>
-          </a:effectRef>
-          <a:fontRef idx="minor">
-            <a:schemeClr val="dk1"/>
-          </a:fontRef>
-        </p:style>
-        <p:txBody>
-          <a:bodyPr rtlCol="0" anchor="ctr"/>
-          <a:lstStyle/>
-          <a:p>
-            <a:r>
-              <a:rPr lang="zh-CN" altLang="en-US" sz="900" b="1" dirty="0">
-                <a:solidFill>
-                  <a:schemeClr val="tx1"/>
-                </a:solidFill>
-              </a:rPr>
-              <a:t>人格分析与社会评价：</a:t>
-            </a:r>
-            <a:r>
-              <a:rPr lang="zh-CN" altLang="en-US" sz="900" dirty="0">
-                <a:solidFill>
-                  <a:schemeClr val="tx1"/>
-                </a:solidFill>
-              </a:rPr>
-              <a:t>五维人格分析、人物社会评价</a:t>
-            </a:r>
-            <a:endParaRPr lang="en-US" sz="900" dirty="0">
-              <a:solidFill>
-                <a:schemeClr val="tx1"/>
-              </a:solidFill>
-            </a:endParaRPr>
-          </a:p>
-        </p:txBody>
-      </p:sp>
-      <p:sp>
-        <p:nvSpPr>
-          <p:cNvPr id="173" name="Rectangle: Rounded Corners 172">
-            <a:extLst>
-              <a:ext uri="{FF2B5EF4-FFF2-40B4-BE49-F238E27FC236}">
-                <a16:creationId xmlns:a16="http://schemas.microsoft.com/office/drawing/2014/main" id="{79B05480-036F-CF75-ADE4-78707120AD0E}"/>
-              </a:ext>
-            </a:extLst>
-          </p:cNvPr>
-          <p:cNvSpPr/>
-          <p:nvPr/>
-        </p:nvSpPr>
-        <p:spPr>
-          <a:xfrm>
-            <a:off x="2705186" y="3704992"/>
-            <a:ext cx="4893344" cy="292708"/>
-          </a:xfrm>
-          <a:prstGeom prst="roundRect">
-            <a:avLst/>
-          </a:prstGeom>
-          <a:ln>
-            <a:headEnd type="none" w="med" len="med"/>
-            <a:tailEnd type="none" w="med" len="med"/>
-          </a:ln>
-        </p:spPr>
-        <p:style>
-          <a:lnRef idx="1">
-            <a:schemeClr val="accent6"/>
-          </a:lnRef>
-          <a:fillRef idx="2">
-            <a:schemeClr val="accent6"/>
-          </a:fillRef>
-          <a:effectRef idx="1">
-            <a:schemeClr val="accent6"/>
-          </a:effectRef>
-          <a:fontRef idx="minor">
-            <a:schemeClr val="dk1"/>
-          </a:fontRef>
-        </p:style>
-        <p:txBody>
-          <a:bodyPr rtlCol="0" anchor="ctr"/>
-          <a:lstStyle/>
-          <a:p>
-            <a:r>
-              <a:rPr lang="zh-CN" altLang="en-US" sz="900" b="1" dirty="0">
-                <a:solidFill>
-                  <a:schemeClr val="tx1"/>
-                </a:solidFill>
-              </a:rPr>
-              <a:t>用户管理：</a:t>
-            </a:r>
-            <a:r>
-              <a:rPr lang="zh-CN" altLang="en-US" sz="900" dirty="0">
-                <a:solidFill>
-                  <a:schemeClr val="tx1"/>
-                </a:solidFill>
-              </a:rPr>
-              <a:t>订阅关注作者</a:t>
-            </a:r>
-            <a:r>
-              <a:rPr lang="en-US" altLang="zh-CN" sz="900" dirty="0">
-                <a:solidFill>
-                  <a:schemeClr val="tx1"/>
-                </a:solidFill>
-              </a:rPr>
-              <a:t>/</a:t>
-            </a:r>
-            <a:r>
-              <a:rPr lang="zh-CN" altLang="en-US" sz="900" dirty="0">
-                <a:solidFill>
-                  <a:schemeClr val="tx1"/>
-                </a:solidFill>
-              </a:rPr>
-              <a:t>机构</a:t>
-            </a:r>
-            <a:r>
-              <a:rPr lang="en-US" altLang="zh-CN" sz="900" dirty="0">
-                <a:solidFill>
-                  <a:schemeClr val="tx1"/>
-                </a:solidFill>
-              </a:rPr>
-              <a:t>/</a:t>
-            </a:r>
-            <a:r>
-              <a:rPr lang="zh-CN" altLang="en-US" sz="900" dirty="0">
-                <a:solidFill>
-                  <a:schemeClr val="tx1"/>
-                </a:solidFill>
-              </a:rPr>
-              <a:t>出处</a:t>
-            </a:r>
-            <a:r>
-              <a:rPr lang="en-US" altLang="zh-CN" sz="900" dirty="0">
-                <a:solidFill>
-                  <a:schemeClr val="tx1"/>
-                </a:solidFill>
-              </a:rPr>
-              <a:t>/</a:t>
-            </a:r>
-            <a:r>
-              <a:rPr lang="zh-CN" altLang="en-US" sz="900" dirty="0">
-                <a:solidFill>
-                  <a:schemeClr val="tx1"/>
-                </a:solidFill>
-              </a:rPr>
-              <a:t>概念、阅读管理</a:t>
-            </a:r>
-            <a:endParaRPr lang="en-US" sz="900" dirty="0">
-              <a:solidFill>
-                <a:schemeClr val="tx1"/>
-              </a:solidFill>
-            </a:endParaRPr>
+            <a:pPr algn="ctr"/>
+            <a:endParaRPr lang="en-US"/>
           </a:p>
         </p:txBody>
       </p:sp>
     </p:spTree>
     <p:extLst>
       <p:ext uri="{BB962C8B-B14F-4D97-AF65-F5344CB8AC3E}">
-        <p14:creationId xmlns:p14="http://schemas.microsoft.com/office/powerpoint/2010/main" val="4093266359"/>
+        <p14:creationId xmlns:p14="http://schemas.microsoft.com/office/powerpoint/2010/main" val="890542404"/>
       </p:ext>
     </p:extLst>
   </p:cSld>

--- a/SystemDesignDocs/FiguresForDesign/Figures.pptx
+++ b/SystemDesignDocs/FiguresForDesign/Figures.pptx
@@ -259,7 +259,7 @@
           <a:p>
             <a:fld id="{BCF065E9-F0BD-4CBA-8514-7C9F3F1A00B0}" type="datetimeFigureOut">
               <a:rPr lang="en-US" smtClean="0"/>
-              <a:t>5/21/2022</a:t>
+              <a:t>5/23/2022</a:t>
             </a:fld>
             <a:endParaRPr lang="en-US"/>
           </a:p>
@@ -429,7 +429,7 @@
           <a:p>
             <a:fld id="{BCF065E9-F0BD-4CBA-8514-7C9F3F1A00B0}" type="datetimeFigureOut">
               <a:rPr lang="en-US" smtClean="0"/>
-              <a:t>5/21/2022</a:t>
+              <a:t>5/23/2022</a:t>
             </a:fld>
             <a:endParaRPr lang="en-US"/>
           </a:p>
@@ -609,7 +609,7 @@
           <a:p>
             <a:fld id="{BCF065E9-F0BD-4CBA-8514-7C9F3F1A00B0}" type="datetimeFigureOut">
               <a:rPr lang="en-US" smtClean="0"/>
-              <a:t>5/21/2022</a:t>
+              <a:t>5/23/2022</a:t>
             </a:fld>
             <a:endParaRPr lang="en-US"/>
           </a:p>
@@ -779,7 +779,7 @@
           <a:p>
             <a:fld id="{BCF065E9-F0BD-4CBA-8514-7C9F3F1A00B0}" type="datetimeFigureOut">
               <a:rPr lang="en-US" smtClean="0"/>
-              <a:t>5/21/2022</a:t>
+              <a:t>5/23/2022</a:t>
             </a:fld>
             <a:endParaRPr lang="en-US"/>
           </a:p>
@@ -1023,7 +1023,7 @@
           <a:p>
             <a:fld id="{BCF065E9-F0BD-4CBA-8514-7C9F3F1A00B0}" type="datetimeFigureOut">
               <a:rPr lang="en-US" smtClean="0"/>
-              <a:t>5/21/2022</a:t>
+              <a:t>5/23/2022</a:t>
             </a:fld>
             <a:endParaRPr lang="en-US"/>
           </a:p>
@@ -1255,7 +1255,7 @@
           <a:p>
             <a:fld id="{BCF065E9-F0BD-4CBA-8514-7C9F3F1A00B0}" type="datetimeFigureOut">
               <a:rPr lang="en-US" smtClean="0"/>
-              <a:t>5/21/2022</a:t>
+              <a:t>5/23/2022</a:t>
             </a:fld>
             <a:endParaRPr lang="en-US"/>
           </a:p>
@@ -1622,7 +1622,7 @@
           <a:p>
             <a:fld id="{BCF065E9-F0BD-4CBA-8514-7C9F3F1A00B0}" type="datetimeFigureOut">
               <a:rPr lang="en-US" smtClean="0"/>
-              <a:t>5/21/2022</a:t>
+              <a:t>5/23/2022</a:t>
             </a:fld>
             <a:endParaRPr lang="en-US"/>
           </a:p>
@@ -1740,7 +1740,7 @@
           <a:p>
             <a:fld id="{BCF065E9-F0BD-4CBA-8514-7C9F3F1A00B0}" type="datetimeFigureOut">
               <a:rPr lang="en-US" smtClean="0"/>
-              <a:t>5/21/2022</a:t>
+              <a:t>5/23/2022</a:t>
             </a:fld>
             <a:endParaRPr lang="en-US"/>
           </a:p>
@@ -1835,7 +1835,7 @@
           <a:p>
             <a:fld id="{BCF065E9-F0BD-4CBA-8514-7C9F3F1A00B0}" type="datetimeFigureOut">
               <a:rPr lang="en-US" smtClean="0"/>
-              <a:t>5/21/2022</a:t>
+              <a:t>5/23/2022</a:t>
             </a:fld>
             <a:endParaRPr lang="en-US"/>
           </a:p>
@@ -2112,7 +2112,7 @@
           <a:p>
             <a:fld id="{BCF065E9-F0BD-4CBA-8514-7C9F3F1A00B0}" type="datetimeFigureOut">
               <a:rPr lang="en-US" smtClean="0"/>
-              <a:t>5/21/2022</a:t>
+              <a:t>5/23/2022</a:t>
             </a:fld>
             <a:endParaRPr lang="en-US"/>
           </a:p>
@@ -2369,7 +2369,7 @@
           <a:p>
             <a:fld id="{BCF065E9-F0BD-4CBA-8514-7C9F3F1A00B0}" type="datetimeFigureOut">
               <a:rPr lang="en-US" smtClean="0"/>
-              <a:t>5/21/2022</a:t>
+              <a:t>5/23/2022</a:t>
             </a:fld>
             <a:endParaRPr lang="en-US"/>
           </a:p>
@@ -2582,7 +2582,7 @@
           <a:p>
             <a:fld id="{BCF065E9-F0BD-4CBA-8514-7C9F3F1A00B0}" type="datetimeFigureOut">
               <a:rPr lang="en-US" smtClean="0"/>
-              <a:t>5/21/2022</a:t>
+              <a:t>5/23/2022</a:t>
             </a:fld>
             <a:endParaRPr lang="en-US"/>
           </a:p>
@@ -3001,7 +3001,7 @@
         </p:nvSpPr>
         <p:spPr>
           <a:xfrm>
-            <a:off x="1828462" y="3103448"/>
+            <a:off x="1828462" y="2385898"/>
             <a:ext cx="2161682" cy="369332"/>
           </a:xfrm>
           <a:prstGeom prst="rect">
@@ -3025,7 +3025,7 @@
             </a:r>
             <a:r>
               <a:rPr lang="en-US" dirty="0"/>
-              <a:t>- 20220521</a:t>
+              <a:t>- 20220523</a:t>
             </a:r>
           </a:p>
         </p:txBody>
@@ -4457,8 +4457,8 @@
         </p:nvSpPr>
         <p:spPr>
           <a:xfrm>
-            <a:off x="2560320" y="5697070"/>
-            <a:ext cx="5577840" cy="5338054"/>
+            <a:off x="2560320" y="5037955"/>
+            <a:ext cx="5577840" cy="5997169"/>
           </a:xfrm>
           <a:prstGeom prst="rect">
             <a:avLst/>
@@ -5555,8 +5555,8 @@
         </p:nvSpPr>
         <p:spPr>
           <a:xfrm>
-            <a:off x="3044313" y="7379320"/>
-            <a:ext cx="4551238" cy="1428875"/>
+            <a:off x="3044313" y="6718452"/>
+            <a:ext cx="4551238" cy="2022352"/>
           </a:xfrm>
           <a:prstGeom prst="rect">
             <a:avLst/>
@@ -5608,7 +5608,7 @@
         </p:nvSpPr>
         <p:spPr>
           <a:xfrm>
-            <a:off x="4343225" y="8243874"/>
+            <a:off x="4343225" y="8186724"/>
             <a:ext cx="799687" cy="302748"/>
           </a:xfrm>
           <a:prstGeom prst="roundRect">
@@ -5668,7 +5668,7 @@
         </p:nvSpPr>
         <p:spPr>
           <a:xfrm>
-            <a:off x="5295177" y="8243874"/>
+            <a:off x="5295177" y="8186724"/>
             <a:ext cx="1037486" cy="302748"/>
           </a:xfrm>
           <a:prstGeom prst="roundRect">
@@ -5744,7 +5744,7 @@
         </p:nvSpPr>
         <p:spPr>
           <a:xfrm>
-            <a:off x="4197798" y="8134556"/>
+            <a:off x="4197798" y="8077406"/>
             <a:ext cx="2252071" cy="509766"/>
           </a:xfrm>
           <a:prstGeom prst="rect">
@@ -5801,8 +5801,8 @@
         </p:nvCxnSpPr>
         <p:spPr>
           <a:xfrm rot="16200000" flipV="1">
-            <a:off x="5074768" y="8893389"/>
-            <a:ext cx="498483" cy="350"/>
+            <a:off x="5046193" y="8864814"/>
+            <a:ext cx="555633" cy="350"/>
           </a:xfrm>
           <a:prstGeom prst="bentConnector3">
             <a:avLst>
@@ -5831,66 +5831,6 @@
           </a:fontRef>
         </p:style>
       </p:cxnSp>
-      <p:sp>
-        <p:nvSpPr>
-          <p:cNvPr id="81" name="Rectangle: Rounded Corners 80">
-            <a:extLst>
-              <a:ext uri="{FF2B5EF4-FFF2-40B4-BE49-F238E27FC236}">
-                <a16:creationId xmlns:a16="http://schemas.microsoft.com/office/drawing/2014/main" id="{0680DED7-E511-420C-8EB5-86A5EAF4089C}"/>
-              </a:ext>
-            </a:extLst>
-          </p:cNvPr>
-          <p:cNvSpPr/>
-          <p:nvPr/>
-        </p:nvSpPr>
-        <p:spPr>
-          <a:xfrm>
-            <a:off x="4863582" y="7567840"/>
-            <a:ext cx="926281" cy="287953"/>
-          </a:xfrm>
-          <a:prstGeom prst="roundRect">
-            <a:avLst/>
-          </a:prstGeom>
-          <a:ln>
-            <a:headEnd type="none" w="med" len="med"/>
-            <a:tailEnd type="none" w="med" len="med"/>
-          </a:ln>
-        </p:spPr>
-        <p:style>
-          <a:lnRef idx="1">
-            <a:schemeClr val="accent1"/>
-          </a:lnRef>
-          <a:fillRef idx="2">
-            <a:schemeClr val="accent1"/>
-          </a:fillRef>
-          <a:effectRef idx="1">
-            <a:schemeClr val="accent1"/>
-          </a:effectRef>
-          <a:fontRef idx="minor">
-            <a:schemeClr val="dk1"/>
-          </a:fontRef>
-        </p:style>
-        <p:txBody>
-          <a:bodyPr rtlCol="0" anchor="ctr"/>
-          <a:lstStyle/>
-          <a:p>
-            <a:pPr algn="ctr"/>
-            <a:r>
-              <a:rPr lang="zh-CN" altLang="en-US" sz="1000" b="1" dirty="0">
-                <a:solidFill>
-                  <a:schemeClr val="tx1"/>
-                </a:solidFill>
-              </a:rPr>
-              <a:t>知识合并</a:t>
-            </a:r>
-            <a:endParaRPr lang="en-US" sz="1000" b="1" dirty="0">
-              <a:solidFill>
-                <a:schemeClr val="tx1"/>
-              </a:solidFill>
-            </a:endParaRPr>
-          </a:p>
-        </p:txBody>
-      </p:sp>
       <p:cxnSp>
         <p:nvCxnSpPr>
           <p:cNvPr id="82" name="Connector: Elbow 81">
@@ -5908,7 +5848,7 @@
         </p:nvCxnSpPr>
         <p:spPr>
           <a:xfrm rot="16200000" flipV="1">
-            <a:off x="4806494" y="8695185"/>
+            <a:off x="4806494" y="7977635"/>
             <a:ext cx="3625823" cy="1659084"/>
           </a:xfrm>
           <a:prstGeom prst="bentConnector2">
@@ -5948,14 +5888,14 @@
           <p:cNvCxnSpPr>
             <a:cxnSpLocks/>
             <a:stCxn id="81" idx="2"/>
-            <a:endCxn id="76" idx="0"/>
+            <a:endCxn id="107" idx="0"/>
           </p:cNvCxnSpPr>
           <p:nvPr/>
         </p:nvCxnSpPr>
         <p:spPr>
           <a:xfrm rot="5400000">
-            <a:off x="5185898" y="7993730"/>
-            <a:ext cx="278763" cy="2889"/>
+            <a:off x="5182337" y="7280663"/>
+            <a:ext cx="286806" cy="1966"/>
           </a:xfrm>
           <a:prstGeom prst="bentConnector3">
             <a:avLst>
@@ -5998,7 +5938,7 @@
         </p:nvSpPr>
         <p:spPr>
           <a:xfrm>
-            <a:off x="3565123" y="7517038"/>
+            <a:off x="3565123" y="6799488"/>
             <a:ext cx="850040" cy="393066"/>
           </a:xfrm>
           <a:prstGeom prst="flowChartMagneticDisk">
@@ -6057,7 +5997,7 @@
         </p:nvCxnSpPr>
         <p:spPr>
           <a:xfrm flipV="1">
-            <a:off x="4415165" y="7711815"/>
+            <a:off x="4415165" y="6994265"/>
             <a:ext cx="448417" cy="1756"/>
           </a:xfrm>
           <a:prstGeom prst="bentConnector3">
@@ -6101,7 +6041,7 @@
         </p:nvSpPr>
         <p:spPr>
           <a:xfrm>
-            <a:off x="3040942" y="6505831"/>
+            <a:off x="3040942" y="5788281"/>
             <a:ext cx="4551238" cy="764168"/>
           </a:xfrm>
           <a:prstGeom prst="rect">
@@ -6154,7 +6094,7 @@
         </p:nvSpPr>
         <p:spPr>
           <a:xfrm>
-            <a:off x="2408056" y="6657084"/>
+            <a:off x="2408056" y="5939534"/>
             <a:ext cx="799687" cy="461665"/>
           </a:xfrm>
           <a:prstGeom prst="rect">
@@ -6218,8 +6158,8 @@
         </p:nvCxnSpPr>
         <p:spPr>
           <a:xfrm rot="10800000">
-            <a:off x="3572988" y="6838347"/>
-            <a:ext cx="624811" cy="1551093"/>
+            <a:off x="3572988" y="6120797"/>
+            <a:ext cx="624811" cy="2211493"/>
           </a:xfrm>
           <a:prstGeom prst="bentConnector3">
             <a:avLst>
@@ -6262,7 +6202,7 @@
         </p:nvSpPr>
         <p:spPr>
           <a:xfrm>
-            <a:off x="4863582" y="6693222"/>
+            <a:off x="4863582" y="5975672"/>
             <a:ext cx="926281" cy="287953"/>
           </a:xfrm>
           <a:prstGeom prst="roundRect">
@@ -6322,7 +6262,7 @@
         </p:nvSpPr>
         <p:spPr>
           <a:xfrm>
-            <a:off x="3572987" y="6694369"/>
+            <a:off x="3572987" y="5976819"/>
             <a:ext cx="926281" cy="287953"/>
           </a:xfrm>
           <a:prstGeom prst="roundRect">
@@ -6386,13 +6326,13 @@
         </p:nvCxnSpPr>
         <p:spPr>
           <a:xfrm rot="10800000" flipH="1">
-            <a:off x="4197797" y="6981175"/>
-            <a:ext cx="1128925" cy="1408264"/>
+            <a:off x="4197797" y="6263625"/>
+            <a:ext cx="1128925" cy="2068664"/>
           </a:xfrm>
           <a:prstGeom prst="bentConnector4">
             <a:avLst>
-              <a:gd name="adj1" fmla="val -75597"/>
-              <a:gd name="adj2" fmla="val 89351"/>
+              <a:gd name="adj1" fmla="val -75372"/>
+              <a:gd name="adj2" fmla="val 91769"/>
             </a:avLst>
           </a:prstGeom>
           <a:ln w="12700">
@@ -6435,7 +6375,7 @@
         </p:nvCxnSpPr>
         <p:spPr>
           <a:xfrm flipV="1">
-            <a:off x="4499266" y="6837199"/>
+            <a:off x="4499266" y="6119649"/>
             <a:ext cx="364314" cy="1147"/>
           </a:xfrm>
           <a:prstGeom prst="bentConnector3">
@@ -6479,7 +6419,7 @@
         </p:nvSpPr>
         <p:spPr>
           <a:xfrm>
-            <a:off x="6160550" y="6694604"/>
+            <a:off x="6160550" y="5977054"/>
             <a:ext cx="926281" cy="287953"/>
           </a:xfrm>
           <a:prstGeom prst="roundRect">
@@ -6543,7 +6483,7 @@
         </p:nvCxnSpPr>
         <p:spPr>
           <a:xfrm rot="10800000">
-            <a:off x="5789864" y="6837197"/>
+            <a:off x="5789864" y="6119647"/>
             <a:ext cx="370687" cy="1382"/>
           </a:xfrm>
           <a:prstGeom prst="bentConnector3">
@@ -6591,8 +6531,8 @@
         </p:nvCxnSpPr>
         <p:spPr>
           <a:xfrm rot="16200000" flipV="1">
-            <a:off x="5138300" y="6504798"/>
-            <a:ext cx="375253" cy="1595"/>
+            <a:off x="5157349" y="5806297"/>
+            <a:ext cx="337153" cy="1597"/>
           </a:xfrm>
           <a:prstGeom prst="bentConnector3">
             <a:avLst>
@@ -6635,7 +6575,7 @@
         </p:nvSpPr>
         <p:spPr>
           <a:xfrm>
-            <a:off x="4810760" y="5827876"/>
+            <a:off x="4810760" y="5148426"/>
             <a:ext cx="1028732" cy="490093"/>
           </a:xfrm>
           <a:prstGeom prst="flowChartMagneticDisk">
@@ -6694,8 +6634,8 @@
         </p:nvCxnSpPr>
         <p:spPr>
           <a:xfrm>
-            <a:off x="5839494" y="6072923"/>
-            <a:ext cx="784197" cy="621681"/>
+            <a:off x="5839492" y="5393473"/>
+            <a:ext cx="784199" cy="583581"/>
           </a:xfrm>
           <a:prstGeom prst="bentConnector2">
             <a:avLst/>
@@ -6736,7 +6676,7 @@
         </p:nvSpPr>
         <p:spPr>
           <a:xfrm>
-            <a:off x="1604937" y="4675367"/>
+            <a:off x="1604937" y="3957817"/>
             <a:ext cx="819256" cy="584775"/>
           </a:xfrm>
           <a:prstGeom prst="rect">
@@ -6780,7 +6720,7 @@
         </p:nvSpPr>
         <p:spPr>
           <a:xfrm>
-            <a:off x="2554796" y="4333461"/>
+            <a:off x="2554796" y="3615911"/>
             <a:ext cx="5577839" cy="1268589"/>
           </a:xfrm>
           <a:prstGeom prst="rect">
@@ -6833,7 +6773,7 @@
         </p:nvSpPr>
         <p:spPr>
           <a:xfrm>
-            <a:off x="3342078" y="4683197"/>
+            <a:off x="3342078" y="3965647"/>
             <a:ext cx="818211" cy="246453"/>
           </a:xfrm>
           <a:prstGeom prst="roundRect">
@@ -6893,7 +6833,7 @@
         </p:nvSpPr>
         <p:spPr>
           <a:xfrm>
-            <a:off x="3334892" y="5257845"/>
+            <a:off x="3334892" y="4540295"/>
             <a:ext cx="819256" cy="246453"/>
           </a:xfrm>
           <a:prstGeom prst="roundRect">
@@ -6953,7 +6893,7 @@
         </p:nvSpPr>
         <p:spPr>
           <a:xfrm>
-            <a:off x="3334892" y="4968812"/>
+            <a:off x="3334892" y="4251262"/>
             <a:ext cx="819256" cy="246453"/>
           </a:xfrm>
           <a:prstGeom prst="roundRect">
@@ -7013,7 +6953,7 @@
         </p:nvSpPr>
         <p:spPr>
           <a:xfrm>
-            <a:off x="4748633" y="4469048"/>
+            <a:off x="4748633" y="3751498"/>
             <a:ext cx="1139131" cy="246453"/>
           </a:xfrm>
           <a:prstGeom prst="roundRect">
@@ -7075,7 +7015,7 @@
         </p:nvCxnSpPr>
         <p:spPr>
           <a:xfrm flipH="1" flipV="1">
-            <a:off x="5318197" y="4741614"/>
+            <a:off x="5318197" y="4024064"/>
             <a:ext cx="110" cy="223431"/>
           </a:xfrm>
           <a:prstGeom prst="straightConnector1">
@@ -7119,7 +7059,7 @@
         </p:nvCxnSpPr>
         <p:spPr>
           <a:xfrm>
-            <a:off x="4326874" y="5097123"/>
+            <a:off x="4326874" y="4379573"/>
             <a:ext cx="228512" cy="0"/>
           </a:xfrm>
           <a:prstGeom prst="straightConnector1">
@@ -7163,7 +7103,7 @@
         </p:nvCxnSpPr>
         <p:spPr>
           <a:xfrm flipV="1">
-            <a:off x="5315828" y="4165209"/>
+            <a:off x="5315828" y="3447659"/>
             <a:ext cx="0" cy="303839"/>
           </a:xfrm>
           <a:prstGeom prst="straightConnector1">
@@ -7205,7 +7145,7 @@
         </p:nvSpPr>
         <p:spPr>
           <a:xfrm>
-            <a:off x="1604937" y="3620269"/>
+            <a:off x="1604937" y="2902719"/>
             <a:ext cx="819256" cy="584775"/>
           </a:xfrm>
           <a:prstGeom prst="rect">
@@ -7249,7 +7189,7 @@
         </p:nvSpPr>
         <p:spPr>
           <a:xfrm>
-            <a:off x="2554795" y="3641441"/>
+            <a:off x="2554795" y="2923891"/>
             <a:ext cx="5577838" cy="516604"/>
           </a:xfrm>
           <a:prstGeom prst="rect">
@@ -7302,7 +7242,7 @@
         </p:nvSpPr>
         <p:spPr>
           <a:xfrm>
-            <a:off x="4780082" y="4962871"/>
+            <a:off x="4780082" y="4245321"/>
             <a:ext cx="1082348" cy="307777"/>
           </a:xfrm>
           <a:prstGeom prst="rect">
@@ -7352,7 +7292,7 @@
         </p:nvSpPr>
         <p:spPr>
           <a:xfrm>
-            <a:off x="4527803" y="3758769"/>
+            <a:off x="4527803" y="3041219"/>
             <a:ext cx="1383712" cy="307777"/>
           </a:xfrm>
           <a:prstGeom prst="rect">
@@ -7428,8 +7368,8 @@
         </p:nvCxnSpPr>
         <p:spPr>
           <a:xfrm rot="16200000" flipV="1">
-            <a:off x="5044577" y="5547325"/>
-            <a:ext cx="557228" cy="3870"/>
+            <a:off x="5025527" y="4848827"/>
+            <a:ext cx="595328" cy="3870"/>
           </a:xfrm>
           <a:prstGeom prst="bentConnector3">
             <a:avLst>
@@ -7863,8 +7803,8 @@
         </p:nvCxnSpPr>
         <p:spPr>
           <a:xfrm rot="16200000" flipV="1">
-            <a:off x="5818773" y="8149384"/>
-            <a:ext cx="485981" cy="1475858"/>
+            <a:off x="5790198" y="8120809"/>
+            <a:ext cx="543131" cy="1475858"/>
           </a:xfrm>
           <a:prstGeom prst="bentConnector3">
             <a:avLst>
@@ -7911,8 +7851,8 @@
         </p:nvCxnSpPr>
         <p:spPr>
           <a:xfrm rot="5400000" flipH="1" flipV="1">
-            <a:off x="4336703" y="8143244"/>
-            <a:ext cx="486053" cy="1488210"/>
+            <a:off x="4308128" y="8114669"/>
+            <a:ext cx="543203" cy="1488210"/>
           </a:xfrm>
           <a:prstGeom prst="bentConnector3">
             <a:avLst>
@@ -7959,12 +7899,12 @@
         </p:nvCxnSpPr>
         <p:spPr>
           <a:xfrm flipH="1" flipV="1">
-            <a:off x="5862430" y="5116760"/>
-            <a:ext cx="1670678" cy="9267916"/>
+            <a:off x="5862430" y="4399210"/>
+            <a:ext cx="1670678" cy="9985466"/>
           </a:xfrm>
           <a:prstGeom prst="bentConnector3">
             <a:avLst>
-              <a:gd name="adj1" fmla="val -20611"/>
+              <a:gd name="adj1" fmla="val -13683"/>
             </a:avLst>
           </a:prstGeom>
           <a:ln w="12700">
@@ -8003,7 +7943,7 @@
         </p:nvSpPr>
         <p:spPr>
           <a:xfrm>
-            <a:off x="6477691" y="4876594"/>
+            <a:off x="6477691" y="4159044"/>
             <a:ext cx="761245" cy="230832"/>
           </a:xfrm>
           <a:prstGeom prst="rect">
@@ -8048,7 +7988,7 @@
         </p:nvSpPr>
         <p:spPr>
           <a:xfrm>
-            <a:off x="4174722" y="7936069"/>
+            <a:off x="4174722" y="7878919"/>
             <a:ext cx="761245" cy="215444"/>
           </a:xfrm>
           <a:prstGeom prst="rect">
@@ -8095,6 +8035,174 @@
           </a:p>
         </p:txBody>
       </p:sp>
+      <p:sp>
+        <p:nvSpPr>
+          <p:cNvPr id="81" name="Rectangle: Rounded Corners 80">
+            <a:extLst>
+              <a:ext uri="{FF2B5EF4-FFF2-40B4-BE49-F238E27FC236}">
+                <a16:creationId xmlns:a16="http://schemas.microsoft.com/office/drawing/2014/main" id="{0680DED7-E511-420C-8EB5-86A5EAF4089C}"/>
+              </a:ext>
+            </a:extLst>
+          </p:cNvPr>
+          <p:cNvSpPr/>
+          <p:nvPr/>
+        </p:nvSpPr>
+        <p:spPr>
+          <a:xfrm>
+            <a:off x="4863582" y="6850290"/>
+            <a:ext cx="926281" cy="287953"/>
+          </a:xfrm>
+          <a:prstGeom prst="roundRect">
+            <a:avLst/>
+          </a:prstGeom>
+          <a:ln>
+            <a:headEnd type="none" w="med" len="med"/>
+            <a:tailEnd type="none" w="med" len="med"/>
+          </a:ln>
+        </p:spPr>
+        <p:style>
+          <a:lnRef idx="1">
+            <a:schemeClr val="accent1"/>
+          </a:lnRef>
+          <a:fillRef idx="2">
+            <a:schemeClr val="accent1"/>
+          </a:fillRef>
+          <a:effectRef idx="1">
+            <a:schemeClr val="accent1"/>
+          </a:effectRef>
+          <a:fontRef idx="minor">
+            <a:schemeClr val="dk1"/>
+          </a:fontRef>
+        </p:style>
+        <p:txBody>
+          <a:bodyPr rtlCol="0" anchor="ctr"/>
+          <a:lstStyle/>
+          <a:p>
+            <a:pPr algn="ctr"/>
+            <a:r>
+              <a:rPr lang="zh-CN" altLang="en-US" sz="1000" b="1" dirty="0">
+                <a:solidFill>
+                  <a:schemeClr val="tx1"/>
+                </a:solidFill>
+              </a:rPr>
+              <a:t>知识合并</a:t>
+            </a:r>
+            <a:endParaRPr lang="en-US" sz="1000" b="1" dirty="0">
+              <a:solidFill>
+                <a:schemeClr val="tx1"/>
+              </a:solidFill>
+            </a:endParaRPr>
+          </a:p>
+        </p:txBody>
+      </p:sp>
+      <p:sp>
+        <p:nvSpPr>
+          <p:cNvPr id="107" name="Rectangle: Rounded Corners 106">
+            <a:extLst>
+              <a:ext uri="{FF2B5EF4-FFF2-40B4-BE49-F238E27FC236}">
+                <a16:creationId xmlns:a16="http://schemas.microsoft.com/office/drawing/2014/main" id="{3E4A64AA-72F2-73BA-CF42-26609B7D383A}"/>
+              </a:ext>
+            </a:extLst>
+          </p:cNvPr>
+          <p:cNvSpPr/>
+          <p:nvPr/>
+        </p:nvSpPr>
+        <p:spPr>
+          <a:xfrm>
+            <a:off x="4806014" y="7425049"/>
+            <a:ext cx="1037486" cy="302748"/>
+          </a:xfrm>
+          <a:prstGeom prst="roundRect">
+            <a:avLst/>
+          </a:prstGeom>
+          <a:ln>
+            <a:headEnd type="none" w="med" len="med"/>
+            <a:tailEnd type="none" w="med" len="med"/>
+          </a:ln>
+        </p:spPr>
+        <p:style>
+          <a:lnRef idx="1">
+            <a:schemeClr val="accent2"/>
+          </a:lnRef>
+          <a:fillRef idx="2">
+            <a:schemeClr val="accent2"/>
+          </a:fillRef>
+          <a:effectRef idx="1">
+            <a:schemeClr val="accent2"/>
+          </a:effectRef>
+          <a:fontRef idx="minor">
+            <a:schemeClr val="dk1"/>
+          </a:fontRef>
+        </p:style>
+        <p:txBody>
+          <a:bodyPr rtlCol="0" anchor="ctr"/>
+          <a:lstStyle/>
+          <a:p>
+            <a:pPr algn="ctr"/>
+            <a:r>
+              <a:rPr lang="zh-CN" altLang="en-US" sz="1000" b="1" dirty="0">
+                <a:solidFill>
+                  <a:schemeClr val="tx1"/>
+                </a:solidFill>
+              </a:rPr>
+              <a:t>跨模态融合</a:t>
+            </a:r>
+            <a:endParaRPr lang="en-US" sz="1000" b="1" dirty="0">
+              <a:solidFill>
+                <a:schemeClr val="tx1"/>
+              </a:solidFill>
+            </a:endParaRPr>
+          </a:p>
+        </p:txBody>
+      </p:sp>
+      <p:cxnSp>
+        <p:nvCxnSpPr>
+          <p:cNvPr id="110" name="Connector: Elbow 109">
+            <a:extLst>
+              <a:ext uri="{FF2B5EF4-FFF2-40B4-BE49-F238E27FC236}">
+                <a16:creationId xmlns:a16="http://schemas.microsoft.com/office/drawing/2014/main" id="{CE77E762-D6A5-07DF-5DBC-212E20716623}"/>
+              </a:ext>
+            </a:extLst>
+          </p:cNvPr>
+          <p:cNvCxnSpPr>
+            <a:cxnSpLocks/>
+            <a:stCxn id="76" idx="0"/>
+            <a:endCxn id="107" idx="2"/>
+          </p:cNvCxnSpPr>
+          <p:nvPr/>
+        </p:nvCxnSpPr>
+        <p:spPr>
+          <a:xfrm rot="5400000" flipH="1" flipV="1">
+            <a:off x="5149491" y="7902141"/>
+            <a:ext cx="349609" cy="923"/>
+          </a:xfrm>
+          <a:prstGeom prst="bentConnector3">
+            <a:avLst>
+              <a:gd name="adj1" fmla="val 50000"/>
+            </a:avLst>
+          </a:prstGeom>
+          <a:ln w="12700">
+            <a:solidFill>
+              <a:srgbClr val="FF0000"/>
+            </a:solidFill>
+            <a:tailEnd type="triangle"/>
+          </a:ln>
+        </p:spPr>
+        <p:style>
+          <a:lnRef idx="1">
+            <a:schemeClr val="accent1"/>
+          </a:lnRef>
+          <a:fillRef idx="0">
+            <a:schemeClr val="accent1"/>
+          </a:fillRef>
+          <a:effectRef idx="0">
+            <a:schemeClr val="accent1"/>
+          </a:effectRef>
+          <a:fontRef idx="minor">
+            <a:schemeClr val="tx1"/>
+          </a:fontRef>
+        </p:style>
+      </p:cxnSp>
     </p:spTree>
     <p:extLst>
       <p:ext uri="{BB962C8B-B14F-4D97-AF65-F5344CB8AC3E}">
